--- a/Fruitvliegen_Presentatie.pptx
+++ b/Fruitvliegen_Presentatie.pptx
@@ -8,9 +8,15 @@
     <p:sldId id="256" r:id="rId2"/>
     <p:sldId id="257" r:id="rId3"/>
     <p:sldId id="258" r:id="rId4"/>
-    <p:sldId id="259" r:id="rId5"/>
-    <p:sldId id="260" r:id="rId6"/>
-    <p:sldId id="261" r:id="rId7"/>
+    <p:sldId id="264" r:id="rId5"/>
+    <p:sldId id="259" r:id="rId6"/>
+    <p:sldId id="265" r:id="rId7"/>
+    <p:sldId id="266" r:id="rId8"/>
+    <p:sldId id="267" r:id="rId9"/>
+    <p:sldId id="268" r:id="rId10"/>
+    <p:sldId id="261" r:id="rId11"/>
+    <p:sldId id="262" r:id="rId12"/>
+    <p:sldId id="263" r:id="rId13"/>
   </p:sldIdLst>
   <p:sldSz cx="9144000" cy="6858000" type="screen4x3"/>
   <p:notesSz cx="6858000" cy="9144000"/>
@@ -307,7 +313,7 @@
             <a:fld id="{1D8BD707-D9CF-40AE-B4C6-C98DA3205C09}" type="datetimeFigureOut">
               <a:rPr lang="en-US" smtClean="0"/>
               <a:pPr/>
-              <a:t>11/26/2015</a:t>
+              <a:t>12/15/2015</a:t>
             </a:fld>
             <a:endParaRPr lang="en-US"/>
           </a:p>
@@ -474,7 +480,7 @@
             <a:fld id="{1D8BD707-D9CF-40AE-B4C6-C98DA3205C09}" type="datetimeFigureOut">
               <a:rPr lang="en-US" smtClean="0"/>
               <a:pPr/>
-              <a:t>11/26/2015</a:t>
+              <a:t>12/15/2015</a:t>
             </a:fld>
             <a:endParaRPr lang="en-US"/>
           </a:p>
@@ -651,7 +657,7 @@
             <a:fld id="{1D8BD707-D9CF-40AE-B4C6-C98DA3205C09}" type="datetimeFigureOut">
               <a:rPr lang="en-US" smtClean="0"/>
               <a:pPr/>
-              <a:t>11/26/2015</a:t>
+              <a:t>12/15/2015</a:t>
             </a:fld>
             <a:endParaRPr lang="en-US"/>
           </a:p>
@@ -818,7 +824,7 @@
             <a:fld id="{1D8BD707-D9CF-40AE-B4C6-C98DA3205C09}" type="datetimeFigureOut">
               <a:rPr lang="en-US" smtClean="0"/>
               <a:pPr/>
-              <a:t>11/26/2015</a:t>
+              <a:t>12/15/2015</a:t>
             </a:fld>
             <a:endParaRPr lang="en-US"/>
           </a:p>
@@ -1061,7 +1067,7 @@
             <a:fld id="{1D8BD707-D9CF-40AE-B4C6-C98DA3205C09}" type="datetimeFigureOut">
               <a:rPr lang="en-US" smtClean="0"/>
               <a:pPr/>
-              <a:t>11/26/2015</a:t>
+              <a:t>12/15/2015</a:t>
             </a:fld>
             <a:endParaRPr lang="en-US"/>
           </a:p>
@@ -1346,7 +1352,7 @@
             <a:fld id="{1D8BD707-D9CF-40AE-B4C6-C98DA3205C09}" type="datetimeFigureOut">
               <a:rPr lang="en-US" smtClean="0"/>
               <a:pPr/>
-              <a:t>11/26/2015</a:t>
+              <a:t>12/15/2015</a:t>
             </a:fld>
             <a:endParaRPr lang="en-US"/>
           </a:p>
@@ -1777,7 +1783,7 @@
             <a:fld id="{1D8BD707-D9CF-40AE-B4C6-C98DA3205C09}" type="datetimeFigureOut">
               <a:rPr lang="en-US" smtClean="0"/>
               <a:pPr/>
-              <a:t>11/26/2015</a:t>
+              <a:t>12/15/2015</a:t>
             </a:fld>
             <a:endParaRPr lang="en-US"/>
           </a:p>
@@ -1892,7 +1898,7 @@
             <a:fld id="{1D8BD707-D9CF-40AE-B4C6-C98DA3205C09}" type="datetimeFigureOut">
               <a:rPr lang="en-US" smtClean="0"/>
               <a:pPr/>
-              <a:t>11/26/2015</a:t>
+              <a:t>12/15/2015</a:t>
             </a:fld>
             <a:endParaRPr lang="en-US"/>
           </a:p>
@@ -1984,7 +1990,7 @@
             <a:fld id="{1D8BD707-D9CF-40AE-B4C6-C98DA3205C09}" type="datetimeFigureOut">
               <a:rPr lang="en-US" smtClean="0"/>
               <a:pPr/>
-              <a:t>11/26/2015</a:t>
+              <a:t>12/15/2015</a:t>
             </a:fld>
             <a:endParaRPr lang="en-US"/>
           </a:p>
@@ -2175,7 +2181,7 @@
             <a:fld id="{1D8BD707-D9CF-40AE-B4C6-C98DA3205C09}" type="datetimeFigureOut">
               <a:rPr lang="en-US" smtClean="0"/>
               <a:pPr/>
-              <a:t>11/26/2015</a:t>
+              <a:t>12/15/2015</a:t>
             </a:fld>
             <a:endParaRPr lang="en-US"/>
           </a:p>
@@ -2495,7 +2501,7 @@
             <a:fld id="{1D8BD707-D9CF-40AE-B4C6-C98DA3205C09}" type="datetimeFigureOut">
               <a:rPr lang="en-US" smtClean="0"/>
               <a:pPr/>
-              <a:t>11/26/2015</a:t>
+              <a:t>12/15/2015</a:t>
             </a:fld>
             <a:endParaRPr lang="en-US"/>
           </a:p>
@@ -2877,7 +2883,7 @@
             <a:fld id="{1D8BD707-D9CF-40AE-B4C6-C98DA3205C09}" type="datetimeFigureOut">
               <a:rPr lang="en-US" smtClean="0"/>
               <a:pPr/>
-              <a:t>11/26/2015</a:t>
+              <a:t>12/15/2015</a:t>
             </a:fld>
             <a:endParaRPr lang="en-US"/>
           </a:p>
@@ -3271,6 +3277,2605 @@
 </p:sld>
 </file>
 
+<file path=ppt/slides/slide10.xml><?xml version="1.0" encoding="utf-8"?>
+<p:sld xmlns:a="http://schemas.openxmlformats.org/drawingml/2006/main" xmlns:r="http://schemas.openxmlformats.org/officeDocument/2006/relationships" xmlns:p="http://schemas.openxmlformats.org/presentationml/2006/main">
+  <p:cSld>
+    <p:spTree>
+      <p:nvGrpSpPr>
+        <p:cNvPr id="1" name=""/>
+        <p:cNvGrpSpPr/>
+        <p:nvPr/>
+      </p:nvGrpSpPr>
+      <p:grpSpPr>
+        <a:xfrm>
+          <a:off x="0" y="0"/>
+          <a:ext cx="0" cy="0"/>
+          <a:chOff x="0" y="0"/>
+          <a:chExt cx="0" cy="0"/>
+        </a:xfrm>
+      </p:grpSpPr>
+      <p:sp>
+        <p:nvSpPr>
+          <p:cNvPr id="2" name="Title 1"/>
+          <p:cNvSpPr>
+            <a:spLocks noGrp="1"/>
+          </p:cNvSpPr>
+          <p:nvPr>
+            <p:ph type="title"/>
+          </p:nvPr>
+        </p:nvSpPr>
+        <p:spPr/>
+        <p:txBody>
+          <a:bodyPr/>
+          <a:lstStyle/>
+          <a:p>
+            <a:r>
+              <a:rPr lang="nl-NL" dirty="0" smtClean="0"/>
+              <a:t>Resultaten: fruitvlieg</a:t>
+            </a:r>
+            <a:endParaRPr lang="nl-NL" dirty="0"/>
+          </a:p>
+        </p:txBody>
+      </p:sp>
+      <p:sp>
+        <p:nvSpPr>
+          <p:cNvPr id="3" name="Content Placeholder 2"/>
+          <p:cNvSpPr>
+            <a:spLocks noGrp="1"/>
+          </p:cNvSpPr>
+          <p:nvPr>
+            <p:ph idx="1"/>
+          </p:nvPr>
+        </p:nvSpPr>
+        <p:spPr/>
+        <p:txBody>
+          <a:bodyPr/>
+          <a:lstStyle/>
+          <a:p>
+            <a:r>
+              <a:rPr lang="nl-NL" dirty="0" smtClean="0"/>
+              <a:t>BeamSearch beste performance inversies &amp; genen verplaatst</a:t>
+            </a:r>
+          </a:p>
+          <a:p>
+            <a:r>
+              <a:rPr lang="nl-NL" dirty="0" smtClean="0"/>
+              <a:t>EditStar zelfde aantal inversies, maar meer genen verplaatst</a:t>
+            </a:r>
+          </a:p>
+          <a:p>
+            <a:r>
+              <a:rPr lang="nl-NL" dirty="0" smtClean="0"/>
+              <a:t>EditStar wel veel sneller:  15sec vs. 1.5 uur</a:t>
+            </a:r>
+          </a:p>
+          <a:p>
+            <a:endParaRPr lang="nl-NL" dirty="0"/>
+          </a:p>
+          <a:p>
+            <a:endParaRPr lang="nl-NL" dirty="0"/>
+          </a:p>
+        </p:txBody>
+      </p:sp>
+      <p:graphicFrame>
+        <p:nvGraphicFramePr>
+          <p:cNvPr id="6" name="Table 5"/>
+          <p:cNvGraphicFramePr>
+            <a:graphicFrameLocks noGrp="1"/>
+          </p:cNvGraphicFramePr>
+          <p:nvPr>
+            <p:extLst>
+              <p:ext uri="{D42A27DB-BD31-4B8C-83A1-F6EECF244321}">
+                <p14:modId xmlns:p14="http://schemas.microsoft.com/office/powerpoint/2010/main" val="3423451456"/>
+              </p:ext>
+            </p:extLst>
+          </p:nvPr>
+        </p:nvGraphicFramePr>
+        <p:xfrm>
+          <a:off x="685800" y="3429000"/>
+          <a:ext cx="7239000" cy="2667000"/>
+        </p:xfrm>
+        <a:graphic>
+          <a:graphicData uri="http://schemas.openxmlformats.org/drawingml/2006/table">
+            <a:tbl>
+              <a:tblPr firstRow="1" firstCol="1" bandRow="1">
+                <a:tableStyleId>{5C22544A-7EE6-4342-B048-85BDC9FD1C3A}</a:tableStyleId>
+              </a:tblPr>
+              <a:tblGrid>
+                <a:gridCol w="1788395"/>
+                <a:gridCol w="1788395"/>
+                <a:gridCol w="2011265"/>
+                <a:gridCol w="1650945"/>
+              </a:tblGrid>
+              <a:tr h="333375">
+                <a:tc>
+                  <a:txBody>
+                    <a:bodyPr/>
+                    <a:lstStyle/>
+                    <a:p>
+                      <a:pPr algn="l">
+                        <a:lnSpc>
+                          <a:spcPct val="150000"/>
+                        </a:lnSpc>
+                        <a:spcAft>
+                          <a:spcPts val="0"/>
+                        </a:spcAft>
+                      </a:pPr>
+                      <a:r>
+                        <a:rPr lang="nl-NL" sz="1200">
+                          <a:effectLst/>
+                        </a:rPr>
+                        <a:t> </a:t>
+                      </a:r>
+                      <a:endParaRPr lang="nl-NL" sz="1100">
+                        <a:effectLst/>
+                        <a:latin typeface="Calibri"/>
+                        <a:ea typeface="Calibri"/>
+                        <a:cs typeface="Times New Roman"/>
+                      </a:endParaRPr>
+                    </a:p>
+                  </a:txBody>
+                  <a:tcPr marL="68580" marR="68580" marT="0" marB="0"/>
+                </a:tc>
+                <a:tc>
+                  <a:txBody>
+                    <a:bodyPr/>
+                    <a:lstStyle/>
+                    <a:p>
+                      <a:pPr algn="l">
+                        <a:lnSpc>
+                          <a:spcPct val="150000"/>
+                        </a:lnSpc>
+                        <a:spcAft>
+                          <a:spcPts val="0"/>
+                        </a:spcAft>
+                      </a:pPr>
+                      <a:r>
+                        <a:rPr lang="nl-NL" sz="1200">
+                          <a:effectLst/>
+                        </a:rPr>
+                        <a:t>Aantal inversies</a:t>
+                      </a:r>
+                      <a:endParaRPr lang="nl-NL" sz="1100">
+                        <a:effectLst/>
+                        <a:latin typeface="Calibri"/>
+                        <a:ea typeface="Calibri"/>
+                        <a:cs typeface="Times New Roman"/>
+                      </a:endParaRPr>
+                    </a:p>
+                  </a:txBody>
+                  <a:tcPr marL="68580" marR="68580" marT="0" marB="0"/>
+                </a:tc>
+                <a:tc>
+                  <a:txBody>
+                    <a:bodyPr/>
+                    <a:lstStyle/>
+                    <a:p>
+                      <a:pPr algn="l">
+                        <a:lnSpc>
+                          <a:spcPct val="150000"/>
+                        </a:lnSpc>
+                        <a:spcAft>
+                          <a:spcPts val="0"/>
+                        </a:spcAft>
+                      </a:pPr>
+                      <a:r>
+                        <a:rPr lang="nl-NL" sz="1200">
+                          <a:effectLst/>
+                        </a:rPr>
+                        <a:t>Gem. grootte inversies</a:t>
+                      </a:r>
+                      <a:endParaRPr lang="nl-NL" sz="1100">
+                        <a:effectLst/>
+                        <a:latin typeface="Calibri"/>
+                        <a:ea typeface="Calibri"/>
+                        <a:cs typeface="Times New Roman"/>
+                      </a:endParaRPr>
+                    </a:p>
+                  </a:txBody>
+                  <a:tcPr marL="68580" marR="68580" marT="0" marB="0"/>
+                </a:tc>
+                <a:tc>
+                  <a:txBody>
+                    <a:bodyPr/>
+                    <a:lstStyle/>
+                    <a:p>
+                      <a:pPr algn="l">
+                        <a:lnSpc>
+                          <a:spcPct val="150000"/>
+                        </a:lnSpc>
+                        <a:spcAft>
+                          <a:spcPts val="0"/>
+                        </a:spcAft>
+                      </a:pPr>
+                      <a:r>
+                        <a:rPr lang="nl-NL" sz="1200">
+                          <a:effectLst/>
+                        </a:rPr>
+                        <a:t>Genen verplaatst</a:t>
+                      </a:r>
+                      <a:endParaRPr lang="nl-NL" sz="1100">
+                        <a:effectLst/>
+                        <a:latin typeface="Calibri"/>
+                        <a:ea typeface="Calibri"/>
+                        <a:cs typeface="Times New Roman"/>
+                      </a:endParaRPr>
+                    </a:p>
+                  </a:txBody>
+                  <a:tcPr marL="68580" marR="68580" marT="0" marB="0"/>
+                </a:tc>
+              </a:tr>
+              <a:tr h="333375">
+                <a:tc>
+                  <a:txBody>
+                    <a:bodyPr/>
+                    <a:lstStyle/>
+                    <a:p>
+                      <a:pPr algn="l">
+                        <a:lnSpc>
+                          <a:spcPct val="150000"/>
+                        </a:lnSpc>
+                        <a:spcAft>
+                          <a:spcPts val="0"/>
+                        </a:spcAft>
+                      </a:pPr>
+                      <a:r>
+                        <a:rPr lang="nl-NL" sz="1200">
+                          <a:effectLst/>
+                        </a:rPr>
+                        <a:t>Find&amp;Swap</a:t>
+                      </a:r>
+                      <a:endParaRPr lang="nl-NL" sz="1100">
+                        <a:effectLst/>
+                        <a:latin typeface="Calibri"/>
+                        <a:ea typeface="Calibri"/>
+                        <a:cs typeface="Times New Roman"/>
+                      </a:endParaRPr>
+                    </a:p>
+                  </a:txBody>
+                  <a:tcPr marL="68580" marR="68580" marT="0" marB="0"/>
+                </a:tc>
+                <a:tc>
+                  <a:txBody>
+                    <a:bodyPr/>
+                    <a:lstStyle/>
+                    <a:p>
+                      <a:pPr algn="l">
+                        <a:lnSpc>
+                          <a:spcPct val="150000"/>
+                        </a:lnSpc>
+                        <a:spcAft>
+                          <a:spcPts val="0"/>
+                        </a:spcAft>
+                      </a:pPr>
+                      <a:r>
+                        <a:rPr lang="nl-NL" sz="1200">
+                          <a:effectLst/>
+                        </a:rPr>
+                        <a:t>18</a:t>
+                      </a:r>
+                      <a:endParaRPr lang="nl-NL" sz="1100">
+                        <a:effectLst/>
+                        <a:latin typeface="Calibri"/>
+                        <a:ea typeface="Calibri"/>
+                        <a:cs typeface="Times New Roman"/>
+                      </a:endParaRPr>
+                    </a:p>
+                  </a:txBody>
+                  <a:tcPr marL="68580" marR="68580" marT="0" marB="0"/>
+                </a:tc>
+                <a:tc>
+                  <a:txBody>
+                    <a:bodyPr/>
+                    <a:lstStyle/>
+                    <a:p>
+                      <a:pPr algn="l">
+                        <a:lnSpc>
+                          <a:spcPct val="150000"/>
+                        </a:lnSpc>
+                        <a:spcAft>
+                          <a:spcPts val="0"/>
+                        </a:spcAft>
+                      </a:pPr>
+                      <a:r>
+                        <a:rPr lang="nl-NL" sz="1200">
+                          <a:effectLst/>
+                        </a:rPr>
+                        <a:t>8</a:t>
+                      </a:r>
+                      <a:endParaRPr lang="nl-NL" sz="1100">
+                        <a:effectLst/>
+                        <a:latin typeface="Calibri"/>
+                        <a:ea typeface="Calibri"/>
+                        <a:cs typeface="Times New Roman"/>
+                      </a:endParaRPr>
+                    </a:p>
+                  </a:txBody>
+                  <a:tcPr marL="68580" marR="68580" marT="0" marB="0"/>
+                </a:tc>
+                <a:tc>
+                  <a:txBody>
+                    <a:bodyPr/>
+                    <a:lstStyle/>
+                    <a:p>
+                      <a:pPr algn="l">
+                        <a:lnSpc>
+                          <a:spcPct val="150000"/>
+                        </a:lnSpc>
+                        <a:spcAft>
+                          <a:spcPts val="0"/>
+                        </a:spcAft>
+                      </a:pPr>
+                      <a:r>
+                        <a:rPr lang="nl-NL" sz="1200">
+                          <a:effectLst/>
+                        </a:rPr>
+                        <a:t>147</a:t>
+                      </a:r>
+                      <a:endParaRPr lang="nl-NL" sz="1100">
+                        <a:effectLst/>
+                        <a:latin typeface="Calibri"/>
+                        <a:ea typeface="Calibri"/>
+                        <a:cs typeface="Times New Roman"/>
+                      </a:endParaRPr>
+                    </a:p>
+                  </a:txBody>
+                  <a:tcPr marL="68580" marR="68580" marT="0" marB="0"/>
+                </a:tc>
+              </a:tr>
+              <a:tr h="333375">
+                <a:tc>
+                  <a:txBody>
+                    <a:bodyPr/>
+                    <a:lstStyle/>
+                    <a:p>
+                      <a:pPr algn="l">
+                        <a:lnSpc>
+                          <a:spcPct val="150000"/>
+                        </a:lnSpc>
+                        <a:spcAft>
+                          <a:spcPts val="0"/>
+                        </a:spcAft>
+                      </a:pPr>
+                      <a:r>
+                        <a:rPr lang="nl-NL" sz="1200">
+                          <a:effectLst/>
+                        </a:rPr>
+                        <a:t>Find&amp;SwapRev</a:t>
+                      </a:r>
+                      <a:endParaRPr lang="nl-NL" sz="1100">
+                        <a:effectLst/>
+                        <a:latin typeface="Calibri"/>
+                        <a:ea typeface="Calibri"/>
+                        <a:cs typeface="Times New Roman"/>
+                      </a:endParaRPr>
+                    </a:p>
+                  </a:txBody>
+                  <a:tcPr marL="68580" marR="68580" marT="0" marB="0"/>
+                </a:tc>
+                <a:tc>
+                  <a:txBody>
+                    <a:bodyPr/>
+                    <a:lstStyle/>
+                    <a:p>
+                      <a:pPr algn="l">
+                        <a:lnSpc>
+                          <a:spcPct val="150000"/>
+                        </a:lnSpc>
+                        <a:spcAft>
+                          <a:spcPts val="0"/>
+                        </a:spcAft>
+                      </a:pPr>
+                      <a:r>
+                        <a:rPr lang="nl-NL" sz="1200">
+                          <a:effectLst/>
+                        </a:rPr>
+                        <a:t>16</a:t>
+                      </a:r>
+                      <a:endParaRPr lang="nl-NL" sz="1100">
+                        <a:effectLst/>
+                        <a:latin typeface="Calibri"/>
+                        <a:ea typeface="Calibri"/>
+                        <a:cs typeface="Times New Roman"/>
+                      </a:endParaRPr>
+                    </a:p>
+                  </a:txBody>
+                  <a:tcPr marL="68580" marR="68580" marT="0" marB="0"/>
+                </a:tc>
+                <a:tc>
+                  <a:txBody>
+                    <a:bodyPr/>
+                    <a:lstStyle/>
+                    <a:p>
+                      <a:pPr algn="l">
+                        <a:lnSpc>
+                          <a:spcPct val="150000"/>
+                        </a:lnSpc>
+                        <a:spcAft>
+                          <a:spcPts val="0"/>
+                        </a:spcAft>
+                      </a:pPr>
+                      <a:r>
+                        <a:rPr lang="nl-NL" sz="1200">
+                          <a:effectLst/>
+                        </a:rPr>
+                        <a:t>10</a:t>
+                      </a:r>
+                      <a:endParaRPr lang="nl-NL" sz="1100">
+                        <a:effectLst/>
+                        <a:latin typeface="Calibri"/>
+                        <a:ea typeface="Calibri"/>
+                        <a:cs typeface="Times New Roman"/>
+                      </a:endParaRPr>
+                    </a:p>
+                  </a:txBody>
+                  <a:tcPr marL="68580" marR="68580" marT="0" marB="0"/>
+                </a:tc>
+                <a:tc>
+                  <a:txBody>
+                    <a:bodyPr/>
+                    <a:lstStyle/>
+                    <a:p>
+                      <a:pPr algn="l">
+                        <a:lnSpc>
+                          <a:spcPct val="150000"/>
+                        </a:lnSpc>
+                        <a:spcAft>
+                          <a:spcPts val="0"/>
+                        </a:spcAft>
+                      </a:pPr>
+                      <a:r>
+                        <a:rPr lang="nl-NL" sz="1200">
+                          <a:effectLst/>
+                        </a:rPr>
+                        <a:t>161</a:t>
+                      </a:r>
+                      <a:endParaRPr lang="nl-NL" sz="1100">
+                        <a:effectLst/>
+                        <a:latin typeface="Calibri"/>
+                        <a:ea typeface="Calibri"/>
+                        <a:cs typeface="Times New Roman"/>
+                      </a:endParaRPr>
+                    </a:p>
+                  </a:txBody>
+                  <a:tcPr marL="68580" marR="68580" marT="0" marB="0"/>
+                </a:tc>
+              </a:tr>
+              <a:tr h="333375">
+                <a:tc>
+                  <a:txBody>
+                    <a:bodyPr/>
+                    <a:lstStyle/>
+                    <a:p>
+                      <a:pPr algn="l">
+                        <a:lnSpc>
+                          <a:spcPct val="150000"/>
+                        </a:lnSpc>
+                        <a:spcAft>
+                          <a:spcPts val="0"/>
+                        </a:spcAft>
+                      </a:pPr>
+                      <a:r>
+                        <a:rPr lang="nl-NL" sz="1200" dirty="0">
+                          <a:effectLst/>
+                        </a:rPr>
+                        <a:t>Find&amp;SwapIteratief</a:t>
+                      </a:r>
+                      <a:endParaRPr lang="nl-NL" sz="1100" dirty="0">
+                        <a:effectLst/>
+                        <a:latin typeface="Calibri"/>
+                        <a:ea typeface="Calibri"/>
+                        <a:cs typeface="Times New Roman"/>
+                      </a:endParaRPr>
+                    </a:p>
+                  </a:txBody>
+                  <a:tcPr marL="68580" marR="68580" marT="0" marB="0"/>
+                </a:tc>
+                <a:tc>
+                  <a:txBody>
+                    <a:bodyPr/>
+                    <a:lstStyle/>
+                    <a:p>
+                      <a:pPr algn="l">
+                        <a:lnSpc>
+                          <a:spcPct val="150000"/>
+                        </a:lnSpc>
+                        <a:spcAft>
+                          <a:spcPts val="0"/>
+                        </a:spcAft>
+                      </a:pPr>
+                      <a:r>
+                        <a:rPr lang="nl-NL" sz="1200">
+                          <a:effectLst/>
+                        </a:rPr>
+                        <a:t>17</a:t>
+                      </a:r>
+                      <a:endParaRPr lang="nl-NL" sz="1100">
+                        <a:effectLst/>
+                        <a:latin typeface="Calibri"/>
+                        <a:ea typeface="Calibri"/>
+                        <a:cs typeface="Times New Roman"/>
+                      </a:endParaRPr>
+                    </a:p>
+                  </a:txBody>
+                  <a:tcPr marL="68580" marR="68580" marT="0" marB="0"/>
+                </a:tc>
+                <a:tc>
+                  <a:txBody>
+                    <a:bodyPr/>
+                    <a:lstStyle/>
+                    <a:p>
+                      <a:pPr algn="l">
+                        <a:lnSpc>
+                          <a:spcPct val="150000"/>
+                        </a:lnSpc>
+                        <a:spcAft>
+                          <a:spcPts val="0"/>
+                        </a:spcAft>
+                      </a:pPr>
+                      <a:r>
+                        <a:rPr lang="nl-NL" sz="1200">
+                          <a:effectLst/>
+                        </a:rPr>
+                        <a:t>11</a:t>
+                      </a:r>
+                      <a:endParaRPr lang="nl-NL" sz="1100">
+                        <a:effectLst/>
+                        <a:latin typeface="Calibri"/>
+                        <a:ea typeface="Calibri"/>
+                        <a:cs typeface="Times New Roman"/>
+                      </a:endParaRPr>
+                    </a:p>
+                  </a:txBody>
+                  <a:tcPr marL="68580" marR="68580" marT="0" marB="0"/>
+                </a:tc>
+                <a:tc>
+                  <a:txBody>
+                    <a:bodyPr/>
+                    <a:lstStyle/>
+                    <a:p>
+                      <a:pPr algn="l">
+                        <a:lnSpc>
+                          <a:spcPct val="150000"/>
+                        </a:lnSpc>
+                        <a:spcAft>
+                          <a:spcPts val="0"/>
+                        </a:spcAft>
+                      </a:pPr>
+                      <a:r>
+                        <a:rPr lang="nl-NL" sz="1200">
+                          <a:effectLst/>
+                        </a:rPr>
+                        <a:t>187</a:t>
+                      </a:r>
+                      <a:endParaRPr lang="nl-NL" sz="1100">
+                        <a:effectLst/>
+                        <a:latin typeface="Calibri"/>
+                        <a:ea typeface="Calibri"/>
+                        <a:cs typeface="Times New Roman"/>
+                      </a:endParaRPr>
+                    </a:p>
+                  </a:txBody>
+                  <a:tcPr marL="68580" marR="68580" marT="0" marB="0"/>
+                </a:tc>
+              </a:tr>
+              <a:tr h="333375">
+                <a:tc>
+                  <a:txBody>
+                    <a:bodyPr/>
+                    <a:lstStyle/>
+                    <a:p>
+                      <a:pPr algn="l">
+                        <a:lnSpc>
+                          <a:spcPct val="150000"/>
+                        </a:lnSpc>
+                        <a:spcAft>
+                          <a:spcPts val="0"/>
+                        </a:spcAft>
+                      </a:pPr>
+                      <a:r>
+                        <a:rPr lang="nl-NL" sz="1200">
+                          <a:effectLst/>
+                        </a:rPr>
+                        <a:t>Find&amp;SwapLoHi</a:t>
+                      </a:r>
+                      <a:endParaRPr lang="nl-NL" sz="1100">
+                        <a:effectLst/>
+                        <a:latin typeface="Calibri"/>
+                        <a:ea typeface="Calibri"/>
+                        <a:cs typeface="Times New Roman"/>
+                      </a:endParaRPr>
+                    </a:p>
+                  </a:txBody>
+                  <a:tcPr marL="68580" marR="68580" marT="0" marB="0"/>
+                </a:tc>
+                <a:tc>
+                  <a:txBody>
+                    <a:bodyPr/>
+                    <a:lstStyle/>
+                    <a:p>
+                      <a:pPr algn="l">
+                        <a:lnSpc>
+                          <a:spcPct val="150000"/>
+                        </a:lnSpc>
+                        <a:spcAft>
+                          <a:spcPts val="0"/>
+                        </a:spcAft>
+                      </a:pPr>
+                      <a:r>
+                        <a:rPr lang="nl-NL" sz="1200">
+                          <a:effectLst/>
+                        </a:rPr>
+                        <a:t>18</a:t>
+                      </a:r>
+                      <a:endParaRPr lang="nl-NL" sz="1100">
+                        <a:effectLst/>
+                        <a:latin typeface="Calibri"/>
+                        <a:ea typeface="Calibri"/>
+                        <a:cs typeface="Times New Roman"/>
+                      </a:endParaRPr>
+                    </a:p>
+                  </a:txBody>
+                  <a:tcPr marL="68580" marR="68580" marT="0" marB="0"/>
+                </a:tc>
+                <a:tc>
+                  <a:txBody>
+                    <a:bodyPr/>
+                    <a:lstStyle/>
+                    <a:p>
+                      <a:pPr algn="l">
+                        <a:lnSpc>
+                          <a:spcPct val="150000"/>
+                        </a:lnSpc>
+                        <a:spcAft>
+                          <a:spcPts val="0"/>
+                        </a:spcAft>
+                      </a:pPr>
+                      <a:r>
+                        <a:rPr lang="nl-NL" sz="1200">
+                          <a:effectLst/>
+                        </a:rPr>
+                        <a:t>10</a:t>
+                      </a:r>
+                      <a:endParaRPr lang="nl-NL" sz="1100">
+                        <a:effectLst/>
+                        <a:latin typeface="Calibri"/>
+                        <a:ea typeface="Calibri"/>
+                        <a:cs typeface="Times New Roman"/>
+                      </a:endParaRPr>
+                    </a:p>
+                  </a:txBody>
+                  <a:tcPr marL="68580" marR="68580" marT="0" marB="0"/>
+                </a:tc>
+                <a:tc>
+                  <a:txBody>
+                    <a:bodyPr/>
+                    <a:lstStyle/>
+                    <a:p>
+                      <a:pPr algn="l">
+                        <a:lnSpc>
+                          <a:spcPct val="150000"/>
+                        </a:lnSpc>
+                        <a:spcAft>
+                          <a:spcPts val="0"/>
+                        </a:spcAft>
+                      </a:pPr>
+                      <a:r>
+                        <a:rPr lang="nl-NL" sz="1200">
+                          <a:effectLst/>
+                        </a:rPr>
+                        <a:t>182</a:t>
+                      </a:r>
+                      <a:endParaRPr lang="nl-NL" sz="1100">
+                        <a:effectLst/>
+                        <a:latin typeface="Calibri"/>
+                        <a:ea typeface="Calibri"/>
+                        <a:cs typeface="Times New Roman"/>
+                      </a:endParaRPr>
+                    </a:p>
+                  </a:txBody>
+                  <a:tcPr marL="68580" marR="68580" marT="0" marB="0"/>
+                </a:tc>
+              </a:tr>
+              <a:tr h="333375">
+                <a:tc>
+                  <a:txBody>
+                    <a:bodyPr/>
+                    <a:lstStyle/>
+                    <a:p>
+                      <a:pPr algn="l">
+                        <a:lnSpc>
+                          <a:spcPct val="150000"/>
+                        </a:lnSpc>
+                        <a:spcAft>
+                          <a:spcPts val="0"/>
+                        </a:spcAft>
+                        <a:tabLst>
+                          <a:tab pos="854075" algn="l"/>
+                        </a:tabLst>
+                      </a:pPr>
+                      <a:r>
+                        <a:rPr lang="nl-NL" sz="1200">
+                          <a:effectLst/>
+                        </a:rPr>
+                        <a:t>ChunkSwap</a:t>
+                      </a:r>
+                      <a:endParaRPr lang="nl-NL" sz="1100">
+                        <a:effectLst/>
+                        <a:latin typeface="Calibri"/>
+                        <a:ea typeface="Calibri"/>
+                        <a:cs typeface="Times New Roman"/>
+                      </a:endParaRPr>
+                    </a:p>
+                  </a:txBody>
+                  <a:tcPr marL="68580" marR="68580" marT="0" marB="0"/>
+                </a:tc>
+                <a:tc>
+                  <a:txBody>
+                    <a:bodyPr/>
+                    <a:lstStyle/>
+                    <a:p>
+                      <a:pPr algn="l">
+                        <a:lnSpc>
+                          <a:spcPct val="150000"/>
+                        </a:lnSpc>
+                        <a:spcAft>
+                          <a:spcPts val="0"/>
+                        </a:spcAft>
+                      </a:pPr>
+                      <a:r>
+                        <a:rPr lang="nl-NL" sz="1200">
+                          <a:effectLst/>
+                        </a:rPr>
+                        <a:t>18</a:t>
+                      </a:r>
+                      <a:endParaRPr lang="nl-NL" sz="1100">
+                        <a:effectLst/>
+                        <a:latin typeface="Calibri"/>
+                        <a:ea typeface="Calibri"/>
+                        <a:cs typeface="Times New Roman"/>
+                      </a:endParaRPr>
+                    </a:p>
+                  </a:txBody>
+                  <a:tcPr marL="68580" marR="68580" marT="0" marB="0"/>
+                </a:tc>
+                <a:tc>
+                  <a:txBody>
+                    <a:bodyPr/>
+                    <a:lstStyle/>
+                    <a:p>
+                      <a:pPr algn="l">
+                        <a:lnSpc>
+                          <a:spcPct val="150000"/>
+                        </a:lnSpc>
+                        <a:spcAft>
+                          <a:spcPts val="0"/>
+                        </a:spcAft>
+                      </a:pPr>
+                      <a:r>
+                        <a:rPr lang="nl-NL" sz="1200">
+                          <a:effectLst/>
+                        </a:rPr>
+                        <a:t>7</a:t>
+                      </a:r>
+                      <a:endParaRPr lang="nl-NL" sz="1100">
+                        <a:effectLst/>
+                        <a:latin typeface="Calibri"/>
+                        <a:ea typeface="Calibri"/>
+                        <a:cs typeface="Times New Roman"/>
+                      </a:endParaRPr>
+                    </a:p>
+                  </a:txBody>
+                  <a:tcPr marL="68580" marR="68580" marT="0" marB="0"/>
+                </a:tc>
+                <a:tc>
+                  <a:txBody>
+                    <a:bodyPr/>
+                    <a:lstStyle/>
+                    <a:p>
+                      <a:pPr algn="l">
+                        <a:lnSpc>
+                          <a:spcPct val="150000"/>
+                        </a:lnSpc>
+                        <a:spcAft>
+                          <a:spcPts val="0"/>
+                        </a:spcAft>
+                      </a:pPr>
+                      <a:r>
+                        <a:rPr lang="nl-NL" sz="1200">
+                          <a:effectLst/>
+                        </a:rPr>
+                        <a:t>132</a:t>
+                      </a:r>
+                      <a:endParaRPr lang="nl-NL" sz="1100">
+                        <a:effectLst/>
+                        <a:latin typeface="Calibri"/>
+                        <a:ea typeface="Calibri"/>
+                        <a:cs typeface="Times New Roman"/>
+                      </a:endParaRPr>
+                    </a:p>
+                  </a:txBody>
+                  <a:tcPr marL="68580" marR="68580" marT="0" marB="0"/>
+                </a:tc>
+              </a:tr>
+              <a:tr h="333375">
+                <a:tc>
+                  <a:txBody>
+                    <a:bodyPr/>
+                    <a:lstStyle/>
+                    <a:p>
+                      <a:pPr algn="l">
+                        <a:lnSpc>
+                          <a:spcPct val="150000"/>
+                        </a:lnSpc>
+                        <a:spcAft>
+                          <a:spcPts val="0"/>
+                        </a:spcAft>
+                      </a:pPr>
+                      <a:r>
+                        <a:rPr lang="nl-NL" sz="1200">
+                          <a:effectLst/>
+                        </a:rPr>
+                        <a:t>EditStar</a:t>
+                      </a:r>
+                      <a:endParaRPr lang="nl-NL" sz="1100">
+                        <a:effectLst/>
+                        <a:latin typeface="Calibri"/>
+                        <a:ea typeface="Calibri"/>
+                        <a:cs typeface="Times New Roman"/>
+                      </a:endParaRPr>
+                    </a:p>
+                  </a:txBody>
+                  <a:tcPr marL="68580" marR="68580" marT="0" marB="0"/>
+                </a:tc>
+                <a:tc>
+                  <a:txBody>
+                    <a:bodyPr/>
+                    <a:lstStyle/>
+                    <a:p>
+                      <a:pPr algn="l">
+                        <a:lnSpc>
+                          <a:spcPct val="150000"/>
+                        </a:lnSpc>
+                        <a:spcAft>
+                          <a:spcPts val="0"/>
+                        </a:spcAft>
+                      </a:pPr>
+                      <a:r>
+                        <a:rPr lang="nl-NL" sz="1200">
+                          <a:effectLst/>
+                        </a:rPr>
+                        <a:t>13</a:t>
+                      </a:r>
+                      <a:endParaRPr lang="nl-NL" sz="1100">
+                        <a:effectLst/>
+                        <a:latin typeface="Calibri"/>
+                        <a:ea typeface="Calibri"/>
+                        <a:cs typeface="Times New Roman"/>
+                      </a:endParaRPr>
+                    </a:p>
+                  </a:txBody>
+                  <a:tcPr marL="68580" marR="68580" marT="0" marB="0"/>
+                </a:tc>
+                <a:tc>
+                  <a:txBody>
+                    <a:bodyPr/>
+                    <a:lstStyle/>
+                    <a:p>
+                      <a:pPr algn="l">
+                        <a:lnSpc>
+                          <a:spcPct val="150000"/>
+                        </a:lnSpc>
+                        <a:spcAft>
+                          <a:spcPts val="0"/>
+                        </a:spcAft>
+                      </a:pPr>
+                      <a:r>
+                        <a:rPr lang="nl-NL" sz="1200">
+                          <a:effectLst/>
+                        </a:rPr>
+                        <a:t>9</a:t>
+                      </a:r>
+                      <a:endParaRPr lang="nl-NL" sz="1100">
+                        <a:effectLst/>
+                        <a:latin typeface="Calibri"/>
+                        <a:ea typeface="Calibri"/>
+                        <a:cs typeface="Times New Roman"/>
+                      </a:endParaRPr>
+                    </a:p>
+                  </a:txBody>
+                  <a:tcPr marL="68580" marR="68580" marT="0" marB="0"/>
+                </a:tc>
+                <a:tc>
+                  <a:txBody>
+                    <a:bodyPr/>
+                    <a:lstStyle/>
+                    <a:p>
+                      <a:pPr algn="l">
+                        <a:lnSpc>
+                          <a:spcPct val="150000"/>
+                        </a:lnSpc>
+                        <a:spcAft>
+                          <a:spcPts val="0"/>
+                        </a:spcAft>
+                      </a:pPr>
+                      <a:r>
+                        <a:rPr lang="nl-NL" sz="1200">
+                          <a:effectLst/>
+                        </a:rPr>
+                        <a:t>122</a:t>
+                      </a:r>
+                      <a:endParaRPr lang="nl-NL" sz="1100">
+                        <a:effectLst/>
+                        <a:latin typeface="Calibri"/>
+                        <a:ea typeface="Calibri"/>
+                        <a:cs typeface="Times New Roman"/>
+                      </a:endParaRPr>
+                    </a:p>
+                  </a:txBody>
+                  <a:tcPr marL="68580" marR="68580" marT="0" marB="0"/>
+                </a:tc>
+              </a:tr>
+              <a:tr h="333375">
+                <a:tc>
+                  <a:txBody>
+                    <a:bodyPr/>
+                    <a:lstStyle/>
+                    <a:p>
+                      <a:pPr algn="l">
+                        <a:lnSpc>
+                          <a:spcPct val="150000"/>
+                        </a:lnSpc>
+                        <a:spcAft>
+                          <a:spcPts val="0"/>
+                        </a:spcAft>
+                      </a:pPr>
+                      <a:r>
+                        <a:rPr lang="nl-NL" sz="1200">
+                          <a:effectLst/>
+                        </a:rPr>
+                        <a:t>BeamSearch</a:t>
+                      </a:r>
+                      <a:endParaRPr lang="nl-NL" sz="1100">
+                        <a:effectLst/>
+                        <a:latin typeface="Calibri"/>
+                        <a:ea typeface="Calibri"/>
+                        <a:cs typeface="Times New Roman"/>
+                      </a:endParaRPr>
+                    </a:p>
+                  </a:txBody>
+                  <a:tcPr marL="68580" marR="68580" marT="0" marB="0"/>
+                </a:tc>
+                <a:tc>
+                  <a:txBody>
+                    <a:bodyPr/>
+                    <a:lstStyle/>
+                    <a:p>
+                      <a:pPr algn="l">
+                        <a:lnSpc>
+                          <a:spcPct val="150000"/>
+                        </a:lnSpc>
+                        <a:spcAft>
+                          <a:spcPts val="0"/>
+                        </a:spcAft>
+                      </a:pPr>
+                      <a:r>
+                        <a:rPr lang="nl-NL" sz="1200">
+                          <a:effectLst/>
+                        </a:rPr>
+                        <a:t>13</a:t>
+                      </a:r>
+                      <a:endParaRPr lang="nl-NL" sz="1100">
+                        <a:effectLst/>
+                        <a:latin typeface="Calibri"/>
+                        <a:ea typeface="Calibri"/>
+                        <a:cs typeface="Times New Roman"/>
+                      </a:endParaRPr>
+                    </a:p>
+                  </a:txBody>
+                  <a:tcPr marL="68580" marR="68580" marT="0" marB="0"/>
+                </a:tc>
+                <a:tc>
+                  <a:txBody>
+                    <a:bodyPr/>
+                    <a:lstStyle/>
+                    <a:p>
+                      <a:pPr algn="l">
+                        <a:lnSpc>
+                          <a:spcPct val="150000"/>
+                        </a:lnSpc>
+                        <a:spcAft>
+                          <a:spcPts val="0"/>
+                        </a:spcAft>
+                      </a:pPr>
+                      <a:r>
+                        <a:rPr lang="nl-NL" sz="1200">
+                          <a:effectLst/>
+                        </a:rPr>
+                        <a:t>9</a:t>
+                      </a:r>
+                      <a:endParaRPr lang="nl-NL" sz="1100">
+                        <a:effectLst/>
+                        <a:latin typeface="Calibri"/>
+                        <a:ea typeface="Calibri"/>
+                        <a:cs typeface="Times New Roman"/>
+                      </a:endParaRPr>
+                    </a:p>
+                  </a:txBody>
+                  <a:tcPr marL="68580" marR="68580" marT="0" marB="0"/>
+                </a:tc>
+                <a:tc>
+                  <a:txBody>
+                    <a:bodyPr/>
+                    <a:lstStyle/>
+                    <a:p>
+                      <a:pPr algn="l">
+                        <a:lnSpc>
+                          <a:spcPct val="150000"/>
+                        </a:lnSpc>
+                        <a:spcAft>
+                          <a:spcPts val="0"/>
+                        </a:spcAft>
+                      </a:pPr>
+                      <a:r>
+                        <a:rPr lang="nl-NL" sz="1200" dirty="0">
+                          <a:effectLst/>
+                        </a:rPr>
+                        <a:t>116</a:t>
+                      </a:r>
+                      <a:endParaRPr lang="nl-NL" sz="1100" dirty="0">
+                        <a:effectLst/>
+                        <a:latin typeface="Calibri"/>
+                        <a:ea typeface="Calibri"/>
+                        <a:cs typeface="Times New Roman"/>
+                      </a:endParaRPr>
+                    </a:p>
+                  </a:txBody>
+                  <a:tcPr marL="68580" marR="68580" marT="0" marB="0"/>
+                </a:tc>
+              </a:tr>
+            </a:tbl>
+          </a:graphicData>
+        </a:graphic>
+      </p:graphicFrame>
+    </p:spTree>
+    <p:extLst>
+      <p:ext uri="{BB962C8B-B14F-4D97-AF65-F5344CB8AC3E}">
+        <p14:creationId xmlns:p14="http://schemas.microsoft.com/office/powerpoint/2010/main" val="315014062"/>
+      </p:ext>
+    </p:extLst>
+  </p:cSld>
+  <p:clrMapOvr>
+    <a:masterClrMapping/>
+  </p:clrMapOvr>
+  <p:timing>
+    <p:tnLst>
+      <p:par>
+        <p:cTn id="1" dur="indefinite" restart="never" nodeType="tmRoot"/>
+      </p:par>
+    </p:tnLst>
+  </p:timing>
+</p:sld>
+</file>
+
+<file path=ppt/slides/slide11.xml><?xml version="1.0" encoding="utf-8"?>
+<p:sld xmlns:a="http://schemas.openxmlformats.org/drawingml/2006/main" xmlns:r="http://schemas.openxmlformats.org/officeDocument/2006/relationships" xmlns:p="http://schemas.openxmlformats.org/presentationml/2006/main">
+  <p:cSld>
+    <p:spTree>
+      <p:nvGrpSpPr>
+        <p:cNvPr id="1" name=""/>
+        <p:cNvGrpSpPr/>
+        <p:nvPr/>
+      </p:nvGrpSpPr>
+      <p:grpSpPr>
+        <a:xfrm>
+          <a:off x="0" y="0"/>
+          <a:ext cx="0" cy="0"/>
+          <a:chOff x="0" y="0"/>
+          <a:chExt cx="0" cy="0"/>
+        </a:xfrm>
+      </p:grpSpPr>
+      <p:sp>
+        <p:nvSpPr>
+          <p:cNvPr id="2" name="Rectangle 1"/>
+          <p:cNvSpPr/>
+          <p:nvPr/>
+        </p:nvSpPr>
+        <p:spPr>
+          <a:xfrm>
+            <a:off x="-533400" y="-76200"/>
+            <a:ext cx="9829800" cy="6934200"/>
+          </a:xfrm>
+          <a:prstGeom prst="rect">
+            <a:avLst/>
+          </a:prstGeom>
+          <a:solidFill>
+            <a:schemeClr val="bg1"/>
+          </a:solidFill>
+          <a:ln>
+            <a:noFill/>
+          </a:ln>
+        </p:spPr>
+        <p:style>
+          <a:lnRef idx="2">
+            <a:schemeClr val="accent1">
+              <a:shade val="50000"/>
+            </a:schemeClr>
+          </a:lnRef>
+          <a:fillRef idx="1">
+            <a:schemeClr val="accent1"/>
+          </a:fillRef>
+          <a:effectRef idx="0">
+            <a:schemeClr val="accent1"/>
+          </a:effectRef>
+          <a:fontRef idx="minor">
+            <a:schemeClr val="lt1"/>
+          </a:fontRef>
+        </p:style>
+        <p:txBody>
+          <a:bodyPr rtlCol="0" anchor="ctr"/>
+          <a:lstStyle/>
+          <a:p>
+            <a:pPr algn="ctr"/>
+            <a:endParaRPr lang="nl-NL"/>
+          </a:p>
+        </p:txBody>
+      </p:sp>
+      <p:pic>
+        <p:nvPicPr>
+          <p:cNvPr id="1026" name="Picture 2" descr="C:\Users\Renske\Documents\GitHub\Heuristieken\BeamSearchswaps.jpg"/>
+          <p:cNvPicPr>
+            <a:picLocks noChangeAspect="1" noChangeArrowheads="1"/>
+          </p:cNvPicPr>
+          <p:nvPr/>
+        </p:nvPicPr>
+        <p:blipFill>
+          <a:blip r:embed="rId2" cstate="print">
+            <a:extLst>
+              <a:ext uri="{28A0092B-C50C-407E-A947-70E740481C1C}">
+                <a14:useLocalDpi xmlns:a14="http://schemas.microsoft.com/office/drawing/2010/main" val="0"/>
+              </a:ext>
+            </a:extLst>
+          </a:blip>
+          <a:srcRect/>
+          <a:stretch>
+            <a:fillRect/>
+          </a:stretch>
+        </p:blipFill>
+        <p:spPr bwMode="auto">
+          <a:xfrm>
+            <a:off x="914400" y="0"/>
+            <a:ext cx="6858000" cy="6858000"/>
+          </a:xfrm>
+          <a:prstGeom prst="rect">
+            <a:avLst/>
+          </a:prstGeom>
+          <a:noFill/>
+          <a:extLst>
+            <a:ext uri="{909E8E84-426E-40DD-AFC4-6F175D3DCCD1}">
+              <a14:hiddenFill xmlns:a14="http://schemas.microsoft.com/office/drawing/2010/main">
+                <a:solidFill>
+                  <a:srgbClr val="FFFFFF"/>
+                </a:solidFill>
+              </a14:hiddenFill>
+            </a:ext>
+          </a:extLst>
+        </p:spPr>
+      </p:pic>
+    </p:spTree>
+    <p:extLst>
+      <p:ext uri="{BB962C8B-B14F-4D97-AF65-F5344CB8AC3E}">
+        <p14:creationId xmlns:p14="http://schemas.microsoft.com/office/powerpoint/2010/main" val="1953127683"/>
+      </p:ext>
+    </p:extLst>
+  </p:cSld>
+  <p:clrMapOvr>
+    <a:masterClrMapping/>
+  </p:clrMapOvr>
+</p:sld>
+</file>
+
+<file path=ppt/slides/slide12.xml><?xml version="1.0" encoding="utf-8"?>
+<p:sld xmlns:a="http://schemas.openxmlformats.org/drawingml/2006/main" xmlns:r="http://schemas.openxmlformats.org/officeDocument/2006/relationships" xmlns:p="http://schemas.openxmlformats.org/presentationml/2006/main">
+  <p:cSld>
+    <p:spTree>
+      <p:nvGrpSpPr>
+        <p:cNvPr id="1" name=""/>
+        <p:cNvGrpSpPr/>
+        <p:nvPr/>
+      </p:nvGrpSpPr>
+      <p:grpSpPr>
+        <a:xfrm>
+          <a:off x="0" y="0"/>
+          <a:ext cx="0" cy="0"/>
+          <a:chOff x="0" y="0"/>
+          <a:chExt cx="0" cy="0"/>
+        </a:xfrm>
+      </p:grpSpPr>
+      <p:sp>
+        <p:nvSpPr>
+          <p:cNvPr id="2" name="Title 1"/>
+          <p:cNvSpPr>
+            <a:spLocks noGrp="1"/>
+          </p:cNvSpPr>
+          <p:nvPr>
+            <p:ph type="title"/>
+          </p:nvPr>
+        </p:nvSpPr>
+        <p:spPr/>
+        <p:txBody>
+          <a:bodyPr/>
+          <a:lstStyle/>
+          <a:p>
+            <a:r>
+              <a:rPr lang="nl-NL" dirty="0" smtClean="0"/>
+              <a:t>Resultaten: random</a:t>
+            </a:r>
+            <a:endParaRPr lang="nl-NL" dirty="0"/>
+          </a:p>
+        </p:txBody>
+      </p:sp>
+      <p:sp>
+        <p:nvSpPr>
+          <p:cNvPr id="3" name="Content Placeholder 2"/>
+          <p:cNvSpPr>
+            <a:spLocks noGrp="1"/>
+          </p:cNvSpPr>
+          <p:nvPr>
+            <p:ph idx="1"/>
+          </p:nvPr>
+        </p:nvSpPr>
+        <p:spPr/>
+        <p:txBody>
+          <a:bodyPr/>
+          <a:lstStyle/>
+          <a:p>
+            <a:r>
+              <a:rPr lang="nl-NL" dirty="0" smtClean="0"/>
+              <a:t>BeamSearch niet getest i.v.m. 1.5 uur per genoom</a:t>
+            </a:r>
+          </a:p>
+          <a:p>
+            <a:r>
+              <a:rPr lang="nl-NL" dirty="0" smtClean="0"/>
+              <a:t>EditStar beste performance</a:t>
+            </a:r>
+            <a:endParaRPr lang="nl-NL" dirty="0" smtClean="0"/>
+          </a:p>
+          <a:p>
+            <a:endParaRPr lang="nl-NL" dirty="0"/>
+          </a:p>
+          <a:p>
+            <a:endParaRPr lang="nl-NL" dirty="0"/>
+          </a:p>
+        </p:txBody>
+      </p:sp>
+      <p:graphicFrame>
+        <p:nvGraphicFramePr>
+          <p:cNvPr id="5" name="Table 4"/>
+          <p:cNvGraphicFramePr>
+            <a:graphicFrameLocks noGrp="1"/>
+          </p:cNvGraphicFramePr>
+          <p:nvPr>
+            <p:extLst>
+              <p:ext uri="{D42A27DB-BD31-4B8C-83A1-F6EECF244321}">
+                <p14:modId xmlns:p14="http://schemas.microsoft.com/office/powerpoint/2010/main" val="1044597432"/>
+              </p:ext>
+            </p:extLst>
+          </p:nvPr>
+        </p:nvGraphicFramePr>
+        <p:xfrm>
+          <a:off x="380999" y="3200400"/>
+          <a:ext cx="7772401" cy="2286000"/>
+        </p:xfrm>
+        <a:graphic>
+          <a:graphicData uri="http://schemas.openxmlformats.org/drawingml/2006/table">
+            <a:tbl>
+              <a:tblPr firstRow="1" firstCol="1" bandRow="1">
+                <a:tableStyleId>{5C22544A-7EE6-4342-B048-85BDC9FD1C3A}</a:tableStyleId>
+              </a:tblPr>
+              <a:tblGrid>
+                <a:gridCol w="1414073"/>
+                <a:gridCol w="1443256"/>
+                <a:gridCol w="1364881"/>
+                <a:gridCol w="1198127"/>
+                <a:gridCol w="1251488"/>
+                <a:gridCol w="1100576"/>
+              </a:tblGrid>
+              <a:tr h="0">
+                <a:tc>
+                  <a:txBody>
+                    <a:bodyPr/>
+                    <a:lstStyle/>
+                    <a:p>
+                      <a:pPr>
+                        <a:lnSpc>
+                          <a:spcPct val="150000"/>
+                        </a:lnSpc>
+                        <a:spcAft>
+                          <a:spcPts val="0"/>
+                        </a:spcAft>
+                      </a:pPr>
+                      <a:r>
+                        <a:rPr lang="nl-NL" sz="1200" dirty="0">
+                          <a:effectLst/>
+                        </a:rPr>
+                        <a:t> </a:t>
+                      </a:r>
+                      <a:endParaRPr lang="nl-NL" sz="1100" dirty="0">
+                        <a:effectLst/>
+                        <a:latin typeface="Calibri"/>
+                        <a:ea typeface="Calibri"/>
+                        <a:cs typeface="Times New Roman"/>
+                      </a:endParaRPr>
+                    </a:p>
+                  </a:txBody>
+                  <a:tcPr marL="68580" marR="68580" marT="0" marB="0"/>
+                </a:tc>
+                <a:tc>
+                  <a:txBody>
+                    <a:bodyPr/>
+                    <a:lstStyle/>
+                    <a:p>
+                      <a:pPr>
+                        <a:lnSpc>
+                          <a:spcPct val="100000"/>
+                        </a:lnSpc>
+                        <a:spcAft>
+                          <a:spcPts val="0"/>
+                        </a:spcAft>
+                      </a:pPr>
+                      <a:r>
+                        <a:rPr lang="nl-NL" sz="1400" dirty="0">
+                          <a:effectLst/>
+                        </a:rPr>
+                        <a:t>Gemiddelde aantal mutaties</a:t>
+                      </a:r>
+                      <a:endParaRPr lang="nl-NL" sz="2400" dirty="0">
+                        <a:effectLst/>
+                        <a:latin typeface="Calibri"/>
+                        <a:ea typeface="Calibri"/>
+                        <a:cs typeface="Times New Roman"/>
+                      </a:endParaRPr>
+                    </a:p>
+                  </a:txBody>
+                  <a:tcPr marL="68580" marR="68580" marT="0" marB="0"/>
+                </a:tc>
+                <a:tc>
+                  <a:txBody>
+                    <a:bodyPr/>
+                    <a:lstStyle/>
+                    <a:p>
+                      <a:pPr>
+                        <a:lnSpc>
+                          <a:spcPct val="100000"/>
+                        </a:lnSpc>
+                        <a:spcAft>
+                          <a:spcPts val="0"/>
+                        </a:spcAft>
+                      </a:pPr>
+                      <a:r>
+                        <a:rPr lang="nl-NL" sz="1400" dirty="0">
+                          <a:effectLst/>
+                        </a:rPr>
+                        <a:t>Minimum aantal mutaties</a:t>
+                      </a:r>
+                      <a:endParaRPr lang="nl-NL" sz="2400" dirty="0">
+                        <a:effectLst/>
+                        <a:latin typeface="Calibri"/>
+                        <a:ea typeface="Calibri"/>
+                        <a:cs typeface="Times New Roman"/>
+                      </a:endParaRPr>
+                    </a:p>
+                  </a:txBody>
+                  <a:tcPr marL="68580" marR="68580" marT="0" marB="0"/>
+                </a:tc>
+                <a:tc>
+                  <a:txBody>
+                    <a:bodyPr/>
+                    <a:lstStyle/>
+                    <a:p>
+                      <a:pPr>
+                        <a:lnSpc>
+                          <a:spcPct val="100000"/>
+                        </a:lnSpc>
+                        <a:spcAft>
+                          <a:spcPts val="0"/>
+                        </a:spcAft>
+                      </a:pPr>
+                      <a:r>
+                        <a:rPr lang="nl-NL" sz="1400" dirty="0">
+                          <a:effectLst/>
+                        </a:rPr>
+                        <a:t>Maximum aantal mutaties</a:t>
+                      </a:r>
+                      <a:endParaRPr lang="nl-NL" sz="2400" dirty="0">
+                        <a:effectLst/>
+                        <a:latin typeface="Calibri"/>
+                        <a:ea typeface="Calibri"/>
+                        <a:cs typeface="Times New Roman"/>
+                      </a:endParaRPr>
+                    </a:p>
+                  </a:txBody>
+                  <a:tcPr marL="68580" marR="68580" marT="0" marB="0"/>
+                </a:tc>
+                <a:tc>
+                  <a:txBody>
+                    <a:bodyPr/>
+                    <a:lstStyle/>
+                    <a:p>
+                      <a:pPr>
+                        <a:lnSpc>
+                          <a:spcPct val="100000"/>
+                        </a:lnSpc>
+                        <a:spcAft>
+                          <a:spcPts val="0"/>
+                        </a:spcAft>
+                      </a:pPr>
+                      <a:r>
+                        <a:rPr lang="nl-NL" sz="1400" dirty="0">
+                          <a:effectLst/>
+                        </a:rPr>
+                        <a:t>Gem. grootte</a:t>
+                      </a:r>
+                      <a:endParaRPr lang="nl-NL" sz="2400" dirty="0">
+                        <a:effectLst/>
+                      </a:endParaRPr>
+                    </a:p>
+                    <a:p>
+                      <a:pPr>
+                        <a:lnSpc>
+                          <a:spcPct val="100000"/>
+                        </a:lnSpc>
+                        <a:spcAft>
+                          <a:spcPts val="0"/>
+                        </a:spcAft>
+                      </a:pPr>
+                      <a:r>
+                        <a:rPr lang="nl-NL" sz="1400" dirty="0">
+                          <a:effectLst/>
+                        </a:rPr>
+                        <a:t>inversies</a:t>
+                      </a:r>
+                      <a:endParaRPr lang="nl-NL" sz="2400" dirty="0">
+                        <a:effectLst/>
+                        <a:latin typeface="Calibri"/>
+                        <a:ea typeface="Calibri"/>
+                        <a:cs typeface="Times New Roman"/>
+                      </a:endParaRPr>
+                    </a:p>
+                  </a:txBody>
+                  <a:tcPr marL="68580" marR="68580" marT="0" marB="0"/>
+                </a:tc>
+                <a:tc>
+                  <a:txBody>
+                    <a:bodyPr/>
+                    <a:lstStyle/>
+                    <a:p>
+                      <a:pPr>
+                        <a:lnSpc>
+                          <a:spcPct val="100000"/>
+                        </a:lnSpc>
+                        <a:spcAft>
+                          <a:spcPts val="0"/>
+                        </a:spcAft>
+                      </a:pPr>
+                      <a:r>
+                        <a:rPr lang="nl-NL" sz="1400" dirty="0">
+                          <a:effectLst/>
+                        </a:rPr>
+                        <a:t>Gem. aantal</a:t>
+                      </a:r>
+                      <a:endParaRPr lang="nl-NL" sz="2400" dirty="0">
+                        <a:effectLst/>
+                      </a:endParaRPr>
+                    </a:p>
+                    <a:p>
+                      <a:pPr>
+                        <a:lnSpc>
+                          <a:spcPct val="100000"/>
+                        </a:lnSpc>
+                        <a:spcAft>
+                          <a:spcPts val="0"/>
+                        </a:spcAft>
+                      </a:pPr>
+                      <a:r>
+                        <a:rPr lang="nl-NL" sz="1400" dirty="0">
+                          <a:effectLst/>
+                        </a:rPr>
+                        <a:t>genen </a:t>
+                      </a:r>
+                      <a:endParaRPr lang="nl-NL" sz="2400" dirty="0">
+                        <a:effectLst/>
+                        <a:latin typeface="Calibri"/>
+                        <a:ea typeface="Calibri"/>
+                        <a:cs typeface="Times New Roman"/>
+                      </a:endParaRPr>
+                    </a:p>
+                  </a:txBody>
+                  <a:tcPr marL="68580" marR="68580" marT="0" marB="0"/>
+                </a:tc>
+              </a:tr>
+              <a:tr h="0">
+                <a:tc>
+                  <a:txBody>
+                    <a:bodyPr/>
+                    <a:lstStyle/>
+                    <a:p>
+                      <a:pPr>
+                        <a:lnSpc>
+                          <a:spcPct val="150000"/>
+                        </a:lnSpc>
+                        <a:spcAft>
+                          <a:spcPts val="0"/>
+                        </a:spcAft>
+                      </a:pPr>
+                      <a:r>
+                        <a:rPr lang="nl-NL" sz="1200">
+                          <a:effectLst/>
+                        </a:rPr>
+                        <a:t>Find&amp;Swap</a:t>
+                      </a:r>
+                      <a:endParaRPr lang="nl-NL" sz="1100">
+                        <a:effectLst/>
+                        <a:latin typeface="Calibri"/>
+                        <a:ea typeface="Calibri"/>
+                        <a:cs typeface="Times New Roman"/>
+                      </a:endParaRPr>
+                    </a:p>
+                  </a:txBody>
+                  <a:tcPr marL="68580" marR="68580" marT="0" marB="0"/>
+                </a:tc>
+                <a:tc>
+                  <a:txBody>
+                    <a:bodyPr/>
+                    <a:lstStyle/>
+                    <a:p>
+                      <a:pPr>
+                        <a:lnSpc>
+                          <a:spcPct val="150000"/>
+                        </a:lnSpc>
+                        <a:spcAft>
+                          <a:spcPts val="0"/>
+                        </a:spcAft>
+                      </a:pPr>
+                      <a:r>
+                        <a:rPr lang="nl-NL" sz="1200">
+                          <a:effectLst/>
+                        </a:rPr>
+                        <a:t>21,14</a:t>
+                      </a:r>
+                      <a:endParaRPr lang="nl-NL" sz="1100">
+                        <a:effectLst/>
+                        <a:latin typeface="Calibri"/>
+                        <a:ea typeface="Calibri"/>
+                        <a:cs typeface="Times New Roman"/>
+                      </a:endParaRPr>
+                    </a:p>
+                  </a:txBody>
+                  <a:tcPr marL="68580" marR="68580" marT="0" marB="0"/>
+                </a:tc>
+                <a:tc>
+                  <a:txBody>
+                    <a:bodyPr/>
+                    <a:lstStyle/>
+                    <a:p>
+                      <a:pPr>
+                        <a:lnSpc>
+                          <a:spcPct val="150000"/>
+                        </a:lnSpc>
+                        <a:spcAft>
+                          <a:spcPts val="0"/>
+                        </a:spcAft>
+                      </a:pPr>
+                      <a:r>
+                        <a:rPr lang="nl-NL" sz="1200">
+                          <a:effectLst/>
+                        </a:rPr>
+                        <a:t>15</a:t>
+                      </a:r>
+                      <a:endParaRPr lang="nl-NL" sz="1100">
+                        <a:effectLst/>
+                        <a:latin typeface="Calibri"/>
+                        <a:ea typeface="Calibri"/>
+                        <a:cs typeface="Times New Roman"/>
+                      </a:endParaRPr>
+                    </a:p>
+                  </a:txBody>
+                  <a:tcPr marL="68580" marR="68580" marT="0" marB="0"/>
+                </a:tc>
+                <a:tc>
+                  <a:txBody>
+                    <a:bodyPr/>
+                    <a:lstStyle/>
+                    <a:p>
+                      <a:pPr>
+                        <a:lnSpc>
+                          <a:spcPct val="150000"/>
+                        </a:lnSpc>
+                        <a:spcAft>
+                          <a:spcPts val="0"/>
+                        </a:spcAft>
+                      </a:pPr>
+                      <a:r>
+                        <a:rPr lang="nl-NL" sz="1200">
+                          <a:effectLst/>
+                        </a:rPr>
+                        <a:t>24</a:t>
+                      </a:r>
+                      <a:endParaRPr lang="nl-NL" sz="1100">
+                        <a:effectLst/>
+                        <a:latin typeface="Calibri"/>
+                        <a:ea typeface="Calibri"/>
+                        <a:cs typeface="Times New Roman"/>
+                      </a:endParaRPr>
+                    </a:p>
+                  </a:txBody>
+                  <a:tcPr marL="68580" marR="68580" marT="0" marB="0"/>
+                </a:tc>
+                <a:tc>
+                  <a:txBody>
+                    <a:bodyPr/>
+                    <a:lstStyle/>
+                    <a:p>
+                      <a:pPr>
+                        <a:lnSpc>
+                          <a:spcPct val="150000"/>
+                        </a:lnSpc>
+                        <a:spcAft>
+                          <a:spcPts val="0"/>
+                        </a:spcAft>
+                      </a:pPr>
+                      <a:r>
+                        <a:rPr lang="nl-NL" sz="1200" dirty="0">
+                          <a:effectLst/>
+                        </a:rPr>
+                        <a:t>7,60</a:t>
+                      </a:r>
+                      <a:endParaRPr lang="nl-NL" sz="1100" dirty="0">
+                        <a:effectLst/>
+                        <a:latin typeface="Calibri"/>
+                        <a:ea typeface="Calibri"/>
+                        <a:cs typeface="Times New Roman"/>
+                      </a:endParaRPr>
+                    </a:p>
+                  </a:txBody>
+                  <a:tcPr marL="68580" marR="68580" marT="0" marB="0"/>
+                </a:tc>
+                <a:tc>
+                  <a:txBody>
+                    <a:bodyPr/>
+                    <a:lstStyle/>
+                    <a:p>
+                      <a:pPr>
+                        <a:lnSpc>
+                          <a:spcPct val="150000"/>
+                        </a:lnSpc>
+                        <a:spcAft>
+                          <a:spcPts val="0"/>
+                        </a:spcAft>
+                      </a:pPr>
+                      <a:r>
+                        <a:rPr lang="nl-NL" sz="1200" dirty="0">
+                          <a:effectLst/>
+                        </a:rPr>
+                        <a:t>170,59</a:t>
+                      </a:r>
+                      <a:endParaRPr lang="nl-NL" sz="1100" dirty="0">
+                        <a:effectLst/>
+                        <a:latin typeface="Calibri"/>
+                        <a:ea typeface="Calibri"/>
+                        <a:cs typeface="Times New Roman"/>
+                      </a:endParaRPr>
+                    </a:p>
+                  </a:txBody>
+                  <a:tcPr marL="68580" marR="68580" marT="0" marB="0"/>
+                </a:tc>
+              </a:tr>
+              <a:tr h="0">
+                <a:tc>
+                  <a:txBody>
+                    <a:bodyPr/>
+                    <a:lstStyle/>
+                    <a:p>
+                      <a:pPr>
+                        <a:lnSpc>
+                          <a:spcPct val="150000"/>
+                        </a:lnSpc>
+                        <a:spcAft>
+                          <a:spcPts val="0"/>
+                        </a:spcAft>
+                      </a:pPr>
+                      <a:r>
+                        <a:rPr lang="nl-NL" sz="1200">
+                          <a:effectLst/>
+                        </a:rPr>
+                        <a:t>Find&amp;SwapRev</a:t>
+                      </a:r>
+                      <a:endParaRPr lang="nl-NL" sz="1100">
+                        <a:effectLst/>
+                        <a:latin typeface="Calibri"/>
+                        <a:ea typeface="Calibri"/>
+                        <a:cs typeface="Times New Roman"/>
+                      </a:endParaRPr>
+                    </a:p>
+                  </a:txBody>
+                  <a:tcPr marL="68580" marR="68580" marT="0" marB="0"/>
+                </a:tc>
+                <a:tc>
+                  <a:txBody>
+                    <a:bodyPr/>
+                    <a:lstStyle/>
+                    <a:p>
+                      <a:pPr>
+                        <a:lnSpc>
+                          <a:spcPct val="150000"/>
+                        </a:lnSpc>
+                        <a:spcAft>
+                          <a:spcPts val="0"/>
+                        </a:spcAft>
+                      </a:pPr>
+                      <a:r>
+                        <a:rPr lang="nl-NL" sz="1200">
+                          <a:effectLst/>
+                        </a:rPr>
+                        <a:t>21,14</a:t>
+                      </a:r>
+                      <a:endParaRPr lang="nl-NL" sz="1100">
+                        <a:effectLst/>
+                        <a:latin typeface="Calibri"/>
+                        <a:ea typeface="Calibri"/>
+                        <a:cs typeface="Times New Roman"/>
+                      </a:endParaRPr>
+                    </a:p>
+                  </a:txBody>
+                  <a:tcPr marL="68580" marR="68580" marT="0" marB="0"/>
+                </a:tc>
+                <a:tc>
+                  <a:txBody>
+                    <a:bodyPr/>
+                    <a:lstStyle/>
+                    <a:p>
+                      <a:pPr>
+                        <a:lnSpc>
+                          <a:spcPct val="150000"/>
+                        </a:lnSpc>
+                        <a:spcAft>
+                          <a:spcPts val="0"/>
+                        </a:spcAft>
+                      </a:pPr>
+                      <a:r>
+                        <a:rPr lang="nl-NL" sz="1200">
+                          <a:effectLst/>
+                        </a:rPr>
+                        <a:t>14</a:t>
+                      </a:r>
+                      <a:endParaRPr lang="nl-NL" sz="1100">
+                        <a:effectLst/>
+                        <a:latin typeface="Calibri"/>
+                        <a:ea typeface="Calibri"/>
+                        <a:cs typeface="Times New Roman"/>
+                      </a:endParaRPr>
+                    </a:p>
+                  </a:txBody>
+                  <a:tcPr marL="68580" marR="68580" marT="0" marB="0"/>
+                </a:tc>
+                <a:tc>
+                  <a:txBody>
+                    <a:bodyPr/>
+                    <a:lstStyle/>
+                    <a:p>
+                      <a:pPr>
+                        <a:lnSpc>
+                          <a:spcPct val="150000"/>
+                        </a:lnSpc>
+                        <a:spcAft>
+                          <a:spcPts val="0"/>
+                        </a:spcAft>
+                      </a:pPr>
+                      <a:r>
+                        <a:rPr lang="nl-NL" sz="1200">
+                          <a:effectLst/>
+                        </a:rPr>
+                        <a:t>24</a:t>
+                      </a:r>
+                      <a:endParaRPr lang="nl-NL" sz="1100">
+                        <a:effectLst/>
+                        <a:latin typeface="Calibri"/>
+                        <a:ea typeface="Calibri"/>
+                        <a:cs typeface="Times New Roman"/>
+                      </a:endParaRPr>
+                    </a:p>
+                  </a:txBody>
+                  <a:tcPr marL="68580" marR="68580" marT="0" marB="0"/>
+                </a:tc>
+                <a:tc>
+                  <a:txBody>
+                    <a:bodyPr/>
+                    <a:lstStyle/>
+                    <a:p>
+                      <a:pPr>
+                        <a:lnSpc>
+                          <a:spcPct val="150000"/>
+                        </a:lnSpc>
+                        <a:spcAft>
+                          <a:spcPts val="0"/>
+                        </a:spcAft>
+                      </a:pPr>
+                      <a:r>
+                        <a:rPr lang="nl-NL" sz="1200" dirty="0">
+                          <a:effectLst/>
+                        </a:rPr>
+                        <a:t>7,63</a:t>
+                      </a:r>
+                      <a:endParaRPr lang="nl-NL" sz="1100" dirty="0">
+                        <a:effectLst/>
+                        <a:latin typeface="Calibri"/>
+                        <a:ea typeface="Calibri"/>
+                        <a:cs typeface="Times New Roman"/>
+                      </a:endParaRPr>
+                    </a:p>
+                  </a:txBody>
+                  <a:tcPr marL="68580" marR="68580" marT="0" marB="0"/>
+                </a:tc>
+                <a:tc>
+                  <a:txBody>
+                    <a:bodyPr/>
+                    <a:lstStyle/>
+                    <a:p>
+                      <a:pPr>
+                        <a:lnSpc>
+                          <a:spcPct val="150000"/>
+                        </a:lnSpc>
+                        <a:spcAft>
+                          <a:spcPts val="0"/>
+                        </a:spcAft>
+                      </a:pPr>
+                      <a:r>
+                        <a:rPr lang="nl-NL" sz="1200" dirty="0">
+                          <a:effectLst/>
+                        </a:rPr>
+                        <a:t>170,97</a:t>
+                      </a:r>
+                      <a:endParaRPr lang="nl-NL" sz="1100" dirty="0">
+                        <a:effectLst/>
+                        <a:latin typeface="Calibri"/>
+                        <a:ea typeface="Calibri"/>
+                        <a:cs typeface="Times New Roman"/>
+                      </a:endParaRPr>
+                    </a:p>
+                  </a:txBody>
+                  <a:tcPr marL="68580" marR="68580" marT="0" marB="0"/>
+                </a:tc>
+              </a:tr>
+              <a:tr h="0">
+                <a:tc>
+                  <a:txBody>
+                    <a:bodyPr/>
+                    <a:lstStyle/>
+                    <a:p>
+                      <a:pPr>
+                        <a:lnSpc>
+                          <a:spcPct val="150000"/>
+                        </a:lnSpc>
+                        <a:spcAft>
+                          <a:spcPts val="0"/>
+                        </a:spcAft>
+                      </a:pPr>
+                      <a:r>
+                        <a:rPr lang="nl-NL" sz="1200">
+                          <a:effectLst/>
+                        </a:rPr>
+                        <a:t>Find&amp;SwapIteratief</a:t>
+                      </a:r>
+                      <a:endParaRPr lang="nl-NL" sz="1100">
+                        <a:effectLst/>
+                        <a:latin typeface="Calibri"/>
+                        <a:ea typeface="Calibri"/>
+                        <a:cs typeface="Times New Roman"/>
+                      </a:endParaRPr>
+                    </a:p>
+                  </a:txBody>
+                  <a:tcPr marL="68580" marR="68580" marT="0" marB="0"/>
+                </a:tc>
+                <a:tc>
+                  <a:txBody>
+                    <a:bodyPr/>
+                    <a:lstStyle/>
+                    <a:p>
+                      <a:pPr>
+                        <a:lnSpc>
+                          <a:spcPct val="150000"/>
+                        </a:lnSpc>
+                        <a:spcAft>
+                          <a:spcPts val="0"/>
+                        </a:spcAft>
+                      </a:pPr>
+                      <a:r>
+                        <a:rPr lang="nl-NL" sz="1200">
+                          <a:effectLst/>
+                        </a:rPr>
+                        <a:t>21,09</a:t>
+                      </a:r>
+                      <a:endParaRPr lang="nl-NL" sz="1100">
+                        <a:effectLst/>
+                        <a:latin typeface="Calibri"/>
+                        <a:ea typeface="Calibri"/>
+                        <a:cs typeface="Times New Roman"/>
+                      </a:endParaRPr>
+                    </a:p>
+                  </a:txBody>
+                  <a:tcPr marL="68580" marR="68580" marT="0" marB="0"/>
+                </a:tc>
+                <a:tc>
+                  <a:txBody>
+                    <a:bodyPr/>
+                    <a:lstStyle/>
+                    <a:p>
+                      <a:pPr>
+                        <a:lnSpc>
+                          <a:spcPct val="150000"/>
+                        </a:lnSpc>
+                        <a:spcAft>
+                          <a:spcPts val="0"/>
+                        </a:spcAft>
+                      </a:pPr>
+                      <a:r>
+                        <a:rPr lang="nl-NL" sz="1200">
+                          <a:effectLst/>
+                        </a:rPr>
+                        <a:t>15</a:t>
+                      </a:r>
+                      <a:endParaRPr lang="nl-NL" sz="1100">
+                        <a:effectLst/>
+                        <a:latin typeface="Calibri"/>
+                        <a:ea typeface="Calibri"/>
+                        <a:cs typeface="Times New Roman"/>
+                      </a:endParaRPr>
+                    </a:p>
+                  </a:txBody>
+                  <a:tcPr marL="68580" marR="68580" marT="0" marB="0"/>
+                </a:tc>
+                <a:tc>
+                  <a:txBody>
+                    <a:bodyPr/>
+                    <a:lstStyle/>
+                    <a:p>
+                      <a:pPr>
+                        <a:lnSpc>
+                          <a:spcPct val="150000"/>
+                        </a:lnSpc>
+                        <a:spcAft>
+                          <a:spcPts val="0"/>
+                        </a:spcAft>
+                      </a:pPr>
+                      <a:r>
+                        <a:rPr lang="nl-NL" sz="1200">
+                          <a:effectLst/>
+                        </a:rPr>
+                        <a:t>24</a:t>
+                      </a:r>
+                      <a:endParaRPr lang="nl-NL" sz="1100">
+                        <a:effectLst/>
+                        <a:latin typeface="Calibri"/>
+                        <a:ea typeface="Calibri"/>
+                        <a:cs typeface="Times New Roman"/>
+                      </a:endParaRPr>
+                    </a:p>
+                  </a:txBody>
+                  <a:tcPr marL="68580" marR="68580" marT="0" marB="0"/>
+                </a:tc>
+                <a:tc>
+                  <a:txBody>
+                    <a:bodyPr/>
+                    <a:lstStyle/>
+                    <a:p>
+                      <a:pPr>
+                        <a:lnSpc>
+                          <a:spcPct val="150000"/>
+                        </a:lnSpc>
+                        <a:spcAft>
+                          <a:spcPts val="0"/>
+                        </a:spcAft>
+                      </a:pPr>
+                      <a:r>
+                        <a:rPr lang="nl-NL" sz="1200" dirty="0">
+                          <a:effectLst/>
+                        </a:rPr>
+                        <a:t>8,25</a:t>
+                      </a:r>
+                      <a:endParaRPr lang="nl-NL" sz="1100" dirty="0">
+                        <a:effectLst/>
+                        <a:latin typeface="Calibri"/>
+                        <a:ea typeface="Calibri"/>
+                        <a:cs typeface="Times New Roman"/>
+                      </a:endParaRPr>
+                    </a:p>
+                  </a:txBody>
+                  <a:tcPr marL="68580" marR="68580" marT="0" marB="0"/>
+                </a:tc>
+                <a:tc>
+                  <a:txBody>
+                    <a:bodyPr/>
+                    <a:lstStyle/>
+                    <a:p>
+                      <a:pPr>
+                        <a:lnSpc>
+                          <a:spcPct val="150000"/>
+                        </a:lnSpc>
+                        <a:spcAft>
+                          <a:spcPts val="0"/>
+                        </a:spcAft>
+                      </a:pPr>
+                      <a:r>
+                        <a:rPr lang="nl-NL" sz="1200" dirty="0">
+                          <a:effectLst/>
+                        </a:rPr>
+                        <a:t>183,47</a:t>
+                      </a:r>
+                      <a:endParaRPr lang="nl-NL" sz="1100" dirty="0">
+                        <a:effectLst/>
+                        <a:latin typeface="Calibri"/>
+                        <a:ea typeface="Calibri"/>
+                        <a:cs typeface="Times New Roman"/>
+                      </a:endParaRPr>
+                    </a:p>
+                  </a:txBody>
+                  <a:tcPr marL="68580" marR="68580" marT="0" marB="0"/>
+                </a:tc>
+              </a:tr>
+              <a:tr h="0">
+                <a:tc>
+                  <a:txBody>
+                    <a:bodyPr/>
+                    <a:lstStyle/>
+                    <a:p>
+                      <a:pPr>
+                        <a:lnSpc>
+                          <a:spcPct val="150000"/>
+                        </a:lnSpc>
+                        <a:spcAft>
+                          <a:spcPts val="0"/>
+                        </a:spcAft>
+                      </a:pPr>
+                      <a:r>
+                        <a:rPr lang="nl-NL" sz="1200">
+                          <a:effectLst/>
+                        </a:rPr>
+                        <a:t>Find&amp;SwapLoHi</a:t>
+                      </a:r>
+                      <a:endParaRPr lang="nl-NL" sz="1100">
+                        <a:effectLst/>
+                        <a:latin typeface="Calibri"/>
+                        <a:ea typeface="Calibri"/>
+                        <a:cs typeface="Times New Roman"/>
+                      </a:endParaRPr>
+                    </a:p>
+                  </a:txBody>
+                  <a:tcPr marL="68580" marR="68580" marT="0" marB="0"/>
+                </a:tc>
+                <a:tc>
+                  <a:txBody>
+                    <a:bodyPr/>
+                    <a:lstStyle/>
+                    <a:p>
+                      <a:pPr>
+                        <a:lnSpc>
+                          <a:spcPct val="150000"/>
+                        </a:lnSpc>
+                        <a:spcAft>
+                          <a:spcPts val="0"/>
+                        </a:spcAft>
+                      </a:pPr>
+                      <a:r>
+                        <a:rPr lang="nl-NL" sz="1200">
+                          <a:effectLst/>
+                        </a:rPr>
+                        <a:t>21,15</a:t>
+                      </a:r>
+                      <a:endParaRPr lang="nl-NL" sz="1100">
+                        <a:effectLst/>
+                        <a:latin typeface="Calibri"/>
+                        <a:ea typeface="Calibri"/>
+                        <a:cs typeface="Times New Roman"/>
+                      </a:endParaRPr>
+                    </a:p>
+                  </a:txBody>
+                  <a:tcPr marL="68580" marR="68580" marT="0" marB="0"/>
+                </a:tc>
+                <a:tc>
+                  <a:txBody>
+                    <a:bodyPr/>
+                    <a:lstStyle/>
+                    <a:p>
+                      <a:pPr>
+                        <a:lnSpc>
+                          <a:spcPct val="150000"/>
+                        </a:lnSpc>
+                        <a:spcAft>
+                          <a:spcPts val="0"/>
+                        </a:spcAft>
+                      </a:pPr>
+                      <a:r>
+                        <a:rPr lang="nl-NL" sz="1200">
+                          <a:effectLst/>
+                        </a:rPr>
+                        <a:t>15</a:t>
+                      </a:r>
+                      <a:endParaRPr lang="nl-NL" sz="1100">
+                        <a:effectLst/>
+                        <a:latin typeface="Calibri"/>
+                        <a:ea typeface="Calibri"/>
+                        <a:cs typeface="Times New Roman"/>
+                      </a:endParaRPr>
+                    </a:p>
+                  </a:txBody>
+                  <a:tcPr marL="68580" marR="68580" marT="0" marB="0"/>
+                </a:tc>
+                <a:tc>
+                  <a:txBody>
+                    <a:bodyPr/>
+                    <a:lstStyle/>
+                    <a:p>
+                      <a:pPr>
+                        <a:lnSpc>
+                          <a:spcPct val="150000"/>
+                        </a:lnSpc>
+                        <a:spcAft>
+                          <a:spcPts val="0"/>
+                        </a:spcAft>
+                      </a:pPr>
+                      <a:r>
+                        <a:rPr lang="nl-NL" sz="1200">
+                          <a:effectLst/>
+                        </a:rPr>
+                        <a:t>24</a:t>
+                      </a:r>
+                      <a:endParaRPr lang="nl-NL" sz="1100">
+                        <a:effectLst/>
+                        <a:latin typeface="Calibri"/>
+                        <a:ea typeface="Calibri"/>
+                        <a:cs typeface="Times New Roman"/>
+                      </a:endParaRPr>
+                    </a:p>
+                  </a:txBody>
+                  <a:tcPr marL="68580" marR="68580" marT="0" marB="0"/>
+                </a:tc>
+                <a:tc>
+                  <a:txBody>
+                    <a:bodyPr/>
+                    <a:lstStyle/>
+                    <a:p>
+                      <a:pPr>
+                        <a:lnSpc>
+                          <a:spcPct val="150000"/>
+                        </a:lnSpc>
+                        <a:spcAft>
+                          <a:spcPts val="0"/>
+                        </a:spcAft>
+                      </a:pPr>
+                      <a:r>
+                        <a:rPr lang="nl-NL" sz="1200" dirty="0">
+                          <a:effectLst/>
+                        </a:rPr>
+                        <a:t>7,62</a:t>
+                      </a:r>
+                      <a:endParaRPr lang="nl-NL" sz="1100" dirty="0">
+                        <a:effectLst/>
+                        <a:latin typeface="Calibri"/>
+                        <a:ea typeface="Calibri"/>
+                        <a:cs typeface="Times New Roman"/>
+                      </a:endParaRPr>
+                    </a:p>
+                  </a:txBody>
+                  <a:tcPr marL="68580" marR="68580" marT="0" marB="0"/>
+                </a:tc>
+                <a:tc>
+                  <a:txBody>
+                    <a:bodyPr/>
+                    <a:lstStyle/>
+                    <a:p>
+                      <a:pPr>
+                        <a:lnSpc>
+                          <a:spcPct val="150000"/>
+                        </a:lnSpc>
+                        <a:spcAft>
+                          <a:spcPts val="0"/>
+                        </a:spcAft>
+                      </a:pPr>
+                      <a:r>
+                        <a:rPr lang="nl-NL" sz="1200" dirty="0">
+                          <a:effectLst/>
+                        </a:rPr>
+                        <a:t>170,84</a:t>
+                      </a:r>
+                      <a:endParaRPr lang="nl-NL" sz="1100" dirty="0">
+                        <a:effectLst/>
+                        <a:latin typeface="Calibri"/>
+                        <a:ea typeface="Calibri"/>
+                        <a:cs typeface="Times New Roman"/>
+                      </a:endParaRPr>
+                    </a:p>
+                  </a:txBody>
+                  <a:tcPr marL="68580" marR="68580" marT="0" marB="0"/>
+                </a:tc>
+              </a:tr>
+              <a:tr h="0">
+                <a:tc>
+                  <a:txBody>
+                    <a:bodyPr/>
+                    <a:lstStyle/>
+                    <a:p>
+                      <a:pPr>
+                        <a:lnSpc>
+                          <a:spcPct val="150000"/>
+                        </a:lnSpc>
+                        <a:spcAft>
+                          <a:spcPts val="0"/>
+                        </a:spcAft>
+                      </a:pPr>
+                      <a:r>
+                        <a:rPr lang="nl-NL" sz="1200" dirty="0">
+                          <a:effectLst/>
+                        </a:rPr>
+                        <a:t>ChunkSwap</a:t>
+                      </a:r>
+                      <a:endParaRPr lang="nl-NL" sz="1100" dirty="0">
+                        <a:effectLst/>
+                        <a:latin typeface="Calibri"/>
+                        <a:ea typeface="Calibri"/>
+                        <a:cs typeface="Times New Roman"/>
+                      </a:endParaRPr>
+                    </a:p>
+                  </a:txBody>
+                  <a:tcPr marL="68580" marR="68580" marT="0" marB="0"/>
+                </a:tc>
+                <a:tc>
+                  <a:txBody>
+                    <a:bodyPr/>
+                    <a:lstStyle/>
+                    <a:p>
+                      <a:pPr>
+                        <a:lnSpc>
+                          <a:spcPct val="150000"/>
+                        </a:lnSpc>
+                        <a:spcAft>
+                          <a:spcPts val="0"/>
+                        </a:spcAft>
+                      </a:pPr>
+                      <a:r>
+                        <a:rPr lang="nl-NL" sz="1200">
+                          <a:effectLst/>
+                        </a:rPr>
+                        <a:t>20,91</a:t>
+                      </a:r>
+                      <a:endParaRPr lang="nl-NL" sz="1100">
+                        <a:effectLst/>
+                        <a:latin typeface="Calibri"/>
+                        <a:ea typeface="Calibri"/>
+                        <a:cs typeface="Times New Roman"/>
+                      </a:endParaRPr>
+                    </a:p>
+                  </a:txBody>
+                  <a:tcPr marL="68580" marR="68580" marT="0" marB="0"/>
+                </a:tc>
+                <a:tc>
+                  <a:txBody>
+                    <a:bodyPr/>
+                    <a:lstStyle/>
+                    <a:p>
+                      <a:pPr>
+                        <a:lnSpc>
+                          <a:spcPct val="150000"/>
+                        </a:lnSpc>
+                        <a:spcAft>
+                          <a:spcPts val="0"/>
+                        </a:spcAft>
+                      </a:pPr>
+                      <a:r>
+                        <a:rPr lang="nl-NL" sz="1200">
+                          <a:effectLst/>
+                        </a:rPr>
+                        <a:t>13</a:t>
+                      </a:r>
+                      <a:endParaRPr lang="nl-NL" sz="1100">
+                        <a:effectLst/>
+                        <a:latin typeface="Calibri"/>
+                        <a:ea typeface="Calibri"/>
+                        <a:cs typeface="Times New Roman"/>
+                      </a:endParaRPr>
+                    </a:p>
+                  </a:txBody>
+                  <a:tcPr marL="68580" marR="68580" marT="0" marB="0"/>
+                </a:tc>
+                <a:tc>
+                  <a:txBody>
+                    <a:bodyPr/>
+                    <a:lstStyle/>
+                    <a:p>
+                      <a:pPr>
+                        <a:lnSpc>
+                          <a:spcPct val="150000"/>
+                        </a:lnSpc>
+                        <a:spcAft>
+                          <a:spcPts val="0"/>
+                        </a:spcAft>
+                      </a:pPr>
+                      <a:r>
+                        <a:rPr lang="nl-NL" sz="1200">
+                          <a:effectLst/>
+                        </a:rPr>
+                        <a:t>24</a:t>
+                      </a:r>
+                      <a:endParaRPr lang="nl-NL" sz="1100">
+                        <a:effectLst/>
+                        <a:latin typeface="Calibri"/>
+                        <a:ea typeface="Calibri"/>
+                        <a:cs typeface="Times New Roman"/>
+                      </a:endParaRPr>
+                    </a:p>
+                  </a:txBody>
+                  <a:tcPr marL="68580" marR="68580" marT="0" marB="0"/>
+                </a:tc>
+                <a:tc>
+                  <a:txBody>
+                    <a:bodyPr/>
+                    <a:lstStyle/>
+                    <a:p>
+                      <a:pPr>
+                        <a:lnSpc>
+                          <a:spcPct val="150000"/>
+                        </a:lnSpc>
+                        <a:spcAft>
+                          <a:spcPts val="0"/>
+                        </a:spcAft>
+                      </a:pPr>
+                      <a:r>
+                        <a:rPr lang="nl-NL" sz="1200" dirty="0">
+                          <a:effectLst/>
+                        </a:rPr>
+                        <a:t>7,45</a:t>
+                      </a:r>
+                      <a:endParaRPr lang="nl-NL" sz="1100" dirty="0">
+                        <a:effectLst/>
+                        <a:latin typeface="Calibri"/>
+                        <a:ea typeface="Calibri"/>
+                        <a:cs typeface="Times New Roman"/>
+                      </a:endParaRPr>
+                    </a:p>
+                  </a:txBody>
+                  <a:tcPr marL="68580" marR="68580" marT="0" marB="0"/>
+                </a:tc>
+                <a:tc>
+                  <a:txBody>
+                    <a:bodyPr/>
+                    <a:lstStyle/>
+                    <a:p>
+                      <a:pPr>
+                        <a:lnSpc>
+                          <a:spcPct val="150000"/>
+                        </a:lnSpc>
+                        <a:spcAft>
+                          <a:spcPts val="0"/>
+                        </a:spcAft>
+                      </a:pPr>
+                      <a:r>
+                        <a:rPr lang="nl-NL" sz="1200" dirty="0">
+                          <a:effectLst/>
+                        </a:rPr>
+                        <a:t>165,67</a:t>
+                      </a:r>
+                      <a:endParaRPr lang="nl-NL" sz="1100" dirty="0">
+                        <a:effectLst/>
+                        <a:latin typeface="Calibri"/>
+                        <a:ea typeface="Calibri"/>
+                        <a:cs typeface="Times New Roman"/>
+                      </a:endParaRPr>
+                    </a:p>
+                  </a:txBody>
+                  <a:tcPr marL="68580" marR="68580" marT="0" marB="0"/>
+                </a:tc>
+              </a:tr>
+              <a:tr h="0">
+                <a:tc>
+                  <a:txBody>
+                    <a:bodyPr/>
+                    <a:lstStyle/>
+                    <a:p>
+                      <a:pPr>
+                        <a:lnSpc>
+                          <a:spcPct val="150000"/>
+                        </a:lnSpc>
+                        <a:spcAft>
+                          <a:spcPts val="0"/>
+                        </a:spcAft>
+                      </a:pPr>
+                      <a:r>
+                        <a:rPr lang="nl-NL" sz="1200" dirty="0">
+                          <a:effectLst/>
+                        </a:rPr>
+                        <a:t>EditStar</a:t>
+                      </a:r>
+                      <a:endParaRPr lang="nl-NL" sz="1100" dirty="0">
+                        <a:effectLst/>
+                        <a:latin typeface="Calibri"/>
+                        <a:ea typeface="Calibri"/>
+                        <a:cs typeface="Times New Roman"/>
+                      </a:endParaRPr>
+                    </a:p>
+                  </a:txBody>
+                  <a:tcPr marL="68580" marR="68580" marT="0" marB="0"/>
+                </a:tc>
+                <a:tc>
+                  <a:txBody>
+                    <a:bodyPr/>
+                    <a:lstStyle/>
+                    <a:p>
+                      <a:pPr>
+                        <a:lnSpc>
+                          <a:spcPct val="150000"/>
+                        </a:lnSpc>
+                        <a:spcAft>
+                          <a:spcPts val="0"/>
+                        </a:spcAft>
+                      </a:pPr>
+                      <a:r>
+                        <a:rPr lang="nl-NL" sz="1200">
+                          <a:effectLst/>
+                        </a:rPr>
+                        <a:t>17,26</a:t>
+                      </a:r>
+                      <a:endParaRPr lang="nl-NL" sz="1100">
+                        <a:effectLst/>
+                        <a:latin typeface="Calibri"/>
+                        <a:ea typeface="Calibri"/>
+                        <a:cs typeface="Times New Roman"/>
+                      </a:endParaRPr>
+                    </a:p>
+                  </a:txBody>
+                  <a:tcPr marL="68580" marR="68580" marT="0" marB="0"/>
+                </a:tc>
+                <a:tc>
+                  <a:txBody>
+                    <a:bodyPr/>
+                    <a:lstStyle/>
+                    <a:p>
+                      <a:pPr>
+                        <a:lnSpc>
+                          <a:spcPct val="150000"/>
+                        </a:lnSpc>
+                        <a:spcAft>
+                          <a:spcPts val="0"/>
+                        </a:spcAft>
+                      </a:pPr>
+                      <a:r>
+                        <a:rPr lang="nl-NL" sz="1200">
+                          <a:effectLst/>
+                        </a:rPr>
+                        <a:t>13</a:t>
+                      </a:r>
+                      <a:endParaRPr lang="nl-NL" sz="1100">
+                        <a:effectLst/>
+                        <a:latin typeface="Calibri"/>
+                        <a:ea typeface="Calibri"/>
+                        <a:cs typeface="Times New Roman"/>
+                      </a:endParaRPr>
+                    </a:p>
+                  </a:txBody>
+                  <a:tcPr marL="68580" marR="68580" marT="0" marB="0"/>
+                </a:tc>
+                <a:tc>
+                  <a:txBody>
+                    <a:bodyPr/>
+                    <a:lstStyle/>
+                    <a:p>
+                      <a:pPr>
+                        <a:lnSpc>
+                          <a:spcPct val="150000"/>
+                        </a:lnSpc>
+                        <a:spcAft>
+                          <a:spcPts val="0"/>
+                        </a:spcAft>
+                      </a:pPr>
+                      <a:r>
+                        <a:rPr lang="nl-NL" sz="1200">
+                          <a:effectLst/>
+                        </a:rPr>
+                        <a:t>20</a:t>
+                      </a:r>
+                      <a:endParaRPr lang="nl-NL" sz="1100">
+                        <a:effectLst/>
+                        <a:latin typeface="Calibri"/>
+                        <a:ea typeface="Calibri"/>
+                        <a:cs typeface="Times New Roman"/>
+                      </a:endParaRPr>
+                    </a:p>
+                  </a:txBody>
+                  <a:tcPr marL="68580" marR="68580" marT="0" marB="0"/>
+                </a:tc>
+                <a:tc>
+                  <a:txBody>
+                    <a:bodyPr/>
+                    <a:lstStyle/>
+                    <a:p>
+                      <a:pPr>
+                        <a:lnSpc>
+                          <a:spcPct val="150000"/>
+                        </a:lnSpc>
+                        <a:spcAft>
+                          <a:spcPts val="0"/>
+                        </a:spcAft>
+                      </a:pPr>
+                      <a:r>
+                        <a:rPr lang="nl-NL" sz="1200" dirty="0">
+                          <a:effectLst/>
+                        </a:rPr>
+                        <a:t>9,16</a:t>
+                      </a:r>
+                      <a:endParaRPr lang="nl-NL" sz="1100" dirty="0">
+                        <a:effectLst/>
+                        <a:latin typeface="Calibri"/>
+                        <a:ea typeface="Calibri"/>
+                        <a:cs typeface="Times New Roman"/>
+                      </a:endParaRPr>
+                    </a:p>
+                  </a:txBody>
+                  <a:tcPr marL="68580" marR="68580" marT="0" marB="0"/>
+                </a:tc>
+                <a:tc>
+                  <a:txBody>
+                    <a:bodyPr/>
+                    <a:lstStyle/>
+                    <a:p>
+                      <a:pPr>
+                        <a:lnSpc>
+                          <a:spcPct val="150000"/>
+                        </a:lnSpc>
+                        <a:spcAft>
+                          <a:spcPts val="0"/>
+                        </a:spcAft>
+                      </a:pPr>
+                      <a:r>
+                        <a:rPr lang="nl-NL" sz="1200" dirty="0">
+                          <a:effectLst/>
+                        </a:rPr>
+                        <a:t>164,73</a:t>
+                      </a:r>
+                      <a:endParaRPr lang="nl-NL" sz="1100" dirty="0">
+                        <a:effectLst/>
+                        <a:latin typeface="Calibri"/>
+                        <a:ea typeface="Calibri"/>
+                        <a:cs typeface="Times New Roman"/>
+                      </a:endParaRPr>
+                    </a:p>
+                  </a:txBody>
+                  <a:tcPr marL="68580" marR="68580" marT="0" marB="0"/>
+                </a:tc>
+              </a:tr>
+            </a:tbl>
+          </a:graphicData>
+        </a:graphic>
+      </p:graphicFrame>
+    </p:spTree>
+    <p:extLst>
+      <p:ext uri="{BB962C8B-B14F-4D97-AF65-F5344CB8AC3E}">
+        <p14:creationId xmlns:p14="http://schemas.microsoft.com/office/powerpoint/2010/main" val="2655477991"/>
+      </p:ext>
+    </p:extLst>
+  </p:cSld>
+  <p:clrMapOvr>
+    <a:masterClrMapping/>
+  </p:clrMapOvr>
+  <p:timing>
+    <p:tnLst>
+      <p:par>
+        <p:cTn id="1" dur="indefinite" restart="never" nodeType="tmRoot"/>
+      </p:par>
+    </p:tnLst>
+  </p:timing>
+</p:sld>
+</file>
+
 <file path=ppt/slides/slide2.xml><?xml version="1.0" encoding="utf-8"?>
 <p:sld xmlns:a="http://schemas.openxmlformats.org/drawingml/2006/main" xmlns:r="http://schemas.openxmlformats.org/officeDocument/2006/relationships" xmlns:p="http://schemas.openxmlformats.org/presentationml/2006/main">
   <p:cSld>
@@ -3305,7 +5910,7 @@
           <a:p>
             <a:r>
               <a:rPr lang="nl-NL" dirty="0" smtClean="0"/>
-              <a:t>Recap</a:t>
+              <a:t>Probleem</a:t>
             </a:r>
             <a:endParaRPr lang="nl-NL" dirty="0"/>
           </a:p>
@@ -3326,28 +5931,86 @@
           <a:bodyPr/>
           <a:lstStyle/>
           <a:p>
+            <a:pPr marL="114300" indent="0">
+              <a:buNone/>
+            </a:pPr>
+            <a:r>
+              <a:rPr lang="nl-NL" b="1" dirty="0" smtClean="0"/>
+              <a:t>Omschrijving</a:t>
+            </a:r>
+          </a:p>
+          <a:p>
             <a:r>
               <a:rPr lang="nl-NL" dirty="0" smtClean="0"/>
-              <a:t>Twee soorten fruitvliegen</a:t>
-            </a:r>
-          </a:p>
-          <a:p>
+              <a:t>Twee </a:t>
+            </a:r>
+            <a:r>
+              <a:rPr lang="nl-NL" dirty="0" smtClean="0"/>
+              <a:t>soorten </a:t>
+            </a:r>
+            <a:r>
+              <a:rPr lang="nl-NL" dirty="0" smtClean="0"/>
+              <a:t>fruitvliegen</a:t>
+            </a:r>
             <a:endParaRPr lang="nl-NL" dirty="0" smtClean="0"/>
           </a:p>
           <a:p>
             <a:r>
               <a:rPr lang="nl-NL" dirty="0" smtClean="0"/>
-              <a:t>Verschillende volgorde, zelfde genen</a:t>
-            </a:r>
-          </a:p>
-          <a:p>
+              <a:t>Verschillende volgorde, zelfde </a:t>
+            </a:r>
+            <a:r>
+              <a:rPr lang="nl-NL" dirty="0" smtClean="0"/>
+              <a:t>genen</a:t>
+            </a:r>
             <a:endParaRPr lang="nl-NL" dirty="0" smtClean="0"/>
           </a:p>
           <a:p>
             <a:r>
               <a:rPr lang="nl-NL" dirty="0" smtClean="0"/>
-              <a:t>Genen verplaatsen d.m.v. inversie</a:t>
-            </a:r>
+              <a:t>Genen verplaatsen d.m.v. </a:t>
+            </a:r>
+            <a:r>
+              <a:rPr lang="nl-NL" dirty="0"/>
+              <a:t>i</a:t>
+            </a:r>
+            <a:r>
+              <a:rPr lang="nl-NL" dirty="0" smtClean="0"/>
+              <a:t>nversie</a:t>
+            </a:r>
+          </a:p>
+          <a:p>
+            <a:endParaRPr lang="nl-NL" dirty="0" smtClean="0"/>
+          </a:p>
+          <a:p>
+            <a:pPr marL="114300" indent="0">
+              <a:buNone/>
+            </a:pPr>
+            <a:r>
+              <a:rPr lang="nl-NL" b="1" dirty="0" smtClean="0"/>
+              <a:t>Doelen</a:t>
+            </a:r>
+            <a:endParaRPr lang="nl-NL" b="1" dirty="0"/>
+          </a:p>
+          <a:p>
+            <a:r>
+              <a:rPr lang="nl-NL" dirty="0" smtClean="0"/>
+              <a:t>Kleinste hoeveelheid inversies</a:t>
+            </a:r>
+            <a:endParaRPr lang="nl-NL" dirty="0"/>
+          </a:p>
+          <a:p>
+            <a:r>
+              <a:rPr lang="nl-NL" dirty="0" smtClean="0"/>
+              <a:t>Kleinste hoeveelheid verplaatste genen</a:t>
+            </a:r>
+          </a:p>
+          <a:p>
+            <a:r>
+              <a:rPr lang="nl-NL" dirty="0" smtClean="0"/>
+              <a:t>Wat maakt een genoom moeilijk?</a:t>
+            </a:r>
+            <a:endParaRPr lang="nl-NL" dirty="0" smtClean="0"/>
           </a:p>
           <a:p>
             <a:pPr marL="114300" indent="0">
@@ -3489,7 +6152,7 @@
           <a:p>
             <a:r>
               <a:rPr lang="nl-NL" dirty="0" smtClean="0"/>
-              <a:t>Algoritmes</a:t>
+              <a:t>Hoe werkt inversie?</a:t>
             </a:r>
             <a:endParaRPr lang="nl-NL" dirty="0"/>
           </a:p>
@@ -3512,48 +6175,8 @@
           <a:p>
             <a:r>
               <a:rPr lang="nl-NL" dirty="0" smtClean="0"/>
-              <a:t>Zoekt naar laagste of hoogste nummer en zet dat goed d.m.v. </a:t>
-            </a:r>
-            <a:r>
-              <a:rPr lang="nl-NL" dirty="0"/>
-              <a:t>i</a:t>
-            </a:r>
-            <a:r>
-              <a:rPr lang="nl-NL" dirty="0" smtClean="0"/>
-              <a:t>nversie</a:t>
-            </a:r>
-          </a:p>
-          <a:p>
-            <a:endParaRPr lang="nl-NL" dirty="0" smtClean="0"/>
-          </a:p>
-          <a:p>
-            <a:r>
-              <a:rPr lang="nl-NL" dirty="0" smtClean="0"/>
-              <a:t>Versie die al aaneengesloten “pakketjes” goed laat staan</a:t>
-            </a:r>
-          </a:p>
-          <a:p>
-            <a:endParaRPr lang="nl-NL" dirty="0" smtClean="0"/>
-          </a:p>
-          <a:p>
-            <a:r>
-              <a:rPr lang="nl-NL" dirty="0" smtClean="0"/>
-              <a:t>A* in progress</a:t>
-            </a:r>
-          </a:p>
-          <a:p>
-            <a:pPr marL="114300" indent="0">
-              <a:buNone/>
-            </a:pPr>
-            <a:endParaRPr lang="nl-NL" dirty="0" smtClean="0"/>
-          </a:p>
-          <a:p>
-            <a:r>
-              <a:rPr lang="nl-NL" dirty="0" smtClean="0"/>
-              <a:t>We weten dat het in 14 stappen moet kunnen voor vlieg</a:t>
-            </a:r>
-          </a:p>
-          <a:p>
+              <a:t>Plaatje dat inversie uitlegt (evt animatie als we tijd hebben?)</a:t>
+            </a:r>
             <a:endParaRPr lang="nl-NL" dirty="0"/>
           </a:p>
         </p:txBody>
@@ -3561,20 +6184,13 @@
     </p:spTree>
     <p:extLst>
       <p:ext uri="{BB962C8B-B14F-4D97-AF65-F5344CB8AC3E}">
-        <p14:creationId xmlns:p14="http://schemas.microsoft.com/office/powerpoint/2010/main" val="1973757561"/>
+        <p14:creationId xmlns:p14="http://schemas.microsoft.com/office/powerpoint/2010/main" val="336638031"/>
       </p:ext>
     </p:extLst>
   </p:cSld>
   <p:clrMapOvr>
     <a:masterClrMapping/>
   </p:clrMapOvr>
-  <p:timing>
-    <p:tnLst>
-      <p:par>
-        <p:cTn id="1" dur="indefinite" restart="never" nodeType="tmRoot"/>
-      </p:par>
-    </p:tnLst>
-  </p:timing>
 </p:sld>
 </file>
 
@@ -3595,1526 +6211,112 @@
           <a:chExt cx="0" cy="0"/>
         </a:xfrm>
       </p:grpSpPr>
-      <p:graphicFrame>
-        <p:nvGraphicFramePr>
-          <p:cNvPr id="2" name="Table 1"/>
-          <p:cNvGraphicFramePr>
-            <a:graphicFrameLocks noGrp="1"/>
-          </p:cNvGraphicFramePr>
-          <p:nvPr>
-            <p:extLst>
-              <p:ext uri="{D42A27DB-BD31-4B8C-83A1-F6EECF244321}">
-                <p14:modId xmlns:p14="http://schemas.microsoft.com/office/powerpoint/2010/main" val="2216094679"/>
-              </p:ext>
-            </p:extLst>
-          </p:nvPr>
-        </p:nvGraphicFramePr>
-        <p:xfrm>
-          <a:off x="1524000" y="3810000"/>
-          <a:ext cx="5470209" cy="2409445"/>
-        </p:xfrm>
-        <a:graphic>
-          <a:graphicData uri="http://schemas.openxmlformats.org/drawingml/2006/table">
-            <a:tbl>
-              <a:tblPr firstRow="1" firstCol="1" bandRow="1">
-                <a:tableStyleId>{5C22544A-7EE6-4342-B048-85BDC9FD1C3A}</a:tableStyleId>
-              </a:tblPr>
-              <a:tblGrid>
-                <a:gridCol w="1823403"/>
-                <a:gridCol w="1823403"/>
-                <a:gridCol w="1823403"/>
-              </a:tblGrid>
-              <a:tr h="616321">
-                <a:tc>
-                  <a:txBody>
-                    <a:bodyPr/>
-                    <a:lstStyle/>
-                    <a:p>
-                      <a:pPr>
-                        <a:lnSpc>
-                          <a:spcPct val="115000"/>
-                        </a:lnSpc>
-                        <a:spcAft>
-                          <a:spcPts val="0"/>
-                        </a:spcAft>
-                      </a:pPr>
-                      <a:r>
-                        <a:rPr lang="nl-NL" sz="1600" dirty="0">
-                          <a:effectLst/>
-                        </a:rPr>
-                        <a:t> </a:t>
-                      </a:r>
-                      <a:endParaRPr lang="nl-NL" sz="1600" dirty="0">
-                        <a:effectLst/>
-                        <a:latin typeface="Calibri"/>
-                        <a:ea typeface="Calibri"/>
-                        <a:cs typeface="Times New Roman"/>
-                      </a:endParaRPr>
-                    </a:p>
-                  </a:txBody>
-                  <a:tcPr marL="68580" marR="68580" marT="0" marB="0"/>
-                </a:tc>
-                <a:tc>
-                  <a:txBody>
-                    <a:bodyPr/>
-                    <a:lstStyle/>
-                    <a:p>
-                      <a:pPr>
-                        <a:lnSpc>
-                          <a:spcPct val="115000"/>
-                        </a:lnSpc>
-                        <a:spcAft>
-                          <a:spcPts val="0"/>
-                        </a:spcAft>
-                      </a:pPr>
-                      <a:r>
-                        <a:rPr lang="nl-NL" sz="1600">
-                          <a:effectLst/>
-                        </a:rPr>
-                        <a:t>Gemiddeld aantal genen verplaatst </a:t>
-                      </a:r>
-                      <a:endParaRPr lang="nl-NL" sz="1600">
-                        <a:effectLst/>
-                        <a:latin typeface="Calibri"/>
-                        <a:ea typeface="Calibri"/>
-                        <a:cs typeface="Times New Roman"/>
-                      </a:endParaRPr>
-                    </a:p>
-                  </a:txBody>
-                  <a:tcPr marL="68580" marR="68580" marT="0" marB="0"/>
-                </a:tc>
-                <a:tc>
-                  <a:txBody>
-                    <a:bodyPr/>
-                    <a:lstStyle/>
-                    <a:p>
-                      <a:pPr>
-                        <a:lnSpc>
-                          <a:spcPct val="115000"/>
-                        </a:lnSpc>
-                        <a:spcAft>
-                          <a:spcPts val="0"/>
-                        </a:spcAft>
-                      </a:pPr>
-                      <a:r>
-                        <a:rPr lang="nl-NL" sz="1600">
-                          <a:effectLst/>
-                        </a:rPr>
-                        <a:t>Gemiddeld aantal genen per mutatie</a:t>
-                      </a:r>
-                      <a:endParaRPr lang="nl-NL" sz="1600">
-                        <a:effectLst/>
-                        <a:latin typeface="Calibri"/>
-                        <a:ea typeface="Calibri"/>
-                        <a:cs typeface="Times New Roman"/>
-                      </a:endParaRPr>
-                    </a:p>
-                  </a:txBody>
-                  <a:tcPr marL="68580" marR="68580" marT="0" marB="0"/>
-                </a:tc>
-              </a:tr>
-              <a:tr h="298854">
-                <a:tc>
-                  <a:txBody>
-                    <a:bodyPr/>
-                    <a:lstStyle/>
-                    <a:p>
-                      <a:pPr>
-                        <a:lnSpc>
-                          <a:spcPct val="115000"/>
-                        </a:lnSpc>
-                        <a:spcAft>
-                          <a:spcPts val="0"/>
-                        </a:spcAft>
-                      </a:pPr>
-                      <a:r>
-                        <a:rPr lang="nl-NL" sz="1600">
-                          <a:effectLst/>
-                        </a:rPr>
-                        <a:t>Algoritme 1</a:t>
-                      </a:r>
-                      <a:endParaRPr lang="nl-NL" sz="1600">
-                        <a:effectLst/>
-                        <a:latin typeface="Calibri"/>
-                        <a:ea typeface="Calibri"/>
-                        <a:cs typeface="Times New Roman"/>
-                      </a:endParaRPr>
-                    </a:p>
-                  </a:txBody>
-                  <a:tcPr marL="68580" marR="68580" marT="0" marB="0"/>
-                </a:tc>
-                <a:tc>
-                  <a:txBody>
-                    <a:bodyPr/>
-                    <a:lstStyle/>
-                    <a:p>
-                      <a:pPr>
-                        <a:lnSpc>
-                          <a:spcPct val="115000"/>
-                        </a:lnSpc>
-                        <a:spcAft>
-                          <a:spcPts val="0"/>
-                        </a:spcAft>
-                      </a:pPr>
-                      <a:r>
-                        <a:rPr lang="nl-NL" sz="1600">
-                          <a:effectLst/>
-                        </a:rPr>
-                        <a:t>170,59</a:t>
-                      </a:r>
-                      <a:endParaRPr lang="nl-NL" sz="1600">
-                        <a:effectLst/>
-                        <a:latin typeface="Calibri"/>
-                        <a:ea typeface="Calibri"/>
-                        <a:cs typeface="Times New Roman"/>
-                      </a:endParaRPr>
-                    </a:p>
-                  </a:txBody>
-                  <a:tcPr marL="68580" marR="68580" marT="0" marB="0"/>
-                </a:tc>
-                <a:tc>
-                  <a:txBody>
-                    <a:bodyPr/>
-                    <a:lstStyle/>
-                    <a:p>
-                      <a:pPr>
-                        <a:lnSpc>
-                          <a:spcPct val="115000"/>
-                        </a:lnSpc>
-                        <a:spcAft>
-                          <a:spcPts val="0"/>
-                        </a:spcAft>
-                      </a:pPr>
-                      <a:r>
-                        <a:rPr lang="nl-NL" sz="1600">
-                          <a:effectLst/>
-                        </a:rPr>
-                        <a:t>7,60</a:t>
-                      </a:r>
-                      <a:endParaRPr lang="nl-NL" sz="1600">
-                        <a:effectLst/>
-                        <a:latin typeface="Calibri"/>
-                        <a:ea typeface="Calibri"/>
-                        <a:cs typeface="Times New Roman"/>
-                      </a:endParaRPr>
-                    </a:p>
-                  </a:txBody>
-                  <a:tcPr marL="68580" marR="68580" marT="0" marB="0"/>
-                </a:tc>
-              </a:tr>
-              <a:tr h="298854">
-                <a:tc>
-                  <a:txBody>
-                    <a:bodyPr/>
-                    <a:lstStyle/>
-                    <a:p>
-                      <a:pPr>
-                        <a:lnSpc>
-                          <a:spcPct val="115000"/>
-                        </a:lnSpc>
-                        <a:spcAft>
-                          <a:spcPts val="0"/>
-                        </a:spcAft>
-                      </a:pPr>
-                      <a:r>
-                        <a:rPr lang="nl-NL" sz="1600" dirty="0">
-                          <a:effectLst/>
-                        </a:rPr>
-                        <a:t>Algoritme 2</a:t>
-                      </a:r>
-                      <a:endParaRPr lang="nl-NL" sz="1600" dirty="0">
-                        <a:effectLst/>
-                        <a:latin typeface="Calibri"/>
-                        <a:ea typeface="Calibri"/>
-                        <a:cs typeface="Times New Roman"/>
-                      </a:endParaRPr>
-                    </a:p>
-                  </a:txBody>
-                  <a:tcPr marL="68580" marR="68580" marT="0" marB="0"/>
-                </a:tc>
-                <a:tc>
-                  <a:txBody>
-                    <a:bodyPr/>
-                    <a:lstStyle/>
-                    <a:p>
-                      <a:pPr>
-                        <a:lnSpc>
-                          <a:spcPct val="115000"/>
-                        </a:lnSpc>
-                        <a:spcAft>
-                          <a:spcPts val="0"/>
-                        </a:spcAft>
-                      </a:pPr>
-                      <a:r>
-                        <a:rPr lang="nl-NL" sz="1600">
-                          <a:effectLst/>
-                        </a:rPr>
-                        <a:t>170,97</a:t>
-                      </a:r>
-                      <a:endParaRPr lang="nl-NL" sz="1600">
-                        <a:effectLst/>
-                        <a:latin typeface="Calibri"/>
-                        <a:ea typeface="Calibri"/>
-                        <a:cs typeface="Times New Roman"/>
-                      </a:endParaRPr>
-                    </a:p>
-                  </a:txBody>
-                  <a:tcPr marL="68580" marR="68580" marT="0" marB="0"/>
-                </a:tc>
-                <a:tc>
-                  <a:txBody>
-                    <a:bodyPr/>
-                    <a:lstStyle/>
-                    <a:p>
-                      <a:pPr>
-                        <a:lnSpc>
-                          <a:spcPct val="115000"/>
-                        </a:lnSpc>
-                        <a:spcAft>
-                          <a:spcPts val="0"/>
-                        </a:spcAft>
-                      </a:pPr>
-                      <a:r>
-                        <a:rPr lang="nl-NL" sz="1600">
-                          <a:effectLst/>
-                        </a:rPr>
-                        <a:t>7,63</a:t>
-                      </a:r>
-                      <a:endParaRPr lang="nl-NL" sz="1600">
-                        <a:effectLst/>
-                        <a:latin typeface="Calibri"/>
-                        <a:ea typeface="Calibri"/>
-                        <a:cs typeface="Times New Roman"/>
-                      </a:endParaRPr>
-                    </a:p>
-                  </a:txBody>
-                  <a:tcPr marL="68580" marR="68580" marT="0" marB="0"/>
-                </a:tc>
-              </a:tr>
-              <a:tr h="298854">
-                <a:tc>
-                  <a:txBody>
-                    <a:bodyPr/>
-                    <a:lstStyle/>
-                    <a:p>
-                      <a:pPr>
-                        <a:lnSpc>
-                          <a:spcPct val="115000"/>
-                        </a:lnSpc>
-                        <a:spcAft>
-                          <a:spcPts val="0"/>
-                        </a:spcAft>
-                      </a:pPr>
-                      <a:r>
-                        <a:rPr lang="nl-NL" sz="1600">
-                          <a:effectLst/>
-                        </a:rPr>
-                        <a:t>Algoritme 3</a:t>
-                      </a:r>
-                      <a:endParaRPr lang="nl-NL" sz="1600">
-                        <a:effectLst/>
-                        <a:latin typeface="Calibri"/>
-                        <a:ea typeface="Calibri"/>
-                        <a:cs typeface="Times New Roman"/>
-                      </a:endParaRPr>
-                    </a:p>
-                  </a:txBody>
-                  <a:tcPr marL="68580" marR="68580" marT="0" marB="0"/>
-                </a:tc>
-                <a:tc>
-                  <a:txBody>
-                    <a:bodyPr/>
-                    <a:lstStyle/>
-                    <a:p>
-                      <a:pPr>
-                        <a:lnSpc>
-                          <a:spcPct val="115000"/>
-                        </a:lnSpc>
-                        <a:spcAft>
-                          <a:spcPts val="0"/>
-                        </a:spcAft>
-                      </a:pPr>
-                      <a:r>
-                        <a:rPr lang="nl-NL" sz="1600">
-                          <a:effectLst/>
-                        </a:rPr>
-                        <a:t>170,84</a:t>
-                      </a:r>
-                      <a:endParaRPr lang="nl-NL" sz="1600">
-                        <a:effectLst/>
-                        <a:latin typeface="Calibri"/>
-                        <a:ea typeface="Calibri"/>
-                        <a:cs typeface="Times New Roman"/>
-                      </a:endParaRPr>
-                    </a:p>
-                  </a:txBody>
-                  <a:tcPr marL="68580" marR="68580" marT="0" marB="0"/>
-                </a:tc>
-                <a:tc>
-                  <a:txBody>
-                    <a:bodyPr/>
-                    <a:lstStyle/>
-                    <a:p>
-                      <a:pPr>
-                        <a:lnSpc>
-                          <a:spcPct val="115000"/>
-                        </a:lnSpc>
-                        <a:spcAft>
-                          <a:spcPts val="0"/>
-                        </a:spcAft>
-                      </a:pPr>
-                      <a:r>
-                        <a:rPr lang="nl-NL" sz="1600">
-                          <a:effectLst/>
-                        </a:rPr>
-                        <a:t>7,62</a:t>
-                      </a:r>
-                      <a:endParaRPr lang="nl-NL" sz="1600">
-                        <a:effectLst/>
-                        <a:latin typeface="Calibri"/>
-                        <a:ea typeface="Calibri"/>
-                        <a:cs typeface="Times New Roman"/>
-                      </a:endParaRPr>
-                    </a:p>
-                  </a:txBody>
-                  <a:tcPr marL="68580" marR="68580" marT="0" marB="0"/>
-                </a:tc>
-              </a:tr>
-              <a:tr h="298854">
-                <a:tc>
-                  <a:txBody>
-                    <a:bodyPr/>
-                    <a:lstStyle/>
-                    <a:p>
-                      <a:pPr>
-                        <a:lnSpc>
-                          <a:spcPct val="115000"/>
-                        </a:lnSpc>
-                        <a:spcAft>
-                          <a:spcPts val="0"/>
-                        </a:spcAft>
-                      </a:pPr>
-                      <a:r>
-                        <a:rPr lang="nl-NL" sz="1600">
-                          <a:effectLst/>
-                        </a:rPr>
-                        <a:t>Algoritme 4</a:t>
-                      </a:r>
-                      <a:endParaRPr lang="nl-NL" sz="1600">
-                        <a:effectLst/>
-                        <a:latin typeface="Calibri"/>
-                        <a:ea typeface="Calibri"/>
-                        <a:cs typeface="Times New Roman"/>
-                      </a:endParaRPr>
-                    </a:p>
-                  </a:txBody>
-                  <a:tcPr marL="68580" marR="68580" marT="0" marB="0"/>
-                </a:tc>
-                <a:tc>
-                  <a:txBody>
-                    <a:bodyPr/>
-                    <a:lstStyle/>
-                    <a:p>
-                      <a:pPr>
-                        <a:lnSpc>
-                          <a:spcPct val="115000"/>
-                        </a:lnSpc>
-                        <a:spcAft>
-                          <a:spcPts val="0"/>
-                        </a:spcAft>
-                      </a:pPr>
-                      <a:r>
-                        <a:rPr lang="nl-NL" sz="1600">
-                          <a:effectLst/>
-                        </a:rPr>
-                        <a:t>165,67</a:t>
-                      </a:r>
-                      <a:endParaRPr lang="nl-NL" sz="1600">
-                        <a:effectLst/>
-                        <a:latin typeface="Calibri"/>
-                        <a:ea typeface="Calibri"/>
-                        <a:cs typeface="Times New Roman"/>
-                      </a:endParaRPr>
-                    </a:p>
-                  </a:txBody>
-                  <a:tcPr marL="68580" marR="68580" marT="0" marB="0"/>
-                </a:tc>
-                <a:tc>
-                  <a:txBody>
-                    <a:bodyPr/>
-                    <a:lstStyle/>
-                    <a:p>
-                      <a:pPr>
-                        <a:lnSpc>
-                          <a:spcPct val="115000"/>
-                        </a:lnSpc>
-                        <a:spcAft>
-                          <a:spcPts val="0"/>
-                        </a:spcAft>
-                      </a:pPr>
-                      <a:r>
-                        <a:rPr lang="nl-NL" sz="1600">
-                          <a:effectLst/>
-                        </a:rPr>
-                        <a:t>7,45</a:t>
-                      </a:r>
-                      <a:endParaRPr lang="nl-NL" sz="1600">
-                        <a:effectLst/>
-                        <a:latin typeface="Calibri"/>
-                        <a:ea typeface="Calibri"/>
-                        <a:cs typeface="Times New Roman"/>
-                      </a:endParaRPr>
-                    </a:p>
-                  </a:txBody>
-                  <a:tcPr marL="68580" marR="68580" marT="0" marB="0"/>
-                </a:tc>
-              </a:tr>
-              <a:tr h="298854">
-                <a:tc>
-                  <a:txBody>
-                    <a:bodyPr/>
-                    <a:lstStyle/>
-                    <a:p>
-                      <a:pPr>
-                        <a:lnSpc>
-                          <a:spcPct val="115000"/>
-                        </a:lnSpc>
-                        <a:spcAft>
-                          <a:spcPts val="0"/>
-                        </a:spcAft>
-                      </a:pPr>
-                      <a:r>
-                        <a:rPr lang="nl-NL" sz="1600">
-                          <a:effectLst/>
-                        </a:rPr>
-                        <a:t>Algoritme 5</a:t>
-                      </a:r>
-                      <a:endParaRPr lang="nl-NL" sz="1600">
-                        <a:effectLst/>
-                        <a:latin typeface="Calibri"/>
-                        <a:ea typeface="Calibri"/>
-                        <a:cs typeface="Times New Roman"/>
-                      </a:endParaRPr>
-                    </a:p>
-                  </a:txBody>
-                  <a:tcPr marL="68580" marR="68580" marT="0" marB="0"/>
-                </a:tc>
-                <a:tc>
-                  <a:txBody>
-                    <a:bodyPr/>
-                    <a:lstStyle/>
-                    <a:p>
-                      <a:pPr>
-                        <a:lnSpc>
-                          <a:spcPct val="115000"/>
-                        </a:lnSpc>
-                        <a:spcAft>
-                          <a:spcPts val="0"/>
-                        </a:spcAft>
-                      </a:pPr>
-                      <a:r>
-                        <a:rPr lang="nl-NL" sz="1600">
-                          <a:effectLst/>
-                        </a:rPr>
-                        <a:t>168,70</a:t>
-                      </a:r>
-                      <a:endParaRPr lang="nl-NL" sz="1600">
-                        <a:effectLst/>
-                        <a:latin typeface="Calibri"/>
-                        <a:ea typeface="Calibri"/>
-                        <a:cs typeface="Times New Roman"/>
-                      </a:endParaRPr>
-                    </a:p>
-                  </a:txBody>
-                  <a:tcPr marL="68580" marR="68580" marT="0" marB="0"/>
-                </a:tc>
-                <a:tc>
-                  <a:txBody>
-                    <a:bodyPr/>
-                    <a:lstStyle/>
-                    <a:p>
-                      <a:pPr>
-                        <a:lnSpc>
-                          <a:spcPct val="115000"/>
-                        </a:lnSpc>
-                        <a:spcAft>
-                          <a:spcPts val="0"/>
-                        </a:spcAft>
-                      </a:pPr>
-                      <a:r>
-                        <a:rPr lang="nl-NL" sz="1600">
-                          <a:effectLst/>
-                        </a:rPr>
-                        <a:t>7,64</a:t>
-                      </a:r>
-                      <a:endParaRPr lang="nl-NL" sz="1600">
-                        <a:effectLst/>
-                        <a:latin typeface="Calibri"/>
-                        <a:ea typeface="Calibri"/>
-                        <a:cs typeface="Times New Roman"/>
-                      </a:endParaRPr>
-                    </a:p>
-                  </a:txBody>
-                  <a:tcPr marL="68580" marR="68580" marT="0" marB="0"/>
-                </a:tc>
-              </a:tr>
-              <a:tr h="298854">
-                <a:tc>
-                  <a:txBody>
-                    <a:bodyPr/>
-                    <a:lstStyle/>
-                    <a:p>
-                      <a:pPr>
-                        <a:lnSpc>
-                          <a:spcPct val="115000"/>
-                        </a:lnSpc>
-                        <a:spcAft>
-                          <a:spcPts val="0"/>
-                        </a:spcAft>
-                      </a:pPr>
-                      <a:r>
-                        <a:rPr lang="nl-NL" sz="1600" dirty="0">
-                          <a:effectLst/>
-                        </a:rPr>
-                        <a:t>Algoritme 6</a:t>
-                      </a:r>
-                      <a:endParaRPr lang="nl-NL" sz="1600" dirty="0">
-                        <a:effectLst/>
-                        <a:latin typeface="Calibri"/>
-                        <a:ea typeface="Calibri"/>
-                        <a:cs typeface="Times New Roman"/>
-                      </a:endParaRPr>
-                    </a:p>
-                  </a:txBody>
-                  <a:tcPr marL="68580" marR="68580" marT="0" marB="0"/>
-                </a:tc>
-                <a:tc>
-                  <a:txBody>
-                    <a:bodyPr/>
-                    <a:lstStyle/>
-                    <a:p>
-                      <a:pPr>
-                        <a:lnSpc>
-                          <a:spcPct val="115000"/>
-                        </a:lnSpc>
-                        <a:spcAft>
-                          <a:spcPts val="0"/>
-                        </a:spcAft>
-                      </a:pPr>
-                      <a:r>
-                        <a:rPr lang="nl-NL" sz="1600">
-                          <a:effectLst/>
-                        </a:rPr>
-                        <a:t>168,64</a:t>
-                      </a:r>
-                      <a:endParaRPr lang="nl-NL" sz="1600">
-                        <a:effectLst/>
-                        <a:latin typeface="Calibri"/>
-                        <a:ea typeface="Calibri"/>
-                        <a:cs typeface="Times New Roman"/>
-                      </a:endParaRPr>
-                    </a:p>
-                  </a:txBody>
-                  <a:tcPr marL="68580" marR="68580" marT="0" marB="0"/>
-                </a:tc>
-                <a:tc>
-                  <a:txBody>
-                    <a:bodyPr/>
-                    <a:lstStyle/>
-                    <a:p>
-                      <a:pPr>
-                        <a:lnSpc>
-                          <a:spcPct val="115000"/>
-                        </a:lnSpc>
-                        <a:spcAft>
-                          <a:spcPts val="0"/>
-                        </a:spcAft>
-                      </a:pPr>
-                      <a:r>
-                        <a:rPr lang="nl-NL" sz="1600" dirty="0">
-                          <a:effectLst/>
-                        </a:rPr>
-                        <a:t>7,58</a:t>
-                      </a:r>
-                      <a:endParaRPr lang="nl-NL" sz="1600" dirty="0">
-                        <a:effectLst/>
-                        <a:latin typeface="Calibri"/>
-                        <a:ea typeface="Calibri"/>
-                        <a:cs typeface="Times New Roman"/>
-                      </a:endParaRPr>
-                    </a:p>
-                  </a:txBody>
-                  <a:tcPr marL="68580" marR="68580" marT="0" marB="0"/>
-                </a:tc>
-              </a:tr>
-            </a:tbl>
-          </a:graphicData>
-        </a:graphic>
-      </p:graphicFrame>
-      <p:graphicFrame>
-        <p:nvGraphicFramePr>
-          <p:cNvPr id="3" name="Table 2"/>
-          <p:cNvGraphicFramePr>
-            <a:graphicFrameLocks noGrp="1"/>
-          </p:cNvGraphicFramePr>
-          <p:nvPr>
-            <p:extLst>
-              <p:ext uri="{D42A27DB-BD31-4B8C-83A1-F6EECF244321}">
-                <p14:modId xmlns:p14="http://schemas.microsoft.com/office/powerpoint/2010/main" val="538995985"/>
-              </p:ext>
-            </p:extLst>
-          </p:nvPr>
-        </p:nvGraphicFramePr>
-        <p:xfrm>
-          <a:off x="1295400" y="990600"/>
-          <a:ext cx="5849620" cy="2127758"/>
-        </p:xfrm>
-        <a:graphic>
-          <a:graphicData uri="http://schemas.openxmlformats.org/drawingml/2006/table">
-            <a:tbl>
-              <a:tblPr firstRow="1" firstCol="1" bandRow="1">
-                <a:tableStyleId>{5C22544A-7EE6-4342-B048-85BDC9FD1C3A}</a:tableStyleId>
-              </a:tblPr>
-              <a:tblGrid>
-                <a:gridCol w="1462405"/>
-                <a:gridCol w="1462405"/>
-                <a:gridCol w="1462405"/>
-                <a:gridCol w="1462405"/>
-              </a:tblGrid>
-              <a:tr h="544322">
-                <a:tc>
-                  <a:txBody>
-                    <a:bodyPr/>
-                    <a:lstStyle/>
-                    <a:p>
-                      <a:pPr>
-                        <a:lnSpc>
-                          <a:spcPct val="115000"/>
-                        </a:lnSpc>
-                        <a:spcAft>
-                          <a:spcPts val="0"/>
-                        </a:spcAft>
-                      </a:pPr>
-                      <a:r>
-                        <a:rPr lang="nl-NL" sz="1600">
-                          <a:effectLst/>
-                        </a:rPr>
-                        <a:t> </a:t>
-                      </a:r>
-                      <a:endParaRPr lang="nl-NL" sz="1600">
-                        <a:effectLst/>
-                        <a:latin typeface="Calibri"/>
-                        <a:ea typeface="Calibri"/>
-                        <a:cs typeface="Times New Roman"/>
-                      </a:endParaRPr>
-                    </a:p>
-                  </a:txBody>
-                  <a:tcPr marL="68580" marR="68580" marT="0" marB="0"/>
-                </a:tc>
-                <a:tc>
-                  <a:txBody>
-                    <a:bodyPr/>
-                    <a:lstStyle/>
-                    <a:p>
-                      <a:pPr>
-                        <a:lnSpc>
-                          <a:spcPct val="115000"/>
-                        </a:lnSpc>
-                        <a:spcAft>
-                          <a:spcPts val="0"/>
-                        </a:spcAft>
-                      </a:pPr>
-                      <a:r>
-                        <a:rPr lang="nl-NL" sz="1600">
-                          <a:effectLst/>
-                        </a:rPr>
-                        <a:t>Gemiddelde aantal mutaties</a:t>
-                      </a:r>
-                      <a:endParaRPr lang="nl-NL" sz="1600">
-                        <a:effectLst/>
-                        <a:latin typeface="Calibri"/>
-                        <a:ea typeface="Calibri"/>
-                        <a:cs typeface="Times New Roman"/>
-                      </a:endParaRPr>
-                    </a:p>
-                  </a:txBody>
-                  <a:tcPr marL="68580" marR="68580" marT="0" marB="0"/>
-                </a:tc>
-                <a:tc>
-                  <a:txBody>
-                    <a:bodyPr/>
-                    <a:lstStyle/>
-                    <a:p>
-                      <a:pPr>
-                        <a:lnSpc>
-                          <a:spcPct val="115000"/>
-                        </a:lnSpc>
-                        <a:spcAft>
-                          <a:spcPts val="0"/>
-                        </a:spcAft>
-                      </a:pPr>
-                      <a:r>
-                        <a:rPr lang="nl-NL" sz="1600">
-                          <a:effectLst/>
-                        </a:rPr>
-                        <a:t>Minimum aantal mutaties</a:t>
-                      </a:r>
-                      <a:endParaRPr lang="nl-NL" sz="1600">
-                        <a:effectLst/>
-                        <a:latin typeface="Calibri"/>
-                        <a:ea typeface="Calibri"/>
-                        <a:cs typeface="Times New Roman"/>
-                      </a:endParaRPr>
-                    </a:p>
-                  </a:txBody>
-                  <a:tcPr marL="68580" marR="68580" marT="0" marB="0"/>
-                </a:tc>
-                <a:tc>
-                  <a:txBody>
-                    <a:bodyPr/>
-                    <a:lstStyle/>
-                    <a:p>
-                      <a:pPr>
-                        <a:lnSpc>
-                          <a:spcPct val="115000"/>
-                        </a:lnSpc>
-                        <a:spcAft>
-                          <a:spcPts val="0"/>
-                        </a:spcAft>
-                      </a:pPr>
-                      <a:r>
-                        <a:rPr lang="nl-NL" sz="1600">
-                          <a:effectLst/>
-                        </a:rPr>
-                        <a:t>Maximum aantal mutaties</a:t>
-                      </a:r>
-                      <a:endParaRPr lang="nl-NL" sz="1600">
-                        <a:effectLst/>
-                        <a:latin typeface="Calibri"/>
-                        <a:ea typeface="Calibri"/>
-                        <a:cs typeface="Times New Roman"/>
-                      </a:endParaRPr>
-                    </a:p>
-                  </a:txBody>
-                  <a:tcPr marL="68580" marR="68580" marT="0" marB="0"/>
-                </a:tc>
-              </a:tr>
-              <a:tr h="0">
-                <a:tc>
-                  <a:txBody>
-                    <a:bodyPr/>
-                    <a:lstStyle/>
-                    <a:p>
-                      <a:pPr>
-                        <a:lnSpc>
-                          <a:spcPct val="115000"/>
-                        </a:lnSpc>
-                        <a:spcAft>
-                          <a:spcPts val="0"/>
-                        </a:spcAft>
-                      </a:pPr>
-                      <a:r>
-                        <a:rPr lang="nl-NL" sz="1600" dirty="0">
-                          <a:effectLst/>
-                        </a:rPr>
-                        <a:t>Algoritme 1</a:t>
-                      </a:r>
-                      <a:endParaRPr lang="nl-NL" sz="1600" dirty="0">
-                        <a:effectLst/>
-                        <a:latin typeface="Calibri"/>
-                        <a:ea typeface="Calibri"/>
-                        <a:cs typeface="Times New Roman"/>
-                      </a:endParaRPr>
-                    </a:p>
-                  </a:txBody>
-                  <a:tcPr marL="68580" marR="68580" marT="0" marB="0"/>
-                </a:tc>
-                <a:tc>
-                  <a:txBody>
-                    <a:bodyPr/>
-                    <a:lstStyle/>
-                    <a:p>
-                      <a:pPr>
-                        <a:lnSpc>
-                          <a:spcPct val="115000"/>
-                        </a:lnSpc>
-                        <a:spcAft>
-                          <a:spcPts val="0"/>
-                        </a:spcAft>
-                      </a:pPr>
-                      <a:r>
-                        <a:rPr lang="nl-NL" sz="1600">
-                          <a:effectLst/>
-                        </a:rPr>
-                        <a:t>21,14</a:t>
-                      </a:r>
-                      <a:endParaRPr lang="nl-NL" sz="1600">
-                        <a:effectLst/>
-                        <a:latin typeface="Calibri"/>
-                        <a:ea typeface="Calibri"/>
-                        <a:cs typeface="Times New Roman"/>
-                      </a:endParaRPr>
-                    </a:p>
-                  </a:txBody>
-                  <a:tcPr marL="68580" marR="68580" marT="0" marB="0"/>
-                </a:tc>
-                <a:tc>
-                  <a:txBody>
-                    <a:bodyPr/>
-                    <a:lstStyle/>
-                    <a:p>
-                      <a:pPr>
-                        <a:lnSpc>
-                          <a:spcPct val="115000"/>
-                        </a:lnSpc>
-                        <a:spcAft>
-                          <a:spcPts val="0"/>
-                        </a:spcAft>
-                      </a:pPr>
-                      <a:r>
-                        <a:rPr lang="nl-NL" sz="1600">
-                          <a:effectLst/>
-                        </a:rPr>
-                        <a:t>15</a:t>
-                      </a:r>
-                      <a:endParaRPr lang="nl-NL" sz="1600">
-                        <a:effectLst/>
-                        <a:latin typeface="Calibri"/>
-                        <a:ea typeface="Calibri"/>
-                        <a:cs typeface="Times New Roman"/>
-                      </a:endParaRPr>
-                    </a:p>
-                  </a:txBody>
-                  <a:tcPr marL="68580" marR="68580" marT="0" marB="0"/>
-                </a:tc>
-                <a:tc>
-                  <a:txBody>
-                    <a:bodyPr/>
-                    <a:lstStyle/>
-                    <a:p>
-                      <a:pPr>
-                        <a:lnSpc>
-                          <a:spcPct val="115000"/>
-                        </a:lnSpc>
-                        <a:spcAft>
-                          <a:spcPts val="0"/>
-                        </a:spcAft>
-                      </a:pPr>
-                      <a:r>
-                        <a:rPr lang="nl-NL" sz="1600">
-                          <a:effectLst/>
-                        </a:rPr>
-                        <a:t>24</a:t>
-                      </a:r>
-                      <a:endParaRPr lang="nl-NL" sz="1600">
-                        <a:effectLst/>
-                        <a:latin typeface="Calibri"/>
-                        <a:ea typeface="Calibri"/>
-                        <a:cs typeface="Times New Roman"/>
-                      </a:endParaRPr>
-                    </a:p>
-                  </a:txBody>
-                  <a:tcPr marL="68580" marR="68580" marT="0" marB="0"/>
-                </a:tc>
-              </a:tr>
-              <a:tr h="0">
-                <a:tc>
-                  <a:txBody>
-                    <a:bodyPr/>
-                    <a:lstStyle/>
-                    <a:p>
-                      <a:pPr>
-                        <a:lnSpc>
-                          <a:spcPct val="115000"/>
-                        </a:lnSpc>
-                        <a:spcAft>
-                          <a:spcPts val="0"/>
-                        </a:spcAft>
-                      </a:pPr>
-                      <a:r>
-                        <a:rPr lang="nl-NL" sz="1600">
-                          <a:effectLst/>
-                        </a:rPr>
-                        <a:t>Algoritme 2</a:t>
-                      </a:r>
-                      <a:endParaRPr lang="nl-NL" sz="1600">
-                        <a:effectLst/>
-                        <a:latin typeface="Calibri"/>
-                        <a:ea typeface="Calibri"/>
-                        <a:cs typeface="Times New Roman"/>
-                      </a:endParaRPr>
-                    </a:p>
-                  </a:txBody>
-                  <a:tcPr marL="68580" marR="68580" marT="0" marB="0"/>
-                </a:tc>
-                <a:tc>
-                  <a:txBody>
-                    <a:bodyPr/>
-                    <a:lstStyle/>
-                    <a:p>
-                      <a:pPr>
-                        <a:lnSpc>
-                          <a:spcPct val="115000"/>
-                        </a:lnSpc>
-                        <a:spcAft>
-                          <a:spcPts val="0"/>
-                        </a:spcAft>
-                      </a:pPr>
-                      <a:r>
-                        <a:rPr lang="nl-NL" sz="1600">
-                          <a:effectLst/>
-                        </a:rPr>
-                        <a:t>21.14</a:t>
-                      </a:r>
-                      <a:endParaRPr lang="nl-NL" sz="1600">
-                        <a:effectLst/>
-                        <a:latin typeface="Calibri"/>
-                        <a:ea typeface="Calibri"/>
-                        <a:cs typeface="Times New Roman"/>
-                      </a:endParaRPr>
-                    </a:p>
-                  </a:txBody>
-                  <a:tcPr marL="68580" marR="68580" marT="0" marB="0"/>
-                </a:tc>
-                <a:tc>
-                  <a:txBody>
-                    <a:bodyPr/>
-                    <a:lstStyle/>
-                    <a:p>
-                      <a:pPr>
-                        <a:lnSpc>
-                          <a:spcPct val="115000"/>
-                        </a:lnSpc>
-                        <a:spcAft>
-                          <a:spcPts val="0"/>
-                        </a:spcAft>
-                      </a:pPr>
-                      <a:r>
-                        <a:rPr lang="nl-NL" sz="1600">
-                          <a:effectLst/>
-                        </a:rPr>
-                        <a:t>14</a:t>
-                      </a:r>
-                      <a:endParaRPr lang="nl-NL" sz="1600">
-                        <a:effectLst/>
-                        <a:latin typeface="Calibri"/>
-                        <a:ea typeface="Calibri"/>
-                        <a:cs typeface="Times New Roman"/>
-                      </a:endParaRPr>
-                    </a:p>
-                  </a:txBody>
-                  <a:tcPr marL="68580" marR="68580" marT="0" marB="0"/>
-                </a:tc>
-                <a:tc>
-                  <a:txBody>
-                    <a:bodyPr/>
-                    <a:lstStyle/>
-                    <a:p>
-                      <a:pPr>
-                        <a:lnSpc>
-                          <a:spcPct val="115000"/>
-                        </a:lnSpc>
-                        <a:spcAft>
-                          <a:spcPts val="0"/>
-                        </a:spcAft>
-                      </a:pPr>
-                      <a:r>
-                        <a:rPr lang="nl-NL" sz="1600">
-                          <a:effectLst/>
-                        </a:rPr>
-                        <a:t>24</a:t>
-                      </a:r>
-                      <a:endParaRPr lang="nl-NL" sz="1600">
-                        <a:effectLst/>
-                        <a:latin typeface="Calibri"/>
-                        <a:ea typeface="Calibri"/>
-                        <a:cs typeface="Times New Roman"/>
-                      </a:endParaRPr>
-                    </a:p>
-                  </a:txBody>
-                  <a:tcPr marL="68580" marR="68580" marT="0" marB="0"/>
-                </a:tc>
-              </a:tr>
-              <a:tr h="0">
-                <a:tc>
-                  <a:txBody>
-                    <a:bodyPr/>
-                    <a:lstStyle/>
-                    <a:p>
-                      <a:pPr>
-                        <a:lnSpc>
-                          <a:spcPct val="115000"/>
-                        </a:lnSpc>
-                        <a:spcAft>
-                          <a:spcPts val="0"/>
-                        </a:spcAft>
-                      </a:pPr>
-                      <a:r>
-                        <a:rPr lang="nl-NL" sz="1600">
-                          <a:effectLst/>
-                        </a:rPr>
-                        <a:t>Algoritme 3</a:t>
-                      </a:r>
-                      <a:endParaRPr lang="nl-NL" sz="1600">
-                        <a:effectLst/>
-                        <a:latin typeface="Calibri"/>
-                        <a:ea typeface="Calibri"/>
-                        <a:cs typeface="Times New Roman"/>
-                      </a:endParaRPr>
-                    </a:p>
-                  </a:txBody>
-                  <a:tcPr marL="68580" marR="68580" marT="0" marB="0"/>
-                </a:tc>
-                <a:tc>
-                  <a:txBody>
-                    <a:bodyPr/>
-                    <a:lstStyle/>
-                    <a:p>
-                      <a:pPr>
-                        <a:lnSpc>
-                          <a:spcPct val="115000"/>
-                        </a:lnSpc>
-                        <a:spcAft>
-                          <a:spcPts val="0"/>
-                        </a:spcAft>
-                      </a:pPr>
-                      <a:r>
-                        <a:rPr lang="nl-NL" sz="1600">
-                          <a:effectLst/>
-                        </a:rPr>
-                        <a:t>21,15</a:t>
-                      </a:r>
-                      <a:endParaRPr lang="nl-NL" sz="1600">
-                        <a:effectLst/>
-                        <a:latin typeface="Calibri"/>
-                        <a:ea typeface="Calibri"/>
-                        <a:cs typeface="Times New Roman"/>
-                      </a:endParaRPr>
-                    </a:p>
-                  </a:txBody>
-                  <a:tcPr marL="68580" marR="68580" marT="0" marB="0"/>
-                </a:tc>
-                <a:tc>
-                  <a:txBody>
-                    <a:bodyPr/>
-                    <a:lstStyle/>
-                    <a:p>
-                      <a:pPr>
-                        <a:lnSpc>
-                          <a:spcPct val="115000"/>
-                        </a:lnSpc>
-                        <a:spcAft>
-                          <a:spcPts val="0"/>
-                        </a:spcAft>
-                      </a:pPr>
-                      <a:r>
-                        <a:rPr lang="nl-NL" sz="1600">
-                          <a:effectLst/>
-                        </a:rPr>
-                        <a:t>15</a:t>
-                      </a:r>
-                      <a:endParaRPr lang="nl-NL" sz="1600">
-                        <a:effectLst/>
-                        <a:latin typeface="Calibri"/>
-                        <a:ea typeface="Calibri"/>
-                        <a:cs typeface="Times New Roman"/>
-                      </a:endParaRPr>
-                    </a:p>
-                  </a:txBody>
-                  <a:tcPr marL="68580" marR="68580" marT="0" marB="0"/>
-                </a:tc>
-                <a:tc>
-                  <a:txBody>
-                    <a:bodyPr/>
-                    <a:lstStyle/>
-                    <a:p>
-                      <a:pPr>
-                        <a:lnSpc>
-                          <a:spcPct val="115000"/>
-                        </a:lnSpc>
-                        <a:spcAft>
-                          <a:spcPts val="0"/>
-                        </a:spcAft>
-                      </a:pPr>
-                      <a:r>
-                        <a:rPr lang="nl-NL" sz="1600">
-                          <a:effectLst/>
-                        </a:rPr>
-                        <a:t>24</a:t>
-                      </a:r>
-                      <a:endParaRPr lang="nl-NL" sz="1600">
-                        <a:effectLst/>
-                        <a:latin typeface="Calibri"/>
-                        <a:ea typeface="Calibri"/>
-                        <a:cs typeface="Times New Roman"/>
-                      </a:endParaRPr>
-                    </a:p>
-                  </a:txBody>
-                  <a:tcPr marL="68580" marR="68580" marT="0" marB="0"/>
-                </a:tc>
-              </a:tr>
-              <a:tr h="0">
-                <a:tc>
-                  <a:txBody>
-                    <a:bodyPr/>
-                    <a:lstStyle/>
-                    <a:p>
-                      <a:pPr>
-                        <a:lnSpc>
-                          <a:spcPct val="115000"/>
-                        </a:lnSpc>
-                        <a:spcAft>
-                          <a:spcPts val="0"/>
-                        </a:spcAft>
-                      </a:pPr>
-                      <a:r>
-                        <a:rPr lang="nl-NL" sz="1600">
-                          <a:effectLst/>
-                        </a:rPr>
-                        <a:t>Algoritme 4</a:t>
-                      </a:r>
-                      <a:endParaRPr lang="nl-NL" sz="1600">
-                        <a:effectLst/>
-                        <a:latin typeface="Calibri"/>
-                        <a:ea typeface="Calibri"/>
-                        <a:cs typeface="Times New Roman"/>
-                      </a:endParaRPr>
-                    </a:p>
-                  </a:txBody>
-                  <a:tcPr marL="68580" marR="68580" marT="0" marB="0"/>
-                </a:tc>
-                <a:tc>
-                  <a:txBody>
-                    <a:bodyPr/>
-                    <a:lstStyle/>
-                    <a:p>
-                      <a:pPr>
-                        <a:lnSpc>
-                          <a:spcPct val="115000"/>
-                        </a:lnSpc>
-                        <a:spcAft>
-                          <a:spcPts val="0"/>
-                        </a:spcAft>
-                      </a:pPr>
-                      <a:r>
-                        <a:rPr lang="nl-NL" sz="1600">
-                          <a:effectLst/>
-                        </a:rPr>
-                        <a:t>20,91</a:t>
-                      </a:r>
-                      <a:endParaRPr lang="nl-NL" sz="1600">
-                        <a:effectLst/>
-                        <a:latin typeface="Calibri"/>
-                        <a:ea typeface="Calibri"/>
-                        <a:cs typeface="Times New Roman"/>
-                      </a:endParaRPr>
-                    </a:p>
-                  </a:txBody>
-                  <a:tcPr marL="68580" marR="68580" marT="0" marB="0"/>
-                </a:tc>
-                <a:tc>
-                  <a:txBody>
-                    <a:bodyPr/>
-                    <a:lstStyle/>
-                    <a:p>
-                      <a:pPr>
-                        <a:lnSpc>
-                          <a:spcPct val="115000"/>
-                        </a:lnSpc>
-                        <a:spcAft>
-                          <a:spcPts val="0"/>
-                        </a:spcAft>
-                      </a:pPr>
-                      <a:r>
-                        <a:rPr lang="nl-NL" sz="1600">
-                          <a:effectLst/>
-                        </a:rPr>
-                        <a:t>13</a:t>
-                      </a:r>
-                      <a:endParaRPr lang="nl-NL" sz="1600">
-                        <a:effectLst/>
-                        <a:latin typeface="Calibri"/>
-                        <a:ea typeface="Calibri"/>
-                        <a:cs typeface="Times New Roman"/>
-                      </a:endParaRPr>
-                    </a:p>
-                  </a:txBody>
-                  <a:tcPr marL="68580" marR="68580" marT="0" marB="0"/>
-                </a:tc>
-                <a:tc>
-                  <a:txBody>
-                    <a:bodyPr/>
-                    <a:lstStyle/>
-                    <a:p>
-                      <a:pPr>
-                        <a:lnSpc>
-                          <a:spcPct val="115000"/>
-                        </a:lnSpc>
-                        <a:spcAft>
-                          <a:spcPts val="0"/>
-                        </a:spcAft>
-                      </a:pPr>
-                      <a:r>
-                        <a:rPr lang="nl-NL" sz="1600">
-                          <a:effectLst/>
-                        </a:rPr>
-                        <a:t>24</a:t>
-                      </a:r>
-                      <a:endParaRPr lang="nl-NL" sz="1600">
-                        <a:effectLst/>
-                        <a:latin typeface="Calibri"/>
-                        <a:ea typeface="Calibri"/>
-                        <a:cs typeface="Times New Roman"/>
-                      </a:endParaRPr>
-                    </a:p>
-                  </a:txBody>
-                  <a:tcPr marL="68580" marR="68580" marT="0" marB="0"/>
-                </a:tc>
-              </a:tr>
-              <a:tr h="0">
-                <a:tc>
-                  <a:txBody>
-                    <a:bodyPr/>
-                    <a:lstStyle/>
-                    <a:p>
-                      <a:pPr>
-                        <a:lnSpc>
-                          <a:spcPct val="115000"/>
-                        </a:lnSpc>
-                        <a:spcAft>
-                          <a:spcPts val="0"/>
-                        </a:spcAft>
-                      </a:pPr>
-                      <a:r>
-                        <a:rPr lang="nl-NL" sz="1600">
-                          <a:effectLst/>
-                        </a:rPr>
-                        <a:t>Algoritme 5</a:t>
-                      </a:r>
-                      <a:endParaRPr lang="nl-NL" sz="1600">
-                        <a:effectLst/>
-                        <a:latin typeface="Calibri"/>
-                        <a:ea typeface="Calibri"/>
-                        <a:cs typeface="Times New Roman"/>
-                      </a:endParaRPr>
-                    </a:p>
-                  </a:txBody>
-                  <a:tcPr marL="68580" marR="68580" marT="0" marB="0"/>
-                </a:tc>
-                <a:tc>
-                  <a:txBody>
-                    <a:bodyPr/>
-                    <a:lstStyle/>
-                    <a:p>
-                      <a:pPr>
-                        <a:lnSpc>
-                          <a:spcPct val="115000"/>
-                        </a:lnSpc>
-                        <a:spcAft>
-                          <a:spcPts val="0"/>
-                        </a:spcAft>
-                      </a:pPr>
-                      <a:r>
-                        <a:rPr lang="nl-NL" sz="1600">
-                          <a:effectLst/>
-                        </a:rPr>
-                        <a:t>20,83</a:t>
-                      </a:r>
-                      <a:endParaRPr lang="nl-NL" sz="1600">
-                        <a:effectLst/>
-                        <a:latin typeface="Calibri"/>
-                        <a:ea typeface="Calibri"/>
-                        <a:cs typeface="Times New Roman"/>
-                      </a:endParaRPr>
-                    </a:p>
-                  </a:txBody>
-                  <a:tcPr marL="68580" marR="68580" marT="0" marB="0"/>
-                </a:tc>
-                <a:tc>
-                  <a:txBody>
-                    <a:bodyPr/>
-                    <a:lstStyle/>
-                    <a:p>
-                      <a:pPr>
-                        <a:lnSpc>
-                          <a:spcPct val="115000"/>
-                        </a:lnSpc>
-                        <a:spcAft>
-                          <a:spcPts val="0"/>
-                        </a:spcAft>
-                      </a:pPr>
-                      <a:r>
-                        <a:rPr lang="nl-NL" sz="1600">
-                          <a:effectLst/>
-                        </a:rPr>
-                        <a:t>15</a:t>
-                      </a:r>
-                      <a:endParaRPr lang="nl-NL" sz="1600">
-                        <a:effectLst/>
-                        <a:latin typeface="Calibri"/>
-                        <a:ea typeface="Calibri"/>
-                        <a:cs typeface="Times New Roman"/>
-                      </a:endParaRPr>
-                    </a:p>
-                  </a:txBody>
-                  <a:tcPr marL="68580" marR="68580" marT="0" marB="0"/>
-                </a:tc>
-                <a:tc>
-                  <a:txBody>
-                    <a:bodyPr/>
-                    <a:lstStyle/>
-                    <a:p>
-                      <a:pPr>
-                        <a:lnSpc>
-                          <a:spcPct val="115000"/>
-                        </a:lnSpc>
-                        <a:spcAft>
-                          <a:spcPts val="0"/>
-                        </a:spcAft>
-                      </a:pPr>
-                      <a:r>
-                        <a:rPr lang="nl-NL" sz="1600">
-                          <a:effectLst/>
-                        </a:rPr>
-                        <a:t>24</a:t>
-                      </a:r>
-                      <a:endParaRPr lang="nl-NL" sz="1600">
-                        <a:effectLst/>
-                        <a:latin typeface="Calibri"/>
-                        <a:ea typeface="Calibri"/>
-                        <a:cs typeface="Times New Roman"/>
-                      </a:endParaRPr>
-                    </a:p>
-                  </a:txBody>
-                  <a:tcPr marL="68580" marR="68580" marT="0" marB="0"/>
-                </a:tc>
-              </a:tr>
-              <a:tr h="0">
-                <a:tc>
-                  <a:txBody>
-                    <a:bodyPr/>
-                    <a:lstStyle/>
-                    <a:p>
-                      <a:pPr>
-                        <a:lnSpc>
-                          <a:spcPct val="115000"/>
-                        </a:lnSpc>
-                        <a:spcAft>
-                          <a:spcPts val="0"/>
-                        </a:spcAft>
-                      </a:pPr>
-                      <a:r>
-                        <a:rPr lang="nl-NL" sz="1600">
-                          <a:effectLst/>
-                        </a:rPr>
-                        <a:t>Algoritme 6</a:t>
-                      </a:r>
-                      <a:endParaRPr lang="nl-NL" sz="1600">
-                        <a:effectLst/>
-                        <a:latin typeface="Calibri"/>
-                        <a:ea typeface="Calibri"/>
-                        <a:cs typeface="Times New Roman"/>
-                      </a:endParaRPr>
-                    </a:p>
-                  </a:txBody>
-                  <a:tcPr marL="68580" marR="68580" marT="0" marB="0"/>
-                </a:tc>
-                <a:tc>
-                  <a:txBody>
-                    <a:bodyPr/>
-                    <a:lstStyle/>
-                    <a:p>
-                      <a:pPr>
-                        <a:lnSpc>
-                          <a:spcPct val="115000"/>
-                        </a:lnSpc>
-                        <a:spcAft>
-                          <a:spcPts val="0"/>
-                        </a:spcAft>
-                      </a:pPr>
-                      <a:r>
-                        <a:rPr lang="nl-NL" sz="1600">
-                          <a:effectLst/>
-                        </a:rPr>
-                        <a:t>20,97</a:t>
-                      </a:r>
-                      <a:endParaRPr lang="nl-NL" sz="1600">
-                        <a:effectLst/>
-                        <a:latin typeface="Calibri"/>
-                        <a:ea typeface="Calibri"/>
-                        <a:cs typeface="Times New Roman"/>
-                      </a:endParaRPr>
-                    </a:p>
-                  </a:txBody>
-                  <a:tcPr marL="68580" marR="68580" marT="0" marB="0"/>
-                </a:tc>
-                <a:tc>
-                  <a:txBody>
-                    <a:bodyPr/>
-                    <a:lstStyle/>
-                    <a:p>
-                      <a:pPr>
-                        <a:lnSpc>
-                          <a:spcPct val="115000"/>
-                        </a:lnSpc>
-                        <a:spcAft>
-                          <a:spcPts val="0"/>
-                        </a:spcAft>
-                      </a:pPr>
-                      <a:r>
-                        <a:rPr lang="nl-NL" sz="1600">
-                          <a:effectLst/>
-                        </a:rPr>
-                        <a:t>15</a:t>
-                      </a:r>
-                      <a:endParaRPr lang="nl-NL" sz="1600">
-                        <a:effectLst/>
-                        <a:latin typeface="Calibri"/>
-                        <a:ea typeface="Calibri"/>
-                        <a:cs typeface="Times New Roman"/>
-                      </a:endParaRPr>
-                    </a:p>
-                  </a:txBody>
-                  <a:tcPr marL="68580" marR="68580" marT="0" marB="0"/>
-                </a:tc>
-                <a:tc>
-                  <a:txBody>
-                    <a:bodyPr/>
-                    <a:lstStyle/>
-                    <a:p>
-                      <a:pPr>
-                        <a:lnSpc>
-                          <a:spcPct val="115000"/>
-                        </a:lnSpc>
-                        <a:spcAft>
-                          <a:spcPts val="0"/>
-                        </a:spcAft>
-                      </a:pPr>
-                      <a:r>
-                        <a:rPr lang="nl-NL" sz="1600" dirty="0">
-                          <a:effectLst/>
-                        </a:rPr>
-                        <a:t>24</a:t>
-                      </a:r>
-                      <a:endParaRPr lang="nl-NL" sz="1600" dirty="0">
-                        <a:effectLst/>
-                        <a:latin typeface="Calibri"/>
-                        <a:ea typeface="Calibri"/>
-                        <a:cs typeface="Times New Roman"/>
-                      </a:endParaRPr>
-                    </a:p>
-                  </a:txBody>
-                  <a:tcPr marL="68580" marR="68580" marT="0" marB="0"/>
-                </a:tc>
-              </a:tr>
-            </a:tbl>
-          </a:graphicData>
-        </a:graphic>
-      </p:graphicFrame>
+      <p:sp>
+        <p:nvSpPr>
+          <p:cNvPr id="2" name="Title 1"/>
+          <p:cNvSpPr>
+            <a:spLocks noGrp="1"/>
+          </p:cNvSpPr>
+          <p:nvPr>
+            <p:ph type="title"/>
+          </p:nvPr>
+        </p:nvSpPr>
+        <p:spPr/>
+        <p:txBody>
+          <a:bodyPr/>
+          <a:lstStyle/>
+          <a:p>
+            <a:r>
+              <a:rPr lang="nl-NL" dirty="0" smtClean="0"/>
+              <a:t>Methodes</a:t>
+            </a:r>
+            <a:endParaRPr lang="nl-NL" dirty="0"/>
+          </a:p>
+        </p:txBody>
+      </p:sp>
+      <p:sp>
+        <p:nvSpPr>
+          <p:cNvPr id="3" name="Content Placeholder 2"/>
+          <p:cNvSpPr>
+            <a:spLocks noGrp="1"/>
+          </p:cNvSpPr>
+          <p:nvPr>
+            <p:ph idx="1"/>
+          </p:nvPr>
+        </p:nvSpPr>
+        <p:spPr/>
+        <p:txBody>
+          <a:bodyPr/>
+          <a:lstStyle/>
+          <a:p>
+            <a:r>
+              <a:rPr lang="nl-NL" dirty="0" smtClean="0"/>
+              <a:t>7 </a:t>
+            </a:r>
+            <a:r>
+              <a:rPr lang="nl-NL" dirty="0" smtClean="0"/>
+              <a:t>verschillende algoritmes</a:t>
+            </a:r>
+          </a:p>
+          <a:p>
+            <a:endParaRPr lang="nl-NL" dirty="0"/>
+          </a:p>
+          <a:p>
+            <a:r>
+              <a:rPr lang="nl-NL" b="1" dirty="0" smtClean="0"/>
+              <a:t>FindAndSwap serie:</a:t>
+            </a:r>
+            <a:r>
+              <a:rPr lang="nl-NL" dirty="0" smtClean="0"/>
+              <a:t> 4 basisvarianten</a:t>
+            </a:r>
+          </a:p>
+          <a:p>
+            <a:endParaRPr lang="nl-NL" dirty="0" smtClean="0"/>
+          </a:p>
+          <a:p>
+            <a:r>
+              <a:rPr lang="nl-NL" b="1" dirty="0" smtClean="0"/>
+              <a:t>ChunkSwap:</a:t>
+            </a:r>
+            <a:r>
+              <a:rPr lang="nl-NL" dirty="0" smtClean="0"/>
+              <a:t> stap in de goede richting</a:t>
+            </a:r>
+          </a:p>
+          <a:p>
+            <a:endParaRPr lang="nl-NL" dirty="0" smtClean="0"/>
+          </a:p>
+          <a:p>
+            <a:r>
+              <a:rPr lang="nl-NL" b="1" dirty="0" smtClean="0"/>
+              <a:t>EditStar:</a:t>
+            </a:r>
+            <a:r>
+              <a:rPr lang="nl-NL" dirty="0" smtClean="0"/>
+              <a:t> variatie op A*</a:t>
+            </a:r>
+          </a:p>
+          <a:p>
+            <a:endParaRPr lang="nl-NL" dirty="0" smtClean="0"/>
+          </a:p>
+          <a:p>
+            <a:r>
+              <a:rPr lang="nl-NL" b="1" dirty="0" smtClean="0"/>
+              <a:t>BeamSearch:</a:t>
+            </a:r>
+            <a:r>
+              <a:rPr lang="nl-NL" dirty="0" smtClean="0"/>
+              <a:t> vooruit en in de diepte kijken</a:t>
+            </a:r>
+            <a:endParaRPr lang="nl-NL" dirty="0"/>
+          </a:p>
+        </p:txBody>
+      </p:sp>
     </p:spTree>
     <p:extLst>
       <p:ext uri="{BB962C8B-B14F-4D97-AF65-F5344CB8AC3E}">
-        <p14:creationId xmlns:p14="http://schemas.microsoft.com/office/powerpoint/2010/main" val="721435243"/>
+        <p14:creationId xmlns:p14="http://schemas.microsoft.com/office/powerpoint/2010/main" val="1973757561"/>
       </p:ext>
     </p:extLst>
   </p:cSld>
@@ -5165,7 +6367,7 @@
           <a:p>
             <a:r>
               <a:rPr lang="nl-NL" dirty="0" smtClean="0"/>
-              <a:t>Conclusie</a:t>
+              <a:t>FindAndSwap serie</a:t>
             </a:r>
             <a:endParaRPr lang="nl-NL" dirty="0"/>
           </a:p>
@@ -5188,35 +6390,53 @@
           <a:p>
             <a:r>
               <a:rPr lang="nl-NL" dirty="0" smtClean="0"/>
-              <a:t>Resultaten liggen tot nu toe erg dicht bij elkaar</a:t>
+              <a:t>Zoekt naar bepaald getal in de reeks en zet die goed met een inversie.</a:t>
+            </a:r>
+          </a:p>
+          <a:p>
+            <a:pPr marL="114300" indent="0">
+              <a:buNone/>
+            </a:pPr>
+            <a:endParaRPr lang="nl-NL" dirty="0"/>
+          </a:p>
+          <a:p>
+            <a:pPr marL="114300" indent="0">
+              <a:buNone/>
+            </a:pPr>
+            <a:r>
+              <a:rPr lang="nl-NL" b="1" dirty="0" smtClean="0"/>
+              <a:t>Variaties</a:t>
+            </a:r>
+          </a:p>
+          <a:p>
+            <a:r>
+              <a:rPr lang="nl-NL" dirty="0" smtClean="0"/>
+              <a:t>Van 1 naar 25</a:t>
+            </a:r>
+            <a:endParaRPr lang="nl-NL" dirty="0"/>
+          </a:p>
+          <a:p>
+            <a:r>
+              <a:rPr lang="nl-NL" dirty="0" smtClean="0"/>
+              <a:t>Van 25 naar 1</a:t>
+            </a:r>
+          </a:p>
+          <a:p>
+            <a:r>
+              <a:rPr lang="nl-NL" dirty="0" smtClean="0"/>
+              <a:t>Heen en weer tussen linker- en rechteruiteinde</a:t>
+            </a:r>
+          </a:p>
+          <a:p>
+            <a:r>
+              <a:rPr lang="nl-NL" dirty="0" smtClean="0"/>
+              <a:t>Linker- of rechteruiteinde op basis van welke de minste genen kost om goed te zetten</a:t>
             </a:r>
           </a:p>
           <a:p>
             <a:endParaRPr lang="nl-NL" dirty="0" smtClean="0"/>
           </a:p>
           <a:p>
-            <a:r>
-              <a:rPr lang="nl-NL" dirty="0" smtClean="0"/>
-              <a:t>Maximum lijkt altijd 24 inversies te zijn</a:t>
-            </a:r>
-          </a:p>
-          <a:p>
-            <a:endParaRPr lang="nl-NL" dirty="0" smtClean="0"/>
-          </a:p>
-          <a:p>
-            <a:r>
-              <a:rPr lang="nl-NL" dirty="0" smtClean="0"/>
-              <a:t>Vooruit denken bij het maken van mutaties?</a:t>
-            </a:r>
-          </a:p>
-          <a:p>
-            <a:endParaRPr lang="nl-NL" dirty="0"/>
-          </a:p>
-          <a:p>
-            <a:r>
-              <a:rPr lang="nl-NL" smtClean="0"/>
-              <a:t>Bezig met A* en Beam Search</a:t>
-            </a:r>
             <a:endParaRPr lang="nl-NL" dirty="0" smtClean="0"/>
           </a:p>
           <a:p>
@@ -5230,20 +6450,229 @@
     </p:spTree>
     <p:extLst>
       <p:ext uri="{BB962C8B-B14F-4D97-AF65-F5344CB8AC3E}">
-        <p14:creationId xmlns:p14="http://schemas.microsoft.com/office/powerpoint/2010/main" val="315014062"/>
+        <p14:creationId xmlns:p14="http://schemas.microsoft.com/office/powerpoint/2010/main" val="3873535191"/>
       </p:ext>
     </p:extLst>
   </p:cSld>
   <p:clrMapOvr>
     <a:masterClrMapping/>
   </p:clrMapOvr>
-  <p:timing>
-    <p:tnLst>
-      <p:par>
-        <p:cTn id="1" dur="indefinite" restart="never" nodeType="tmRoot"/>
-      </p:par>
-    </p:tnLst>
-  </p:timing>
+</p:sld>
+</file>
+
+<file path=ppt/slides/slide7.xml><?xml version="1.0" encoding="utf-8"?>
+<p:sld xmlns:a="http://schemas.openxmlformats.org/drawingml/2006/main" xmlns:r="http://schemas.openxmlformats.org/officeDocument/2006/relationships" xmlns:p="http://schemas.openxmlformats.org/presentationml/2006/main">
+  <p:cSld>
+    <p:spTree>
+      <p:nvGrpSpPr>
+        <p:cNvPr id="1" name=""/>
+        <p:cNvGrpSpPr/>
+        <p:nvPr/>
+      </p:nvGrpSpPr>
+      <p:grpSpPr>
+        <a:xfrm>
+          <a:off x="0" y="0"/>
+          <a:ext cx="0" cy="0"/>
+          <a:chOff x="0" y="0"/>
+          <a:chExt cx="0" cy="0"/>
+        </a:xfrm>
+      </p:grpSpPr>
+      <p:sp>
+        <p:nvSpPr>
+          <p:cNvPr id="2" name="Title 1"/>
+          <p:cNvSpPr>
+            <a:spLocks noGrp="1"/>
+          </p:cNvSpPr>
+          <p:nvPr>
+            <p:ph type="title"/>
+          </p:nvPr>
+        </p:nvSpPr>
+        <p:spPr/>
+        <p:txBody>
+          <a:bodyPr/>
+          <a:lstStyle/>
+          <a:p>
+            <a:r>
+              <a:rPr lang="nl-NL" dirty="0" smtClean="0"/>
+              <a:t>ChunkSwap</a:t>
+            </a:r>
+            <a:endParaRPr lang="nl-NL" dirty="0"/>
+          </a:p>
+        </p:txBody>
+      </p:sp>
+      <p:sp>
+        <p:nvSpPr>
+          <p:cNvPr id="3" name="Content Placeholder 2"/>
+          <p:cNvSpPr>
+            <a:spLocks noGrp="1"/>
+          </p:cNvSpPr>
+          <p:nvPr>
+            <p:ph idx="1"/>
+          </p:nvPr>
+        </p:nvSpPr>
+        <p:spPr/>
+        <p:txBody>
+          <a:bodyPr/>
+          <a:lstStyle/>
+          <a:p>
+            <a:endParaRPr lang="nl-NL" dirty="0"/>
+          </a:p>
+        </p:txBody>
+      </p:sp>
+    </p:spTree>
+    <p:extLst>
+      <p:ext uri="{BB962C8B-B14F-4D97-AF65-F5344CB8AC3E}">
+        <p14:creationId xmlns:p14="http://schemas.microsoft.com/office/powerpoint/2010/main" val="346128245"/>
+      </p:ext>
+    </p:extLst>
+  </p:cSld>
+  <p:clrMapOvr>
+    <a:masterClrMapping/>
+  </p:clrMapOvr>
+</p:sld>
+</file>
+
+<file path=ppt/slides/slide8.xml><?xml version="1.0" encoding="utf-8"?>
+<p:sld xmlns:a="http://schemas.openxmlformats.org/drawingml/2006/main" xmlns:r="http://schemas.openxmlformats.org/officeDocument/2006/relationships" xmlns:p="http://schemas.openxmlformats.org/presentationml/2006/main">
+  <p:cSld>
+    <p:spTree>
+      <p:nvGrpSpPr>
+        <p:cNvPr id="1" name=""/>
+        <p:cNvGrpSpPr/>
+        <p:nvPr/>
+      </p:nvGrpSpPr>
+      <p:grpSpPr>
+        <a:xfrm>
+          <a:off x="0" y="0"/>
+          <a:ext cx="0" cy="0"/>
+          <a:chOff x="0" y="0"/>
+          <a:chExt cx="0" cy="0"/>
+        </a:xfrm>
+      </p:grpSpPr>
+      <p:sp>
+        <p:nvSpPr>
+          <p:cNvPr id="2" name="Title 1"/>
+          <p:cNvSpPr>
+            <a:spLocks noGrp="1"/>
+          </p:cNvSpPr>
+          <p:nvPr>
+            <p:ph type="title"/>
+          </p:nvPr>
+        </p:nvSpPr>
+        <p:spPr/>
+        <p:txBody>
+          <a:bodyPr/>
+          <a:lstStyle/>
+          <a:p>
+            <a:r>
+              <a:rPr lang="nl-NL" dirty="0" smtClean="0"/>
+              <a:t>EditStar</a:t>
+            </a:r>
+            <a:endParaRPr lang="nl-NL" dirty="0"/>
+          </a:p>
+        </p:txBody>
+      </p:sp>
+      <p:sp>
+        <p:nvSpPr>
+          <p:cNvPr id="3" name="Content Placeholder 2"/>
+          <p:cNvSpPr>
+            <a:spLocks noGrp="1"/>
+          </p:cNvSpPr>
+          <p:nvPr>
+            <p:ph idx="1"/>
+          </p:nvPr>
+        </p:nvSpPr>
+        <p:spPr/>
+        <p:txBody>
+          <a:bodyPr/>
+          <a:lstStyle/>
+          <a:p>
+            <a:endParaRPr lang="nl-NL"/>
+          </a:p>
+        </p:txBody>
+      </p:sp>
+    </p:spTree>
+    <p:extLst>
+      <p:ext uri="{BB962C8B-B14F-4D97-AF65-F5344CB8AC3E}">
+        <p14:creationId xmlns:p14="http://schemas.microsoft.com/office/powerpoint/2010/main" val="3584508718"/>
+      </p:ext>
+    </p:extLst>
+  </p:cSld>
+  <p:clrMapOvr>
+    <a:masterClrMapping/>
+  </p:clrMapOvr>
+</p:sld>
+</file>
+
+<file path=ppt/slides/slide9.xml><?xml version="1.0" encoding="utf-8"?>
+<p:sld xmlns:a="http://schemas.openxmlformats.org/drawingml/2006/main" xmlns:r="http://schemas.openxmlformats.org/officeDocument/2006/relationships" xmlns:p="http://schemas.openxmlformats.org/presentationml/2006/main">
+  <p:cSld>
+    <p:spTree>
+      <p:nvGrpSpPr>
+        <p:cNvPr id="1" name=""/>
+        <p:cNvGrpSpPr/>
+        <p:nvPr/>
+      </p:nvGrpSpPr>
+      <p:grpSpPr>
+        <a:xfrm>
+          <a:off x="0" y="0"/>
+          <a:ext cx="0" cy="0"/>
+          <a:chOff x="0" y="0"/>
+          <a:chExt cx="0" cy="0"/>
+        </a:xfrm>
+      </p:grpSpPr>
+      <p:sp>
+        <p:nvSpPr>
+          <p:cNvPr id="2" name="Title 1"/>
+          <p:cNvSpPr>
+            <a:spLocks noGrp="1"/>
+          </p:cNvSpPr>
+          <p:nvPr>
+            <p:ph type="title"/>
+          </p:nvPr>
+        </p:nvSpPr>
+        <p:spPr/>
+        <p:txBody>
+          <a:bodyPr/>
+          <a:lstStyle/>
+          <a:p>
+            <a:r>
+              <a:rPr lang="nl-NL" smtClean="0"/>
+              <a:t>BeamSearch</a:t>
+            </a:r>
+            <a:endParaRPr lang="nl-NL"/>
+          </a:p>
+        </p:txBody>
+      </p:sp>
+      <p:sp>
+        <p:nvSpPr>
+          <p:cNvPr id="3" name="Content Placeholder 2"/>
+          <p:cNvSpPr>
+            <a:spLocks noGrp="1"/>
+          </p:cNvSpPr>
+          <p:nvPr>
+            <p:ph idx="1"/>
+          </p:nvPr>
+        </p:nvSpPr>
+        <p:spPr/>
+        <p:txBody>
+          <a:bodyPr/>
+          <a:lstStyle/>
+          <a:p>
+            <a:endParaRPr lang="nl-NL"/>
+          </a:p>
+        </p:txBody>
+      </p:sp>
+    </p:spTree>
+    <p:extLst>
+      <p:ext uri="{BB962C8B-B14F-4D97-AF65-F5344CB8AC3E}">
+        <p14:creationId xmlns:p14="http://schemas.microsoft.com/office/powerpoint/2010/main" val="1692355111"/>
+      </p:ext>
+    </p:extLst>
+  </p:cSld>
+  <p:clrMapOvr>
+    <a:masterClrMapping/>
+  </p:clrMapOvr>
 </p:sld>
 </file>
 

--- a/Fruitvliegen_Presentatie.pptx
+++ b/Fruitvliegen_Presentatie.pptx
@@ -8,15 +8,20 @@
     <p:sldId id="256" r:id="rId2"/>
     <p:sldId id="257" r:id="rId3"/>
     <p:sldId id="258" r:id="rId4"/>
-    <p:sldId id="264" r:id="rId5"/>
-    <p:sldId id="259" r:id="rId6"/>
-    <p:sldId id="265" r:id="rId7"/>
-    <p:sldId id="266" r:id="rId8"/>
-    <p:sldId id="267" r:id="rId9"/>
-    <p:sldId id="268" r:id="rId10"/>
-    <p:sldId id="261" r:id="rId11"/>
-    <p:sldId id="262" r:id="rId12"/>
-    <p:sldId id="263" r:id="rId13"/>
+    <p:sldId id="274" r:id="rId5"/>
+    <p:sldId id="269" r:id="rId6"/>
+    <p:sldId id="259" r:id="rId7"/>
+    <p:sldId id="265" r:id="rId8"/>
+    <p:sldId id="266" r:id="rId9"/>
+    <p:sldId id="273" r:id="rId10"/>
+    <p:sldId id="267" r:id="rId11"/>
+    <p:sldId id="268" r:id="rId12"/>
+    <p:sldId id="261" r:id="rId13"/>
+    <p:sldId id="271" r:id="rId14"/>
+    <p:sldId id="262" r:id="rId15"/>
+    <p:sldId id="263" r:id="rId16"/>
+    <p:sldId id="272" r:id="rId17"/>
+    <p:sldId id="270" r:id="rId18"/>
   </p:sldIdLst>
   <p:sldSz cx="9144000" cy="6858000" type="screen4x3"/>
   <p:notesSz cx="6858000" cy="9144000"/>
@@ -313,7 +318,7 @@
             <a:fld id="{1D8BD707-D9CF-40AE-B4C6-C98DA3205C09}" type="datetimeFigureOut">
               <a:rPr lang="en-US" smtClean="0"/>
               <a:pPr/>
-              <a:t>12/15/2015</a:t>
+              <a:t>12/16/2015</a:t>
             </a:fld>
             <a:endParaRPr lang="en-US"/>
           </a:p>
@@ -480,7 +485,7 @@
             <a:fld id="{1D8BD707-D9CF-40AE-B4C6-C98DA3205C09}" type="datetimeFigureOut">
               <a:rPr lang="en-US" smtClean="0"/>
               <a:pPr/>
-              <a:t>12/15/2015</a:t>
+              <a:t>12/16/2015</a:t>
             </a:fld>
             <a:endParaRPr lang="en-US"/>
           </a:p>
@@ -657,7 +662,7 @@
             <a:fld id="{1D8BD707-D9CF-40AE-B4C6-C98DA3205C09}" type="datetimeFigureOut">
               <a:rPr lang="en-US" smtClean="0"/>
               <a:pPr/>
-              <a:t>12/15/2015</a:t>
+              <a:t>12/16/2015</a:t>
             </a:fld>
             <a:endParaRPr lang="en-US"/>
           </a:p>
@@ -824,7 +829,7 @@
             <a:fld id="{1D8BD707-D9CF-40AE-B4C6-C98DA3205C09}" type="datetimeFigureOut">
               <a:rPr lang="en-US" smtClean="0"/>
               <a:pPr/>
-              <a:t>12/15/2015</a:t>
+              <a:t>12/16/2015</a:t>
             </a:fld>
             <a:endParaRPr lang="en-US"/>
           </a:p>
@@ -1067,7 +1072,7 @@
             <a:fld id="{1D8BD707-D9CF-40AE-B4C6-C98DA3205C09}" type="datetimeFigureOut">
               <a:rPr lang="en-US" smtClean="0"/>
               <a:pPr/>
-              <a:t>12/15/2015</a:t>
+              <a:t>12/16/2015</a:t>
             </a:fld>
             <a:endParaRPr lang="en-US"/>
           </a:p>
@@ -1352,7 +1357,7 @@
             <a:fld id="{1D8BD707-D9CF-40AE-B4C6-C98DA3205C09}" type="datetimeFigureOut">
               <a:rPr lang="en-US" smtClean="0"/>
               <a:pPr/>
-              <a:t>12/15/2015</a:t>
+              <a:t>12/16/2015</a:t>
             </a:fld>
             <a:endParaRPr lang="en-US"/>
           </a:p>
@@ -1783,7 +1788,7 @@
             <a:fld id="{1D8BD707-D9CF-40AE-B4C6-C98DA3205C09}" type="datetimeFigureOut">
               <a:rPr lang="en-US" smtClean="0"/>
               <a:pPr/>
-              <a:t>12/15/2015</a:t>
+              <a:t>12/16/2015</a:t>
             </a:fld>
             <a:endParaRPr lang="en-US"/>
           </a:p>
@@ -1898,7 +1903,7 @@
             <a:fld id="{1D8BD707-D9CF-40AE-B4C6-C98DA3205C09}" type="datetimeFigureOut">
               <a:rPr lang="en-US" smtClean="0"/>
               <a:pPr/>
-              <a:t>12/15/2015</a:t>
+              <a:t>12/16/2015</a:t>
             </a:fld>
             <a:endParaRPr lang="en-US"/>
           </a:p>
@@ -1990,7 +1995,7 @@
             <a:fld id="{1D8BD707-D9CF-40AE-B4C6-C98DA3205C09}" type="datetimeFigureOut">
               <a:rPr lang="en-US" smtClean="0"/>
               <a:pPr/>
-              <a:t>12/15/2015</a:t>
+              <a:t>12/16/2015</a:t>
             </a:fld>
             <a:endParaRPr lang="en-US"/>
           </a:p>
@@ -2181,7 +2186,7 @@
             <a:fld id="{1D8BD707-D9CF-40AE-B4C6-C98DA3205C09}" type="datetimeFigureOut">
               <a:rPr lang="en-US" smtClean="0"/>
               <a:pPr/>
-              <a:t>12/15/2015</a:t>
+              <a:t>12/16/2015</a:t>
             </a:fld>
             <a:endParaRPr lang="en-US"/>
           </a:p>
@@ -2501,7 +2506,7 @@
             <a:fld id="{1D8BD707-D9CF-40AE-B4C6-C98DA3205C09}" type="datetimeFigureOut">
               <a:rPr lang="en-US" smtClean="0"/>
               <a:pPr/>
-              <a:t>12/15/2015</a:t>
+              <a:t>12/16/2015</a:t>
             </a:fld>
             <a:endParaRPr lang="en-US"/>
           </a:p>
@@ -2883,7 +2888,7 @@
             <a:fld id="{1D8BD707-D9CF-40AE-B4C6-C98DA3205C09}" type="datetimeFigureOut">
               <a:rPr lang="en-US" smtClean="0"/>
               <a:pPr/>
-              <a:t>12/15/2015</a:t>
+              <a:t>12/16/2015</a:t>
             </a:fld>
             <a:endParaRPr lang="en-US"/>
           </a:p>
@@ -3251,7 +3256,7 @@
           <a:p>
             <a:r>
               <a:rPr lang="nl-NL" dirty="0" smtClean="0"/>
-              <a:t>WEEK 5</a:t>
+              <a:t>Niels Pannekeet,  Remco Blom &amp; Renske Talsma</a:t>
             </a:r>
             <a:endParaRPr lang="nl-NL" dirty="0"/>
           </a:p>
@@ -3311,7 +3316,7 @@
           <a:p>
             <a:r>
               <a:rPr lang="nl-NL" dirty="0" smtClean="0"/>
-              <a:t>Resultaten: fruitvlieg</a:t>
+              <a:t>EditStar</a:t>
             </a:r>
             <a:endParaRPr lang="nl-NL" dirty="0"/>
           </a:p>
@@ -3332,6 +3337,166 @@
           <a:bodyPr/>
           <a:lstStyle/>
           <a:p>
+            <a:endParaRPr lang="nl-NL" dirty="0"/>
+          </a:p>
+        </p:txBody>
+      </p:sp>
+    </p:spTree>
+    <p:extLst>
+      <p:ext uri="{BB962C8B-B14F-4D97-AF65-F5344CB8AC3E}">
+        <p14:creationId xmlns:p14="http://schemas.microsoft.com/office/powerpoint/2010/main" val="3584508718"/>
+      </p:ext>
+    </p:extLst>
+  </p:cSld>
+  <p:clrMapOvr>
+    <a:masterClrMapping/>
+  </p:clrMapOvr>
+  <p:timing>
+    <p:tnLst>
+      <p:par>
+        <p:cTn id="1" dur="indefinite" restart="never" nodeType="tmRoot"/>
+      </p:par>
+    </p:tnLst>
+  </p:timing>
+</p:sld>
+</file>
+
+<file path=ppt/slides/slide11.xml><?xml version="1.0" encoding="utf-8"?>
+<p:sld xmlns:a="http://schemas.openxmlformats.org/drawingml/2006/main" xmlns:r="http://schemas.openxmlformats.org/officeDocument/2006/relationships" xmlns:p="http://schemas.openxmlformats.org/presentationml/2006/main">
+  <p:cSld>
+    <p:spTree>
+      <p:nvGrpSpPr>
+        <p:cNvPr id="1" name=""/>
+        <p:cNvGrpSpPr/>
+        <p:nvPr/>
+      </p:nvGrpSpPr>
+      <p:grpSpPr>
+        <a:xfrm>
+          <a:off x="0" y="0"/>
+          <a:ext cx="0" cy="0"/>
+          <a:chOff x="0" y="0"/>
+          <a:chExt cx="0" cy="0"/>
+        </a:xfrm>
+      </p:grpSpPr>
+      <p:sp>
+        <p:nvSpPr>
+          <p:cNvPr id="2" name="Title 1"/>
+          <p:cNvSpPr>
+            <a:spLocks noGrp="1"/>
+          </p:cNvSpPr>
+          <p:nvPr>
+            <p:ph type="title"/>
+          </p:nvPr>
+        </p:nvSpPr>
+        <p:spPr/>
+        <p:txBody>
+          <a:bodyPr/>
+          <a:lstStyle/>
+          <a:p>
+            <a:r>
+              <a:rPr lang="nl-NL" smtClean="0"/>
+              <a:t>BeamSearch</a:t>
+            </a:r>
+            <a:endParaRPr lang="nl-NL"/>
+          </a:p>
+        </p:txBody>
+      </p:sp>
+      <p:sp>
+        <p:nvSpPr>
+          <p:cNvPr id="3" name="Content Placeholder 2"/>
+          <p:cNvSpPr>
+            <a:spLocks noGrp="1"/>
+          </p:cNvSpPr>
+          <p:nvPr>
+            <p:ph idx="1"/>
+          </p:nvPr>
+        </p:nvSpPr>
+        <p:spPr/>
+        <p:txBody>
+          <a:bodyPr/>
+          <a:lstStyle/>
+          <a:p>
+            <a:r>
+              <a:rPr lang="nl-NL" dirty="0" smtClean="0"/>
+              <a:t>3 lagen diep</a:t>
+            </a:r>
+          </a:p>
+          <a:p>
+            <a:endParaRPr lang="nl-NL" dirty="0"/>
+          </a:p>
+          <a:p>
+            <a:endParaRPr lang="nl-NL" dirty="0"/>
+          </a:p>
+        </p:txBody>
+      </p:sp>
+    </p:spTree>
+    <p:extLst>
+      <p:ext uri="{BB962C8B-B14F-4D97-AF65-F5344CB8AC3E}">
+        <p14:creationId xmlns:p14="http://schemas.microsoft.com/office/powerpoint/2010/main" val="1692355111"/>
+      </p:ext>
+    </p:extLst>
+  </p:cSld>
+  <p:clrMapOvr>
+    <a:masterClrMapping/>
+  </p:clrMapOvr>
+</p:sld>
+</file>
+
+<file path=ppt/slides/slide12.xml><?xml version="1.0" encoding="utf-8"?>
+<p:sld xmlns:a="http://schemas.openxmlformats.org/drawingml/2006/main" xmlns:r="http://schemas.openxmlformats.org/officeDocument/2006/relationships" xmlns:p="http://schemas.openxmlformats.org/presentationml/2006/main">
+  <p:cSld>
+    <p:spTree>
+      <p:nvGrpSpPr>
+        <p:cNvPr id="1" name=""/>
+        <p:cNvGrpSpPr/>
+        <p:nvPr/>
+      </p:nvGrpSpPr>
+      <p:grpSpPr>
+        <a:xfrm>
+          <a:off x="0" y="0"/>
+          <a:ext cx="0" cy="0"/>
+          <a:chOff x="0" y="0"/>
+          <a:chExt cx="0" cy="0"/>
+        </a:xfrm>
+      </p:grpSpPr>
+      <p:sp>
+        <p:nvSpPr>
+          <p:cNvPr id="2" name="Title 1"/>
+          <p:cNvSpPr>
+            <a:spLocks noGrp="1"/>
+          </p:cNvSpPr>
+          <p:nvPr>
+            <p:ph type="title"/>
+          </p:nvPr>
+        </p:nvSpPr>
+        <p:spPr/>
+        <p:txBody>
+          <a:bodyPr/>
+          <a:lstStyle/>
+          <a:p>
+            <a:r>
+              <a:rPr lang="nl-NL" dirty="0" smtClean="0"/>
+              <a:t>Resultaten: fruitvlieg</a:t>
+            </a:r>
+            <a:endParaRPr lang="nl-NL" dirty="0"/>
+          </a:p>
+        </p:txBody>
+      </p:sp>
+      <p:sp>
+        <p:nvSpPr>
+          <p:cNvPr id="3" name="Content Placeholder 2"/>
+          <p:cNvSpPr>
+            <a:spLocks noGrp="1"/>
+          </p:cNvSpPr>
+          <p:nvPr>
+            <p:ph idx="1"/>
+          </p:nvPr>
+        </p:nvSpPr>
+        <p:spPr/>
+        <p:txBody>
+          <a:bodyPr/>
+          <a:lstStyle/>
+          <a:p>
             <a:r>
               <a:rPr lang="nl-NL" dirty="0" smtClean="0"/>
               <a:t>BeamSearch beste performance inversies &amp; genen verplaatst</a:t>
@@ -3346,7 +3511,19 @@
           <a:p>
             <a:r>
               <a:rPr lang="nl-NL" dirty="0" smtClean="0"/>
-              <a:t>EditStar wel veel sneller:  15sec vs. 1.5 uur</a:t>
+              <a:t>EditStar wel veel sneller:  </a:t>
+            </a:r>
+            <a:r>
+              <a:rPr lang="nl-NL" dirty="0" smtClean="0"/>
+              <a:t>1 </a:t>
+            </a:r>
+            <a:r>
+              <a:rPr lang="nl-NL" dirty="0" smtClean="0"/>
+              <a:t>sec </a:t>
+            </a:r>
+            <a:r>
+              <a:rPr lang="nl-NL" dirty="0" smtClean="0"/>
+              <a:t>vs. 1.5 uur</a:t>
             </a:r>
           </a:p>
           <a:p>
@@ -3366,7 +3543,7 @@
           <p:nvPr>
             <p:extLst>
               <p:ext uri="{D42A27DB-BD31-4B8C-83A1-F6EECF244321}">
-                <p14:modId xmlns:p14="http://schemas.microsoft.com/office/powerpoint/2010/main" val="3423451456"/>
+                <p14:modId xmlns:p14="http://schemas.microsoft.com/office/powerpoint/2010/main" val="1784473852"/>
               </p:ext>
             </p:extLst>
           </p:nvPr>
@@ -3402,12 +3579,12 @@
                         </a:spcAft>
                       </a:pPr>
                       <a:r>
-                        <a:rPr lang="nl-NL" sz="1200">
+                        <a:rPr lang="nl-NL" sz="1200" dirty="0">
                           <a:effectLst/>
                         </a:rPr>
                         <a:t> </a:t>
                       </a:r>
-                      <a:endParaRPr lang="nl-NL" sz="1100">
+                      <a:endParaRPr lang="nl-NL" sz="1100" dirty="0">
                         <a:effectLst/>
                         <a:latin typeface="Calibri"/>
                         <a:ea typeface="Calibri"/>
@@ -3549,12 +3726,12 @@
                         </a:spcAft>
                       </a:pPr>
                       <a:r>
-                        <a:rPr lang="nl-NL" sz="1200">
+                        <a:rPr lang="nl-NL" sz="1400">
                           <a:effectLst/>
                         </a:rPr>
                         <a:t>18</a:t>
                       </a:r>
-                      <a:endParaRPr lang="nl-NL" sz="1100">
+                      <a:endParaRPr lang="nl-NL" sz="1200">
                         <a:effectLst/>
                         <a:latin typeface="Calibri"/>
                         <a:ea typeface="Calibri"/>
@@ -3578,12 +3755,12 @@
                         </a:spcAft>
                       </a:pPr>
                       <a:r>
-                        <a:rPr lang="nl-NL" sz="1200">
+                        <a:rPr lang="nl-NL" sz="1400">
                           <a:effectLst/>
                         </a:rPr>
                         <a:t>8</a:t>
                       </a:r>
-                      <a:endParaRPr lang="nl-NL" sz="1100">
+                      <a:endParaRPr lang="nl-NL" sz="1200">
                         <a:effectLst/>
                         <a:latin typeface="Calibri"/>
                         <a:ea typeface="Calibri"/>
@@ -3607,12 +3784,12 @@
                         </a:spcAft>
                       </a:pPr>
                       <a:r>
-                        <a:rPr lang="nl-NL" sz="1200">
+                        <a:rPr lang="nl-NL" sz="1400">
                           <a:effectLst/>
                         </a:rPr>
                         <a:t>147</a:t>
                       </a:r>
-                      <a:endParaRPr lang="nl-NL" sz="1100">
+                      <a:endParaRPr lang="nl-NL" sz="1200">
                         <a:effectLst/>
                         <a:latin typeface="Calibri"/>
                         <a:ea typeface="Calibri"/>
@@ -3667,12 +3844,12 @@
                         </a:spcAft>
                       </a:pPr>
                       <a:r>
-                        <a:rPr lang="nl-NL" sz="1200">
+                        <a:rPr lang="nl-NL" sz="1400">
                           <a:effectLst/>
                         </a:rPr>
                         <a:t>16</a:t>
                       </a:r>
-                      <a:endParaRPr lang="nl-NL" sz="1100">
+                      <a:endParaRPr lang="nl-NL" sz="1200">
                         <a:effectLst/>
                         <a:latin typeface="Calibri"/>
                         <a:ea typeface="Calibri"/>
@@ -3696,12 +3873,12 @@
                         </a:spcAft>
                       </a:pPr>
                       <a:r>
-                        <a:rPr lang="nl-NL" sz="1200">
+                        <a:rPr lang="nl-NL" sz="1400">
                           <a:effectLst/>
                         </a:rPr>
                         <a:t>10</a:t>
                       </a:r>
-                      <a:endParaRPr lang="nl-NL" sz="1100">
+                      <a:endParaRPr lang="nl-NL" sz="1200">
                         <a:effectLst/>
                         <a:latin typeface="Calibri"/>
                         <a:ea typeface="Calibri"/>
@@ -3725,12 +3902,12 @@
                         </a:spcAft>
                       </a:pPr>
                       <a:r>
-                        <a:rPr lang="nl-NL" sz="1200">
+                        <a:rPr lang="nl-NL" sz="1400">
                           <a:effectLst/>
                         </a:rPr>
                         <a:t>161</a:t>
                       </a:r>
-                      <a:endParaRPr lang="nl-NL" sz="1100">
+                      <a:endParaRPr lang="nl-NL" sz="1200">
                         <a:effectLst/>
                         <a:latin typeface="Calibri"/>
                         <a:ea typeface="Calibri"/>
@@ -3785,12 +3962,12 @@
                         </a:spcAft>
                       </a:pPr>
                       <a:r>
-                        <a:rPr lang="nl-NL" sz="1200">
+                        <a:rPr lang="nl-NL" sz="1400">
                           <a:effectLst/>
                         </a:rPr>
                         <a:t>17</a:t>
                       </a:r>
-                      <a:endParaRPr lang="nl-NL" sz="1100">
+                      <a:endParaRPr lang="nl-NL" sz="1200">
                         <a:effectLst/>
                         <a:latin typeface="Calibri"/>
                         <a:ea typeface="Calibri"/>
@@ -3814,12 +3991,12 @@
                         </a:spcAft>
                       </a:pPr>
                       <a:r>
-                        <a:rPr lang="nl-NL" sz="1200">
+                        <a:rPr lang="nl-NL" sz="1400">
                           <a:effectLst/>
                         </a:rPr>
                         <a:t>11</a:t>
                       </a:r>
-                      <a:endParaRPr lang="nl-NL" sz="1100">
+                      <a:endParaRPr lang="nl-NL" sz="1200">
                         <a:effectLst/>
                         <a:latin typeface="Calibri"/>
                         <a:ea typeface="Calibri"/>
@@ -3843,12 +4020,12 @@
                         </a:spcAft>
                       </a:pPr>
                       <a:r>
-                        <a:rPr lang="nl-NL" sz="1200">
+                        <a:rPr lang="nl-NL" sz="1400">
                           <a:effectLst/>
                         </a:rPr>
                         <a:t>187</a:t>
                       </a:r>
-                      <a:endParaRPr lang="nl-NL" sz="1100">
+                      <a:endParaRPr lang="nl-NL" sz="1200">
                         <a:effectLst/>
                         <a:latin typeface="Calibri"/>
                         <a:ea typeface="Calibri"/>
@@ -3903,12 +4080,12 @@
                         </a:spcAft>
                       </a:pPr>
                       <a:r>
-                        <a:rPr lang="nl-NL" sz="1200">
+                        <a:rPr lang="nl-NL" sz="1400">
                           <a:effectLst/>
                         </a:rPr>
                         <a:t>18</a:t>
                       </a:r>
-                      <a:endParaRPr lang="nl-NL" sz="1100">
+                      <a:endParaRPr lang="nl-NL" sz="1200">
                         <a:effectLst/>
                         <a:latin typeface="Calibri"/>
                         <a:ea typeface="Calibri"/>
@@ -3932,12 +4109,12 @@
                         </a:spcAft>
                       </a:pPr>
                       <a:r>
-                        <a:rPr lang="nl-NL" sz="1200">
+                        <a:rPr lang="nl-NL" sz="1400">
                           <a:effectLst/>
                         </a:rPr>
                         <a:t>10</a:t>
                       </a:r>
-                      <a:endParaRPr lang="nl-NL" sz="1100">
+                      <a:endParaRPr lang="nl-NL" sz="1200">
                         <a:effectLst/>
                         <a:latin typeface="Calibri"/>
                         <a:ea typeface="Calibri"/>
@@ -3961,12 +4138,12 @@
                         </a:spcAft>
                       </a:pPr>
                       <a:r>
-                        <a:rPr lang="nl-NL" sz="1200">
+                        <a:rPr lang="nl-NL" sz="1400">
                           <a:effectLst/>
                         </a:rPr>
                         <a:t>182</a:t>
                       </a:r>
-                      <a:endParaRPr lang="nl-NL" sz="1100">
+                      <a:endParaRPr lang="nl-NL" sz="1200">
                         <a:effectLst/>
                         <a:latin typeface="Calibri"/>
                         <a:ea typeface="Calibri"/>
@@ -4024,12 +4201,12 @@
                         </a:spcAft>
                       </a:pPr>
                       <a:r>
-                        <a:rPr lang="nl-NL" sz="1200">
+                        <a:rPr lang="nl-NL" sz="1400">
                           <a:effectLst/>
                         </a:rPr>
                         <a:t>18</a:t>
                       </a:r>
-                      <a:endParaRPr lang="nl-NL" sz="1100">
+                      <a:endParaRPr lang="nl-NL" sz="1200">
                         <a:effectLst/>
                         <a:latin typeface="Calibri"/>
                         <a:ea typeface="Calibri"/>
@@ -4053,12 +4230,12 @@
                         </a:spcAft>
                       </a:pPr>
                       <a:r>
-                        <a:rPr lang="nl-NL" sz="1200">
+                        <a:rPr lang="nl-NL" sz="1400">
                           <a:effectLst/>
                         </a:rPr>
                         <a:t>7</a:t>
                       </a:r>
-                      <a:endParaRPr lang="nl-NL" sz="1100">
+                      <a:endParaRPr lang="nl-NL" sz="1200">
                         <a:effectLst/>
                         <a:latin typeface="Calibri"/>
                         <a:ea typeface="Calibri"/>
@@ -4082,12 +4259,12 @@
                         </a:spcAft>
                       </a:pPr>
                       <a:r>
-                        <a:rPr lang="nl-NL" sz="1200">
+                        <a:rPr lang="nl-NL" sz="1400">
                           <a:effectLst/>
                         </a:rPr>
                         <a:t>132</a:t>
                       </a:r>
-                      <a:endParaRPr lang="nl-NL" sz="1100">
+                      <a:endParaRPr lang="nl-NL" sz="1200">
                         <a:effectLst/>
                         <a:latin typeface="Calibri"/>
                         <a:ea typeface="Calibri"/>
@@ -4114,11 +4291,17 @@
                       </a:pPr>
                       <a:r>
                         <a:rPr lang="nl-NL" sz="1200">
+                          <a:solidFill>
+                            <a:schemeClr val="bg1"/>
+                          </a:solidFill>
                           <a:effectLst/>
                         </a:rPr>
                         <a:t>EditStar</a:t>
                       </a:r>
                       <a:endParaRPr lang="nl-NL" sz="1100">
+                        <a:solidFill>
+                          <a:schemeClr val="bg1"/>
+                        </a:solidFill>
                         <a:effectLst/>
                         <a:latin typeface="Calibri"/>
                         <a:ea typeface="Calibri"/>
@@ -4126,7 +4309,11 @@
                       </a:endParaRPr>
                     </a:p>
                   </a:txBody>
-                  <a:tcPr marL="68580" marR="68580" marT="0" marB="0"/>
+                  <a:tcPr marL="68580" marR="68580" marT="0" marB="0">
+                    <a:solidFill>
+                      <a:srgbClr val="D52525"/>
+                    </a:solidFill>
+                  </a:tcPr>
                 </a:tc>
                 <a:tc>
                   <a:txBody>
@@ -4142,12 +4329,18 @@
                         </a:spcAft>
                       </a:pPr>
                       <a:r>
-                        <a:rPr lang="nl-NL" sz="1200">
+                        <a:rPr lang="nl-NL" sz="1400" dirty="0">
+                          <a:solidFill>
+                            <a:schemeClr val="bg1"/>
+                          </a:solidFill>
                           <a:effectLst/>
                         </a:rPr>
                         <a:t>13</a:t>
                       </a:r>
-                      <a:endParaRPr lang="nl-NL" sz="1100">
+                      <a:endParaRPr lang="nl-NL" sz="1200" dirty="0">
+                        <a:solidFill>
+                          <a:schemeClr val="bg1"/>
+                        </a:solidFill>
                         <a:effectLst/>
                         <a:latin typeface="Calibri"/>
                         <a:ea typeface="Calibri"/>
@@ -4155,7 +4348,11 @@
                       </a:endParaRPr>
                     </a:p>
                   </a:txBody>
-                  <a:tcPr marL="68580" marR="68580" marT="0" marB="0"/>
+                  <a:tcPr marL="68580" marR="68580" marT="0" marB="0">
+                    <a:solidFill>
+                      <a:srgbClr val="D52525"/>
+                    </a:solidFill>
+                  </a:tcPr>
                 </a:tc>
                 <a:tc>
                   <a:txBody>
@@ -4171,12 +4368,18 @@
                         </a:spcAft>
                       </a:pPr>
                       <a:r>
-                        <a:rPr lang="nl-NL" sz="1200">
+                        <a:rPr lang="nl-NL" sz="1400">
+                          <a:solidFill>
+                            <a:schemeClr val="bg1"/>
+                          </a:solidFill>
                           <a:effectLst/>
                         </a:rPr>
                         <a:t>9</a:t>
                       </a:r>
-                      <a:endParaRPr lang="nl-NL" sz="1100">
+                      <a:endParaRPr lang="nl-NL" sz="1200">
+                        <a:solidFill>
+                          <a:schemeClr val="bg1"/>
+                        </a:solidFill>
                         <a:effectLst/>
                         <a:latin typeface="Calibri"/>
                         <a:ea typeface="Calibri"/>
@@ -4184,7 +4387,11 @@
                       </a:endParaRPr>
                     </a:p>
                   </a:txBody>
-                  <a:tcPr marL="68580" marR="68580" marT="0" marB="0"/>
+                  <a:tcPr marL="68580" marR="68580" marT="0" marB="0">
+                    <a:solidFill>
+                      <a:srgbClr val="D52525"/>
+                    </a:solidFill>
+                  </a:tcPr>
                 </a:tc>
                 <a:tc>
                   <a:txBody>
@@ -4200,12 +4407,18 @@
                         </a:spcAft>
                       </a:pPr>
                       <a:r>
-                        <a:rPr lang="nl-NL" sz="1200">
+                        <a:rPr lang="nl-NL" sz="1400" dirty="0">
+                          <a:solidFill>
+                            <a:schemeClr val="bg1"/>
+                          </a:solidFill>
                           <a:effectLst/>
                         </a:rPr>
                         <a:t>122</a:t>
                       </a:r>
-                      <a:endParaRPr lang="nl-NL" sz="1100">
+                      <a:endParaRPr lang="nl-NL" sz="1200" dirty="0">
+                        <a:solidFill>
+                          <a:schemeClr val="bg1"/>
+                        </a:solidFill>
                         <a:effectLst/>
                         <a:latin typeface="Calibri"/>
                         <a:ea typeface="Calibri"/>
@@ -4213,7 +4426,11 @@
                       </a:endParaRPr>
                     </a:p>
                   </a:txBody>
-                  <a:tcPr marL="68580" marR="68580" marT="0" marB="0"/>
+                  <a:tcPr marL="68580" marR="68580" marT="0" marB="0">
+                    <a:solidFill>
+                      <a:srgbClr val="D52525"/>
+                    </a:solidFill>
+                  </a:tcPr>
                 </a:tc>
               </a:tr>
               <a:tr h="333375">
@@ -4231,12 +4448,18 @@
                         </a:spcAft>
                       </a:pPr>
                       <a:r>
-                        <a:rPr lang="nl-NL" sz="1200">
+                        <a:rPr lang="nl-NL" sz="1200" dirty="0">
+                          <a:solidFill>
+                            <a:schemeClr val="bg1"/>
+                          </a:solidFill>
                           <a:effectLst/>
                         </a:rPr>
                         <a:t>BeamSearch</a:t>
                       </a:r>
-                      <a:endParaRPr lang="nl-NL" sz="1100">
+                      <a:endParaRPr lang="nl-NL" sz="1100" dirty="0">
+                        <a:solidFill>
+                          <a:schemeClr val="bg1"/>
+                        </a:solidFill>
                         <a:effectLst/>
                         <a:latin typeface="Calibri"/>
                         <a:ea typeface="Calibri"/>
@@ -4244,7 +4467,11 @@
                       </a:endParaRPr>
                     </a:p>
                   </a:txBody>
-                  <a:tcPr marL="68580" marR="68580" marT="0" marB="0"/>
+                  <a:tcPr marL="68580" marR="68580" marT="0" marB="0">
+                    <a:solidFill>
+                      <a:srgbClr val="D52525"/>
+                    </a:solidFill>
+                  </a:tcPr>
                 </a:tc>
                 <a:tc>
                   <a:txBody>
@@ -4260,12 +4487,18 @@
                         </a:spcAft>
                       </a:pPr>
                       <a:r>
-                        <a:rPr lang="nl-NL" sz="1200">
+                        <a:rPr lang="nl-NL" sz="1400">
+                          <a:solidFill>
+                            <a:schemeClr val="bg1"/>
+                          </a:solidFill>
                           <a:effectLst/>
                         </a:rPr>
                         <a:t>13</a:t>
                       </a:r>
-                      <a:endParaRPr lang="nl-NL" sz="1100">
+                      <a:endParaRPr lang="nl-NL" sz="1200">
+                        <a:solidFill>
+                          <a:schemeClr val="bg1"/>
+                        </a:solidFill>
                         <a:effectLst/>
                         <a:latin typeface="Calibri"/>
                         <a:ea typeface="Calibri"/>
@@ -4273,7 +4506,11 @@
                       </a:endParaRPr>
                     </a:p>
                   </a:txBody>
-                  <a:tcPr marL="68580" marR="68580" marT="0" marB="0"/>
+                  <a:tcPr marL="68580" marR="68580" marT="0" marB="0">
+                    <a:solidFill>
+                      <a:srgbClr val="D52525"/>
+                    </a:solidFill>
+                  </a:tcPr>
                 </a:tc>
                 <a:tc>
                   <a:txBody>
@@ -4289,12 +4526,18 @@
                         </a:spcAft>
                       </a:pPr>
                       <a:r>
-                        <a:rPr lang="nl-NL" sz="1200">
+                        <a:rPr lang="nl-NL" sz="1400">
+                          <a:solidFill>
+                            <a:schemeClr val="bg1"/>
+                          </a:solidFill>
                           <a:effectLst/>
                         </a:rPr>
                         <a:t>9</a:t>
                       </a:r>
-                      <a:endParaRPr lang="nl-NL" sz="1100">
+                      <a:endParaRPr lang="nl-NL" sz="1200">
+                        <a:solidFill>
+                          <a:schemeClr val="bg1"/>
+                        </a:solidFill>
                         <a:effectLst/>
                         <a:latin typeface="Calibri"/>
                         <a:ea typeface="Calibri"/>
@@ -4302,7 +4545,11 @@
                       </a:endParaRPr>
                     </a:p>
                   </a:txBody>
-                  <a:tcPr marL="68580" marR="68580" marT="0" marB="0"/>
+                  <a:tcPr marL="68580" marR="68580" marT="0" marB="0">
+                    <a:solidFill>
+                      <a:srgbClr val="D52525"/>
+                    </a:solidFill>
+                  </a:tcPr>
                 </a:tc>
                 <a:tc>
                   <a:txBody>
@@ -4318,12 +4565,18 @@
                         </a:spcAft>
                       </a:pPr>
                       <a:r>
-                        <a:rPr lang="nl-NL" sz="1200" dirty="0">
+                        <a:rPr lang="nl-NL" sz="1400" dirty="0">
+                          <a:solidFill>
+                            <a:schemeClr val="bg1"/>
+                          </a:solidFill>
                           <a:effectLst/>
                         </a:rPr>
                         <a:t>116</a:t>
                       </a:r>
-                      <a:endParaRPr lang="nl-NL" sz="1100" dirty="0">
+                      <a:endParaRPr lang="nl-NL" sz="1200" dirty="0">
+                        <a:solidFill>
+                          <a:schemeClr val="bg1"/>
+                        </a:solidFill>
                         <a:effectLst/>
                         <a:latin typeface="Calibri"/>
                         <a:ea typeface="Calibri"/>
@@ -4331,7 +4584,11 @@
                       </a:endParaRPr>
                     </a:p>
                   </a:txBody>
-                  <a:tcPr marL="68580" marR="68580" marT="0" marB="0"/>
+                  <a:tcPr marL="68580" marR="68580" marT="0" marB="0">
+                    <a:solidFill>
+                      <a:srgbClr val="D52525"/>
+                    </a:solidFill>
+                  </a:tcPr>
                 </a:tc>
               </a:tr>
             </a:tbl>
@@ -4358,7 +4615,85 @@
 </p:sld>
 </file>
 
-<file path=ppt/slides/slide11.xml><?xml version="1.0" encoding="utf-8"?>
+<file path=ppt/slides/slide13.xml><?xml version="1.0" encoding="utf-8"?>
+<p:sld xmlns:a="http://schemas.openxmlformats.org/drawingml/2006/main" xmlns:r="http://schemas.openxmlformats.org/officeDocument/2006/relationships" xmlns:p="http://schemas.openxmlformats.org/presentationml/2006/main">
+  <p:cSld>
+    <p:spTree>
+      <p:nvGrpSpPr>
+        <p:cNvPr id="1" name=""/>
+        <p:cNvGrpSpPr/>
+        <p:nvPr/>
+      </p:nvGrpSpPr>
+      <p:grpSpPr>
+        <a:xfrm>
+          <a:off x="0" y="0"/>
+          <a:ext cx="0" cy="0"/>
+          <a:chOff x="0" y="0"/>
+          <a:chExt cx="0" cy="0"/>
+        </a:xfrm>
+      </p:grpSpPr>
+      <p:pic>
+        <p:nvPicPr>
+          <p:cNvPr id="1026" name="Picture 2" descr="File:Tweegenomen.gif"/>
+          <p:cNvPicPr>
+            <a:picLocks noChangeAspect="1" noChangeArrowheads="1"/>
+          </p:cNvPicPr>
+          <p:nvPr/>
+        </p:nvPicPr>
+        <p:blipFill>
+          <a:blip r:embed="rId2">
+            <a:extLst>
+              <a:ext uri="{28A0092B-C50C-407E-A947-70E740481C1C}">
+                <a14:useLocalDpi xmlns:a14="http://schemas.microsoft.com/office/drawing/2010/main" val="0"/>
+              </a:ext>
+            </a:extLst>
+          </a:blip>
+          <a:srcRect/>
+          <a:stretch>
+            <a:fillRect/>
+          </a:stretch>
+        </p:blipFill>
+        <p:spPr bwMode="auto">
+          <a:xfrm>
+            <a:off x="228599" y="1371600"/>
+            <a:ext cx="8057057" cy="4038600"/>
+          </a:xfrm>
+          <a:prstGeom prst="rect">
+            <a:avLst/>
+          </a:prstGeom>
+          <a:noFill/>
+          <a:extLst>
+            <a:ext uri="{909E8E84-426E-40DD-AFC4-6F175D3DCCD1}">
+              <a14:hiddenFill xmlns:a14="http://schemas.microsoft.com/office/drawing/2010/main">
+                <a:solidFill>
+                  <a:srgbClr val="FFFFFF"/>
+                </a:solidFill>
+              </a14:hiddenFill>
+            </a:ext>
+          </a:extLst>
+        </p:spPr>
+      </p:pic>
+    </p:spTree>
+    <p:extLst>
+      <p:ext uri="{BB962C8B-B14F-4D97-AF65-F5344CB8AC3E}">
+        <p14:creationId xmlns:p14="http://schemas.microsoft.com/office/powerpoint/2010/main" val="2640781393"/>
+      </p:ext>
+    </p:extLst>
+  </p:cSld>
+  <p:clrMapOvr>
+    <a:masterClrMapping/>
+  </p:clrMapOvr>
+  <p:timing>
+    <p:tnLst>
+      <p:par>
+        <p:cTn id="1" dur="indefinite" restart="never" nodeType="tmRoot"/>
+      </p:par>
+    </p:tnLst>
+  </p:timing>
+</p:sld>
+</file>
+
+<file path=ppt/slides/slide14.xml><?xml version="1.0" encoding="utf-8"?>
 <p:sld xmlns:a="http://schemas.openxmlformats.org/drawingml/2006/main" xmlns:r="http://schemas.openxmlformats.org/officeDocument/2006/relationships" xmlns:p="http://schemas.openxmlformats.org/presentationml/2006/main">
   <p:cSld>
     <p:spTree>
@@ -4444,7 +4779,7 @@
         </p:blipFill>
         <p:spPr bwMode="auto">
           <a:xfrm>
-            <a:off x="914400" y="0"/>
+            <a:off x="990600" y="0"/>
             <a:ext cx="6858000" cy="6858000"/>
           </a:xfrm>
           <a:prstGeom prst="rect">
@@ -4475,7 +4810,7 @@
 </p:sld>
 </file>
 
-<file path=ppt/slides/slide12.xml><?xml version="1.0" encoding="utf-8"?>
+<file path=ppt/slides/slide15.xml><?xml version="1.0" encoding="utf-8"?>
 <p:sld xmlns:a="http://schemas.openxmlformats.org/drawingml/2006/main" xmlns:r="http://schemas.openxmlformats.org/officeDocument/2006/relationships" xmlns:p="http://schemas.openxmlformats.org/presentationml/2006/main">
   <p:cSld>
     <p:spTree>
@@ -4509,7 +4844,11 @@
           <a:p>
             <a:r>
               <a:rPr lang="nl-NL" dirty="0" smtClean="0"/>
-              <a:t>Resultaten: random</a:t>
+              <a:t>Resultaten: </a:t>
+            </a:r>
+            <a:r>
+              <a:rPr lang="nl-NL" dirty="0" smtClean="0"/>
+              <a:t>2000 samples</a:t>
             </a:r>
             <a:endParaRPr lang="nl-NL" dirty="0"/>
           </a:p>
@@ -4540,7 +4879,6 @@
               <a:rPr lang="nl-NL" dirty="0" smtClean="0"/>
               <a:t>EditStar beste performance</a:t>
             </a:r>
-            <a:endParaRPr lang="nl-NL" dirty="0" smtClean="0"/>
           </a:p>
           <a:p>
             <a:endParaRPr lang="nl-NL" dirty="0"/>
@@ -4559,14 +4897,14 @@
           <p:nvPr>
             <p:extLst>
               <p:ext uri="{D42A27DB-BD31-4B8C-83A1-F6EECF244321}">
-                <p14:modId xmlns:p14="http://schemas.microsoft.com/office/powerpoint/2010/main" val="1044597432"/>
+                <p14:modId xmlns:p14="http://schemas.microsoft.com/office/powerpoint/2010/main" val="2031630157"/>
               </p:ext>
             </p:extLst>
           </p:nvPr>
         </p:nvGraphicFramePr>
         <p:xfrm>
           <a:off x="380999" y="3200400"/>
-          <a:ext cx="7772401" cy="2286000"/>
+          <a:ext cx="7772401" cy="2361822"/>
         </p:xfrm>
         <a:graphic>
           <a:graphicData uri="http://schemas.openxmlformats.org/drawingml/2006/table">
@@ -4840,12 +5178,12 @@
                         </a:spcAft>
                       </a:pPr>
                       <a:r>
-                        <a:rPr lang="nl-NL" sz="1200">
+                        <a:rPr lang="nl-NL" sz="1400">
                           <a:effectLst/>
                         </a:rPr>
                         <a:t>21,14</a:t>
                       </a:r>
-                      <a:endParaRPr lang="nl-NL" sz="1100">
+                      <a:endParaRPr lang="nl-NL" sz="1200">
                         <a:effectLst/>
                         <a:latin typeface="Calibri"/>
                         <a:ea typeface="Calibri"/>
@@ -4869,12 +5207,12 @@
                         </a:spcAft>
                       </a:pPr>
                       <a:r>
-                        <a:rPr lang="nl-NL" sz="1200">
+                        <a:rPr lang="nl-NL" sz="1400">
                           <a:effectLst/>
                         </a:rPr>
                         <a:t>15</a:t>
                       </a:r>
-                      <a:endParaRPr lang="nl-NL" sz="1100">
+                      <a:endParaRPr lang="nl-NL" sz="1200">
                         <a:effectLst/>
                         <a:latin typeface="Calibri"/>
                         <a:ea typeface="Calibri"/>
@@ -4898,12 +5236,12 @@
                         </a:spcAft>
                       </a:pPr>
                       <a:r>
-                        <a:rPr lang="nl-NL" sz="1200">
+                        <a:rPr lang="nl-NL" sz="1400">
                           <a:effectLst/>
                         </a:rPr>
                         <a:t>24</a:t>
                       </a:r>
-                      <a:endParaRPr lang="nl-NL" sz="1100">
+                      <a:endParaRPr lang="nl-NL" sz="1200">
                         <a:effectLst/>
                         <a:latin typeface="Calibri"/>
                         <a:ea typeface="Calibri"/>
@@ -4927,12 +5265,12 @@
                         </a:spcAft>
                       </a:pPr>
                       <a:r>
-                        <a:rPr lang="nl-NL" sz="1200" dirty="0">
+                        <a:rPr lang="nl-NL" sz="1400" dirty="0">
                           <a:effectLst/>
                         </a:rPr>
                         <a:t>7,60</a:t>
                       </a:r>
-                      <a:endParaRPr lang="nl-NL" sz="1100" dirty="0">
+                      <a:endParaRPr lang="nl-NL" sz="1200" dirty="0">
                         <a:effectLst/>
                         <a:latin typeface="Calibri"/>
                         <a:ea typeface="Calibri"/>
@@ -4956,12 +5294,12 @@
                         </a:spcAft>
                       </a:pPr>
                       <a:r>
-                        <a:rPr lang="nl-NL" sz="1200" dirty="0">
+                        <a:rPr lang="nl-NL" sz="1400" dirty="0">
                           <a:effectLst/>
                         </a:rPr>
                         <a:t>170,59</a:t>
                       </a:r>
-                      <a:endParaRPr lang="nl-NL" sz="1100" dirty="0">
+                      <a:endParaRPr lang="nl-NL" sz="1200" dirty="0">
                         <a:effectLst/>
                         <a:latin typeface="Calibri"/>
                         <a:ea typeface="Calibri"/>
@@ -5016,12 +5354,12 @@
                         </a:spcAft>
                       </a:pPr>
                       <a:r>
-                        <a:rPr lang="nl-NL" sz="1200">
+                        <a:rPr lang="nl-NL" sz="1400">
                           <a:effectLst/>
                         </a:rPr>
                         <a:t>21,14</a:t>
                       </a:r>
-                      <a:endParaRPr lang="nl-NL" sz="1100">
+                      <a:endParaRPr lang="nl-NL" sz="1200">
                         <a:effectLst/>
                         <a:latin typeface="Calibri"/>
                         <a:ea typeface="Calibri"/>
@@ -5045,12 +5383,12 @@
                         </a:spcAft>
                       </a:pPr>
                       <a:r>
-                        <a:rPr lang="nl-NL" sz="1200">
+                        <a:rPr lang="nl-NL" sz="1400">
                           <a:effectLst/>
                         </a:rPr>
                         <a:t>14</a:t>
                       </a:r>
-                      <a:endParaRPr lang="nl-NL" sz="1100">
+                      <a:endParaRPr lang="nl-NL" sz="1200">
                         <a:effectLst/>
                         <a:latin typeface="Calibri"/>
                         <a:ea typeface="Calibri"/>
@@ -5074,12 +5412,12 @@
                         </a:spcAft>
                       </a:pPr>
                       <a:r>
-                        <a:rPr lang="nl-NL" sz="1200">
+                        <a:rPr lang="nl-NL" sz="1400">
                           <a:effectLst/>
                         </a:rPr>
                         <a:t>24</a:t>
                       </a:r>
-                      <a:endParaRPr lang="nl-NL" sz="1100">
+                      <a:endParaRPr lang="nl-NL" sz="1200">
                         <a:effectLst/>
                         <a:latin typeface="Calibri"/>
                         <a:ea typeface="Calibri"/>
@@ -5103,12 +5441,12 @@
                         </a:spcAft>
                       </a:pPr>
                       <a:r>
-                        <a:rPr lang="nl-NL" sz="1200" dirty="0">
+                        <a:rPr lang="nl-NL" sz="1400" dirty="0">
                           <a:effectLst/>
                         </a:rPr>
                         <a:t>7,63</a:t>
                       </a:r>
-                      <a:endParaRPr lang="nl-NL" sz="1100" dirty="0">
+                      <a:endParaRPr lang="nl-NL" sz="1200" dirty="0">
                         <a:effectLst/>
                         <a:latin typeface="Calibri"/>
                         <a:ea typeface="Calibri"/>
@@ -5132,12 +5470,12 @@
                         </a:spcAft>
                       </a:pPr>
                       <a:r>
-                        <a:rPr lang="nl-NL" sz="1200" dirty="0">
+                        <a:rPr lang="nl-NL" sz="1400" dirty="0">
                           <a:effectLst/>
                         </a:rPr>
                         <a:t>170,97</a:t>
                       </a:r>
-                      <a:endParaRPr lang="nl-NL" sz="1100" dirty="0">
+                      <a:endParaRPr lang="nl-NL" sz="1200" dirty="0">
                         <a:effectLst/>
                         <a:latin typeface="Calibri"/>
                         <a:ea typeface="Calibri"/>
@@ -5192,12 +5530,12 @@
                         </a:spcAft>
                       </a:pPr>
                       <a:r>
-                        <a:rPr lang="nl-NL" sz="1200">
+                        <a:rPr lang="nl-NL" sz="1400">
                           <a:effectLst/>
                         </a:rPr>
                         <a:t>21,09</a:t>
                       </a:r>
-                      <a:endParaRPr lang="nl-NL" sz="1100">
+                      <a:endParaRPr lang="nl-NL" sz="1200">
                         <a:effectLst/>
                         <a:latin typeface="Calibri"/>
                         <a:ea typeface="Calibri"/>
@@ -5221,12 +5559,12 @@
                         </a:spcAft>
                       </a:pPr>
                       <a:r>
-                        <a:rPr lang="nl-NL" sz="1200">
+                        <a:rPr lang="nl-NL" sz="1400">
                           <a:effectLst/>
                         </a:rPr>
                         <a:t>15</a:t>
                       </a:r>
-                      <a:endParaRPr lang="nl-NL" sz="1100">
+                      <a:endParaRPr lang="nl-NL" sz="1200">
                         <a:effectLst/>
                         <a:latin typeface="Calibri"/>
                         <a:ea typeface="Calibri"/>
@@ -5250,12 +5588,12 @@
                         </a:spcAft>
                       </a:pPr>
                       <a:r>
-                        <a:rPr lang="nl-NL" sz="1200">
+                        <a:rPr lang="nl-NL" sz="1400">
                           <a:effectLst/>
                         </a:rPr>
                         <a:t>24</a:t>
                       </a:r>
-                      <a:endParaRPr lang="nl-NL" sz="1100">
+                      <a:endParaRPr lang="nl-NL" sz="1200">
                         <a:effectLst/>
                         <a:latin typeface="Calibri"/>
                         <a:ea typeface="Calibri"/>
@@ -5279,12 +5617,12 @@
                         </a:spcAft>
                       </a:pPr>
                       <a:r>
-                        <a:rPr lang="nl-NL" sz="1200" dirty="0">
+                        <a:rPr lang="nl-NL" sz="1400" dirty="0">
                           <a:effectLst/>
                         </a:rPr>
                         <a:t>8,25</a:t>
                       </a:r>
-                      <a:endParaRPr lang="nl-NL" sz="1100" dirty="0">
+                      <a:endParaRPr lang="nl-NL" sz="1200" dirty="0">
                         <a:effectLst/>
                         <a:latin typeface="Calibri"/>
                         <a:ea typeface="Calibri"/>
@@ -5308,12 +5646,12 @@
                         </a:spcAft>
                       </a:pPr>
                       <a:r>
-                        <a:rPr lang="nl-NL" sz="1200" dirty="0">
+                        <a:rPr lang="nl-NL" sz="1400" dirty="0">
                           <a:effectLst/>
                         </a:rPr>
                         <a:t>183,47</a:t>
                       </a:r>
-                      <a:endParaRPr lang="nl-NL" sz="1100" dirty="0">
+                      <a:endParaRPr lang="nl-NL" sz="1200" dirty="0">
                         <a:effectLst/>
                         <a:latin typeface="Calibri"/>
                         <a:ea typeface="Calibri"/>
@@ -5368,12 +5706,12 @@
                         </a:spcAft>
                       </a:pPr>
                       <a:r>
-                        <a:rPr lang="nl-NL" sz="1200">
+                        <a:rPr lang="nl-NL" sz="1400">
                           <a:effectLst/>
                         </a:rPr>
                         <a:t>21,15</a:t>
                       </a:r>
-                      <a:endParaRPr lang="nl-NL" sz="1100">
+                      <a:endParaRPr lang="nl-NL" sz="1200">
                         <a:effectLst/>
                         <a:latin typeface="Calibri"/>
                         <a:ea typeface="Calibri"/>
@@ -5397,12 +5735,12 @@
                         </a:spcAft>
                       </a:pPr>
                       <a:r>
-                        <a:rPr lang="nl-NL" sz="1200">
+                        <a:rPr lang="nl-NL" sz="1400">
                           <a:effectLst/>
                         </a:rPr>
                         <a:t>15</a:t>
                       </a:r>
-                      <a:endParaRPr lang="nl-NL" sz="1100">
+                      <a:endParaRPr lang="nl-NL" sz="1200">
                         <a:effectLst/>
                         <a:latin typeface="Calibri"/>
                         <a:ea typeface="Calibri"/>
@@ -5426,12 +5764,12 @@
                         </a:spcAft>
                       </a:pPr>
                       <a:r>
-                        <a:rPr lang="nl-NL" sz="1200">
+                        <a:rPr lang="nl-NL" sz="1400">
                           <a:effectLst/>
                         </a:rPr>
                         <a:t>24</a:t>
                       </a:r>
-                      <a:endParaRPr lang="nl-NL" sz="1100">
+                      <a:endParaRPr lang="nl-NL" sz="1200">
                         <a:effectLst/>
                         <a:latin typeface="Calibri"/>
                         <a:ea typeface="Calibri"/>
@@ -5455,12 +5793,12 @@
                         </a:spcAft>
                       </a:pPr>
                       <a:r>
-                        <a:rPr lang="nl-NL" sz="1200" dirty="0">
+                        <a:rPr lang="nl-NL" sz="1400" dirty="0">
                           <a:effectLst/>
                         </a:rPr>
                         <a:t>7,62</a:t>
                       </a:r>
-                      <a:endParaRPr lang="nl-NL" sz="1100" dirty="0">
+                      <a:endParaRPr lang="nl-NL" sz="1200" dirty="0">
                         <a:effectLst/>
                         <a:latin typeface="Calibri"/>
                         <a:ea typeface="Calibri"/>
@@ -5484,12 +5822,12 @@
                         </a:spcAft>
                       </a:pPr>
                       <a:r>
-                        <a:rPr lang="nl-NL" sz="1200" dirty="0">
+                        <a:rPr lang="nl-NL" sz="1400" dirty="0">
                           <a:effectLst/>
                         </a:rPr>
                         <a:t>170,84</a:t>
                       </a:r>
-                      <a:endParaRPr lang="nl-NL" sz="1100" dirty="0">
+                      <a:endParaRPr lang="nl-NL" sz="1200" dirty="0">
                         <a:effectLst/>
                         <a:latin typeface="Calibri"/>
                         <a:ea typeface="Calibri"/>
@@ -5544,12 +5882,12 @@
                         </a:spcAft>
                       </a:pPr>
                       <a:r>
-                        <a:rPr lang="nl-NL" sz="1200">
+                        <a:rPr lang="nl-NL" sz="1400">
                           <a:effectLst/>
                         </a:rPr>
                         <a:t>20,91</a:t>
                       </a:r>
-                      <a:endParaRPr lang="nl-NL" sz="1100">
+                      <a:endParaRPr lang="nl-NL" sz="1200">
                         <a:effectLst/>
                         <a:latin typeface="Calibri"/>
                         <a:ea typeface="Calibri"/>
@@ -5573,12 +5911,12 @@
                         </a:spcAft>
                       </a:pPr>
                       <a:r>
-                        <a:rPr lang="nl-NL" sz="1200">
+                        <a:rPr lang="nl-NL" sz="1400">
                           <a:effectLst/>
                         </a:rPr>
                         <a:t>13</a:t>
                       </a:r>
-                      <a:endParaRPr lang="nl-NL" sz="1100">
+                      <a:endParaRPr lang="nl-NL" sz="1200">
                         <a:effectLst/>
                         <a:latin typeface="Calibri"/>
                         <a:ea typeface="Calibri"/>
@@ -5602,12 +5940,12 @@
                         </a:spcAft>
                       </a:pPr>
                       <a:r>
-                        <a:rPr lang="nl-NL" sz="1200">
+                        <a:rPr lang="nl-NL" sz="1400">
                           <a:effectLst/>
                         </a:rPr>
                         <a:t>24</a:t>
                       </a:r>
-                      <a:endParaRPr lang="nl-NL" sz="1100">
+                      <a:endParaRPr lang="nl-NL" sz="1200">
                         <a:effectLst/>
                         <a:latin typeface="Calibri"/>
                         <a:ea typeface="Calibri"/>
@@ -5631,12 +5969,12 @@
                         </a:spcAft>
                       </a:pPr>
                       <a:r>
-                        <a:rPr lang="nl-NL" sz="1200" dirty="0">
+                        <a:rPr lang="nl-NL" sz="1400" dirty="0">
                           <a:effectLst/>
                         </a:rPr>
                         <a:t>7,45</a:t>
                       </a:r>
-                      <a:endParaRPr lang="nl-NL" sz="1100" dirty="0">
+                      <a:endParaRPr lang="nl-NL" sz="1200" dirty="0">
                         <a:effectLst/>
                         <a:latin typeface="Calibri"/>
                         <a:ea typeface="Calibri"/>
@@ -5660,12 +5998,12 @@
                         </a:spcAft>
                       </a:pPr>
                       <a:r>
-                        <a:rPr lang="nl-NL" sz="1200" dirty="0">
+                        <a:rPr lang="nl-NL" sz="1400" dirty="0">
                           <a:effectLst/>
                         </a:rPr>
                         <a:t>165,67</a:t>
                       </a:r>
-                      <a:endParaRPr lang="nl-NL" sz="1100" dirty="0">
+                      <a:endParaRPr lang="nl-NL" sz="1200" dirty="0">
                         <a:effectLst/>
                         <a:latin typeface="Calibri"/>
                         <a:ea typeface="Calibri"/>
@@ -5704,7 +6042,11 @@
                       </a:endParaRPr>
                     </a:p>
                   </a:txBody>
-                  <a:tcPr marL="68580" marR="68580" marT="0" marB="0"/>
+                  <a:tcPr marL="68580" marR="68580" marT="0" marB="0">
+                    <a:solidFill>
+                      <a:srgbClr val="D52525"/>
+                    </a:solidFill>
+                  </a:tcPr>
                 </a:tc>
                 <a:tc>
                   <a:txBody>
@@ -5720,12 +6062,18 @@
                         </a:spcAft>
                       </a:pPr>
                       <a:r>
-                        <a:rPr lang="nl-NL" sz="1200">
+                        <a:rPr lang="nl-NL" sz="1400" dirty="0">
+                          <a:solidFill>
+                            <a:schemeClr val="bg1"/>
+                          </a:solidFill>
                           <a:effectLst/>
                         </a:rPr>
                         <a:t>17,26</a:t>
                       </a:r>
-                      <a:endParaRPr lang="nl-NL" sz="1100">
+                      <a:endParaRPr lang="nl-NL" sz="1200" dirty="0">
+                        <a:solidFill>
+                          <a:schemeClr val="bg1"/>
+                        </a:solidFill>
                         <a:effectLst/>
                         <a:latin typeface="Calibri"/>
                         <a:ea typeface="Calibri"/>
@@ -5733,7 +6081,11 @@
                       </a:endParaRPr>
                     </a:p>
                   </a:txBody>
-                  <a:tcPr marL="68580" marR="68580" marT="0" marB="0"/>
+                  <a:tcPr marL="68580" marR="68580" marT="0" marB="0">
+                    <a:solidFill>
+                      <a:srgbClr val="D52525"/>
+                    </a:solidFill>
+                  </a:tcPr>
                 </a:tc>
                 <a:tc>
                   <a:txBody>
@@ -5749,12 +6101,18 @@
                         </a:spcAft>
                       </a:pPr>
                       <a:r>
-                        <a:rPr lang="nl-NL" sz="1200">
+                        <a:rPr lang="nl-NL" sz="1400">
+                          <a:solidFill>
+                            <a:schemeClr val="bg1"/>
+                          </a:solidFill>
                           <a:effectLst/>
                         </a:rPr>
                         <a:t>13</a:t>
                       </a:r>
-                      <a:endParaRPr lang="nl-NL" sz="1100">
+                      <a:endParaRPr lang="nl-NL" sz="1200">
+                        <a:solidFill>
+                          <a:schemeClr val="bg1"/>
+                        </a:solidFill>
                         <a:effectLst/>
                         <a:latin typeface="Calibri"/>
                         <a:ea typeface="Calibri"/>
@@ -5762,7 +6120,11 @@
                       </a:endParaRPr>
                     </a:p>
                   </a:txBody>
-                  <a:tcPr marL="68580" marR="68580" marT="0" marB="0"/>
+                  <a:tcPr marL="68580" marR="68580" marT="0" marB="0">
+                    <a:solidFill>
+                      <a:srgbClr val="D52525"/>
+                    </a:solidFill>
+                  </a:tcPr>
                 </a:tc>
                 <a:tc>
                   <a:txBody>
@@ -5778,12 +6140,18 @@
                         </a:spcAft>
                       </a:pPr>
                       <a:r>
-                        <a:rPr lang="nl-NL" sz="1200">
+                        <a:rPr lang="nl-NL" sz="1400">
+                          <a:solidFill>
+                            <a:schemeClr val="bg1"/>
+                          </a:solidFill>
                           <a:effectLst/>
                         </a:rPr>
                         <a:t>20</a:t>
                       </a:r>
-                      <a:endParaRPr lang="nl-NL" sz="1100">
+                      <a:endParaRPr lang="nl-NL" sz="1200">
+                        <a:solidFill>
+                          <a:schemeClr val="bg1"/>
+                        </a:solidFill>
                         <a:effectLst/>
                         <a:latin typeface="Calibri"/>
                         <a:ea typeface="Calibri"/>
@@ -5791,7 +6159,11 @@
                       </a:endParaRPr>
                     </a:p>
                   </a:txBody>
-                  <a:tcPr marL="68580" marR="68580" marT="0" marB="0"/>
+                  <a:tcPr marL="68580" marR="68580" marT="0" marB="0">
+                    <a:solidFill>
+                      <a:srgbClr val="D52525"/>
+                    </a:solidFill>
+                  </a:tcPr>
                 </a:tc>
                 <a:tc>
                   <a:txBody>
@@ -5807,12 +6179,18 @@
                         </a:spcAft>
                       </a:pPr>
                       <a:r>
-                        <a:rPr lang="nl-NL" sz="1200" dirty="0">
+                        <a:rPr lang="nl-NL" sz="1400" dirty="0">
+                          <a:solidFill>
+                            <a:schemeClr val="bg1"/>
+                          </a:solidFill>
                           <a:effectLst/>
                         </a:rPr>
                         <a:t>9,16</a:t>
                       </a:r>
-                      <a:endParaRPr lang="nl-NL" sz="1100" dirty="0">
+                      <a:endParaRPr lang="nl-NL" sz="1200" dirty="0">
+                        <a:solidFill>
+                          <a:schemeClr val="bg1"/>
+                        </a:solidFill>
                         <a:effectLst/>
                         <a:latin typeface="Calibri"/>
                         <a:ea typeface="Calibri"/>
@@ -5820,7 +6198,11 @@
                       </a:endParaRPr>
                     </a:p>
                   </a:txBody>
-                  <a:tcPr marL="68580" marR="68580" marT="0" marB="0"/>
+                  <a:tcPr marL="68580" marR="68580" marT="0" marB="0">
+                    <a:solidFill>
+                      <a:srgbClr val="D52525"/>
+                    </a:solidFill>
+                  </a:tcPr>
                 </a:tc>
                 <a:tc>
                   <a:txBody>
@@ -5836,12 +6218,18 @@
                         </a:spcAft>
                       </a:pPr>
                       <a:r>
-                        <a:rPr lang="nl-NL" sz="1200" dirty="0">
+                        <a:rPr lang="nl-NL" sz="1400" dirty="0">
+                          <a:solidFill>
+                            <a:schemeClr val="bg1"/>
+                          </a:solidFill>
                           <a:effectLst/>
                         </a:rPr>
                         <a:t>164,73</a:t>
                       </a:r>
-                      <a:endParaRPr lang="nl-NL" sz="1100" dirty="0">
+                      <a:endParaRPr lang="nl-NL" sz="1200" dirty="0">
+                        <a:solidFill>
+                          <a:schemeClr val="bg1"/>
+                        </a:solidFill>
                         <a:effectLst/>
                         <a:latin typeface="Calibri"/>
                         <a:ea typeface="Calibri"/>
@@ -5849,7 +6237,11 @@
                       </a:endParaRPr>
                     </a:p>
                   </a:txBody>
-                  <a:tcPr marL="68580" marR="68580" marT="0" marB="0"/>
+                  <a:tcPr marL="68580" marR="68580" marT="0" marB="0">
+                    <a:solidFill>
+                      <a:srgbClr val="D52525"/>
+                    </a:solidFill>
+                  </a:tcPr>
                 </a:tc>
               </a:tr>
             </a:tbl>
@@ -5876,6 +6268,230 @@
 </p:sld>
 </file>
 
+<file path=ppt/slides/slide16.xml><?xml version="1.0" encoding="utf-8"?>
+<p:sld xmlns:a="http://schemas.openxmlformats.org/drawingml/2006/main" xmlns:r="http://schemas.openxmlformats.org/officeDocument/2006/relationships" xmlns:p="http://schemas.openxmlformats.org/presentationml/2006/main">
+  <p:cSld>
+    <p:spTree>
+      <p:nvGrpSpPr>
+        <p:cNvPr id="1" name=""/>
+        <p:cNvGrpSpPr/>
+        <p:nvPr/>
+      </p:nvGrpSpPr>
+      <p:grpSpPr>
+        <a:xfrm>
+          <a:off x="0" y="0"/>
+          <a:ext cx="0" cy="0"/>
+          <a:chOff x="0" y="0"/>
+          <a:chExt cx="0" cy="0"/>
+        </a:xfrm>
+      </p:grpSpPr>
+      <p:sp>
+        <p:nvSpPr>
+          <p:cNvPr id="2" name="Title 1"/>
+          <p:cNvSpPr>
+            <a:spLocks noGrp="1"/>
+          </p:cNvSpPr>
+          <p:nvPr>
+            <p:ph type="title"/>
+          </p:nvPr>
+        </p:nvSpPr>
+        <p:spPr/>
+        <p:txBody>
+          <a:bodyPr/>
+          <a:lstStyle/>
+          <a:p>
+            <a:r>
+              <a:rPr lang="nl-NL" dirty="0" smtClean="0"/>
+              <a:t>Resulaten: moeilijk of niet?</a:t>
+            </a:r>
+            <a:endParaRPr lang="nl-NL" dirty="0"/>
+          </a:p>
+        </p:txBody>
+      </p:sp>
+      <p:sp>
+        <p:nvSpPr>
+          <p:cNvPr id="3" name="Content Placeholder 2"/>
+          <p:cNvSpPr>
+            <a:spLocks noGrp="1"/>
+          </p:cNvSpPr>
+          <p:nvPr>
+            <p:ph idx="1"/>
+          </p:nvPr>
+        </p:nvSpPr>
+        <p:spPr/>
+        <p:txBody>
+          <a:bodyPr/>
+          <a:lstStyle/>
+          <a:p>
+            <a:pPr marL="114300" indent="0">
+              <a:buNone/>
+            </a:pPr>
+            <a:r>
+              <a:rPr lang="nl-NL" b="1" dirty="0" smtClean="0"/>
+              <a:t>Wat maakt een genoom moeilijk “op te lossen”?</a:t>
+            </a:r>
+          </a:p>
+          <a:p>
+            <a:endParaRPr lang="nl-NL" dirty="0" smtClean="0"/>
+          </a:p>
+          <a:p>
+            <a:r>
+              <a:rPr lang="nl-NL" dirty="0" smtClean="0"/>
+              <a:t>Weinig aaneengesloten getallen: dus meer elementen</a:t>
+            </a:r>
+          </a:p>
+          <a:p>
+            <a:endParaRPr lang="nl-NL" dirty="0"/>
+          </a:p>
+          <a:p>
+            <a:r>
+              <a:rPr lang="nl-NL" dirty="0" smtClean="0"/>
+              <a:t>Getallen die relatief nog niet op de goede plek staan: bijvoorbeeld 24 compleet aan de linkerkant en 4 helemaal rechts.</a:t>
+            </a:r>
+            <a:endParaRPr lang="nl-NL" dirty="0"/>
+          </a:p>
+          <a:p>
+            <a:endParaRPr lang="nl-NL" dirty="0"/>
+          </a:p>
+        </p:txBody>
+      </p:sp>
+    </p:spTree>
+    <p:extLst>
+      <p:ext uri="{BB962C8B-B14F-4D97-AF65-F5344CB8AC3E}">
+        <p14:creationId xmlns:p14="http://schemas.microsoft.com/office/powerpoint/2010/main" val="2893832252"/>
+      </p:ext>
+    </p:extLst>
+  </p:cSld>
+  <p:clrMapOvr>
+    <a:masterClrMapping/>
+  </p:clrMapOvr>
+</p:sld>
+</file>
+
+<file path=ppt/slides/slide17.xml><?xml version="1.0" encoding="utf-8"?>
+<p:sld xmlns:a="http://schemas.openxmlformats.org/drawingml/2006/main" xmlns:r="http://schemas.openxmlformats.org/officeDocument/2006/relationships" xmlns:p="http://schemas.openxmlformats.org/presentationml/2006/main">
+  <p:cSld>
+    <p:spTree>
+      <p:nvGrpSpPr>
+        <p:cNvPr id="1" name=""/>
+        <p:cNvGrpSpPr/>
+        <p:nvPr/>
+      </p:nvGrpSpPr>
+      <p:grpSpPr>
+        <a:xfrm>
+          <a:off x="0" y="0"/>
+          <a:ext cx="0" cy="0"/>
+          <a:chOff x="0" y="0"/>
+          <a:chExt cx="0" cy="0"/>
+        </a:xfrm>
+      </p:grpSpPr>
+      <p:sp>
+        <p:nvSpPr>
+          <p:cNvPr id="2" name="Title 1"/>
+          <p:cNvSpPr>
+            <a:spLocks noGrp="1"/>
+          </p:cNvSpPr>
+          <p:nvPr>
+            <p:ph type="title"/>
+          </p:nvPr>
+        </p:nvSpPr>
+        <p:spPr/>
+        <p:txBody>
+          <a:bodyPr/>
+          <a:lstStyle/>
+          <a:p>
+            <a:r>
+              <a:rPr lang="nl-NL" dirty="0" smtClean="0"/>
+              <a:t>Conclusie</a:t>
+            </a:r>
+            <a:endParaRPr lang="nl-NL" dirty="0"/>
+          </a:p>
+        </p:txBody>
+      </p:sp>
+      <p:sp>
+        <p:nvSpPr>
+          <p:cNvPr id="3" name="Content Placeholder 2"/>
+          <p:cNvSpPr>
+            <a:spLocks noGrp="1"/>
+          </p:cNvSpPr>
+          <p:nvPr>
+            <p:ph idx="1"/>
+          </p:nvPr>
+        </p:nvSpPr>
+        <p:spPr>
+          <a:xfrm>
+            <a:off x="457200" y="1371600"/>
+            <a:ext cx="7620000" cy="5181600"/>
+          </a:xfrm>
+        </p:spPr>
+        <p:txBody>
+          <a:bodyPr>
+            <a:normAutofit/>
+          </a:bodyPr>
+          <a:lstStyle/>
+          <a:p>
+            <a:r>
+              <a:rPr lang="nl-NL" dirty="0" smtClean="0"/>
+              <a:t>7 algoritmes: BeamSearch beste voor vlieg  (13 inversies, 9 genen gemiddeld, 116 genen totaal)</a:t>
+            </a:r>
+          </a:p>
+          <a:p>
+            <a:endParaRPr lang="nl-NL" dirty="0"/>
+          </a:p>
+          <a:p>
+            <a:r>
+              <a:rPr lang="nl-NL" dirty="0" smtClean="0"/>
+              <a:t>Theoretisch minimum is 9 in optimale situatie</a:t>
+            </a:r>
+          </a:p>
+          <a:p>
+            <a:endParaRPr lang="nl-NL" dirty="0"/>
+          </a:p>
+          <a:p>
+            <a:r>
+              <a:rPr lang="nl-NL" dirty="0" smtClean="0"/>
+              <a:t>Geen absolute zekerheid dat 13 laagst mogelijk is, maar vrij aannemelijk dat het hier niet ver meer onder kan</a:t>
+            </a:r>
+          </a:p>
+          <a:p>
+            <a:endParaRPr lang="nl-NL" dirty="0"/>
+          </a:p>
+          <a:p>
+            <a:r>
+              <a:rPr lang="nl-NL" dirty="0" smtClean="0"/>
+              <a:t>EditStar beste in het algemeen: verplaatst iets meer genen maar consistent de minste swaps bij random sample</a:t>
+            </a:r>
+          </a:p>
+          <a:p>
+            <a:endParaRPr lang="nl-NL" dirty="0"/>
+          </a:p>
+          <a:p>
+            <a:r>
+              <a:rPr lang="nl-NL" dirty="0" smtClean="0"/>
+              <a:t>Genomen met minder elementen en minder relatief goed geplaatste genen zijn lastiger op te lossen.</a:t>
+            </a:r>
+          </a:p>
+          <a:p>
+            <a:endParaRPr lang="nl-NL" dirty="0"/>
+          </a:p>
+          <a:p>
+            <a:endParaRPr lang="nl-NL" dirty="0"/>
+          </a:p>
+        </p:txBody>
+      </p:sp>
+    </p:spTree>
+    <p:extLst>
+      <p:ext uri="{BB962C8B-B14F-4D97-AF65-F5344CB8AC3E}">
+        <p14:creationId xmlns:p14="http://schemas.microsoft.com/office/powerpoint/2010/main" val="3724020248"/>
+      </p:ext>
+    </p:extLst>
+  </p:cSld>
+  <p:clrMapOvr>
+    <a:masterClrMapping/>
+  </p:clrMapOvr>
+</p:sld>
+</file>
+
 <file path=ppt/slides/slide2.xml><?xml version="1.0" encoding="utf-8"?>
 <p:sld xmlns:a="http://schemas.openxmlformats.org/drawingml/2006/main" xmlns:r="http://schemas.openxmlformats.org/officeDocument/2006/relationships" xmlns:p="http://schemas.openxmlformats.org/presentationml/2006/main">
   <p:cSld>
@@ -5942,28 +6558,14 @@
           <a:p>
             <a:r>
               <a:rPr lang="nl-NL" dirty="0" smtClean="0"/>
-              <a:t>Twee </a:t>
-            </a:r>
+              <a:t>Twee soorten fruitvliegen</a:t>
+            </a:r>
+          </a:p>
+          <a:p>
             <a:r>
               <a:rPr lang="nl-NL" dirty="0" smtClean="0"/>
-              <a:t>soorten </a:t>
-            </a:r>
-            <a:r>
-              <a:rPr lang="nl-NL" dirty="0" smtClean="0"/>
-              <a:t>fruitvliegen</a:t>
-            </a:r>
-            <a:endParaRPr lang="nl-NL" dirty="0" smtClean="0"/>
-          </a:p>
-          <a:p>
-            <a:r>
-              <a:rPr lang="nl-NL" dirty="0" smtClean="0"/>
-              <a:t>Verschillende volgorde, zelfde </a:t>
-            </a:r>
-            <a:r>
-              <a:rPr lang="nl-NL" dirty="0" smtClean="0"/>
-              <a:t>genen</a:t>
-            </a:r>
-            <a:endParaRPr lang="nl-NL" dirty="0" smtClean="0"/>
+              <a:t>Verschillende volgorde, zelfde genen</a:t>
+            </a:r>
           </a:p>
           <a:p>
             <a:r>
@@ -6010,7 +6612,6 @@
               <a:rPr lang="nl-NL" dirty="0" smtClean="0"/>
               <a:t>Wat maakt een genoom moeilijk?</a:t>
             </a:r>
-            <a:endParaRPr lang="nl-NL" dirty="0" smtClean="0"/>
           </a:p>
           <a:p>
             <a:pPr marL="114300" indent="0">
@@ -6135,62 +6736,286 @@
           <a:chExt cx="0" cy="0"/>
         </a:xfrm>
       </p:grpSpPr>
-      <p:sp>
-        <p:nvSpPr>
-          <p:cNvPr id="2" name="Title 1"/>
-          <p:cNvSpPr>
-            <a:spLocks noGrp="1"/>
-          </p:cNvSpPr>
-          <p:nvPr>
-            <p:ph type="title"/>
-          </p:nvPr>
-        </p:nvSpPr>
-        <p:spPr/>
-        <p:txBody>
-          <a:bodyPr/>
-          <a:lstStyle/>
-          <a:p>
-            <a:r>
-              <a:rPr lang="nl-NL" dirty="0" smtClean="0"/>
+      <p:pic>
+        <p:nvPicPr>
+          <p:cNvPr id="4" name="Picture 3"/>
+          <p:cNvPicPr>
+            <a:picLocks noChangeAspect="1"/>
+          </p:cNvPicPr>
+          <p:nvPr/>
+        </p:nvPicPr>
+        <p:blipFill rotWithShape="1">
+          <a:blip r:embed="rId2" cstate="print">
+            <a:extLst>
+              <a:ext uri="{28A0092B-C50C-407E-A947-70E740481C1C}">
+                <a14:useLocalDpi xmlns:a14="http://schemas.microsoft.com/office/drawing/2010/main" val="0"/>
+              </a:ext>
+            </a:extLst>
+          </a:blip>
+          <a:srcRect l="-87" t="7392" r="88902" b="88834"/>
+          <a:stretch/>
+        </p:blipFill>
+        <p:spPr>
+          <a:xfrm>
+            <a:off x="609600" y="3032013"/>
+            <a:ext cx="882181" cy="396814"/>
+          </a:xfrm>
+          <a:prstGeom prst="rect">
+            <a:avLst/>
+          </a:prstGeom>
+        </p:spPr>
+      </p:pic>
+      <p:pic>
+        <p:nvPicPr>
+          <p:cNvPr id="5" name="Picture 4"/>
+          <p:cNvPicPr>
+            <a:picLocks noChangeAspect="1"/>
+          </p:cNvPicPr>
+          <p:nvPr/>
+        </p:nvPicPr>
+        <p:blipFill rotWithShape="1">
+          <a:blip r:embed="rId2" cstate="print">
+            <a:extLst>
+              <a:ext uri="{28A0092B-C50C-407E-A947-70E740481C1C}">
+                <a14:useLocalDpi xmlns:a14="http://schemas.microsoft.com/office/drawing/2010/main" val="0"/>
+              </a:ext>
+            </a:extLst>
+          </a:blip>
+          <a:srcRect l="11168" t="7392" r="52048" b="88834"/>
+          <a:stretch/>
+        </p:blipFill>
+        <p:spPr>
+          <a:xfrm>
+            <a:off x="1507236" y="3032013"/>
+            <a:ext cx="2900934" cy="396814"/>
+          </a:xfrm>
+          <a:prstGeom prst="rect">
+            <a:avLst/>
+          </a:prstGeom>
+        </p:spPr>
+      </p:pic>
+      <p:pic>
+        <p:nvPicPr>
+          <p:cNvPr id="6" name="Picture 5"/>
+          <p:cNvPicPr>
+            <a:picLocks noChangeAspect="1"/>
+          </p:cNvPicPr>
+          <p:nvPr/>
+        </p:nvPicPr>
+        <p:blipFill rotWithShape="1">
+          <a:blip r:embed="rId2" cstate="print">
+            <a:extLst>
+              <a:ext uri="{28A0092B-C50C-407E-A947-70E740481C1C}">
+                <a14:useLocalDpi xmlns:a14="http://schemas.microsoft.com/office/drawing/2010/main" val="0"/>
+              </a:ext>
+            </a:extLst>
+          </a:blip>
+          <a:srcRect l="11216" t="14886" r="51654" b="81462"/>
+          <a:stretch/>
+        </p:blipFill>
+        <p:spPr>
+          <a:xfrm>
+            <a:off x="1491780" y="3044953"/>
+            <a:ext cx="2928366" cy="383875"/>
+          </a:xfrm>
+          <a:prstGeom prst="rect">
+            <a:avLst/>
+          </a:prstGeom>
+        </p:spPr>
+      </p:pic>
+      <p:pic>
+        <p:nvPicPr>
+          <p:cNvPr id="8" name="Picture 7"/>
+          <p:cNvPicPr>
+            <a:picLocks noChangeAspect="1"/>
+          </p:cNvPicPr>
+          <p:nvPr/>
+        </p:nvPicPr>
+        <p:blipFill rotWithShape="1">
+          <a:blip r:embed="rId2" cstate="print">
+            <a:extLst>
+              <a:ext uri="{28A0092B-C50C-407E-A947-70E740481C1C}">
+                <a14:useLocalDpi xmlns:a14="http://schemas.microsoft.com/office/drawing/2010/main" val="0"/>
+              </a:ext>
+            </a:extLst>
+          </a:blip>
+          <a:srcRect l="48056" t="7392" r="7338" b="88834"/>
+          <a:stretch/>
+        </p:blipFill>
+        <p:spPr>
+          <a:xfrm>
+            <a:off x="4392714" y="3032013"/>
+            <a:ext cx="3518154" cy="396814"/>
+          </a:xfrm>
+          <a:prstGeom prst="rect">
+            <a:avLst/>
+          </a:prstGeom>
+        </p:spPr>
+      </p:pic>
+      <p:sp>
+        <p:nvSpPr>
+          <p:cNvPr id="7" name="Title 1"/>
+          <p:cNvSpPr txBox="1">
+            <a:spLocks/>
+          </p:cNvSpPr>
+          <p:nvPr/>
+        </p:nvSpPr>
+        <p:spPr>
+          <a:xfrm>
+            <a:off x="457200" y="274638"/>
+            <a:ext cx="7620000" cy="1143000"/>
+          </a:xfrm>
+          <a:prstGeom prst="rect">
+            <a:avLst/>
+          </a:prstGeom>
+        </p:spPr>
+        <p:txBody>
+          <a:bodyPr vert="horz" lIns="91440" tIns="45720" rIns="91440" bIns="45720" rtlCol="0" anchor="b">
+            <a:noAutofit/>
+          </a:bodyPr>
+          <a:lstStyle>
+            <a:lvl1pPr algn="l" defTabSz="914400" rtl="0" eaLnBrk="1" latinLnBrk="0" hangingPunct="1">
+              <a:spcBef>
+                <a:spcPct val="0"/>
+              </a:spcBef>
+              <a:buNone/>
+              <a:defRPr sz="6600" kern="1200" cap="none" spc="-100" baseline="0">
+                <a:ln>
+                  <a:noFill/>
+                </a:ln>
+                <a:solidFill>
+                  <a:schemeClr val="tx2"/>
+                </a:solidFill>
+                <a:effectLst/>
+                <a:latin typeface="+mj-lt"/>
+                <a:ea typeface="+mj-ea"/>
+                <a:cs typeface="+mj-cs"/>
+              </a:defRPr>
+            </a:lvl1pPr>
+          </a:lstStyle>
+          <a:p>
+            <a:r>
+              <a:rPr lang="nl-NL" sz="4600" dirty="0" smtClean="0"/>
               <a:t>Hoe werkt inversie?</a:t>
             </a:r>
-            <a:endParaRPr lang="nl-NL" dirty="0"/>
-          </a:p>
-        </p:txBody>
-      </p:sp>
-      <p:sp>
-        <p:nvSpPr>
-          <p:cNvPr id="3" name="Content Placeholder 2"/>
-          <p:cNvSpPr>
-            <a:spLocks noGrp="1"/>
-          </p:cNvSpPr>
-          <p:nvPr>
-            <p:ph idx="1"/>
-          </p:nvPr>
-        </p:nvSpPr>
-        <p:spPr/>
-        <p:txBody>
-          <a:bodyPr/>
-          <a:lstStyle/>
-          <a:p>
-            <a:r>
-              <a:rPr lang="nl-NL" dirty="0" smtClean="0"/>
-              <a:t>Plaatje dat inversie uitlegt (evt animatie als we tijd hebben?)</a:t>
-            </a:r>
-            <a:endParaRPr lang="nl-NL" dirty="0"/>
+            <a:endParaRPr lang="nl-NL" sz="4600" dirty="0"/>
           </a:p>
         </p:txBody>
       </p:sp>
     </p:spTree>
     <p:extLst>
       <p:ext uri="{BB962C8B-B14F-4D97-AF65-F5344CB8AC3E}">
-        <p14:creationId xmlns:p14="http://schemas.microsoft.com/office/powerpoint/2010/main" val="336638031"/>
+        <p14:creationId xmlns:p14="http://schemas.microsoft.com/office/powerpoint/2010/main" val="3321717832"/>
       </p:ext>
     </p:extLst>
   </p:cSld>
   <p:clrMapOvr>
     <a:masterClrMapping/>
   </p:clrMapOvr>
+  <p:timing>
+    <p:tnLst>
+      <p:par>
+        <p:cTn id="1" dur="indefinite" restart="never" nodeType="tmRoot">
+          <p:childTnLst>
+            <p:seq concurrent="1" nextAc="seek">
+              <p:cTn id="2" dur="indefinite" nodeType="mainSeq">
+                <p:childTnLst>
+                  <p:par>
+                    <p:cTn id="3" fill="hold">
+                      <p:stCondLst>
+                        <p:cond delay="indefinite"/>
+                      </p:stCondLst>
+                      <p:childTnLst>
+                        <p:par>
+                          <p:cTn id="4" fill="hold">
+                            <p:stCondLst>
+                              <p:cond delay="0"/>
+                            </p:stCondLst>
+                            <p:childTnLst>
+                              <p:par>
+                                <p:cTn id="5" presetID="8" presetClass="emph" presetSubtype="0" fill="hold" nodeType="clickEffect">
+                                  <p:stCondLst>
+                                    <p:cond delay="0"/>
+                                  </p:stCondLst>
+                                  <p:childTnLst>
+                                    <p:animRot by="10800000">
+                                      <p:cBhvr>
+                                        <p:cTn id="6" dur="2000" fill="hold"/>
+                                        <p:tgtEl>
+                                          <p:spTgt spid="5"/>
+                                        </p:tgtEl>
+                                        <p:attrNameLst>
+                                          <p:attrName>r</p:attrName>
+                                        </p:attrNameLst>
+                                      </p:cBhvr>
+                                    </p:animRot>
+                                  </p:childTnLst>
+                                </p:cTn>
+                              </p:par>
+                            </p:childTnLst>
+                          </p:cTn>
+                        </p:par>
+                        <p:par>
+                          <p:cTn id="7" fill="hold">
+                            <p:stCondLst>
+                              <p:cond delay="2000"/>
+                            </p:stCondLst>
+                            <p:childTnLst>
+                              <p:par>
+                                <p:cTn id="8" presetID="1" presetClass="entr" presetSubtype="0" fill="hold" nodeType="afterEffect">
+                                  <p:stCondLst>
+                                    <p:cond delay="0"/>
+                                  </p:stCondLst>
+                                  <p:childTnLst>
+                                    <p:set>
+                                      <p:cBhvr>
+                                        <p:cTn id="9" dur="1" fill="hold">
+                                          <p:stCondLst>
+                                            <p:cond delay="0"/>
+                                          </p:stCondLst>
+                                        </p:cTn>
+                                        <p:tgtEl>
+                                          <p:spTgt spid="6"/>
+                                        </p:tgtEl>
+                                        <p:attrNameLst>
+                                          <p:attrName>style.visibility</p:attrName>
+                                        </p:attrNameLst>
+                                      </p:cBhvr>
+                                      <p:to>
+                                        <p:strVal val="visible"/>
+                                      </p:to>
+                                    </p:set>
+                                  </p:childTnLst>
+                                </p:cTn>
+                              </p:par>
+                            </p:childTnLst>
+                          </p:cTn>
+                        </p:par>
+                      </p:childTnLst>
+                    </p:cTn>
+                  </p:par>
+                </p:childTnLst>
+              </p:cTn>
+              <p:prevCondLst>
+                <p:cond evt="onPrev" delay="0">
+                  <p:tgtEl>
+                    <p:sldTgt/>
+                  </p:tgtEl>
+                </p:cond>
+              </p:prevCondLst>
+              <p:nextCondLst>
+                <p:cond evt="onNext" delay="0">
+                  <p:tgtEl>
+                    <p:sldTgt/>
+                  </p:tgtEl>
+                </p:cond>
+              </p:nextCondLst>
+            </p:seq>
+          </p:childTnLst>
+        </p:cTn>
+      </p:par>
+    </p:tnLst>
+  </p:timing>
 </p:sld>
 </file>
 
@@ -6228,7 +7053,7 @@
           <a:p>
             <a:r>
               <a:rPr lang="nl-NL" dirty="0" smtClean="0"/>
-              <a:t>Methodes</a:t>
+              <a:t>Toestandsruimte</a:t>
             </a:r>
             <a:endParaRPr lang="nl-NL" dirty="0"/>
           </a:p>
@@ -6251,24 +7076,49 @@
           <a:p>
             <a:r>
               <a:rPr lang="nl-NL" dirty="0" smtClean="0"/>
-              <a:t>7 </a:t>
+              <a:t>Mogelijke volgordes:  25</a:t>
+            </a:r>
+            <a:r>
+              <a:rPr lang="nl-NL" dirty="0"/>
+              <a:t>! ofwel </a:t>
             </a:r>
             <a:r>
               <a:rPr lang="nl-NL" dirty="0" smtClean="0"/>
-              <a:t>verschillende algoritmes</a:t>
-            </a:r>
-          </a:p>
-          <a:p>
+              <a:t>1,5×10</a:t>
+            </a:r>
+            <a:r>
+              <a:rPr lang="nl-NL" baseline="30000" dirty="0" smtClean="0"/>
+              <a:t>25</a:t>
+            </a:r>
+            <a:endParaRPr lang="nl-NL" baseline="30000" dirty="0"/>
+          </a:p>
+          <a:p>
+            <a:endParaRPr lang="nl-NL" dirty="0" smtClean="0"/>
+          </a:p>
+          <a:p>
+            <a:r>
+              <a:rPr lang="nl-NL" dirty="0" smtClean="0"/>
+              <a:t>Bovengrens inversies: n-1</a:t>
+            </a:r>
+            <a:endParaRPr lang="nl-NL" baseline="30000" dirty="0"/>
+          </a:p>
+          <a:p>
+            <a:endParaRPr lang="nl-NL" dirty="0" smtClean="0"/>
+          </a:p>
+          <a:p>
+            <a:r>
+              <a:rPr lang="nl-NL" dirty="0" smtClean="0"/>
+              <a:t>Ondergrens inversies vlieg: 9</a:t>
+            </a:r>
             <a:endParaRPr lang="nl-NL" dirty="0"/>
           </a:p>
           <a:p>
-            <a:r>
-              <a:rPr lang="nl-NL" b="1" dirty="0" smtClean="0"/>
-              <a:t>FindAndSwap serie:</a:t>
-            </a:r>
+            <a:endParaRPr lang="nl-NL" dirty="0" smtClean="0"/>
+          </a:p>
+          <a:p>
             <a:r>
               <a:rPr lang="nl-NL" dirty="0" smtClean="0"/>
-              <a:t> 4 basisvarianten</a:t>
+              <a:t>Minimale inversiegrootte: 2</a:t>
             </a:r>
           </a:p>
           <a:p>
@@ -6276,39 +7126,31 @@
           </a:p>
           <a:p>
             <a:r>
-              <a:rPr lang="nl-NL" b="1" dirty="0" smtClean="0"/>
-              <a:t>ChunkSwap:</a:t>
-            </a:r>
-            <a:r>
               <a:rPr lang="nl-NL" dirty="0" smtClean="0"/>
-              <a:t> stap in de goede richting</a:t>
-            </a:r>
-          </a:p>
-          <a:p>
-            <a:endParaRPr lang="nl-NL" dirty="0" smtClean="0"/>
-          </a:p>
-          <a:p>
-            <a:r>
-              <a:rPr lang="nl-NL" b="1" dirty="0" smtClean="0"/>
-              <a:t>EditStar:</a:t>
-            </a:r>
-            <a:r>
-              <a:rPr lang="nl-NL" dirty="0" smtClean="0"/>
-              <a:t> variatie op A*</a:t>
-            </a:r>
-          </a:p>
-          <a:p>
-            <a:endParaRPr lang="nl-NL" dirty="0" smtClean="0"/>
-          </a:p>
-          <a:p>
-            <a:r>
-              <a:rPr lang="nl-NL" b="1" dirty="0" smtClean="0"/>
-              <a:t>BeamSearch:</a:t>
-            </a:r>
-            <a:r>
-              <a:rPr lang="nl-NL" dirty="0" smtClean="0"/>
-              <a:t> vooruit en in de diepte kijken</a:t>
-            </a:r>
+              <a:t>Manieren om genoom te sorteren: </a:t>
+            </a:r>
+            <a:r>
+              <a:rPr lang="nl-NL" dirty="0"/>
+              <a:t>300</a:t>
+            </a:r>
+            <a:r>
+              <a:rPr lang="nl-NL" baseline="30000" dirty="0"/>
+              <a:t>24</a:t>
+            </a:r>
+            <a:r>
+              <a:rPr lang="nl-NL" dirty="0"/>
+              <a:t>  ofwel 2,82×10</a:t>
+            </a:r>
+            <a:r>
+              <a:rPr lang="nl-NL" baseline="30000" dirty="0"/>
+              <a:t>59</a:t>
+            </a:r>
+            <a:endParaRPr lang="nl-NL" dirty="0"/>
+          </a:p>
+          <a:p>
+            <a:endParaRPr lang="nl-NL" baseline="30000" dirty="0"/>
+          </a:p>
+          <a:p>
             <a:endParaRPr lang="nl-NL" dirty="0"/>
           </a:p>
         </p:txBody>
@@ -6316,7 +7158,7 @@
     </p:spTree>
     <p:extLst>
       <p:ext uri="{BB962C8B-B14F-4D97-AF65-F5344CB8AC3E}">
-        <p14:creationId xmlns:p14="http://schemas.microsoft.com/office/powerpoint/2010/main" val="1973757561"/>
+        <p14:creationId xmlns:p14="http://schemas.microsoft.com/office/powerpoint/2010/main" val="4067506585"/>
       </p:ext>
     </p:extLst>
   </p:cSld>
@@ -6360,14 +7202,19 @@
             <p:ph type="title"/>
           </p:nvPr>
         </p:nvSpPr>
-        <p:spPr/>
+        <p:spPr>
+          <a:xfrm>
+            <a:off x="457200" y="304800"/>
+            <a:ext cx="7620000" cy="1143000"/>
+          </a:xfrm>
+        </p:spPr>
         <p:txBody>
           <a:bodyPr/>
           <a:lstStyle/>
           <a:p>
             <a:r>
               <a:rPr lang="nl-NL" dirty="0" smtClean="0"/>
-              <a:t>FindAndSwap serie</a:t>
+              <a:t>Methodes</a:t>
             </a:r>
             <a:endParaRPr lang="nl-NL" dirty="0"/>
           </a:p>
@@ -6390,59 +7237,60 @@
           <a:p>
             <a:r>
               <a:rPr lang="nl-NL" dirty="0" smtClean="0"/>
-              <a:t>Zoekt naar bepaald getal in de reeks en zet die goed met een inversie.</a:t>
-            </a:r>
-          </a:p>
-          <a:p>
-            <a:pPr marL="114300" indent="0">
-              <a:buNone/>
-            </a:pPr>
+              <a:t>7 verschillende algoritmes</a:t>
+            </a:r>
+          </a:p>
+          <a:p>
             <a:endParaRPr lang="nl-NL" dirty="0"/>
           </a:p>
           <a:p>
-            <a:pPr marL="114300" indent="0">
-              <a:buNone/>
-            </a:pPr>
             <a:r>
               <a:rPr lang="nl-NL" b="1" dirty="0" smtClean="0"/>
-              <a:t>Variaties</a:t>
-            </a:r>
-          </a:p>
-          <a:p>
+              <a:t>FindAndSwap serie:</a:t>
+            </a:r>
             <a:r>
               <a:rPr lang="nl-NL" dirty="0" smtClean="0"/>
-              <a:t>Van 1 naar 25</a:t>
-            </a:r>
-            <a:endParaRPr lang="nl-NL" dirty="0"/>
-          </a:p>
-          <a:p>
+              <a:t> 4 basisvarianten</a:t>
+            </a:r>
+          </a:p>
+          <a:p>
+            <a:endParaRPr lang="nl-NL" dirty="0" smtClean="0"/>
+          </a:p>
+          <a:p>
+            <a:r>
+              <a:rPr lang="nl-NL" b="1" dirty="0" smtClean="0"/>
+              <a:t>ChunkSwap:</a:t>
+            </a:r>
             <a:r>
               <a:rPr lang="nl-NL" dirty="0" smtClean="0"/>
-              <a:t>Van 25 naar 1</a:t>
-            </a:r>
-          </a:p>
-          <a:p>
+              <a:t> stap in de goede richting</a:t>
+            </a:r>
+          </a:p>
+          <a:p>
+            <a:endParaRPr lang="nl-NL" dirty="0" smtClean="0"/>
+          </a:p>
+          <a:p>
+            <a:r>
+              <a:rPr lang="nl-NL" b="1" dirty="0" smtClean="0"/>
+              <a:t>EditStar:</a:t>
+            </a:r>
             <a:r>
               <a:rPr lang="nl-NL" dirty="0" smtClean="0"/>
-              <a:t>Heen en weer tussen linker- en rechteruiteinde</a:t>
-            </a:r>
-          </a:p>
-          <a:p>
+              <a:t> variatie op A*</a:t>
+            </a:r>
+          </a:p>
+          <a:p>
+            <a:endParaRPr lang="nl-NL" dirty="0" smtClean="0"/>
+          </a:p>
+          <a:p>
+            <a:r>
+              <a:rPr lang="nl-NL" b="1" dirty="0" smtClean="0"/>
+              <a:t>BeamSearch:</a:t>
+            </a:r>
             <a:r>
               <a:rPr lang="nl-NL" dirty="0" smtClean="0"/>
-              <a:t>Linker- of rechteruiteinde op basis van welke de minste genen kost om goed te zetten</a:t>
-            </a:r>
-          </a:p>
-          <a:p>
-            <a:endParaRPr lang="nl-NL" dirty="0" smtClean="0"/>
-          </a:p>
-          <a:p>
-            <a:endParaRPr lang="nl-NL" dirty="0" smtClean="0"/>
-          </a:p>
-          <a:p>
-            <a:endParaRPr lang="nl-NL" dirty="0"/>
-          </a:p>
-          <a:p>
+              <a:t> vooruit en in de diepte kijken</a:t>
+            </a:r>
             <a:endParaRPr lang="nl-NL" dirty="0"/>
           </a:p>
         </p:txBody>
@@ -6450,13 +7298,20 @@
     </p:spTree>
     <p:extLst>
       <p:ext uri="{BB962C8B-B14F-4D97-AF65-F5344CB8AC3E}">
-        <p14:creationId xmlns:p14="http://schemas.microsoft.com/office/powerpoint/2010/main" val="3873535191"/>
+        <p14:creationId xmlns:p14="http://schemas.microsoft.com/office/powerpoint/2010/main" val="1973757561"/>
       </p:ext>
     </p:extLst>
   </p:cSld>
   <p:clrMapOvr>
     <a:masterClrMapping/>
   </p:clrMapOvr>
+  <p:timing>
+    <p:tnLst>
+      <p:par>
+        <p:cTn id="1" dur="indefinite" restart="never" nodeType="tmRoot"/>
+      </p:par>
+    </p:tnLst>
+  </p:timing>
 </p:sld>
 </file>
 
@@ -6494,7 +7349,7 @@
           <a:p>
             <a:r>
               <a:rPr lang="nl-NL" dirty="0" smtClean="0"/>
-              <a:t>ChunkSwap</a:t>
+              <a:t>FindAndSwap serie</a:t>
             </a:r>
             <a:endParaRPr lang="nl-NL" dirty="0"/>
           </a:p>
@@ -6514,6 +7369,61 @@
         <p:txBody>
           <a:bodyPr/>
           <a:lstStyle/>
+          <a:p>
+            <a:r>
+              <a:rPr lang="nl-NL" dirty="0" smtClean="0"/>
+              <a:t>Zoekt naar bepaald getal in de reeks en zet die goed met een inversie.</a:t>
+            </a:r>
+          </a:p>
+          <a:p>
+            <a:pPr marL="114300" indent="0">
+              <a:buNone/>
+            </a:pPr>
+            <a:endParaRPr lang="nl-NL" dirty="0"/>
+          </a:p>
+          <a:p>
+            <a:pPr marL="114300" indent="0">
+              <a:buNone/>
+            </a:pPr>
+            <a:r>
+              <a:rPr lang="nl-NL" b="1" dirty="0" smtClean="0"/>
+              <a:t>Variaties</a:t>
+            </a:r>
+          </a:p>
+          <a:p>
+            <a:r>
+              <a:rPr lang="nl-NL" dirty="0" smtClean="0"/>
+              <a:t>Van 1 naar 25</a:t>
+            </a:r>
+            <a:endParaRPr lang="nl-NL" dirty="0"/>
+          </a:p>
+          <a:p>
+            <a:r>
+              <a:rPr lang="nl-NL" dirty="0" smtClean="0"/>
+              <a:t>Van 25 naar 1</a:t>
+            </a:r>
+          </a:p>
+          <a:p>
+            <a:r>
+              <a:rPr lang="nl-NL" dirty="0" smtClean="0"/>
+              <a:t>Heen en weer tussen linker- en rechteruiteinde</a:t>
+            </a:r>
+          </a:p>
+          <a:p>
+            <a:r>
+              <a:rPr lang="nl-NL" dirty="0" smtClean="0"/>
+              <a:t>Linker- of rechteruiteinde op basis van welke de minste genen kost om goed te zetten</a:t>
+            </a:r>
+          </a:p>
+          <a:p>
+            <a:endParaRPr lang="nl-NL" dirty="0" smtClean="0"/>
+          </a:p>
+          <a:p>
+            <a:endParaRPr lang="nl-NL" dirty="0" smtClean="0"/>
+          </a:p>
+          <a:p>
+            <a:endParaRPr lang="nl-NL" dirty="0"/>
+          </a:p>
           <a:p>
             <a:endParaRPr lang="nl-NL" dirty="0"/>
           </a:p>
@@ -6522,13 +7432,20 @@
     </p:spTree>
     <p:extLst>
       <p:ext uri="{BB962C8B-B14F-4D97-AF65-F5344CB8AC3E}">
-        <p14:creationId xmlns:p14="http://schemas.microsoft.com/office/powerpoint/2010/main" val="346128245"/>
+        <p14:creationId xmlns:p14="http://schemas.microsoft.com/office/powerpoint/2010/main" val="3873535191"/>
       </p:ext>
     </p:extLst>
   </p:cSld>
   <p:clrMapOvr>
     <a:masterClrMapping/>
   </p:clrMapOvr>
+  <p:timing>
+    <p:tnLst>
+      <p:par>
+        <p:cTn id="1" dur="indefinite" restart="never" nodeType="tmRoot"/>
+      </p:par>
+    </p:tnLst>
+  </p:timing>
 </p:sld>
 </file>
 
@@ -6566,7 +7483,7 @@
           <a:p>
             <a:r>
               <a:rPr lang="nl-NL" dirty="0" smtClean="0"/>
-              <a:t>EditStar</a:t>
+              <a:t>ChunkSwap</a:t>
             </a:r>
             <a:endParaRPr lang="nl-NL" dirty="0"/>
           </a:p>
@@ -6587,20 +7504,52 @@
           <a:bodyPr/>
           <a:lstStyle/>
           <a:p>
-            <a:endParaRPr lang="nl-NL"/>
+            <a:r>
+              <a:rPr lang="nl-NL" dirty="0" smtClean="0"/>
+              <a:t>Behoudt “chunks” van getallen</a:t>
+            </a:r>
+          </a:p>
+          <a:p>
+            <a:endParaRPr lang="nl-NL" dirty="0" smtClean="0"/>
+          </a:p>
+          <a:p>
+            <a:r>
+              <a:rPr lang="nl-NL" dirty="0" smtClean="0"/>
+              <a:t>Aaneengesloten getallen? Neem mee in inversie</a:t>
+            </a:r>
+          </a:p>
+          <a:p>
+            <a:pPr marL="114300" indent="0">
+              <a:buNone/>
+            </a:pPr>
+            <a:endParaRPr lang="nl-NL" dirty="0"/>
+          </a:p>
+          <a:p>
+            <a:r>
+              <a:rPr lang="nl-NL" dirty="0" smtClean="0"/>
+              <a:t>Basisprincipe voor volgende algoritmes: de elementscore</a:t>
+            </a:r>
+            <a:endParaRPr lang="nl-NL" dirty="0"/>
           </a:p>
         </p:txBody>
       </p:sp>
     </p:spTree>
     <p:extLst>
       <p:ext uri="{BB962C8B-B14F-4D97-AF65-F5344CB8AC3E}">
-        <p14:creationId xmlns:p14="http://schemas.microsoft.com/office/powerpoint/2010/main" val="3584508718"/>
+        <p14:creationId xmlns:p14="http://schemas.microsoft.com/office/powerpoint/2010/main" val="346128245"/>
       </p:ext>
     </p:extLst>
   </p:cSld>
   <p:clrMapOvr>
     <a:masterClrMapping/>
   </p:clrMapOvr>
+  <p:timing>
+    <p:tnLst>
+      <p:par>
+        <p:cTn id="1" dur="indefinite" restart="never" nodeType="tmRoot"/>
+      </p:par>
+    </p:tnLst>
+  </p:timing>
 </p:sld>
 </file>
 
@@ -6637,10 +7586,10 @@
           <a:lstStyle/>
           <a:p>
             <a:r>
-              <a:rPr lang="nl-NL" smtClean="0"/>
-              <a:t>BeamSearch</a:t>
-            </a:r>
-            <a:endParaRPr lang="nl-NL"/>
+              <a:rPr lang="nl-NL" dirty="0" smtClean="0"/>
+              <a:t>Elementscore</a:t>
+            </a:r>
+            <a:endParaRPr lang="nl-NL" dirty="0"/>
           </a:p>
         </p:txBody>
       </p:sp>
@@ -6666,13 +7615,20 @@
     </p:spTree>
     <p:extLst>
       <p:ext uri="{BB962C8B-B14F-4D97-AF65-F5344CB8AC3E}">
-        <p14:creationId xmlns:p14="http://schemas.microsoft.com/office/powerpoint/2010/main" val="1692355111"/>
+        <p14:creationId xmlns:p14="http://schemas.microsoft.com/office/powerpoint/2010/main" val="3221633631"/>
       </p:ext>
     </p:extLst>
   </p:cSld>
   <p:clrMapOvr>
     <a:masterClrMapping/>
   </p:clrMapOvr>
+  <p:timing>
+    <p:tnLst>
+      <p:par>
+        <p:cTn id="1" dur="indefinite" restart="never" nodeType="tmRoot"/>
+      </p:par>
+    </p:tnLst>
+  </p:timing>
 </p:sld>
 </file>
 

--- a/Fruitvliegen_Presentatie.pptx
+++ b/Fruitvliegen_Presentatie.pptx
@@ -11,17 +11,15 @@
     <p:sldId id="274" r:id="rId5"/>
     <p:sldId id="269" r:id="rId6"/>
     <p:sldId id="259" r:id="rId7"/>
-    <p:sldId id="265" r:id="rId8"/>
-    <p:sldId id="266" r:id="rId9"/>
-    <p:sldId id="273" r:id="rId10"/>
-    <p:sldId id="267" r:id="rId11"/>
-    <p:sldId id="268" r:id="rId12"/>
-    <p:sldId id="261" r:id="rId13"/>
-    <p:sldId id="271" r:id="rId14"/>
-    <p:sldId id="262" r:id="rId15"/>
-    <p:sldId id="263" r:id="rId16"/>
-    <p:sldId id="272" r:id="rId17"/>
-    <p:sldId id="270" r:id="rId18"/>
+    <p:sldId id="273" r:id="rId8"/>
+    <p:sldId id="267" r:id="rId9"/>
+    <p:sldId id="268" r:id="rId10"/>
+    <p:sldId id="261" r:id="rId11"/>
+    <p:sldId id="271" r:id="rId12"/>
+    <p:sldId id="262" r:id="rId13"/>
+    <p:sldId id="263" r:id="rId14"/>
+    <p:sldId id="272" r:id="rId15"/>
+    <p:sldId id="270" r:id="rId16"/>
   </p:sldIdLst>
   <p:sldSz cx="9144000" cy="6858000" type="screen4x3"/>
   <p:notesSz cx="6858000" cy="9144000"/>
@@ -3316,7 +3314,7 @@
           <a:p>
             <a:r>
               <a:rPr lang="nl-NL" dirty="0" smtClean="0"/>
-              <a:t>EditStar</a:t>
+              <a:t>Resultaten: fruitvlieg</a:t>
             </a:r>
             <a:endParaRPr lang="nl-NL" dirty="0"/>
           </a:p>
@@ -3337,166 +3335,6 @@
           <a:bodyPr/>
           <a:lstStyle/>
           <a:p>
-            <a:endParaRPr lang="nl-NL" dirty="0"/>
-          </a:p>
-        </p:txBody>
-      </p:sp>
-    </p:spTree>
-    <p:extLst>
-      <p:ext uri="{BB962C8B-B14F-4D97-AF65-F5344CB8AC3E}">
-        <p14:creationId xmlns:p14="http://schemas.microsoft.com/office/powerpoint/2010/main" val="3584508718"/>
-      </p:ext>
-    </p:extLst>
-  </p:cSld>
-  <p:clrMapOvr>
-    <a:masterClrMapping/>
-  </p:clrMapOvr>
-  <p:timing>
-    <p:tnLst>
-      <p:par>
-        <p:cTn id="1" dur="indefinite" restart="never" nodeType="tmRoot"/>
-      </p:par>
-    </p:tnLst>
-  </p:timing>
-</p:sld>
-</file>
-
-<file path=ppt/slides/slide11.xml><?xml version="1.0" encoding="utf-8"?>
-<p:sld xmlns:a="http://schemas.openxmlformats.org/drawingml/2006/main" xmlns:r="http://schemas.openxmlformats.org/officeDocument/2006/relationships" xmlns:p="http://schemas.openxmlformats.org/presentationml/2006/main">
-  <p:cSld>
-    <p:spTree>
-      <p:nvGrpSpPr>
-        <p:cNvPr id="1" name=""/>
-        <p:cNvGrpSpPr/>
-        <p:nvPr/>
-      </p:nvGrpSpPr>
-      <p:grpSpPr>
-        <a:xfrm>
-          <a:off x="0" y="0"/>
-          <a:ext cx="0" cy="0"/>
-          <a:chOff x="0" y="0"/>
-          <a:chExt cx="0" cy="0"/>
-        </a:xfrm>
-      </p:grpSpPr>
-      <p:sp>
-        <p:nvSpPr>
-          <p:cNvPr id="2" name="Title 1"/>
-          <p:cNvSpPr>
-            <a:spLocks noGrp="1"/>
-          </p:cNvSpPr>
-          <p:nvPr>
-            <p:ph type="title"/>
-          </p:nvPr>
-        </p:nvSpPr>
-        <p:spPr/>
-        <p:txBody>
-          <a:bodyPr/>
-          <a:lstStyle/>
-          <a:p>
-            <a:r>
-              <a:rPr lang="nl-NL" smtClean="0"/>
-              <a:t>BeamSearch</a:t>
-            </a:r>
-            <a:endParaRPr lang="nl-NL"/>
-          </a:p>
-        </p:txBody>
-      </p:sp>
-      <p:sp>
-        <p:nvSpPr>
-          <p:cNvPr id="3" name="Content Placeholder 2"/>
-          <p:cNvSpPr>
-            <a:spLocks noGrp="1"/>
-          </p:cNvSpPr>
-          <p:nvPr>
-            <p:ph idx="1"/>
-          </p:nvPr>
-        </p:nvSpPr>
-        <p:spPr/>
-        <p:txBody>
-          <a:bodyPr/>
-          <a:lstStyle/>
-          <a:p>
-            <a:r>
-              <a:rPr lang="nl-NL" dirty="0" smtClean="0"/>
-              <a:t>3 lagen diep</a:t>
-            </a:r>
-          </a:p>
-          <a:p>
-            <a:endParaRPr lang="nl-NL" dirty="0"/>
-          </a:p>
-          <a:p>
-            <a:endParaRPr lang="nl-NL" dirty="0"/>
-          </a:p>
-        </p:txBody>
-      </p:sp>
-    </p:spTree>
-    <p:extLst>
-      <p:ext uri="{BB962C8B-B14F-4D97-AF65-F5344CB8AC3E}">
-        <p14:creationId xmlns:p14="http://schemas.microsoft.com/office/powerpoint/2010/main" val="1692355111"/>
-      </p:ext>
-    </p:extLst>
-  </p:cSld>
-  <p:clrMapOvr>
-    <a:masterClrMapping/>
-  </p:clrMapOvr>
-</p:sld>
-</file>
-
-<file path=ppt/slides/slide12.xml><?xml version="1.0" encoding="utf-8"?>
-<p:sld xmlns:a="http://schemas.openxmlformats.org/drawingml/2006/main" xmlns:r="http://schemas.openxmlformats.org/officeDocument/2006/relationships" xmlns:p="http://schemas.openxmlformats.org/presentationml/2006/main">
-  <p:cSld>
-    <p:spTree>
-      <p:nvGrpSpPr>
-        <p:cNvPr id="1" name=""/>
-        <p:cNvGrpSpPr/>
-        <p:nvPr/>
-      </p:nvGrpSpPr>
-      <p:grpSpPr>
-        <a:xfrm>
-          <a:off x="0" y="0"/>
-          <a:ext cx="0" cy="0"/>
-          <a:chOff x="0" y="0"/>
-          <a:chExt cx="0" cy="0"/>
-        </a:xfrm>
-      </p:grpSpPr>
-      <p:sp>
-        <p:nvSpPr>
-          <p:cNvPr id="2" name="Title 1"/>
-          <p:cNvSpPr>
-            <a:spLocks noGrp="1"/>
-          </p:cNvSpPr>
-          <p:nvPr>
-            <p:ph type="title"/>
-          </p:nvPr>
-        </p:nvSpPr>
-        <p:spPr/>
-        <p:txBody>
-          <a:bodyPr/>
-          <a:lstStyle/>
-          <a:p>
-            <a:r>
-              <a:rPr lang="nl-NL" dirty="0" smtClean="0"/>
-              <a:t>Resultaten: fruitvlieg</a:t>
-            </a:r>
-            <a:endParaRPr lang="nl-NL" dirty="0"/>
-          </a:p>
-        </p:txBody>
-      </p:sp>
-      <p:sp>
-        <p:nvSpPr>
-          <p:cNvPr id="3" name="Content Placeholder 2"/>
-          <p:cNvSpPr>
-            <a:spLocks noGrp="1"/>
-          </p:cNvSpPr>
-          <p:nvPr>
-            <p:ph idx="1"/>
-          </p:nvPr>
-        </p:nvSpPr>
-        <p:spPr/>
-        <p:txBody>
-          <a:bodyPr/>
-          <a:lstStyle/>
-          <a:p>
             <a:r>
               <a:rPr lang="nl-NL" dirty="0" smtClean="0"/>
               <a:t>BeamSearch beste performance inversies &amp; genen verplaatst</a:t>
@@ -3511,19 +3349,7 @@
           <a:p>
             <a:r>
               <a:rPr lang="nl-NL" dirty="0" smtClean="0"/>
-              <a:t>EditStar wel veel sneller:  </a:t>
-            </a:r>
-            <a:r>
-              <a:rPr lang="nl-NL" dirty="0" smtClean="0"/>
-              <a:t>1 </a:t>
-            </a:r>
-            <a:r>
-              <a:rPr lang="nl-NL" dirty="0" smtClean="0"/>
-              <a:t>sec </a:t>
-            </a:r>
-            <a:r>
-              <a:rPr lang="nl-NL" dirty="0" smtClean="0"/>
-              <a:t>vs. 1.5 uur</a:t>
+              <a:t>EditStar wel veel sneller:  1 sec vs. 1.5 uur</a:t>
             </a:r>
           </a:p>
           <a:p>
@@ -4615,7 +4441,7 @@
 </p:sld>
 </file>
 
-<file path=ppt/slides/slide13.xml><?xml version="1.0" encoding="utf-8"?>
+<file path=ppt/slides/slide11.xml><?xml version="1.0" encoding="utf-8"?>
 <p:sld xmlns:a="http://schemas.openxmlformats.org/drawingml/2006/main" xmlns:r="http://schemas.openxmlformats.org/officeDocument/2006/relationships" xmlns:p="http://schemas.openxmlformats.org/presentationml/2006/main">
   <p:cSld>
     <p:spTree>
@@ -4693,7 +4519,7 @@
 </p:sld>
 </file>
 
-<file path=ppt/slides/slide14.xml><?xml version="1.0" encoding="utf-8"?>
+<file path=ppt/slides/slide12.xml><?xml version="1.0" encoding="utf-8"?>
 <p:sld xmlns:a="http://schemas.openxmlformats.org/drawingml/2006/main" xmlns:r="http://schemas.openxmlformats.org/officeDocument/2006/relationships" xmlns:p="http://schemas.openxmlformats.org/presentationml/2006/main">
   <p:cSld>
     <p:spTree>
@@ -4810,7 +4636,7 @@
 </p:sld>
 </file>
 
-<file path=ppt/slides/slide15.xml><?xml version="1.0" encoding="utf-8"?>
+<file path=ppt/slides/slide13.xml><?xml version="1.0" encoding="utf-8"?>
 <p:sld xmlns:a="http://schemas.openxmlformats.org/drawingml/2006/main" xmlns:r="http://schemas.openxmlformats.org/officeDocument/2006/relationships" xmlns:p="http://schemas.openxmlformats.org/presentationml/2006/main">
   <p:cSld>
     <p:spTree>
@@ -4844,11 +4670,7 @@
           <a:p>
             <a:r>
               <a:rPr lang="nl-NL" dirty="0" smtClean="0"/>
-              <a:t>Resultaten: </a:t>
-            </a:r>
-            <a:r>
-              <a:rPr lang="nl-NL" dirty="0" smtClean="0"/>
-              <a:t>2000 samples</a:t>
+              <a:t>Resultaten: 2000 samples</a:t>
             </a:r>
             <a:endParaRPr lang="nl-NL" dirty="0"/>
           </a:p>
@@ -4904,7 +4726,7 @@
         </p:nvGraphicFramePr>
         <p:xfrm>
           <a:off x="380999" y="3200400"/>
-          <a:ext cx="7772401" cy="2361822"/>
+          <a:ext cx="7772401" cy="2560320"/>
         </p:xfrm>
         <a:graphic>
           <a:graphicData uri="http://schemas.openxmlformats.org/drawingml/2006/table">
@@ -6268,7 +6090,7 @@
 </p:sld>
 </file>
 
-<file path=ppt/slides/slide16.xml><?xml version="1.0" encoding="utf-8"?>
+<file path=ppt/slides/slide14.xml><?xml version="1.0" encoding="utf-8"?>
 <p:sld xmlns:a="http://schemas.openxmlformats.org/drawingml/2006/main" xmlns:r="http://schemas.openxmlformats.org/officeDocument/2006/relationships" xmlns:p="http://schemas.openxmlformats.org/presentationml/2006/main">
   <p:cSld>
     <p:spTree>
@@ -6368,7 +6190,7 @@
 </p:sld>
 </file>
 
-<file path=ppt/slides/slide17.xml><?xml version="1.0" encoding="utf-8"?>
+<file path=ppt/slides/slide15.xml><?xml version="1.0" encoding="utf-8"?>
 <p:sld xmlns:a="http://schemas.openxmlformats.org/drawingml/2006/main" xmlns:r="http://schemas.openxmlformats.org/officeDocument/2006/relationships" xmlns:p="http://schemas.openxmlformats.org/presentationml/2006/main">
   <p:cSld>
     <p:spTree>
@@ -7349,7 +7171,7 @@
           <a:p>
             <a:r>
               <a:rPr lang="nl-NL" dirty="0" smtClean="0"/>
-              <a:t>FindAndSwap serie</a:t>
+              <a:t>Elementscore</a:t>
             </a:r>
             <a:endParaRPr lang="nl-NL" dirty="0"/>
           </a:p>
@@ -7370,69 +7192,14 @@
           <a:bodyPr/>
           <a:lstStyle/>
           <a:p>
-            <a:r>
-              <a:rPr lang="nl-NL" dirty="0" smtClean="0"/>
-              <a:t>Zoekt naar bepaald getal in de reeks en zet die goed met een inversie.</a:t>
-            </a:r>
-          </a:p>
-          <a:p>
-            <a:pPr marL="114300" indent="0">
-              <a:buNone/>
-            </a:pPr>
-            <a:endParaRPr lang="nl-NL" dirty="0"/>
-          </a:p>
-          <a:p>
-            <a:pPr marL="114300" indent="0">
-              <a:buNone/>
-            </a:pPr>
-            <a:r>
-              <a:rPr lang="nl-NL" b="1" dirty="0" smtClean="0"/>
-              <a:t>Variaties</a:t>
-            </a:r>
-          </a:p>
-          <a:p>
-            <a:r>
-              <a:rPr lang="nl-NL" dirty="0" smtClean="0"/>
-              <a:t>Van 1 naar 25</a:t>
-            </a:r>
-            <a:endParaRPr lang="nl-NL" dirty="0"/>
-          </a:p>
-          <a:p>
-            <a:r>
-              <a:rPr lang="nl-NL" dirty="0" smtClean="0"/>
-              <a:t>Van 25 naar 1</a:t>
-            </a:r>
-          </a:p>
-          <a:p>
-            <a:r>
-              <a:rPr lang="nl-NL" dirty="0" smtClean="0"/>
-              <a:t>Heen en weer tussen linker- en rechteruiteinde</a:t>
-            </a:r>
-          </a:p>
-          <a:p>
-            <a:r>
-              <a:rPr lang="nl-NL" dirty="0" smtClean="0"/>
-              <a:t>Linker- of rechteruiteinde op basis van welke de minste genen kost om goed te zetten</a:t>
-            </a:r>
-          </a:p>
-          <a:p>
-            <a:endParaRPr lang="nl-NL" dirty="0" smtClean="0"/>
-          </a:p>
-          <a:p>
-            <a:endParaRPr lang="nl-NL" dirty="0" smtClean="0"/>
-          </a:p>
-          <a:p>
-            <a:endParaRPr lang="nl-NL" dirty="0"/>
-          </a:p>
-          <a:p>
-            <a:endParaRPr lang="nl-NL" dirty="0"/>
+            <a:endParaRPr lang="nl-NL"/>
           </a:p>
         </p:txBody>
       </p:sp>
     </p:spTree>
     <p:extLst>
       <p:ext uri="{BB962C8B-B14F-4D97-AF65-F5344CB8AC3E}">
-        <p14:creationId xmlns:p14="http://schemas.microsoft.com/office/powerpoint/2010/main" val="3873535191"/>
+        <p14:creationId xmlns:p14="http://schemas.microsoft.com/office/powerpoint/2010/main" val="3221633631"/>
       </p:ext>
     </p:extLst>
   </p:cSld>
@@ -7483,7 +7250,7 @@
           <a:p>
             <a:r>
               <a:rPr lang="nl-NL" dirty="0" smtClean="0"/>
-              <a:t>ChunkSwap</a:t>
+              <a:t>EditStar</a:t>
             </a:r>
             <a:endParaRPr lang="nl-NL" dirty="0"/>
           </a:p>
@@ -7504,31 +7271,6 @@
           <a:bodyPr/>
           <a:lstStyle/>
           <a:p>
-            <a:r>
-              <a:rPr lang="nl-NL" dirty="0" smtClean="0"/>
-              <a:t>Behoudt “chunks” van getallen</a:t>
-            </a:r>
-          </a:p>
-          <a:p>
-            <a:endParaRPr lang="nl-NL" dirty="0" smtClean="0"/>
-          </a:p>
-          <a:p>
-            <a:r>
-              <a:rPr lang="nl-NL" dirty="0" smtClean="0"/>
-              <a:t>Aaneengesloten getallen? Neem mee in inversie</a:t>
-            </a:r>
-          </a:p>
-          <a:p>
-            <a:pPr marL="114300" indent="0">
-              <a:buNone/>
-            </a:pPr>
-            <a:endParaRPr lang="nl-NL" dirty="0"/>
-          </a:p>
-          <a:p>
-            <a:r>
-              <a:rPr lang="nl-NL" dirty="0" smtClean="0"/>
-              <a:t>Basisprincipe voor volgende algoritmes: de elementscore</a:t>
-            </a:r>
             <a:endParaRPr lang="nl-NL" dirty="0"/>
           </a:p>
         </p:txBody>
@@ -7536,7 +7278,7 @@
     </p:spTree>
     <p:extLst>
       <p:ext uri="{BB962C8B-B14F-4D97-AF65-F5344CB8AC3E}">
-        <p14:creationId xmlns:p14="http://schemas.microsoft.com/office/powerpoint/2010/main" val="346128245"/>
+        <p14:creationId xmlns:p14="http://schemas.microsoft.com/office/powerpoint/2010/main" val="3584508718"/>
       </p:ext>
     </p:extLst>
   </p:cSld>
@@ -7586,10 +7328,10 @@
           <a:lstStyle/>
           <a:p>
             <a:r>
-              <a:rPr lang="nl-NL" dirty="0" smtClean="0"/>
-              <a:t>Elementscore</a:t>
-            </a:r>
-            <a:endParaRPr lang="nl-NL" dirty="0"/>
+              <a:rPr lang="nl-NL" smtClean="0"/>
+              <a:t>BeamSearch</a:t>
+            </a:r>
+            <a:endParaRPr lang="nl-NL"/>
           </a:p>
         </p:txBody>
       </p:sp>
@@ -7608,27 +7350,29 @@
           <a:bodyPr/>
           <a:lstStyle/>
           <a:p>
-            <a:endParaRPr lang="nl-NL"/>
+            <a:r>
+              <a:rPr lang="nl-NL" dirty="0" smtClean="0"/>
+              <a:t>3 lagen diep</a:t>
+            </a:r>
+          </a:p>
+          <a:p>
+            <a:endParaRPr lang="nl-NL" dirty="0"/>
+          </a:p>
+          <a:p>
+            <a:endParaRPr lang="nl-NL" dirty="0"/>
           </a:p>
         </p:txBody>
       </p:sp>
     </p:spTree>
     <p:extLst>
       <p:ext uri="{BB962C8B-B14F-4D97-AF65-F5344CB8AC3E}">
-        <p14:creationId xmlns:p14="http://schemas.microsoft.com/office/powerpoint/2010/main" val="3221633631"/>
+        <p14:creationId xmlns:p14="http://schemas.microsoft.com/office/powerpoint/2010/main" val="1692355111"/>
       </p:ext>
     </p:extLst>
   </p:cSld>
   <p:clrMapOvr>
     <a:masterClrMapping/>
   </p:clrMapOvr>
-  <p:timing>
-    <p:tnLst>
-      <p:par>
-        <p:cTn id="1" dur="indefinite" restart="never" nodeType="tmRoot"/>
-      </p:par>
-    </p:tnLst>
-  </p:timing>
 </p:sld>
 </file>
 

--- a/Fruitvliegen_Presentatie.pptx
+++ b/Fruitvliegen_Presentatie.pptx
@@ -19,7 +19,8 @@
     <p:sldId id="262" r:id="rId13"/>
     <p:sldId id="263" r:id="rId14"/>
     <p:sldId id="272" r:id="rId15"/>
-    <p:sldId id="270" r:id="rId16"/>
+    <p:sldId id="275" r:id="rId16"/>
+    <p:sldId id="270" r:id="rId17"/>
   </p:sldIdLst>
   <p:sldSz cx="9144000" cy="6858000" type="screen4x3"/>
   <p:notesSz cx="6858000" cy="9144000"/>
@@ -6159,8 +6160,13 @@
           <a:p>
             <a:r>
               <a:rPr lang="nl-NL" dirty="0" smtClean="0"/>
-              <a:t>Weinig aaneengesloten getallen: dus meer elementen</a:t>
-            </a:r>
+              <a:t>Weinig aaneengesloten getallen: dus meer </a:t>
+            </a:r>
+            <a:r>
+              <a:rPr lang="nl-NL" dirty="0" smtClean="0"/>
+              <a:t>elementen</a:t>
+            </a:r>
+            <a:endParaRPr lang="nl-NL" dirty="0" smtClean="0"/>
           </a:p>
           <a:p>
             <a:endParaRPr lang="nl-NL" dirty="0"/>
@@ -6207,6 +6213,2275 @@
           <a:chExt cx="0" cy="0"/>
         </a:xfrm>
       </p:grpSpPr>
+      <p:graphicFrame>
+        <p:nvGraphicFramePr>
+          <p:cNvPr id="4" name="Table 3"/>
+          <p:cNvGraphicFramePr>
+            <a:graphicFrameLocks noGrp="1"/>
+          </p:cNvGraphicFramePr>
+          <p:nvPr>
+            <p:extLst>
+              <p:ext uri="{D42A27DB-BD31-4B8C-83A1-F6EECF244321}">
+                <p14:modId xmlns:p14="http://schemas.microsoft.com/office/powerpoint/2010/main" val="192629263"/>
+              </p:ext>
+            </p:extLst>
+          </p:nvPr>
+        </p:nvGraphicFramePr>
+        <p:xfrm>
+          <a:off x="457200" y="1905000"/>
+          <a:ext cx="7086600" cy="3276597"/>
+        </p:xfrm>
+        <a:graphic>
+          <a:graphicData uri="http://schemas.openxmlformats.org/drawingml/2006/table">
+            <a:tbl>
+              <a:tblPr firstRow="1" firstCol="1" bandRow="1">
+                <a:tableStyleId>{5C22544A-7EE6-4342-B048-85BDC9FD1C3A}</a:tableStyleId>
+              </a:tblPr>
+              <a:tblGrid>
+                <a:gridCol w="1351687"/>
+                <a:gridCol w="767045"/>
+                <a:gridCol w="790143"/>
+                <a:gridCol w="677835"/>
+                <a:gridCol w="665887"/>
+                <a:gridCol w="700934"/>
+                <a:gridCol w="778196"/>
+                <a:gridCol w="677038"/>
+                <a:gridCol w="677835"/>
+              </a:tblGrid>
+              <a:tr h="537924">
+                <a:tc>
+                  <a:txBody>
+                    <a:bodyPr/>
+                    <a:lstStyle/>
+                    <a:p>
+                      <a:pPr>
+                        <a:lnSpc>
+                          <a:spcPct val="115000"/>
+                        </a:lnSpc>
+                        <a:spcAft>
+                          <a:spcPts val="0"/>
+                        </a:spcAft>
+                      </a:pPr>
+                      <a:r>
+                        <a:rPr lang="nl-NL" sz="1200" baseline="-25000" dirty="0">
+                          <a:effectLst/>
+                        </a:rPr>
+                        <a:t> </a:t>
+                      </a:r>
+                      <a:endParaRPr lang="nl-NL" sz="1100" dirty="0">
+                        <a:effectLst/>
+                        <a:latin typeface="Calibri"/>
+                        <a:ea typeface="Calibri"/>
+                        <a:cs typeface="Times New Roman"/>
+                      </a:endParaRPr>
+                    </a:p>
+                  </a:txBody>
+                  <a:tcPr marL="68580" marR="68580" marT="0" marB="0"/>
+                </a:tc>
+                <a:tc>
+                  <a:txBody>
+                    <a:bodyPr/>
+                    <a:lstStyle/>
+                    <a:p>
+                      <a:pPr>
+                        <a:lnSpc>
+                          <a:spcPct val="115000"/>
+                        </a:lnSpc>
+                        <a:spcAft>
+                          <a:spcPts val="0"/>
+                        </a:spcAft>
+                      </a:pPr>
+                      <a:r>
+                        <a:rPr lang="nl-NL" sz="800" dirty="0">
+                          <a:effectLst/>
+                        </a:rPr>
+                        <a:t>Grootte</a:t>
+                      </a:r>
+                      <a:endParaRPr lang="nl-NL" sz="1100" dirty="0">
+                        <a:effectLst/>
+                      </a:endParaRPr>
+                    </a:p>
+                    <a:p>
+                      <a:pPr>
+                        <a:lnSpc>
+                          <a:spcPct val="115000"/>
+                        </a:lnSpc>
+                        <a:spcAft>
+                          <a:spcPts val="0"/>
+                        </a:spcAft>
+                      </a:pPr>
+                      <a:r>
+                        <a:rPr lang="nl-NL" sz="800" dirty="0">
+                          <a:effectLst/>
+                        </a:rPr>
+                        <a:t>inversies</a:t>
+                      </a:r>
+                      <a:endParaRPr lang="nl-NL" sz="1100" dirty="0">
+                        <a:effectLst/>
+                        <a:latin typeface="Calibri"/>
+                        <a:ea typeface="Calibri"/>
+                        <a:cs typeface="Times New Roman"/>
+                      </a:endParaRPr>
+                    </a:p>
+                  </a:txBody>
+                  <a:tcPr marL="68580" marR="68580" marT="0" marB="0"/>
+                </a:tc>
+                <a:tc>
+                  <a:txBody>
+                    <a:bodyPr/>
+                    <a:lstStyle/>
+                    <a:p>
+                      <a:pPr>
+                        <a:lnSpc>
+                          <a:spcPct val="115000"/>
+                        </a:lnSpc>
+                        <a:spcAft>
+                          <a:spcPts val="0"/>
+                        </a:spcAft>
+                      </a:pPr>
+                      <a:r>
+                        <a:rPr lang="nl-NL" sz="800">
+                          <a:effectLst/>
+                        </a:rPr>
+                        <a:t>Aantal genen </a:t>
+                      </a:r>
+                      <a:endParaRPr lang="nl-NL" sz="1100">
+                        <a:effectLst/>
+                        <a:latin typeface="Calibri"/>
+                        <a:ea typeface="Calibri"/>
+                        <a:cs typeface="Times New Roman"/>
+                      </a:endParaRPr>
+                    </a:p>
+                  </a:txBody>
+                  <a:tcPr marL="68580" marR="68580" marT="0" marB="0"/>
+                </a:tc>
+                <a:tc>
+                  <a:txBody>
+                    <a:bodyPr/>
+                    <a:lstStyle/>
+                    <a:p>
+                      <a:pPr>
+                        <a:lnSpc>
+                          <a:spcPct val="115000"/>
+                        </a:lnSpc>
+                        <a:spcAft>
+                          <a:spcPts val="0"/>
+                        </a:spcAft>
+                      </a:pPr>
+                      <a:r>
+                        <a:rPr lang="en-US" sz="800">
+                          <a:effectLst/>
+                        </a:rPr>
+                        <a:t>Min. genen</a:t>
+                      </a:r>
+                      <a:endParaRPr lang="nl-NL" sz="1100">
+                        <a:effectLst/>
+                        <a:latin typeface="Calibri"/>
+                        <a:ea typeface="Calibri"/>
+                        <a:cs typeface="Times New Roman"/>
+                      </a:endParaRPr>
+                    </a:p>
+                  </a:txBody>
+                  <a:tcPr marL="68580" marR="68580" marT="0" marB="0"/>
+                </a:tc>
+                <a:tc>
+                  <a:txBody>
+                    <a:bodyPr/>
+                    <a:lstStyle/>
+                    <a:p>
+                      <a:pPr>
+                        <a:lnSpc>
+                          <a:spcPct val="115000"/>
+                        </a:lnSpc>
+                        <a:spcAft>
+                          <a:spcPts val="0"/>
+                        </a:spcAft>
+                      </a:pPr>
+                      <a:r>
+                        <a:rPr lang="en-US" sz="800" dirty="0">
+                          <a:effectLst/>
+                        </a:rPr>
+                        <a:t>Max. genen</a:t>
+                      </a:r>
+                      <a:endParaRPr lang="nl-NL" sz="1100" dirty="0">
+                        <a:effectLst/>
+                        <a:latin typeface="Calibri"/>
+                        <a:ea typeface="Calibri"/>
+                        <a:cs typeface="Times New Roman"/>
+                      </a:endParaRPr>
+                    </a:p>
+                  </a:txBody>
+                  <a:tcPr marL="68580" marR="68580" marT="0" marB="0"/>
+                </a:tc>
+                <a:tc>
+                  <a:txBody>
+                    <a:bodyPr/>
+                    <a:lstStyle/>
+                    <a:p>
+                      <a:pPr>
+                        <a:lnSpc>
+                          <a:spcPct val="115000"/>
+                        </a:lnSpc>
+                        <a:spcAft>
+                          <a:spcPts val="0"/>
+                        </a:spcAft>
+                      </a:pPr>
+                      <a:r>
+                        <a:rPr lang="nl-NL" sz="800" dirty="0">
+                          <a:effectLst/>
+                        </a:rPr>
+                        <a:t>Grootte</a:t>
+                      </a:r>
+                      <a:endParaRPr lang="nl-NL" sz="1100" dirty="0">
+                        <a:effectLst/>
+                      </a:endParaRPr>
+                    </a:p>
+                    <a:p>
+                      <a:pPr>
+                        <a:lnSpc>
+                          <a:spcPct val="115000"/>
+                        </a:lnSpc>
+                        <a:spcAft>
+                          <a:spcPts val="0"/>
+                        </a:spcAft>
+                      </a:pPr>
+                      <a:r>
+                        <a:rPr lang="nl-NL" sz="800" dirty="0" smtClean="0">
+                          <a:effectLst/>
+                        </a:rPr>
+                        <a:t>Inversies</a:t>
+                      </a:r>
+                      <a:endParaRPr lang="nl-NL" sz="1100" dirty="0">
+                        <a:effectLst/>
+                        <a:latin typeface="Calibri"/>
+                        <a:ea typeface="Calibri"/>
+                        <a:cs typeface="Times New Roman"/>
+                      </a:endParaRPr>
+                    </a:p>
+                  </a:txBody>
+                  <a:tcPr marL="68580" marR="68580" marT="0" marB="0">
+                    <a:solidFill>
+                      <a:schemeClr val="bg1">
+                        <a:lumMod val="65000"/>
+                      </a:schemeClr>
+                    </a:solidFill>
+                  </a:tcPr>
+                </a:tc>
+                <a:tc>
+                  <a:txBody>
+                    <a:bodyPr/>
+                    <a:lstStyle/>
+                    <a:p>
+                      <a:pPr>
+                        <a:lnSpc>
+                          <a:spcPct val="115000"/>
+                        </a:lnSpc>
+                        <a:spcAft>
+                          <a:spcPts val="0"/>
+                        </a:spcAft>
+                      </a:pPr>
+                      <a:r>
+                        <a:rPr lang="nl-NL" sz="800" dirty="0">
+                          <a:effectLst/>
+                        </a:rPr>
+                        <a:t>Aantal genen</a:t>
+                      </a:r>
+                      <a:endParaRPr lang="nl-NL" sz="1100" dirty="0">
+                        <a:effectLst/>
+                        <a:latin typeface="Calibri"/>
+                        <a:ea typeface="Calibri"/>
+                        <a:cs typeface="Times New Roman"/>
+                      </a:endParaRPr>
+                    </a:p>
+                  </a:txBody>
+                  <a:tcPr marL="68580" marR="68580" marT="0" marB="0">
+                    <a:solidFill>
+                      <a:schemeClr val="bg1">
+                        <a:lumMod val="65000"/>
+                      </a:schemeClr>
+                    </a:solidFill>
+                  </a:tcPr>
+                </a:tc>
+                <a:tc>
+                  <a:txBody>
+                    <a:bodyPr/>
+                    <a:lstStyle/>
+                    <a:p>
+                      <a:pPr>
+                        <a:lnSpc>
+                          <a:spcPct val="115000"/>
+                        </a:lnSpc>
+                        <a:spcAft>
+                          <a:spcPts val="0"/>
+                        </a:spcAft>
+                      </a:pPr>
+                      <a:r>
+                        <a:rPr lang="en-US" sz="800" dirty="0">
+                          <a:effectLst/>
+                        </a:rPr>
+                        <a:t>Min. genen</a:t>
+                      </a:r>
+                      <a:endParaRPr lang="nl-NL" sz="1100" dirty="0">
+                        <a:effectLst/>
+                        <a:latin typeface="Calibri"/>
+                        <a:ea typeface="Calibri"/>
+                        <a:cs typeface="Times New Roman"/>
+                      </a:endParaRPr>
+                    </a:p>
+                  </a:txBody>
+                  <a:tcPr marL="68580" marR="68580" marT="0" marB="0">
+                    <a:solidFill>
+                      <a:schemeClr val="bg1">
+                        <a:lumMod val="65000"/>
+                      </a:schemeClr>
+                    </a:solidFill>
+                  </a:tcPr>
+                </a:tc>
+                <a:tc>
+                  <a:txBody>
+                    <a:bodyPr/>
+                    <a:lstStyle/>
+                    <a:p>
+                      <a:pPr>
+                        <a:lnSpc>
+                          <a:spcPct val="115000"/>
+                        </a:lnSpc>
+                        <a:spcAft>
+                          <a:spcPts val="0"/>
+                        </a:spcAft>
+                      </a:pPr>
+                      <a:r>
+                        <a:rPr lang="en-US" sz="800" dirty="0">
+                          <a:effectLst/>
+                        </a:rPr>
+                        <a:t>Max. genen</a:t>
+                      </a:r>
+                      <a:endParaRPr lang="nl-NL" sz="1100" dirty="0">
+                        <a:effectLst/>
+                        <a:latin typeface="Calibri"/>
+                        <a:ea typeface="Calibri"/>
+                        <a:cs typeface="Times New Roman"/>
+                      </a:endParaRPr>
+                    </a:p>
+                  </a:txBody>
+                  <a:tcPr marL="68580" marR="68580" marT="0" marB="0">
+                    <a:solidFill>
+                      <a:schemeClr val="bg1">
+                        <a:lumMod val="65000"/>
+                      </a:schemeClr>
+                    </a:solidFill>
+                  </a:tcPr>
+                </a:tc>
+              </a:tr>
+              <a:tr h="391239">
+                <a:tc>
+                  <a:txBody>
+                    <a:bodyPr/>
+                    <a:lstStyle/>
+                    <a:p>
+                      <a:pPr>
+                        <a:lnSpc>
+                          <a:spcPct val="115000"/>
+                        </a:lnSpc>
+                        <a:spcAft>
+                          <a:spcPts val="0"/>
+                        </a:spcAft>
+                      </a:pPr>
+                      <a:r>
+                        <a:rPr lang="en-US" sz="1200" baseline="-25000" dirty="0">
+                          <a:effectLst/>
+                        </a:rPr>
+                        <a:t>Find&amp;Swap</a:t>
+                      </a:r>
+                      <a:endParaRPr lang="nl-NL" sz="1100" dirty="0">
+                        <a:effectLst/>
+                        <a:latin typeface="Calibri"/>
+                        <a:ea typeface="Calibri"/>
+                        <a:cs typeface="Times New Roman"/>
+                      </a:endParaRPr>
+                    </a:p>
+                  </a:txBody>
+                  <a:tcPr marL="68580" marR="68580" marT="0" marB="0">
+                    <a:solidFill>
+                      <a:srgbClr val="D52525"/>
+                    </a:solidFill>
+                  </a:tcPr>
+                </a:tc>
+                <a:tc>
+                  <a:txBody>
+                    <a:bodyPr/>
+                    <a:lstStyle/>
+                    <a:p>
+                      <a:pPr>
+                        <a:lnSpc>
+                          <a:spcPct val="115000"/>
+                        </a:lnSpc>
+                        <a:spcAft>
+                          <a:spcPts val="0"/>
+                        </a:spcAft>
+                      </a:pPr>
+                      <a:r>
+                        <a:rPr lang="en-US" sz="1200" baseline="-25000" dirty="0">
+                          <a:effectLst/>
+                        </a:rPr>
+                        <a:t>7,60</a:t>
+                      </a:r>
+                      <a:endParaRPr lang="nl-NL" sz="1100" dirty="0">
+                        <a:effectLst/>
+                        <a:latin typeface="Calibri"/>
+                        <a:ea typeface="Calibri"/>
+                        <a:cs typeface="Times New Roman"/>
+                      </a:endParaRPr>
+                    </a:p>
+                  </a:txBody>
+                  <a:tcPr marL="68580" marR="68580" marT="0" marB="0"/>
+                </a:tc>
+                <a:tc>
+                  <a:txBody>
+                    <a:bodyPr/>
+                    <a:lstStyle/>
+                    <a:p>
+                      <a:pPr>
+                        <a:lnSpc>
+                          <a:spcPct val="115000"/>
+                        </a:lnSpc>
+                        <a:spcAft>
+                          <a:spcPts val="0"/>
+                        </a:spcAft>
+                      </a:pPr>
+                      <a:r>
+                        <a:rPr lang="en-US" sz="1200" baseline="-25000">
+                          <a:effectLst/>
+                        </a:rPr>
+                        <a:t>170,59</a:t>
+                      </a:r>
+                      <a:endParaRPr lang="nl-NL" sz="1100">
+                        <a:effectLst/>
+                        <a:latin typeface="Calibri"/>
+                        <a:ea typeface="Calibri"/>
+                        <a:cs typeface="Times New Roman"/>
+                      </a:endParaRPr>
+                    </a:p>
+                  </a:txBody>
+                  <a:tcPr marL="68580" marR="68580" marT="0" marB="0"/>
+                </a:tc>
+                <a:tc>
+                  <a:txBody>
+                    <a:bodyPr/>
+                    <a:lstStyle/>
+                    <a:p>
+                      <a:pPr>
+                        <a:lnSpc>
+                          <a:spcPct val="115000"/>
+                        </a:lnSpc>
+                        <a:spcAft>
+                          <a:spcPts val="0"/>
+                        </a:spcAft>
+                      </a:pPr>
+                      <a:r>
+                        <a:rPr lang="en-US" sz="1200" baseline="-25000">
+                          <a:effectLst/>
+                        </a:rPr>
+                        <a:t>95</a:t>
+                      </a:r>
+                      <a:endParaRPr lang="nl-NL" sz="1100">
+                        <a:effectLst/>
+                        <a:latin typeface="Calibri"/>
+                        <a:ea typeface="Calibri"/>
+                        <a:cs typeface="Times New Roman"/>
+                      </a:endParaRPr>
+                    </a:p>
+                  </a:txBody>
+                  <a:tcPr marL="68580" marR="68580" marT="0" marB="0"/>
+                </a:tc>
+                <a:tc>
+                  <a:txBody>
+                    <a:bodyPr/>
+                    <a:lstStyle/>
+                    <a:p>
+                      <a:pPr>
+                        <a:lnSpc>
+                          <a:spcPct val="115000"/>
+                        </a:lnSpc>
+                        <a:spcAft>
+                          <a:spcPts val="0"/>
+                        </a:spcAft>
+                      </a:pPr>
+                      <a:r>
+                        <a:rPr lang="en-US" sz="1200" baseline="-25000">
+                          <a:effectLst/>
+                        </a:rPr>
+                        <a:t>250</a:t>
+                      </a:r>
+                      <a:endParaRPr lang="nl-NL" sz="1100">
+                        <a:effectLst/>
+                        <a:latin typeface="Calibri"/>
+                        <a:ea typeface="Calibri"/>
+                        <a:cs typeface="Times New Roman"/>
+                      </a:endParaRPr>
+                    </a:p>
+                  </a:txBody>
+                  <a:tcPr marL="68580" marR="68580" marT="0" marB="0"/>
+                </a:tc>
+                <a:tc>
+                  <a:txBody>
+                    <a:bodyPr/>
+                    <a:lstStyle/>
+                    <a:p>
+                      <a:pPr>
+                        <a:lnSpc>
+                          <a:spcPct val="115000"/>
+                        </a:lnSpc>
+                        <a:spcAft>
+                          <a:spcPts val="0"/>
+                        </a:spcAft>
+                      </a:pPr>
+                      <a:r>
+                        <a:rPr lang="en-US" sz="1200" baseline="-25000" dirty="0">
+                          <a:effectLst/>
+                        </a:rPr>
+                        <a:t>4,36</a:t>
+                      </a:r>
+                      <a:endParaRPr lang="nl-NL" sz="1100" dirty="0">
+                        <a:effectLst/>
+                        <a:latin typeface="Calibri"/>
+                        <a:ea typeface="Calibri"/>
+                        <a:cs typeface="Times New Roman"/>
+                      </a:endParaRPr>
+                    </a:p>
+                  </a:txBody>
+                  <a:tcPr marL="68580" marR="68580" marT="0" marB="0"/>
+                </a:tc>
+                <a:tc>
+                  <a:txBody>
+                    <a:bodyPr/>
+                    <a:lstStyle/>
+                    <a:p>
+                      <a:pPr>
+                        <a:lnSpc>
+                          <a:spcPct val="115000"/>
+                        </a:lnSpc>
+                        <a:spcAft>
+                          <a:spcPts val="0"/>
+                        </a:spcAft>
+                      </a:pPr>
+                      <a:r>
+                        <a:rPr lang="en-US" sz="1200" baseline="-25000" dirty="0">
+                          <a:effectLst/>
+                        </a:rPr>
+                        <a:t>90,50</a:t>
+                      </a:r>
+                      <a:endParaRPr lang="nl-NL" sz="1100" dirty="0">
+                        <a:effectLst/>
+                        <a:latin typeface="Calibri"/>
+                        <a:ea typeface="Calibri"/>
+                        <a:cs typeface="Times New Roman"/>
+                      </a:endParaRPr>
+                    </a:p>
+                  </a:txBody>
+                  <a:tcPr marL="68580" marR="68580" marT="0" marB="0"/>
+                </a:tc>
+                <a:tc>
+                  <a:txBody>
+                    <a:bodyPr/>
+                    <a:lstStyle/>
+                    <a:p>
+                      <a:pPr>
+                        <a:lnSpc>
+                          <a:spcPct val="115000"/>
+                        </a:lnSpc>
+                        <a:spcAft>
+                          <a:spcPts val="0"/>
+                        </a:spcAft>
+                      </a:pPr>
+                      <a:r>
+                        <a:rPr lang="en-US" sz="1200" baseline="-25000">
+                          <a:effectLst/>
+                        </a:rPr>
+                        <a:t>51</a:t>
+                      </a:r>
+                      <a:endParaRPr lang="nl-NL" sz="1100">
+                        <a:effectLst/>
+                        <a:latin typeface="Calibri"/>
+                        <a:ea typeface="Calibri"/>
+                        <a:cs typeface="Times New Roman"/>
+                      </a:endParaRPr>
+                    </a:p>
+                  </a:txBody>
+                  <a:tcPr marL="68580" marR="68580" marT="0" marB="0"/>
+                </a:tc>
+                <a:tc>
+                  <a:txBody>
+                    <a:bodyPr/>
+                    <a:lstStyle/>
+                    <a:p>
+                      <a:pPr>
+                        <a:lnSpc>
+                          <a:spcPct val="115000"/>
+                        </a:lnSpc>
+                        <a:spcAft>
+                          <a:spcPts val="0"/>
+                        </a:spcAft>
+                      </a:pPr>
+                      <a:r>
+                        <a:rPr lang="en-US" sz="1200" baseline="-25000">
+                          <a:effectLst/>
+                        </a:rPr>
+                        <a:t>127</a:t>
+                      </a:r>
+                      <a:endParaRPr lang="nl-NL" sz="1100">
+                        <a:effectLst/>
+                        <a:latin typeface="Calibri"/>
+                        <a:ea typeface="Calibri"/>
+                        <a:cs typeface="Times New Roman"/>
+                      </a:endParaRPr>
+                    </a:p>
+                  </a:txBody>
+                  <a:tcPr marL="68580" marR="68580" marT="0" marB="0"/>
+                </a:tc>
+              </a:tr>
+              <a:tr h="391239">
+                <a:tc>
+                  <a:txBody>
+                    <a:bodyPr/>
+                    <a:lstStyle/>
+                    <a:p>
+                      <a:pPr>
+                        <a:lnSpc>
+                          <a:spcPct val="115000"/>
+                        </a:lnSpc>
+                        <a:spcAft>
+                          <a:spcPts val="0"/>
+                        </a:spcAft>
+                      </a:pPr>
+                      <a:r>
+                        <a:rPr lang="en-US" sz="1200" baseline="-25000" dirty="0">
+                          <a:effectLst/>
+                        </a:rPr>
+                        <a:t>Find&amp;SwapRev</a:t>
+                      </a:r>
+                      <a:endParaRPr lang="nl-NL" sz="1100" dirty="0">
+                        <a:effectLst/>
+                        <a:latin typeface="Calibri"/>
+                        <a:ea typeface="Calibri"/>
+                        <a:cs typeface="Times New Roman"/>
+                      </a:endParaRPr>
+                    </a:p>
+                  </a:txBody>
+                  <a:tcPr marL="68580" marR="68580" marT="0" marB="0">
+                    <a:solidFill>
+                      <a:srgbClr val="D52525"/>
+                    </a:solidFill>
+                  </a:tcPr>
+                </a:tc>
+                <a:tc>
+                  <a:txBody>
+                    <a:bodyPr/>
+                    <a:lstStyle/>
+                    <a:p>
+                      <a:pPr>
+                        <a:lnSpc>
+                          <a:spcPct val="115000"/>
+                        </a:lnSpc>
+                        <a:spcAft>
+                          <a:spcPts val="0"/>
+                        </a:spcAft>
+                      </a:pPr>
+                      <a:r>
+                        <a:rPr lang="en-US" sz="1200" baseline="-25000">
+                          <a:effectLst/>
+                        </a:rPr>
+                        <a:t>7,63</a:t>
+                      </a:r>
+                      <a:endParaRPr lang="nl-NL" sz="1100">
+                        <a:effectLst/>
+                        <a:latin typeface="Calibri"/>
+                        <a:ea typeface="Calibri"/>
+                        <a:cs typeface="Times New Roman"/>
+                      </a:endParaRPr>
+                    </a:p>
+                  </a:txBody>
+                  <a:tcPr marL="68580" marR="68580" marT="0" marB="0"/>
+                </a:tc>
+                <a:tc>
+                  <a:txBody>
+                    <a:bodyPr/>
+                    <a:lstStyle/>
+                    <a:p>
+                      <a:pPr>
+                        <a:lnSpc>
+                          <a:spcPct val="115000"/>
+                        </a:lnSpc>
+                        <a:spcAft>
+                          <a:spcPts val="0"/>
+                        </a:spcAft>
+                      </a:pPr>
+                      <a:r>
+                        <a:rPr lang="en-US" sz="1200" baseline="-25000">
+                          <a:effectLst/>
+                        </a:rPr>
+                        <a:t>170,97</a:t>
+                      </a:r>
+                      <a:endParaRPr lang="nl-NL" sz="1100">
+                        <a:effectLst/>
+                        <a:latin typeface="Calibri"/>
+                        <a:ea typeface="Calibri"/>
+                        <a:cs typeface="Times New Roman"/>
+                      </a:endParaRPr>
+                    </a:p>
+                  </a:txBody>
+                  <a:tcPr marL="68580" marR="68580" marT="0" marB="0"/>
+                </a:tc>
+                <a:tc>
+                  <a:txBody>
+                    <a:bodyPr/>
+                    <a:lstStyle/>
+                    <a:p>
+                      <a:pPr>
+                        <a:lnSpc>
+                          <a:spcPct val="115000"/>
+                        </a:lnSpc>
+                        <a:spcAft>
+                          <a:spcPts val="0"/>
+                        </a:spcAft>
+                      </a:pPr>
+                      <a:r>
+                        <a:rPr lang="en-US" sz="1200" baseline="-25000">
+                          <a:effectLst/>
+                        </a:rPr>
+                        <a:t>86</a:t>
+                      </a:r>
+                      <a:endParaRPr lang="nl-NL" sz="1100">
+                        <a:effectLst/>
+                        <a:latin typeface="Calibri"/>
+                        <a:ea typeface="Calibri"/>
+                        <a:cs typeface="Times New Roman"/>
+                      </a:endParaRPr>
+                    </a:p>
+                  </a:txBody>
+                  <a:tcPr marL="68580" marR="68580" marT="0" marB="0"/>
+                </a:tc>
+                <a:tc>
+                  <a:txBody>
+                    <a:bodyPr/>
+                    <a:lstStyle/>
+                    <a:p>
+                      <a:pPr>
+                        <a:lnSpc>
+                          <a:spcPct val="115000"/>
+                        </a:lnSpc>
+                        <a:spcAft>
+                          <a:spcPts val="0"/>
+                        </a:spcAft>
+                      </a:pPr>
+                      <a:r>
+                        <a:rPr lang="en-US" sz="1200" baseline="-25000">
+                          <a:effectLst/>
+                        </a:rPr>
+                        <a:t>248</a:t>
+                      </a:r>
+                      <a:endParaRPr lang="nl-NL" sz="1100">
+                        <a:effectLst/>
+                        <a:latin typeface="Calibri"/>
+                        <a:ea typeface="Calibri"/>
+                        <a:cs typeface="Times New Roman"/>
+                      </a:endParaRPr>
+                    </a:p>
+                  </a:txBody>
+                  <a:tcPr marL="68580" marR="68580" marT="0" marB="0"/>
+                </a:tc>
+                <a:tc>
+                  <a:txBody>
+                    <a:bodyPr/>
+                    <a:lstStyle/>
+                    <a:p>
+                      <a:pPr>
+                        <a:lnSpc>
+                          <a:spcPct val="115000"/>
+                        </a:lnSpc>
+                        <a:spcAft>
+                          <a:spcPts val="0"/>
+                        </a:spcAft>
+                      </a:pPr>
+                      <a:r>
+                        <a:rPr lang="en-US" sz="1200" baseline="-25000" dirty="0">
+                          <a:effectLst/>
+                        </a:rPr>
+                        <a:t>4,37</a:t>
+                      </a:r>
+                      <a:endParaRPr lang="nl-NL" sz="1100" dirty="0">
+                        <a:effectLst/>
+                        <a:latin typeface="Calibri"/>
+                        <a:ea typeface="Calibri"/>
+                        <a:cs typeface="Times New Roman"/>
+                      </a:endParaRPr>
+                    </a:p>
+                  </a:txBody>
+                  <a:tcPr marL="68580" marR="68580" marT="0" marB="0"/>
+                </a:tc>
+                <a:tc>
+                  <a:txBody>
+                    <a:bodyPr/>
+                    <a:lstStyle/>
+                    <a:p>
+                      <a:pPr>
+                        <a:lnSpc>
+                          <a:spcPct val="115000"/>
+                        </a:lnSpc>
+                        <a:spcAft>
+                          <a:spcPts val="0"/>
+                        </a:spcAft>
+                      </a:pPr>
+                      <a:r>
+                        <a:rPr lang="en-US" sz="1200" baseline="-25000">
+                          <a:effectLst/>
+                        </a:rPr>
+                        <a:t>90,89</a:t>
+                      </a:r>
+                      <a:endParaRPr lang="nl-NL" sz="1100">
+                        <a:effectLst/>
+                        <a:latin typeface="Calibri"/>
+                        <a:ea typeface="Calibri"/>
+                        <a:cs typeface="Times New Roman"/>
+                      </a:endParaRPr>
+                    </a:p>
+                  </a:txBody>
+                  <a:tcPr marL="68580" marR="68580" marT="0" marB="0"/>
+                </a:tc>
+                <a:tc>
+                  <a:txBody>
+                    <a:bodyPr/>
+                    <a:lstStyle/>
+                    <a:p>
+                      <a:pPr>
+                        <a:lnSpc>
+                          <a:spcPct val="115000"/>
+                        </a:lnSpc>
+                        <a:spcAft>
+                          <a:spcPts val="0"/>
+                        </a:spcAft>
+                      </a:pPr>
+                      <a:r>
+                        <a:rPr lang="en-US" sz="1200" baseline="-25000">
+                          <a:effectLst/>
+                        </a:rPr>
+                        <a:t>50</a:t>
+                      </a:r>
+                      <a:endParaRPr lang="nl-NL" sz="1100">
+                        <a:effectLst/>
+                        <a:latin typeface="Calibri"/>
+                        <a:ea typeface="Calibri"/>
+                        <a:cs typeface="Times New Roman"/>
+                      </a:endParaRPr>
+                    </a:p>
+                  </a:txBody>
+                  <a:tcPr marL="68580" marR="68580" marT="0" marB="0"/>
+                </a:tc>
+                <a:tc>
+                  <a:txBody>
+                    <a:bodyPr/>
+                    <a:lstStyle/>
+                    <a:p>
+                      <a:pPr>
+                        <a:lnSpc>
+                          <a:spcPct val="115000"/>
+                        </a:lnSpc>
+                        <a:spcAft>
+                          <a:spcPts val="0"/>
+                        </a:spcAft>
+                      </a:pPr>
+                      <a:r>
+                        <a:rPr lang="en-US" sz="1200" baseline="-25000">
+                          <a:effectLst/>
+                        </a:rPr>
+                        <a:t>130</a:t>
+                      </a:r>
+                      <a:endParaRPr lang="nl-NL" sz="1100">
+                        <a:effectLst/>
+                        <a:latin typeface="Calibri"/>
+                        <a:ea typeface="Calibri"/>
+                        <a:cs typeface="Times New Roman"/>
+                      </a:endParaRPr>
+                    </a:p>
+                  </a:txBody>
+                  <a:tcPr marL="68580" marR="68580" marT="0" marB="0"/>
+                </a:tc>
+              </a:tr>
+              <a:tr h="391239">
+                <a:tc>
+                  <a:txBody>
+                    <a:bodyPr/>
+                    <a:lstStyle/>
+                    <a:p>
+                      <a:pPr>
+                        <a:lnSpc>
+                          <a:spcPct val="115000"/>
+                        </a:lnSpc>
+                        <a:spcAft>
+                          <a:spcPts val="0"/>
+                        </a:spcAft>
+                      </a:pPr>
+                      <a:r>
+                        <a:rPr lang="en-US" sz="1200" baseline="-25000" dirty="0">
+                          <a:effectLst/>
+                        </a:rPr>
+                        <a:t>Find&amp;SwapIteratief</a:t>
+                      </a:r>
+                      <a:endParaRPr lang="nl-NL" sz="1100" dirty="0">
+                        <a:effectLst/>
+                        <a:latin typeface="Calibri"/>
+                        <a:ea typeface="Calibri"/>
+                        <a:cs typeface="Times New Roman"/>
+                      </a:endParaRPr>
+                    </a:p>
+                  </a:txBody>
+                  <a:tcPr marL="68580" marR="68580" marT="0" marB="0">
+                    <a:solidFill>
+                      <a:srgbClr val="D52525"/>
+                    </a:solidFill>
+                  </a:tcPr>
+                </a:tc>
+                <a:tc>
+                  <a:txBody>
+                    <a:bodyPr/>
+                    <a:lstStyle/>
+                    <a:p>
+                      <a:pPr>
+                        <a:lnSpc>
+                          <a:spcPct val="115000"/>
+                        </a:lnSpc>
+                        <a:spcAft>
+                          <a:spcPts val="0"/>
+                        </a:spcAft>
+                      </a:pPr>
+                      <a:r>
+                        <a:rPr lang="en-US" sz="1200" baseline="-25000">
+                          <a:effectLst/>
+                        </a:rPr>
+                        <a:t>8,25</a:t>
+                      </a:r>
+                      <a:endParaRPr lang="nl-NL" sz="1100">
+                        <a:effectLst/>
+                        <a:latin typeface="Calibri"/>
+                        <a:ea typeface="Calibri"/>
+                        <a:cs typeface="Times New Roman"/>
+                      </a:endParaRPr>
+                    </a:p>
+                  </a:txBody>
+                  <a:tcPr marL="68580" marR="68580" marT="0" marB="0"/>
+                </a:tc>
+                <a:tc>
+                  <a:txBody>
+                    <a:bodyPr/>
+                    <a:lstStyle/>
+                    <a:p>
+                      <a:pPr>
+                        <a:lnSpc>
+                          <a:spcPct val="115000"/>
+                        </a:lnSpc>
+                        <a:spcAft>
+                          <a:spcPts val="0"/>
+                        </a:spcAft>
+                      </a:pPr>
+                      <a:r>
+                        <a:rPr lang="en-US" sz="1200" baseline="-25000">
+                          <a:effectLst/>
+                        </a:rPr>
+                        <a:t>183,47</a:t>
+                      </a:r>
+                      <a:endParaRPr lang="nl-NL" sz="1100">
+                        <a:effectLst/>
+                        <a:latin typeface="Calibri"/>
+                        <a:ea typeface="Calibri"/>
+                        <a:cs typeface="Times New Roman"/>
+                      </a:endParaRPr>
+                    </a:p>
+                  </a:txBody>
+                  <a:tcPr marL="68580" marR="68580" marT="0" marB="0"/>
+                </a:tc>
+                <a:tc>
+                  <a:txBody>
+                    <a:bodyPr/>
+                    <a:lstStyle/>
+                    <a:p>
+                      <a:pPr>
+                        <a:lnSpc>
+                          <a:spcPct val="115000"/>
+                        </a:lnSpc>
+                        <a:spcAft>
+                          <a:spcPts val="0"/>
+                        </a:spcAft>
+                      </a:pPr>
+                      <a:r>
+                        <a:rPr lang="en-US" sz="1200" baseline="-25000">
+                          <a:effectLst/>
+                        </a:rPr>
+                        <a:t>88</a:t>
+                      </a:r>
+                      <a:endParaRPr lang="nl-NL" sz="1100">
+                        <a:effectLst/>
+                        <a:latin typeface="Calibri"/>
+                        <a:ea typeface="Calibri"/>
+                        <a:cs typeface="Times New Roman"/>
+                      </a:endParaRPr>
+                    </a:p>
+                  </a:txBody>
+                  <a:tcPr marL="68580" marR="68580" marT="0" marB="0"/>
+                </a:tc>
+                <a:tc>
+                  <a:txBody>
+                    <a:bodyPr/>
+                    <a:lstStyle/>
+                    <a:p>
+                      <a:pPr>
+                        <a:lnSpc>
+                          <a:spcPct val="115000"/>
+                        </a:lnSpc>
+                        <a:spcAft>
+                          <a:spcPts val="0"/>
+                        </a:spcAft>
+                      </a:pPr>
+                      <a:r>
+                        <a:rPr lang="en-US" sz="1200" baseline="-25000">
+                          <a:effectLst/>
+                        </a:rPr>
+                        <a:t>242</a:t>
+                      </a:r>
+                      <a:endParaRPr lang="nl-NL" sz="1100">
+                        <a:effectLst/>
+                        <a:latin typeface="Calibri"/>
+                        <a:ea typeface="Calibri"/>
+                        <a:cs typeface="Times New Roman"/>
+                      </a:endParaRPr>
+                    </a:p>
+                  </a:txBody>
+                  <a:tcPr marL="68580" marR="68580" marT="0" marB="0"/>
+                </a:tc>
+                <a:tc>
+                  <a:txBody>
+                    <a:bodyPr/>
+                    <a:lstStyle/>
+                    <a:p>
+                      <a:pPr>
+                        <a:lnSpc>
+                          <a:spcPct val="115000"/>
+                        </a:lnSpc>
+                        <a:spcAft>
+                          <a:spcPts val="0"/>
+                        </a:spcAft>
+                      </a:pPr>
+                      <a:r>
+                        <a:rPr lang="en-US" sz="1200" baseline="-25000">
+                          <a:effectLst/>
+                        </a:rPr>
+                        <a:t>6,04</a:t>
+                      </a:r>
+                      <a:endParaRPr lang="nl-NL" sz="1100">
+                        <a:effectLst/>
+                        <a:latin typeface="Calibri"/>
+                        <a:ea typeface="Calibri"/>
+                        <a:cs typeface="Times New Roman"/>
+                      </a:endParaRPr>
+                    </a:p>
+                  </a:txBody>
+                  <a:tcPr marL="68580" marR="68580" marT="0" marB="0"/>
+                </a:tc>
+                <a:tc>
+                  <a:txBody>
+                    <a:bodyPr/>
+                    <a:lstStyle/>
+                    <a:p>
+                      <a:pPr>
+                        <a:lnSpc>
+                          <a:spcPct val="115000"/>
+                        </a:lnSpc>
+                        <a:spcAft>
+                          <a:spcPts val="0"/>
+                        </a:spcAft>
+                      </a:pPr>
+                      <a:r>
+                        <a:rPr lang="en-US" sz="1200" baseline="-25000">
+                          <a:effectLst/>
+                        </a:rPr>
+                        <a:t>122,29</a:t>
+                      </a:r>
+                      <a:endParaRPr lang="nl-NL" sz="1100">
+                        <a:effectLst/>
+                        <a:latin typeface="Calibri"/>
+                        <a:ea typeface="Calibri"/>
+                        <a:cs typeface="Times New Roman"/>
+                      </a:endParaRPr>
+                    </a:p>
+                  </a:txBody>
+                  <a:tcPr marL="68580" marR="68580" marT="0" marB="0"/>
+                </a:tc>
+                <a:tc>
+                  <a:txBody>
+                    <a:bodyPr/>
+                    <a:lstStyle/>
+                    <a:p>
+                      <a:pPr>
+                        <a:lnSpc>
+                          <a:spcPct val="115000"/>
+                        </a:lnSpc>
+                        <a:spcAft>
+                          <a:spcPts val="0"/>
+                        </a:spcAft>
+                      </a:pPr>
+                      <a:r>
+                        <a:rPr lang="en-US" sz="1200" baseline="-25000">
+                          <a:effectLst/>
+                        </a:rPr>
+                        <a:t>51</a:t>
+                      </a:r>
+                      <a:endParaRPr lang="nl-NL" sz="1100">
+                        <a:effectLst/>
+                        <a:latin typeface="Calibri"/>
+                        <a:ea typeface="Calibri"/>
+                        <a:cs typeface="Times New Roman"/>
+                      </a:endParaRPr>
+                    </a:p>
+                  </a:txBody>
+                  <a:tcPr marL="68580" marR="68580" marT="0" marB="0"/>
+                </a:tc>
+                <a:tc>
+                  <a:txBody>
+                    <a:bodyPr/>
+                    <a:lstStyle/>
+                    <a:p>
+                      <a:pPr>
+                        <a:lnSpc>
+                          <a:spcPct val="115000"/>
+                        </a:lnSpc>
+                        <a:spcAft>
+                          <a:spcPts val="0"/>
+                        </a:spcAft>
+                      </a:pPr>
+                      <a:r>
+                        <a:rPr lang="en-US" sz="1200" baseline="-25000">
+                          <a:effectLst/>
+                        </a:rPr>
+                        <a:t>214</a:t>
+                      </a:r>
+                      <a:endParaRPr lang="nl-NL" sz="1100">
+                        <a:effectLst/>
+                        <a:latin typeface="Calibri"/>
+                        <a:ea typeface="Calibri"/>
+                        <a:cs typeface="Times New Roman"/>
+                      </a:endParaRPr>
+                    </a:p>
+                  </a:txBody>
+                  <a:tcPr marL="68580" marR="68580" marT="0" marB="0"/>
+                </a:tc>
+              </a:tr>
+              <a:tr h="391239">
+                <a:tc>
+                  <a:txBody>
+                    <a:bodyPr/>
+                    <a:lstStyle/>
+                    <a:p>
+                      <a:pPr>
+                        <a:lnSpc>
+                          <a:spcPct val="115000"/>
+                        </a:lnSpc>
+                        <a:spcAft>
+                          <a:spcPts val="0"/>
+                        </a:spcAft>
+                      </a:pPr>
+                      <a:r>
+                        <a:rPr lang="en-US" sz="1200" baseline="-25000" dirty="0">
+                          <a:effectLst/>
+                        </a:rPr>
+                        <a:t>Fin</a:t>
+                      </a:r>
+                      <a:r>
+                        <a:rPr lang="nl-NL" sz="1200" baseline="-25000" dirty="0">
+                          <a:effectLst/>
+                        </a:rPr>
+                        <a:t>d&amp;SwapLoHi</a:t>
+                      </a:r>
+                      <a:endParaRPr lang="nl-NL" sz="1100" dirty="0">
+                        <a:effectLst/>
+                        <a:latin typeface="Calibri"/>
+                        <a:ea typeface="Calibri"/>
+                        <a:cs typeface="Times New Roman"/>
+                      </a:endParaRPr>
+                    </a:p>
+                  </a:txBody>
+                  <a:tcPr marL="68580" marR="68580" marT="0" marB="0">
+                    <a:solidFill>
+                      <a:srgbClr val="D52525"/>
+                    </a:solidFill>
+                  </a:tcPr>
+                </a:tc>
+                <a:tc>
+                  <a:txBody>
+                    <a:bodyPr/>
+                    <a:lstStyle/>
+                    <a:p>
+                      <a:pPr>
+                        <a:lnSpc>
+                          <a:spcPct val="115000"/>
+                        </a:lnSpc>
+                        <a:spcAft>
+                          <a:spcPts val="0"/>
+                        </a:spcAft>
+                      </a:pPr>
+                      <a:r>
+                        <a:rPr lang="nl-NL" sz="1200" baseline="-25000">
+                          <a:effectLst/>
+                        </a:rPr>
+                        <a:t>7,62</a:t>
+                      </a:r>
+                      <a:endParaRPr lang="nl-NL" sz="1100">
+                        <a:effectLst/>
+                        <a:latin typeface="Calibri"/>
+                        <a:ea typeface="Calibri"/>
+                        <a:cs typeface="Times New Roman"/>
+                      </a:endParaRPr>
+                    </a:p>
+                  </a:txBody>
+                  <a:tcPr marL="68580" marR="68580" marT="0" marB="0"/>
+                </a:tc>
+                <a:tc>
+                  <a:txBody>
+                    <a:bodyPr/>
+                    <a:lstStyle/>
+                    <a:p>
+                      <a:pPr>
+                        <a:lnSpc>
+                          <a:spcPct val="115000"/>
+                        </a:lnSpc>
+                        <a:spcAft>
+                          <a:spcPts val="0"/>
+                        </a:spcAft>
+                      </a:pPr>
+                      <a:r>
+                        <a:rPr lang="nl-NL" sz="1200" baseline="-25000">
+                          <a:effectLst/>
+                        </a:rPr>
+                        <a:t>170,84</a:t>
+                      </a:r>
+                      <a:endParaRPr lang="nl-NL" sz="1100">
+                        <a:effectLst/>
+                        <a:latin typeface="Calibri"/>
+                        <a:ea typeface="Calibri"/>
+                        <a:cs typeface="Times New Roman"/>
+                      </a:endParaRPr>
+                    </a:p>
+                  </a:txBody>
+                  <a:tcPr marL="68580" marR="68580" marT="0" marB="0"/>
+                </a:tc>
+                <a:tc>
+                  <a:txBody>
+                    <a:bodyPr/>
+                    <a:lstStyle/>
+                    <a:p>
+                      <a:pPr>
+                        <a:lnSpc>
+                          <a:spcPct val="115000"/>
+                        </a:lnSpc>
+                        <a:spcAft>
+                          <a:spcPts val="0"/>
+                        </a:spcAft>
+                      </a:pPr>
+                      <a:r>
+                        <a:rPr lang="nl-NL" sz="1200" baseline="-25000">
+                          <a:effectLst/>
+                        </a:rPr>
+                        <a:t>109</a:t>
+                      </a:r>
+                      <a:endParaRPr lang="nl-NL" sz="1100">
+                        <a:effectLst/>
+                        <a:latin typeface="Calibri"/>
+                        <a:ea typeface="Calibri"/>
+                        <a:cs typeface="Times New Roman"/>
+                      </a:endParaRPr>
+                    </a:p>
+                  </a:txBody>
+                  <a:tcPr marL="68580" marR="68580" marT="0" marB="0"/>
+                </a:tc>
+                <a:tc>
+                  <a:txBody>
+                    <a:bodyPr/>
+                    <a:lstStyle/>
+                    <a:p>
+                      <a:pPr>
+                        <a:lnSpc>
+                          <a:spcPct val="115000"/>
+                        </a:lnSpc>
+                        <a:spcAft>
+                          <a:spcPts val="0"/>
+                        </a:spcAft>
+                      </a:pPr>
+                      <a:r>
+                        <a:rPr lang="nl-NL" sz="1200" baseline="-25000">
+                          <a:effectLst/>
+                        </a:rPr>
+                        <a:t>252</a:t>
+                      </a:r>
+                      <a:endParaRPr lang="nl-NL" sz="1100">
+                        <a:effectLst/>
+                        <a:latin typeface="Calibri"/>
+                        <a:ea typeface="Calibri"/>
+                        <a:cs typeface="Times New Roman"/>
+                      </a:endParaRPr>
+                    </a:p>
+                  </a:txBody>
+                  <a:tcPr marL="68580" marR="68580" marT="0" marB="0"/>
+                </a:tc>
+                <a:tc>
+                  <a:txBody>
+                    <a:bodyPr/>
+                    <a:lstStyle/>
+                    <a:p>
+                      <a:pPr>
+                        <a:lnSpc>
+                          <a:spcPct val="115000"/>
+                        </a:lnSpc>
+                        <a:spcAft>
+                          <a:spcPts val="0"/>
+                        </a:spcAft>
+                      </a:pPr>
+                      <a:r>
+                        <a:rPr lang="en-US" sz="1200" baseline="-25000">
+                          <a:effectLst/>
+                        </a:rPr>
+                        <a:t>4,37</a:t>
+                      </a:r>
+                      <a:endParaRPr lang="nl-NL" sz="1100">
+                        <a:effectLst/>
+                        <a:latin typeface="Calibri"/>
+                        <a:ea typeface="Calibri"/>
+                        <a:cs typeface="Times New Roman"/>
+                      </a:endParaRPr>
+                    </a:p>
+                  </a:txBody>
+                  <a:tcPr marL="68580" marR="68580" marT="0" marB="0"/>
+                </a:tc>
+                <a:tc>
+                  <a:txBody>
+                    <a:bodyPr/>
+                    <a:lstStyle/>
+                    <a:p>
+                      <a:pPr>
+                        <a:lnSpc>
+                          <a:spcPct val="115000"/>
+                        </a:lnSpc>
+                        <a:spcAft>
+                          <a:spcPts val="0"/>
+                        </a:spcAft>
+                      </a:pPr>
+                      <a:r>
+                        <a:rPr lang="en-US" sz="1200" baseline="-25000">
+                          <a:effectLst/>
+                        </a:rPr>
+                        <a:t>90,77</a:t>
+                      </a:r>
+                      <a:endParaRPr lang="nl-NL" sz="1100">
+                        <a:effectLst/>
+                        <a:latin typeface="Calibri"/>
+                        <a:ea typeface="Calibri"/>
+                        <a:cs typeface="Times New Roman"/>
+                      </a:endParaRPr>
+                    </a:p>
+                  </a:txBody>
+                  <a:tcPr marL="68580" marR="68580" marT="0" marB="0"/>
+                </a:tc>
+                <a:tc>
+                  <a:txBody>
+                    <a:bodyPr/>
+                    <a:lstStyle/>
+                    <a:p>
+                      <a:pPr>
+                        <a:lnSpc>
+                          <a:spcPct val="115000"/>
+                        </a:lnSpc>
+                        <a:spcAft>
+                          <a:spcPts val="0"/>
+                        </a:spcAft>
+                      </a:pPr>
+                      <a:r>
+                        <a:rPr lang="en-US" sz="1200" baseline="-25000">
+                          <a:effectLst/>
+                        </a:rPr>
+                        <a:t>54</a:t>
+                      </a:r>
+                      <a:endParaRPr lang="nl-NL" sz="1100">
+                        <a:effectLst/>
+                        <a:latin typeface="Calibri"/>
+                        <a:ea typeface="Calibri"/>
+                        <a:cs typeface="Times New Roman"/>
+                      </a:endParaRPr>
+                    </a:p>
+                  </a:txBody>
+                  <a:tcPr marL="68580" marR="68580" marT="0" marB="0"/>
+                </a:tc>
+                <a:tc>
+                  <a:txBody>
+                    <a:bodyPr/>
+                    <a:lstStyle/>
+                    <a:p>
+                      <a:pPr>
+                        <a:lnSpc>
+                          <a:spcPct val="115000"/>
+                        </a:lnSpc>
+                        <a:spcAft>
+                          <a:spcPts val="0"/>
+                        </a:spcAft>
+                      </a:pPr>
+                      <a:r>
+                        <a:rPr lang="en-US" sz="1200" baseline="-25000">
+                          <a:effectLst/>
+                        </a:rPr>
+                        <a:t>127</a:t>
+                      </a:r>
+                      <a:endParaRPr lang="nl-NL" sz="1100">
+                        <a:effectLst/>
+                        <a:latin typeface="Calibri"/>
+                        <a:ea typeface="Calibri"/>
+                        <a:cs typeface="Times New Roman"/>
+                      </a:endParaRPr>
+                    </a:p>
+                  </a:txBody>
+                  <a:tcPr marL="68580" marR="68580" marT="0" marB="0"/>
+                </a:tc>
+              </a:tr>
+              <a:tr h="391239">
+                <a:tc>
+                  <a:txBody>
+                    <a:bodyPr/>
+                    <a:lstStyle/>
+                    <a:p>
+                      <a:pPr>
+                        <a:lnSpc>
+                          <a:spcPct val="115000"/>
+                        </a:lnSpc>
+                        <a:spcAft>
+                          <a:spcPts val="0"/>
+                        </a:spcAft>
+                      </a:pPr>
+                      <a:r>
+                        <a:rPr lang="nl-NL" sz="1200" baseline="-25000" dirty="0">
+                          <a:effectLst/>
+                        </a:rPr>
+                        <a:t>ChunkSwap</a:t>
+                      </a:r>
+                      <a:endParaRPr lang="nl-NL" sz="1100" dirty="0">
+                        <a:effectLst/>
+                        <a:latin typeface="Calibri"/>
+                        <a:ea typeface="Calibri"/>
+                        <a:cs typeface="Times New Roman"/>
+                      </a:endParaRPr>
+                    </a:p>
+                  </a:txBody>
+                  <a:tcPr marL="68580" marR="68580" marT="0" marB="0">
+                    <a:solidFill>
+                      <a:srgbClr val="D52525"/>
+                    </a:solidFill>
+                  </a:tcPr>
+                </a:tc>
+                <a:tc>
+                  <a:txBody>
+                    <a:bodyPr/>
+                    <a:lstStyle/>
+                    <a:p>
+                      <a:pPr>
+                        <a:lnSpc>
+                          <a:spcPct val="115000"/>
+                        </a:lnSpc>
+                        <a:spcAft>
+                          <a:spcPts val="0"/>
+                        </a:spcAft>
+                      </a:pPr>
+                      <a:r>
+                        <a:rPr lang="nl-NL" sz="1200" baseline="-25000">
+                          <a:effectLst/>
+                        </a:rPr>
+                        <a:t>7,45</a:t>
+                      </a:r>
+                      <a:endParaRPr lang="nl-NL" sz="1100">
+                        <a:effectLst/>
+                        <a:latin typeface="Calibri"/>
+                        <a:ea typeface="Calibri"/>
+                        <a:cs typeface="Times New Roman"/>
+                      </a:endParaRPr>
+                    </a:p>
+                  </a:txBody>
+                  <a:tcPr marL="68580" marR="68580" marT="0" marB="0"/>
+                </a:tc>
+                <a:tc>
+                  <a:txBody>
+                    <a:bodyPr/>
+                    <a:lstStyle/>
+                    <a:p>
+                      <a:pPr>
+                        <a:lnSpc>
+                          <a:spcPct val="115000"/>
+                        </a:lnSpc>
+                        <a:spcAft>
+                          <a:spcPts val="0"/>
+                        </a:spcAft>
+                      </a:pPr>
+                      <a:r>
+                        <a:rPr lang="nl-NL" sz="1200" baseline="-25000">
+                          <a:effectLst/>
+                        </a:rPr>
+                        <a:t>165,67</a:t>
+                      </a:r>
+                      <a:endParaRPr lang="nl-NL" sz="1100">
+                        <a:effectLst/>
+                        <a:latin typeface="Calibri"/>
+                        <a:ea typeface="Calibri"/>
+                        <a:cs typeface="Times New Roman"/>
+                      </a:endParaRPr>
+                    </a:p>
+                  </a:txBody>
+                  <a:tcPr marL="68580" marR="68580" marT="0" marB="0"/>
+                </a:tc>
+                <a:tc>
+                  <a:txBody>
+                    <a:bodyPr/>
+                    <a:lstStyle/>
+                    <a:p>
+                      <a:pPr>
+                        <a:lnSpc>
+                          <a:spcPct val="115000"/>
+                        </a:lnSpc>
+                        <a:spcAft>
+                          <a:spcPts val="0"/>
+                        </a:spcAft>
+                      </a:pPr>
+                      <a:r>
+                        <a:rPr lang="nl-NL" sz="1200" baseline="-25000">
+                          <a:effectLst/>
+                        </a:rPr>
+                        <a:t>93</a:t>
+                      </a:r>
+                      <a:endParaRPr lang="nl-NL" sz="1100">
+                        <a:effectLst/>
+                        <a:latin typeface="Calibri"/>
+                        <a:ea typeface="Calibri"/>
+                        <a:cs typeface="Times New Roman"/>
+                      </a:endParaRPr>
+                    </a:p>
+                  </a:txBody>
+                  <a:tcPr marL="68580" marR="68580" marT="0" marB="0"/>
+                </a:tc>
+                <a:tc>
+                  <a:txBody>
+                    <a:bodyPr/>
+                    <a:lstStyle/>
+                    <a:p>
+                      <a:pPr>
+                        <a:lnSpc>
+                          <a:spcPct val="115000"/>
+                        </a:lnSpc>
+                        <a:spcAft>
+                          <a:spcPts val="0"/>
+                        </a:spcAft>
+                      </a:pPr>
+                      <a:r>
+                        <a:rPr lang="nl-NL" sz="1200" baseline="-25000">
+                          <a:effectLst/>
+                        </a:rPr>
+                        <a:t>250</a:t>
+                      </a:r>
+                      <a:endParaRPr lang="nl-NL" sz="1100">
+                        <a:effectLst/>
+                        <a:latin typeface="Calibri"/>
+                        <a:ea typeface="Calibri"/>
+                        <a:cs typeface="Times New Roman"/>
+                      </a:endParaRPr>
+                    </a:p>
+                  </a:txBody>
+                  <a:tcPr marL="68580" marR="68580" marT="0" marB="0"/>
+                </a:tc>
+                <a:tc>
+                  <a:txBody>
+                    <a:bodyPr/>
+                    <a:lstStyle/>
+                    <a:p>
+                      <a:pPr>
+                        <a:lnSpc>
+                          <a:spcPct val="115000"/>
+                        </a:lnSpc>
+                        <a:spcAft>
+                          <a:spcPts val="0"/>
+                        </a:spcAft>
+                      </a:pPr>
+                      <a:r>
+                        <a:rPr lang="nl-NL" sz="1200" baseline="-25000">
+                          <a:effectLst/>
+                        </a:rPr>
+                        <a:t>4,33</a:t>
+                      </a:r>
+                      <a:endParaRPr lang="nl-NL" sz="1100">
+                        <a:effectLst/>
+                        <a:latin typeface="Calibri"/>
+                        <a:ea typeface="Calibri"/>
+                        <a:cs typeface="Times New Roman"/>
+                      </a:endParaRPr>
+                    </a:p>
+                  </a:txBody>
+                  <a:tcPr marL="68580" marR="68580" marT="0" marB="0"/>
+                </a:tc>
+                <a:tc>
+                  <a:txBody>
+                    <a:bodyPr/>
+                    <a:lstStyle/>
+                    <a:p>
+                      <a:pPr>
+                        <a:lnSpc>
+                          <a:spcPct val="115000"/>
+                        </a:lnSpc>
+                        <a:spcAft>
+                          <a:spcPts val="0"/>
+                        </a:spcAft>
+                      </a:pPr>
+                      <a:r>
+                        <a:rPr lang="nl-NL" sz="1200" baseline="-25000">
+                          <a:effectLst/>
+                        </a:rPr>
+                        <a:t>88,17</a:t>
+                      </a:r>
+                      <a:endParaRPr lang="nl-NL" sz="1100">
+                        <a:effectLst/>
+                        <a:latin typeface="Calibri"/>
+                        <a:ea typeface="Calibri"/>
+                        <a:cs typeface="Times New Roman"/>
+                      </a:endParaRPr>
+                    </a:p>
+                  </a:txBody>
+                  <a:tcPr marL="68580" marR="68580" marT="0" marB="0"/>
+                </a:tc>
+                <a:tc>
+                  <a:txBody>
+                    <a:bodyPr/>
+                    <a:lstStyle/>
+                    <a:p>
+                      <a:pPr>
+                        <a:lnSpc>
+                          <a:spcPct val="115000"/>
+                        </a:lnSpc>
+                        <a:spcAft>
+                          <a:spcPts val="0"/>
+                        </a:spcAft>
+                      </a:pPr>
+                      <a:r>
+                        <a:rPr lang="nl-NL" sz="1200" baseline="-25000">
+                          <a:effectLst/>
+                        </a:rPr>
+                        <a:t>51</a:t>
+                      </a:r>
+                      <a:endParaRPr lang="nl-NL" sz="1100">
+                        <a:effectLst/>
+                        <a:latin typeface="Calibri"/>
+                        <a:ea typeface="Calibri"/>
+                        <a:cs typeface="Times New Roman"/>
+                      </a:endParaRPr>
+                    </a:p>
+                  </a:txBody>
+                  <a:tcPr marL="68580" marR="68580" marT="0" marB="0"/>
+                </a:tc>
+                <a:tc>
+                  <a:txBody>
+                    <a:bodyPr/>
+                    <a:lstStyle/>
+                    <a:p>
+                      <a:pPr>
+                        <a:lnSpc>
+                          <a:spcPct val="115000"/>
+                        </a:lnSpc>
+                        <a:spcAft>
+                          <a:spcPts val="0"/>
+                        </a:spcAft>
+                      </a:pPr>
+                      <a:r>
+                        <a:rPr lang="nl-NL" sz="1200" baseline="-25000">
+                          <a:effectLst/>
+                        </a:rPr>
+                        <a:t>121</a:t>
+                      </a:r>
+                      <a:endParaRPr lang="nl-NL" sz="1100">
+                        <a:effectLst/>
+                        <a:latin typeface="Calibri"/>
+                        <a:ea typeface="Calibri"/>
+                        <a:cs typeface="Times New Roman"/>
+                      </a:endParaRPr>
+                    </a:p>
+                  </a:txBody>
+                  <a:tcPr marL="68580" marR="68580" marT="0" marB="0"/>
+                </a:tc>
+              </a:tr>
+              <a:tr h="391239">
+                <a:tc>
+                  <a:txBody>
+                    <a:bodyPr/>
+                    <a:lstStyle/>
+                    <a:p>
+                      <a:pPr>
+                        <a:lnSpc>
+                          <a:spcPct val="115000"/>
+                        </a:lnSpc>
+                        <a:spcAft>
+                          <a:spcPts val="0"/>
+                        </a:spcAft>
+                      </a:pPr>
+                      <a:r>
+                        <a:rPr lang="nl-NL" sz="1200" baseline="-25000" dirty="0">
+                          <a:effectLst/>
+                        </a:rPr>
+                        <a:t>EditStar</a:t>
+                      </a:r>
+                      <a:endParaRPr lang="nl-NL" sz="1100" dirty="0">
+                        <a:effectLst/>
+                        <a:latin typeface="Calibri"/>
+                        <a:ea typeface="Calibri"/>
+                        <a:cs typeface="Times New Roman"/>
+                      </a:endParaRPr>
+                    </a:p>
+                  </a:txBody>
+                  <a:tcPr marL="68580" marR="68580" marT="0" marB="0">
+                    <a:solidFill>
+                      <a:srgbClr val="D52525"/>
+                    </a:solidFill>
+                  </a:tcPr>
+                </a:tc>
+                <a:tc>
+                  <a:txBody>
+                    <a:bodyPr/>
+                    <a:lstStyle/>
+                    <a:p>
+                      <a:pPr>
+                        <a:lnSpc>
+                          <a:spcPct val="115000"/>
+                        </a:lnSpc>
+                        <a:spcAft>
+                          <a:spcPts val="0"/>
+                        </a:spcAft>
+                      </a:pPr>
+                      <a:r>
+                        <a:rPr lang="nl-NL" sz="1200" baseline="-25000">
+                          <a:effectLst/>
+                        </a:rPr>
+                        <a:t>9,16</a:t>
+                      </a:r>
+                      <a:endParaRPr lang="nl-NL" sz="1100">
+                        <a:effectLst/>
+                        <a:latin typeface="Calibri"/>
+                        <a:ea typeface="Calibri"/>
+                        <a:cs typeface="Times New Roman"/>
+                      </a:endParaRPr>
+                    </a:p>
+                  </a:txBody>
+                  <a:tcPr marL="68580" marR="68580" marT="0" marB="0"/>
+                </a:tc>
+                <a:tc>
+                  <a:txBody>
+                    <a:bodyPr/>
+                    <a:lstStyle/>
+                    <a:p>
+                      <a:pPr>
+                        <a:lnSpc>
+                          <a:spcPct val="115000"/>
+                        </a:lnSpc>
+                        <a:spcAft>
+                          <a:spcPts val="0"/>
+                        </a:spcAft>
+                      </a:pPr>
+                      <a:r>
+                        <a:rPr lang="nl-NL" sz="1200" baseline="-25000">
+                          <a:effectLst/>
+                        </a:rPr>
+                        <a:t>164,73</a:t>
+                      </a:r>
+                      <a:endParaRPr lang="nl-NL" sz="1100">
+                        <a:effectLst/>
+                        <a:latin typeface="Calibri"/>
+                        <a:ea typeface="Calibri"/>
+                        <a:cs typeface="Times New Roman"/>
+                      </a:endParaRPr>
+                    </a:p>
+                  </a:txBody>
+                  <a:tcPr marL="68580" marR="68580" marT="0" marB="0"/>
+                </a:tc>
+                <a:tc>
+                  <a:txBody>
+                    <a:bodyPr/>
+                    <a:lstStyle/>
+                    <a:p>
+                      <a:pPr>
+                        <a:lnSpc>
+                          <a:spcPct val="115000"/>
+                        </a:lnSpc>
+                        <a:spcAft>
+                          <a:spcPts val="0"/>
+                        </a:spcAft>
+                      </a:pPr>
+                      <a:r>
+                        <a:rPr lang="nl-NL" sz="1200" baseline="-25000" dirty="0">
+                          <a:effectLst/>
+                        </a:rPr>
+                        <a:t>118</a:t>
+                      </a:r>
+                      <a:endParaRPr lang="nl-NL" sz="1100" dirty="0">
+                        <a:effectLst/>
+                        <a:latin typeface="Calibri"/>
+                        <a:ea typeface="Calibri"/>
+                        <a:cs typeface="Times New Roman"/>
+                      </a:endParaRPr>
+                    </a:p>
+                  </a:txBody>
+                  <a:tcPr marL="68580" marR="68580" marT="0" marB="0"/>
+                </a:tc>
+                <a:tc>
+                  <a:txBody>
+                    <a:bodyPr/>
+                    <a:lstStyle/>
+                    <a:p>
+                      <a:pPr>
+                        <a:lnSpc>
+                          <a:spcPct val="115000"/>
+                        </a:lnSpc>
+                        <a:spcAft>
+                          <a:spcPts val="0"/>
+                        </a:spcAft>
+                      </a:pPr>
+                      <a:r>
+                        <a:rPr lang="nl-NL" sz="1200" baseline="-25000">
+                          <a:effectLst/>
+                        </a:rPr>
+                        <a:t>208</a:t>
+                      </a:r>
+                      <a:endParaRPr lang="nl-NL" sz="1100">
+                        <a:effectLst/>
+                        <a:latin typeface="Calibri"/>
+                        <a:ea typeface="Calibri"/>
+                        <a:cs typeface="Times New Roman"/>
+                      </a:endParaRPr>
+                    </a:p>
+                  </a:txBody>
+                  <a:tcPr marL="68580" marR="68580" marT="0" marB="0"/>
+                </a:tc>
+                <a:tc>
+                  <a:txBody>
+                    <a:bodyPr/>
+                    <a:lstStyle/>
+                    <a:p>
+                      <a:pPr>
+                        <a:lnSpc>
+                          <a:spcPct val="115000"/>
+                        </a:lnSpc>
+                        <a:spcAft>
+                          <a:spcPts val="0"/>
+                        </a:spcAft>
+                      </a:pPr>
+                      <a:r>
+                        <a:rPr lang="nl-NL" sz="1200" baseline="-25000">
+                          <a:effectLst/>
+                        </a:rPr>
+                        <a:t>6,22</a:t>
+                      </a:r>
+                      <a:endParaRPr lang="nl-NL" sz="1100">
+                        <a:effectLst/>
+                        <a:latin typeface="Calibri"/>
+                        <a:ea typeface="Calibri"/>
+                        <a:cs typeface="Times New Roman"/>
+                      </a:endParaRPr>
+                    </a:p>
+                  </a:txBody>
+                  <a:tcPr marL="68580" marR="68580" marT="0" marB="0"/>
+                </a:tc>
+                <a:tc>
+                  <a:txBody>
+                    <a:bodyPr/>
+                    <a:lstStyle/>
+                    <a:p>
+                      <a:pPr>
+                        <a:lnSpc>
+                          <a:spcPct val="115000"/>
+                        </a:lnSpc>
+                        <a:spcAft>
+                          <a:spcPts val="0"/>
+                        </a:spcAft>
+                      </a:pPr>
+                      <a:r>
+                        <a:rPr lang="nl-NL" sz="1200" baseline="-25000">
+                          <a:effectLst/>
+                        </a:rPr>
+                        <a:t>103,15</a:t>
+                      </a:r>
+                      <a:endParaRPr lang="nl-NL" sz="1100">
+                        <a:effectLst/>
+                        <a:latin typeface="Calibri"/>
+                        <a:ea typeface="Calibri"/>
+                        <a:cs typeface="Times New Roman"/>
+                      </a:endParaRPr>
+                    </a:p>
+                  </a:txBody>
+                  <a:tcPr marL="68580" marR="68580" marT="0" marB="0"/>
+                </a:tc>
+                <a:tc>
+                  <a:txBody>
+                    <a:bodyPr/>
+                    <a:lstStyle/>
+                    <a:p>
+                      <a:pPr>
+                        <a:lnSpc>
+                          <a:spcPct val="115000"/>
+                        </a:lnSpc>
+                        <a:spcAft>
+                          <a:spcPts val="0"/>
+                        </a:spcAft>
+                      </a:pPr>
+                      <a:r>
+                        <a:rPr lang="nl-NL" sz="1200" baseline="-25000">
+                          <a:effectLst/>
+                        </a:rPr>
+                        <a:t>47</a:t>
+                      </a:r>
+                      <a:endParaRPr lang="nl-NL" sz="1100">
+                        <a:effectLst/>
+                        <a:latin typeface="Calibri"/>
+                        <a:ea typeface="Calibri"/>
+                        <a:cs typeface="Times New Roman"/>
+                      </a:endParaRPr>
+                    </a:p>
+                  </a:txBody>
+                  <a:tcPr marL="68580" marR="68580" marT="0" marB="0"/>
+                </a:tc>
+                <a:tc>
+                  <a:txBody>
+                    <a:bodyPr/>
+                    <a:lstStyle/>
+                    <a:p>
+                      <a:pPr>
+                        <a:lnSpc>
+                          <a:spcPct val="115000"/>
+                        </a:lnSpc>
+                        <a:spcAft>
+                          <a:spcPts val="0"/>
+                        </a:spcAft>
+                      </a:pPr>
+                      <a:r>
+                        <a:rPr lang="nl-NL" sz="1200" baseline="-25000">
+                          <a:effectLst/>
+                        </a:rPr>
+                        <a:t>222</a:t>
+                      </a:r>
+                      <a:endParaRPr lang="nl-NL" sz="1100">
+                        <a:effectLst/>
+                        <a:latin typeface="Calibri"/>
+                        <a:ea typeface="Calibri"/>
+                        <a:cs typeface="Times New Roman"/>
+                      </a:endParaRPr>
+                    </a:p>
+                  </a:txBody>
+                  <a:tcPr marL="68580" marR="68580" marT="0" marB="0"/>
+                </a:tc>
+              </a:tr>
+              <a:tr h="391239">
+                <a:tc>
+                  <a:txBody>
+                    <a:bodyPr/>
+                    <a:lstStyle/>
+                    <a:p>
+                      <a:pPr>
+                        <a:lnSpc>
+                          <a:spcPct val="115000"/>
+                        </a:lnSpc>
+                        <a:spcAft>
+                          <a:spcPts val="0"/>
+                        </a:spcAft>
+                      </a:pPr>
+                      <a:r>
+                        <a:rPr lang="nl-NL" sz="1200" baseline="-25000" dirty="0">
+                          <a:effectLst/>
+                        </a:rPr>
+                        <a:t>EditStarTotalGenes</a:t>
+                      </a:r>
+                      <a:endParaRPr lang="nl-NL" sz="1100" dirty="0">
+                        <a:effectLst/>
+                        <a:latin typeface="Calibri"/>
+                        <a:ea typeface="Calibri"/>
+                        <a:cs typeface="Times New Roman"/>
+                      </a:endParaRPr>
+                    </a:p>
+                  </a:txBody>
+                  <a:tcPr marL="68580" marR="68580" marT="0" marB="0">
+                    <a:solidFill>
+                      <a:srgbClr val="D52525"/>
+                    </a:solidFill>
+                  </a:tcPr>
+                </a:tc>
+                <a:tc>
+                  <a:txBody>
+                    <a:bodyPr/>
+                    <a:lstStyle/>
+                    <a:p>
+                      <a:pPr>
+                        <a:lnSpc>
+                          <a:spcPct val="115000"/>
+                        </a:lnSpc>
+                        <a:spcAft>
+                          <a:spcPts val="0"/>
+                        </a:spcAft>
+                      </a:pPr>
+                      <a:r>
+                        <a:rPr lang="nl-NL" sz="1200" baseline="-25000">
+                          <a:effectLst/>
+                        </a:rPr>
+                        <a:t> </a:t>
+                      </a:r>
+                      <a:endParaRPr lang="nl-NL" sz="1100">
+                        <a:effectLst/>
+                        <a:latin typeface="Calibri"/>
+                        <a:ea typeface="Calibri"/>
+                        <a:cs typeface="Times New Roman"/>
+                      </a:endParaRPr>
+                    </a:p>
+                  </a:txBody>
+                  <a:tcPr marL="68580" marR="68580" marT="0" marB="0"/>
+                </a:tc>
+                <a:tc>
+                  <a:txBody>
+                    <a:bodyPr/>
+                    <a:lstStyle/>
+                    <a:p>
+                      <a:pPr>
+                        <a:lnSpc>
+                          <a:spcPct val="115000"/>
+                        </a:lnSpc>
+                        <a:spcAft>
+                          <a:spcPts val="0"/>
+                        </a:spcAft>
+                      </a:pPr>
+                      <a:r>
+                        <a:rPr lang="nl-NL" sz="1200" baseline="-25000">
+                          <a:effectLst/>
+                        </a:rPr>
+                        <a:t> </a:t>
+                      </a:r>
+                      <a:endParaRPr lang="nl-NL" sz="1100">
+                        <a:effectLst/>
+                        <a:latin typeface="Calibri"/>
+                        <a:ea typeface="Calibri"/>
+                        <a:cs typeface="Times New Roman"/>
+                      </a:endParaRPr>
+                    </a:p>
+                  </a:txBody>
+                  <a:tcPr marL="68580" marR="68580" marT="0" marB="0"/>
+                </a:tc>
+                <a:tc>
+                  <a:txBody>
+                    <a:bodyPr/>
+                    <a:lstStyle/>
+                    <a:p>
+                      <a:pPr>
+                        <a:lnSpc>
+                          <a:spcPct val="115000"/>
+                        </a:lnSpc>
+                        <a:spcAft>
+                          <a:spcPts val="0"/>
+                        </a:spcAft>
+                      </a:pPr>
+                      <a:r>
+                        <a:rPr lang="nl-NL" sz="1200" baseline="-25000" dirty="0">
+                          <a:effectLst/>
+                        </a:rPr>
+                        <a:t> </a:t>
+                      </a:r>
+                      <a:endParaRPr lang="nl-NL" sz="1100" dirty="0">
+                        <a:effectLst/>
+                        <a:latin typeface="Calibri"/>
+                        <a:ea typeface="Calibri"/>
+                        <a:cs typeface="Times New Roman"/>
+                      </a:endParaRPr>
+                    </a:p>
+                  </a:txBody>
+                  <a:tcPr marL="68580" marR="68580" marT="0" marB="0"/>
+                </a:tc>
+                <a:tc>
+                  <a:txBody>
+                    <a:bodyPr/>
+                    <a:lstStyle/>
+                    <a:p>
+                      <a:pPr>
+                        <a:lnSpc>
+                          <a:spcPct val="115000"/>
+                        </a:lnSpc>
+                        <a:spcAft>
+                          <a:spcPts val="0"/>
+                        </a:spcAft>
+                      </a:pPr>
+                      <a:r>
+                        <a:rPr lang="nl-NL" sz="1200" baseline="-25000" dirty="0">
+                          <a:effectLst/>
+                        </a:rPr>
+                        <a:t> </a:t>
+                      </a:r>
+                      <a:endParaRPr lang="nl-NL" sz="1100" dirty="0">
+                        <a:effectLst/>
+                        <a:latin typeface="Calibri"/>
+                        <a:ea typeface="Calibri"/>
+                        <a:cs typeface="Times New Roman"/>
+                      </a:endParaRPr>
+                    </a:p>
+                  </a:txBody>
+                  <a:tcPr marL="68580" marR="68580" marT="0" marB="0"/>
+                </a:tc>
+                <a:tc>
+                  <a:txBody>
+                    <a:bodyPr/>
+                    <a:lstStyle/>
+                    <a:p>
+                      <a:pPr>
+                        <a:lnSpc>
+                          <a:spcPct val="115000"/>
+                        </a:lnSpc>
+                        <a:spcAft>
+                          <a:spcPts val="0"/>
+                        </a:spcAft>
+                      </a:pPr>
+                      <a:r>
+                        <a:rPr lang="nl-NL" sz="1200" baseline="-25000">
+                          <a:effectLst/>
+                        </a:rPr>
+                        <a:t> </a:t>
+                      </a:r>
+                      <a:endParaRPr lang="nl-NL" sz="1100">
+                        <a:effectLst/>
+                        <a:latin typeface="Calibri"/>
+                        <a:ea typeface="Calibri"/>
+                        <a:cs typeface="Times New Roman"/>
+                      </a:endParaRPr>
+                    </a:p>
+                  </a:txBody>
+                  <a:tcPr marL="68580" marR="68580" marT="0" marB="0"/>
+                </a:tc>
+                <a:tc>
+                  <a:txBody>
+                    <a:bodyPr/>
+                    <a:lstStyle/>
+                    <a:p>
+                      <a:pPr>
+                        <a:lnSpc>
+                          <a:spcPct val="115000"/>
+                        </a:lnSpc>
+                        <a:spcAft>
+                          <a:spcPts val="0"/>
+                        </a:spcAft>
+                      </a:pPr>
+                      <a:r>
+                        <a:rPr lang="nl-NL" sz="1200" baseline="-25000">
+                          <a:effectLst/>
+                        </a:rPr>
+                        <a:t> </a:t>
+                      </a:r>
+                      <a:endParaRPr lang="nl-NL" sz="1100">
+                        <a:effectLst/>
+                        <a:latin typeface="Calibri"/>
+                        <a:ea typeface="Calibri"/>
+                        <a:cs typeface="Times New Roman"/>
+                      </a:endParaRPr>
+                    </a:p>
+                  </a:txBody>
+                  <a:tcPr marL="68580" marR="68580" marT="0" marB="0"/>
+                </a:tc>
+                <a:tc>
+                  <a:txBody>
+                    <a:bodyPr/>
+                    <a:lstStyle/>
+                    <a:p>
+                      <a:pPr>
+                        <a:lnSpc>
+                          <a:spcPct val="115000"/>
+                        </a:lnSpc>
+                        <a:spcAft>
+                          <a:spcPts val="0"/>
+                        </a:spcAft>
+                      </a:pPr>
+                      <a:r>
+                        <a:rPr lang="nl-NL" sz="1200" baseline="-25000">
+                          <a:effectLst/>
+                        </a:rPr>
+                        <a:t> </a:t>
+                      </a:r>
+                      <a:endParaRPr lang="nl-NL" sz="1100">
+                        <a:effectLst/>
+                        <a:latin typeface="Calibri"/>
+                        <a:ea typeface="Calibri"/>
+                        <a:cs typeface="Times New Roman"/>
+                      </a:endParaRPr>
+                    </a:p>
+                  </a:txBody>
+                  <a:tcPr marL="68580" marR="68580" marT="0" marB="0"/>
+                </a:tc>
+                <a:tc>
+                  <a:txBody>
+                    <a:bodyPr/>
+                    <a:lstStyle/>
+                    <a:p>
+                      <a:pPr>
+                        <a:lnSpc>
+                          <a:spcPct val="115000"/>
+                        </a:lnSpc>
+                        <a:spcAft>
+                          <a:spcPts val="0"/>
+                        </a:spcAft>
+                      </a:pPr>
+                      <a:r>
+                        <a:rPr lang="nl-NL" sz="1200" baseline="-25000" dirty="0">
+                          <a:effectLst/>
+                        </a:rPr>
+                        <a:t> </a:t>
+                      </a:r>
+                      <a:endParaRPr lang="nl-NL" sz="1100" dirty="0">
+                        <a:effectLst/>
+                        <a:latin typeface="Calibri"/>
+                        <a:ea typeface="Calibri"/>
+                        <a:cs typeface="Times New Roman"/>
+                      </a:endParaRPr>
+                    </a:p>
+                  </a:txBody>
+                  <a:tcPr marL="68580" marR="68580" marT="0" marB="0"/>
+                </a:tc>
+              </a:tr>
+            </a:tbl>
+          </a:graphicData>
+        </a:graphic>
+      </p:graphicFrame>
+    </p:spTree>
+    <p:extLst>
+      <p:ext uri="{BB962C8B-B14F-4D97-AF65-F5344CB8AC3E}">
+        <p14:creationId xmlns:p14="http://schemas.microsoft.com/office/powerpoint/2010/main" val="3100453233"/>
+      </p:ext>
+    </p:extLst>
+  </p:cSld>
+  <p:clrMapOvr>
+    <a:masterClrMapping/>
+  </p:clrMapOvr>
+</p:sld>
+</file>
+
+<file path=ppt/slides/slide16.xml><?xml version="1.0" encoding="utf-8"?>
+<p:sld xmlns:a="http://schemas.openxmlformats.org/drawingml/2006/main" xmlns:r="http://schemas.openxmlformats.org/officeDocument/2006/relationships" xmlns:p="http://schemas.openxmlformats.org/presentationml/2006/main">
+  <p:cSld>
+    <p:spTree>
+      <p:nvGrpSpPr>
+        <p:cNvPr id="1" name=""/>
+        <p:cNvGrpSpPr/>
+        <p:nvPr/>
+      </p:nvGrpSpPr>
+      <p:grpSpPr>
+        <a:xfrm>
+          <a:off x="0" y="0"/>
+          <a:ext cx="0" cy="0"/>
+          <a:chOff x="0" y="0"/>
+          <a:chExt cx="0" cy="0"/>
+        </a:xfrm>
+      </p:grpSpPr>
       <p:sp>
         <p:nvSpPr>
           <p:cNvPr id="2" name="Title 1"/>
@@ -6272,17 +8547,13 @@
           <a:p>
             <a:r>
               <a:rPr lang="nl-NL" dirty="0" smtClean="0"/>
-              <a:t>Geen absolute zekerheid dat 13 laagst mogelijk is, maar vrij aannemelijk dat het hier niet ver meer onder kan</a:t>
-            </a:r>
-          </a:p>
-          <a:p>
-            <a:endParaRPr lang="nl-NL" dirty="0"/>
-          </a:p>
-          <a:p>
+              <a:t>Geen absolute zekerheid dat 13 laagst mogelijk is, maar vrij aannemelijk dat het hier niet ver meer onder </a:t>
+            </a:r>
             <a:r>
               <a:rPr lang="nl-NL" dirty="0" smtClean="0"/>
-              <a:t>EditStar beste in het algemeen: verplaatst iets meer genen maar consistent de minste swaps bij random sample</a:t>
-            </a:r>
+              <a:t>kan</a:t>
+            </a:r>
+            <a:endParaRPr lang="nl-NL" dirty="0" smtClean="0"/>
           </a:p>
           <a:p>
             <a:endParaRPr lang="nl-NL" dirty="0"/>
@@ -7328,10 +9599,10 @@
           <a:lstStyle/>
           <a:p>
             <a:r>
-              <a:rPr lang="nl-NL" smtClean="0"/>
+              <a:rPr lang="nl-NL" dirty="0" smtClean="0"/>
               <a:t>BeamSearch</a:t>
             </a:r>
-            <a:endParaRPr lang="nl-NL"/>
+            <a:endParaRPr lang="nl-NL" dirty="0"/>
           </a:p>
         </p:txBody>
       </p:sp>
@@ -7360,6 +9631,93 @@
           </a:p>
           <a:p>
             <a:endParaRPr lang="nl-NL" dirty="0"/>
+          </a:p>
+        </p:txBody>
+      </p:sp>
+      <p:sp>
+        <p:nvSpPr>
+          <p:cNvPr id="4" name="TextBox 3"/>
+          <p:cNvSpPr txBox="1"/>
+          <p:nvPr/>
+        </p:nvSpPr>
+        <p:spPr>
+          <a:xfrm>
+            <a:off x="5089585" y="1402514"/>
+            <a:ext cx="4054415" cy="4401205"/>
+          </a:xfrm>
+          <a:prstGeom prst="rect">
+            <a:avLst/>
+          </a:prstGeom>
+          <a:noFill/>
+        </p:spPr>
+        <p:txBody>
+          <a:bodyPr wrap="square" rtlCol="0">
+            <a:spAutoFit/>
+          </a:bodyPr>
+          <a:lstStyle/>
+          <a:p>
+            <a:pPr algn="ctr"/>
+            <a:r>
+              <a:rPr lang="nl-NL" sz="4000" dirty="0" smtClean="0"/>
+              <a:t>1</a:t>
+            </a:r>
+          </a:p>
+          <a:p>
+            <a:pPr algn="ctr"/>
+            <a:r>
+              <a:rPr lang="nl-NL" sz="4000" dirty="0" smtClean="0">
+                <a:solidFill>
+                  <a:srgbClr val="FF0000"/>
+                </a:solidFill>
+              </a:rPr>
+              <a:t>V</a:t>
+            </a:r>
+          </a:p>
+          <a:p>
+            <a:pPr algn="ctr"/>
+            <a:r>
+              <a:rPr lang="nl-NL" sz="4000" dirty="0" smtClean="0"/>
+              <a:t>300</a:t>
+            </a:r>
+            <a:endParaRPr lang="nl-NL" sz="4000" dirty="0" smtClean="0"/>
+          </a:p>
+          <a:p>
+            <a:pPr algn="ctr"/>
+            <a:r>
+              <a:rPr lang="nl-NL" sz="4000" dirty="0" smtClean="0">
+                <a:solidFill>
+                  <a:srgbClr val="FF0000"/>
+                </a:solidFill>
+              </a:rPr>
+              <a:t>V</a:t>
+            </a:r>
+            <a:endParaRPr lang="nl-NL" sz="4000" dirty="0" smtClean="0"/>
+          </a:p>
+          <a:p>
+            <a:pPr algn="ctr"/>
+            <a:r>
+              <a:rPr lang="nl-NL" sz="4000" dirty="0" smtClean="0"/>
+              <a:t>90.000</a:t>
+            </a:r>
+          </a:p>
+          <a:p>
+            <a:pPr algn="ctr"/>
+            <a:r>
+              <a:rPr lang="nl-NL" sz="4000" dirty="0" smtClean="0">
+                <a:solidFill>
+                  <a:srgbClr val="FF0000"/>
+                </a:solidFill>
+              </a:rPr>
+              <a:t>V</a:t>
+            </a:r>
+          </a:p>
+          <a:p>
+            <a:pPr algn="ctr"/>
+            <a:r>
+              <a:rPr lang="nl-NL" sz="4000" dirty="0" smtClean="0"/>
+              <a:t>27.000.000</a:t>
+            </a:r>
+            <a:endParaRPr lang="nl-NL" sz="4000" dirty="0"/>
           </a:p>
         </p:txBody>
       </p:sp>

--- a/Fruitvliegen_Presentatie.pptx
+++ b/Fruitvliegen_Presentatie.pptx
@@ -3363,21 +3363,21 @@
       </p:sp>
       <p:graphicFrame>
         <p:nvGraphicFramePr>
-          <p:cNvPr id="6" name="Table 5"/>
+          <p:cNvPr id="7" name="Table 6"/>
           <p:cNvGraphicFramePr>
             <a:graphicFrameLocks noGrp="1"/>
           </p:cNvGraphicFramePr>
           <p:nvPr>
             <p:extLst>
               <p:ext uri="{D42A27DB-BD31-4B8C-83A1-F6EECF244321}">
-                <p14:modId xmlns:p14="http://schemas.microsoft.com/office/powerpoint/2010/main" val="1784473852"/>
+                <p14:modId xmlns:p14="http://schemas.microsoft.com/office/powerpoint/2010/main" val="2232500880"/>
               </p:ext>
             </p:extLst>
           </p:nvPr>
         </p:nvGraphicFramePr>
         <p:xfrm>
-          <a:off x="685800" y="3429000"/>
-          <a:ext cx="7239000" cy="2667000"/>
+          <a:off x="685800" y="3048000"/>
+          <a:ext cx="6769735" cy="3451694"/>
         </p:xfrm>
         <a:graphic>
           <a:graphicData uri="http://schemas.openxmlformats.org/drawingml/2006/table">
@@ -3386,12 +3386,12 @@
                 <a:tableStyleId>{5C22544A-7EE6-4342-B048-85BDC9FD1C3A}</a:tableStyleId>
               </a:tblPr>
               <a:tblGrid>
-                <a:gridCol w="1788395"/>
-                <a:gridCol w="1788395"/>
-                <a:gridCol w="2011265"/>
-                <a:gridCol w="1650945"/>
+                <a:gridCol w="2240360"/>
+                <a:gridCol w="1376169"/>
+                <a:gridCol w="1707321"/>
+                <a:gridCol w="1445885"/>
               </a:tblGrid>
-              <a:tr h="333375">
+              <a:tr h="620483">
                 <a:tc>
                   <a:txBody>
                     <a:bodyPr/>
@@ -3399,7 +3399,361 @@
                     <a:p>
                       <a:pPr algn="l">
                         <a:lnSpc>
-                          <a:spcPct val="150000"/>
+                          <a:spcPct val="200000"/>
+                        </a:lnSpc>
+                        <a:spcAft>
+                          <a:spcPts val="0"/>
+                        </a:spcAft>
+                      </a:pPr>
+                      <a:r>
+                        <a:rPr lang="nl-NL" sz="1200">
+                          <a:effectLst/>
+                        </a:rPr>
+                        <a:t> </a:t>
+                      </a:r>
+                      <a:endParaRPr lang="nl-NL" sz="1100">
+                        <a:effectLst/>
+                        <a:latin typeface="Calibri"/>
+                        <a:ea typeface="Calibri"/>
+                        <a:cs typeface="Times New Roman"/>
+                      </a:endParaRPr>
+                    </a:p>
+                  </a:txBody>
+                  <a:tcPr marL="68580" marR="68580" marT="0" marB="0"/>
+                </a:tc>
+                <a:tc>
+                  <a:txBody>
+                    <a:bodyPr/>
+                    <a:lstStyle/>
+                    <a:p>
+                      <a:pPr algn="l">
+                        <a:lnSpc>
+                          <a:spcPct val="200000"/>
+                        </a:lnSpc>
+                        <a:spcAft>
+                          <a:spcPts val="0"/>
+                        </a:spcAft>
+                      </a:pPr>
+                      <a:r>
+                        <a:rPr lang="nl-NL" sz="1200">
+                          <a:effectLst/>
+                        </a:rPr>
+                        <a:t>Aantal inversies</a:t>
+                      </a:r>
+                      <a:endParaRPr lang="nl-NL" sz="1100">
+                        <a:effectLst/>
+                        <a:latin typeface="Calibri"/>
+                        <a:ea typeface="Calibri"/>
+                        <a:cs typeface="Times New Roman"/>
+                      </a:endParaRPr>
+                    </a:p>
+                  </a:txBody>
+                  <a:tcPr marL="68580" marR="68580" marT="0" marB="0"/>
+                </a:tc>
+                <a:tc>
+                  <a:txBody>
+                    <a:bodyPr/>
+                    <a:lstStyle/>
+                    <a:p>
+                      <a:pPr algn="l">
+                        <a:lnSpc>
+                          <a:spcPct val="200000"/>
+                        </a:lnSpc>
+                        <a:spcAft>
+                          <a:spcPts val="0"/>
+                        </a:spcAft>
+                      </a:pPr>
+                      <a:r>
+                        <a:rPr lang="nl-NL" sz="1200">
+                          <a:effectLst/>
+                        </a:rPr>
+                        <a:t>Gem. grootte inversies</a:t>
+                      </a:r>
+                      <a:endParaRPr lang="nl-NL" sz="1100">
+                        <a:effectLst/>
+                        <a:latin typeface="Calibri"/>
+                        <a:ea typeface="Calibri"/>
+                        <a:cs typeface="Times New Roman"/>
+                      </a:endParaRPr>
+                    </a:p>
+                  </a:txBody>
+                  <a:tcPr marL="68580" marR="68580" marT="0" marB="0"/>
+                </a:tc>
+                <a:tc>
+                  <a:txBody>
+                    <a:bodyPr/>
+                    <a:lstStyle/>
+                    <a:p>
+                      <a:pPr algn="l">
+                        <a:lnSpc>
+                          <a:spcPct val="200000"/>
+                        </a:lnSpc>
+                        <a:spcAft>
+                          <a:spcPts val="0"/>
+                        </a:spcAft>
+                      </a:pPr>
+                      <a:r>
+                        <a:rPr lang="nl-NL" sz="1200">
+                          <a:effectLst/>
+                        </a:rPr>
+                        <a:t>Genen verplaatst</a:t>
+                      </a:r>
+                      <a:endParaRPr lang="nl-NL" sz="1100">
+                        <a:effectLst/>
+                        <a:latin typeface="Calibri"/>
+                        <a:ea typeface="Calibri"/>
+                        <a:cs typeface="Times New Roman"/>
+                      </a:endParaRPr>
+                    </a:p>
+                  </a:txBody>
+                  <a:tcPr marL="68580" marR="68580" marT="0" marB="0"/>
+                </a:tc>
+              </a:tr>
+              <a:tr h="300881">
+                <a:tc>
+                  <a:txBody>
+                    <a:bodyPr/>
+                    <a:lstStyle/>
+                    <a:p>
+                      <a:pPr algn="l">
+                        <a:lnSpc>
+                          <a:spcPct val="200000"/>
+                        </a:lnSpc>
+                        <a:spcAft>
+                          <a:spcPts val="0"/>
+                        </a:spcAft>
+                      </a:pPr>
+                      <a:r>
+                        <a:rPr lang="nl-NL" sz="1200">
+                          <a:effectLst/>
+                        </a:rPr>
+                        <a:t>Find&amp;Swap</a:t>
+                      </a:r>
+                      <a:endParaRPr lang="nl-NL" sz="1100">
+                        <a:effectLst/>
+                        <a:latin typeface="Calibri"/>
+                        <a:ea typeface="Calibri"/>
+                        <a:cs typeface="Times New Roman"/>
+                      </a:endParaRPr>
+                    </a:p>
+                  </a:txBody>
+                  <a:tcPr marL="68580" marR="68580" marT="0" marB="0"/>
+                </a:tc>
+                <a:tc>
+                  <a:txBody>
+                    <a:bodyPr/>
+                    <a:lstStyle/>
+                    <a:p>
+                      <a:pPr algn="l">
+                        <a:lnSpc>
+                          <a:spcPct val="200000"/>
+                        </a:lnSpc>
+                        <a:spcAft>
+                          <a:spcPts val="0"/>
+                        </a:spcAft>
+                      </a:pPr>
+                      <a:r>
+                        <a:rPr lang="nl-NL" sz="1200">
+                          <a:effectLst/>
+                        </a:rPr>
+                        <a:t>18</a:t>
+                      </a:r>
+                      <a:endParaRPr lang="nl-NL" sz="1100">
+                        <a:effectLst/>
+                        <a:latin typeface="Calibri"/>
+                        <a:ea typeface="Calibri"/>
+                        <a:cs typeface="Times New Roman"/>
+                      </a:endParaRPr>
+                    </a:p>
+                  </a:txBody>
+                  <a:tcPr marL="68580" marR="68580" marT="0" marB="0"/>
+                </a:tc>
+                <a:tc>
+                  <a:txBody>
+                    <a:bodyPr/>
+                    <a:lstStyle/>
+                    <a:p>
+                      <a:pPr algn="l">
+                        <a:lnSpc>
+                          <a:spcPct val="200000"/>
+                        </a:lnSpc>
+                        <a:spcAft>
+                          <a:spcPts val="0"/>
+                        </a:spcAft>
+                      </a:pPr>
+                      <a:r>
+                        <a:rPr lang="nl-NL" sz="1200">
+                          <a:effectLst/>
+                        </a:rPr>
+                        <a:t>8</a:t>
+                      </a:r>
+                      <a:endParaRPr lang="nl-NL" sz="1100">
+                        <a:effectLst/>
+                        <a:latin typeface="Calibri"/>
+                        <a:ea typeface="Calibri"/>
+                        <a:cs typeface="Times New Roman"/>
+                      </a:endParaRPr>
+                    </a:p>
+                  </a:txBody>
+                  <a:tcPr marL="68580" marR="68580" marT="0" marB="0"/>
+                </a:tc>
+                <a:tc>
+                  <a:txBody>
+                    <a:bodyPr/>
+                    <a:lstStyle/>
+                    <a:p>
+                      <a:pPr algn="l">
+                        <a:lnSpc>
+                          <a:spcPct val="200000"/>
+                        </a:lnSpc>
+                        <a:spcAft>
+                          <a:spcPts val="0"/>
+                        </a:spcAft>
+                      </a:pPr>
+                      <a:r>
+                        <a:rPr lang="nl-NL" sz="1200">
+                          <a:effectLst/>
+                        </a:rPr>
+                        <a:t>147</a:t>
+                      </a:r>
+                      <a:endParaRPr lang="nl-NL" sz="1100">
+                        <a:effectLst/>
+                        <a:latin typeface="Calibri"/>
+                        <a:ea typeface="Calibri"/>
+                        <a:cs typeface="Times New Roman"/>
+                      </a:endParaRPr>
+                    </a:p>
+                  </a:txBody>
+                  <a:tcPr marL="68580" marR="68580" marT="0" marB="0"/>
+                </a:tc>
+              </a:tr>
+              <a:tr h="300881">
+                <a:tc>
+                  <a:txBody>
+                    <a:bodyPr/>
+                    <a:lstStyle/>
+                    <a:p>
+                      <a:pPr algn="l">
+                        <a:lnSpc>
+                          <a:spcPct val="200000"/>
+                        </a:lnSpc>
+                        <a:spcAft>
+                          <a:spcPts val="0"/>
+                        </a:spcAft>
+                      </a:pPr>
+                      <a:r>
+                        <a:rPr lang="nl-NL" sz="1200">
+                          <a:effectLst/>
+                        </a:rPr>
+                        <a:t>Find&amp;SwapRev</a:t>
+                      </a:r>
+                      <a:endParaRPr lang="nl-NL" sz="1100">
+                        <a:effectLst/>
+                        <a:latin typeface="Calibri"/>
+                        <a:ea typeface="Calibri"/>
+                        <a:cs typeface="Times New Roman"/>
+                      </a:endParaRPr>
+                    </a:p>
+                  </a:txBody>
+                  <a:tcPr marL="68580" marR="68580" marT="0" marB="0"/>
+                </a:tc>
+                <a:tc>
+                  <a:txBody>
+                    <a:bodyPr/>
+                    <a:lstStyle/>
+                    <a:p>
+                      <a:pPr algn="l">
+                        <a:lnSpc>
+                          <a:spcPct val="200000"/>
+                        </a:lnSpc>
+                        <a:spcAft>
+                          <a:spcPts val="0"/>
+                        </a:spcAft>
+                      </a:pPr>
+                      <a:r>
+                        <a:rPr lang="nl-NL" sz="1200">
+                          <a:effectLst/>
+                        </a:rPr>
+                        <a:t>16</a:t>
+                      </a:r>
+                      <a:endParaRPr lang="nl-NL" sz="1100">
+                        <a:effectLst/>
+                        <a:latin typeface="Calibri"/>
+                        <a:ea typeface="Calibri"/>
+                        <a:cs typeface="Times New Roman"/>
+                      </a:endParaRPr>
+                    </a:p>
+                  </a:txBody>
+                  <a:tcPr marL="68580" marR="68580" marT="0" marB="0"/>
+                </a:tc>
+                <a:tc>
+                  <a:txBody>
+                    <a:bodyPr/>
+                    <a:lstStyle/>
+                    <a:p>
+                      <a:pPr algn="l">
+                        <a:lnSpc>
+                          <a:spcPct val="200000"/>
+                        </a:lnSpc>
+                        <a:spcAft>
+                          <a:spcPts val="0"/>
+                        </a:spcAft>
+                      </a:pPr>
+                      <a:r>
+                        <a:rPr lang="nl-NL" sz="1200">
+                          <a:effectLst/>
+                        </a:rPr>
+                        <a:t>10</a:t>
+                      </a:r>
+                      <a:endParaRPr lang="nl-NL" sz="1100">
+                        <a:effectLst/>
+                        <a:latin typeface="Calibri"/>
+                        <a:ea typeface="Calibri"/>
+                        <a:cs typeface="Times New Roman"/>
+                      </a:endParaRPr>
+                    </a:p>
+                  </a:txBody>
+                  <a:tcPr marL="68580" marR="68580" marT="0" marB="0"/>
+                </a:tc>
+                <a:tc>
+                  <a:txBody>
+                    <a:bodyPr/>
+                    <a:lstStyle/>
+                    <a:p>
+                      <a:pPr algn="l">
+                        <a:lnSpc>
+                          <a:spcPct val="200000"/>
+                        </a:lnSpc>
+                        <a:spcAft>
+                          <a:spcPts val="0"/>
+                        </a:spcAft>
+                      </a:pPr>
+                      <a:r>
+                        <a:rPr lang="nl-NL" sz="1200">
+                          <a:effectLst/>
+                        </a:rPr>
+                        <a:t>161</a:t>
+                      </a:r>
+                      <a:endParaRPr lang="nl-NL" sz="1100">
+                        <a:effectLst/>
+                        <a:latin typeface="Calibri"/>
+                        <a:ea typeface="Calibri"/>
+                        <a:cs typeface="Times New Roman"/>
+                      </a:endParaRPr>
+                    </a:p>
+                  </a:txBody>
+                  <a:tcPr marL="68580" marR="68580" marT="0" marB="0"/>
+                </a:tc>
+              </a:tr>
+              <a:tr h="300881">
+                <a:tc>
+                  <a:txBody>
+                    <a:bodyPr/>
+                    <a:lstStyle/>
+                    <a:p>
+                      <a:pPr algn="l">
+                        <a:lnSpc>
+                          <a:spcPct val="200000"/>
                         </a:lnSpc>
                         <a:spcAft>
                           <a:spcPts val="0"/>
@@ -3409,7 +3763,7 @@
                         <a:rPr lang="nl-NL" sz="1200" dirty="0">
                           <a:effectLst/>
                         </a:rPr>
-                        <a:t> </a:t>
+                        <a:t>Find&amp;SwapIteratief</a:t>
                       </a:r>
                       <a:endParaRPr lang="nl-NL" sz="1100" dirty="0">
                         <a:effectLst/>
@@ -3428,7 +3782,7 @@
                     <a:p>
                       <a:pPr algn="l">
                         <a:lnSpc>
-                          <a:spcPct val="150000"/>
+                          <a:spcPct val="200000"/>
                         </a:lnSpc>
                         <a:spcAft>
                           <a:spcPts val="0"/>
@@ -3438,7 +3792,7 @@
                         <a:rPr lang="nl-NL" sz="1200">
                           <a:effectLst/>
                         </a:rPr>
-                        <a:t>Aantal inversies</a:t>
+                        <a:t>17</a:t>
                       </a:r>
                       <a:endParaRPr lang="nl-NL" sz="1100">
                         <a:effectLst/>
@@ -3457,7 +3811,7 @@
                     <a:p>
                       <a:pPr algn="l">
                         <a:lnSpc>
-                          <a:spcPct val="150000"/>
+                          <a:spcPct val="200000"/>
                         </a:lnSpc>
                         <a:spcAft>
                           <a:spcPts val="0"/>
@@ -3467,7 +3821,7 @@
                         <a:rPr lang="nl-NL" sz="1200">
                           <a:effectLst/>
                         </a:rPr>
-                        <a:t>Gem. grootte inversies</a:t>
+                        <a:t>11</a:t>
                       </a:r>
                       <a:endParaRPr lang="nl-NL" sz="1100">
                         <a:effectLst/>
@@ -3486,7 +3840,7 @@
                     <a:p>
                       <a:pPr algn="l">
                         <a:lnSpc>
-                          <a:spcPct val="150000"/>
+                          <a:spcPct val="200000"/>
                         </a:lnSpc>
                         <a:spcAft>
                           <a:spcPts val="0"/>
@@ -3496,7 +3850,7 @@
                         <a:rPr lang="nl-NL" sz="1200">
                           <a:effectLst/>
                         </a:rPr>
-                        <a:t>Genen verplaatst</a:t>
+                        <a:t>187</a:t>
                       </a:r>
                       <a:endParaRPr lang="nl-NL" sz="1100">
                         <a:effectLst/>
@@ -3509,7 +3863,7 @@
                   <a:tcPr marL="68580" marR="68580" marT="0" marB="0"/>
                 </a:tc>
               </a:tr>
-              <a:tr h="333375">
+              <a:tr h="300881">
                 <a:tc>
                   <a:txBody>
                     <a:bodyPr/>
@@ -3517,7 +3871,7 @@
                     <a:p>
                       <a:pPr algn="l">
                         <a:lnSpc>
-                          <a:spcPct val="150000"/>
+                          <a:spcPct val="200000"/>
                         </a:lnSpc>
                         <a:spcAft>
                           <a:spcPts val="0"/>
@@ -3527,7 +3881,7 @@
                         <a:rPr lang="nl-NL" sz="1200">
                           <a:effectLst/>
                         </a:rPr>
-                        <a:t>Find&amp;Swap</a:t>
+                        <a:t>Find&amp;SwapLoHi</a:t>
                       </a:r>
                       <a:endParaRPr lang="nl-NL" sz="1100">
                         <a:effectLst/>
@@ -3546,19 +3900,19 @@
                     <a:p>
                       <a:pPr algn="l">
                         <a:lnSpc>
-                          <a:spcPct val="150000"/>
-                        </a:lnSpc>
-                        <a:spcAft>
-                          <a:spcPts val="0"/>
-                        </a:spcAft>
-                      </a:pPr>
-                      <a:r>
-                        <a:rPr lang="nl-NL" sz="1400">
+                          <a:spcPct val="200000"/>
+                        </a:lnSpc>
+                        <a:spcAft>
+                          <a:spcPts val="0"/>
+                        </a:spcAft>
+                      </a:pPr>
+                      <a:r>
+                        <a:rPr lang="nl-NL" sz="1200">
                           <a:effectLst/>
                         </a:rPr>
                         <a:t>18</a:t>
                       </a:r>
-                      <a:endParaRPr lang="nl-NL" sz="1200">
+                      <a:endParaRPr lang="nl-NL" sz="1100">
                         <a:effectLst/>
                         <a:latin typeface="Calibri"/>
                         <a:ea typeface="Calibri"/>
@@ -3575,19 +3929,19 @@
                     <a:p>
                       <a:pPr algn="l">
                         <a:lnSpc>
-                          <a:spcPct val="150000"/>
-                        </a:lnSpc>
-                        <a:spcAft>
-                          <a:spcPts val="0"/>
-                        </a:spcAft>
-                      </a:pPr>
-                      <a:r>
-                        <a:rPr lang="nl-NL" sz="1400">
-                          <a:effectLst/>
-                        </a:rPr>
-                        <a:t>8</a:t>
-                      </a:r>
-                      <a:endParaRPr lang="nl-NL" sz="1200">
+                          <a:spcPct val="200000"/>
+                        </a:lnSpc>
+                        <a:spcAft>
+                          <a:spcPts val="0"/>
+                        </a:spcAft>
+                      </a:pPr>
+                      <a:r>
+                        <a:rPr lang="nl-NL" sz="1200">
+                          <a:effectLst/>
+                        </a:rPr>
+                        <a:t>10</a:t>
+                      </a:r>
+                      <a:endParaRPr lang="nl-NL" sz="1100">
                         <a:effectLst/>
                         <a:latin typeface="Calibri"/>
                         <a:ea typeface="Calibri"/>
@@ -3604,19 +3958,19 @@
                     <a:p>
                       <a:pPr algn="l">
                         <a:lnSpc>
-                          <a:spcPct val="150000"/>
-                        </a:lnSpc>
-                        <a:spcAft>
-                          <a:spcPts val="0"/>
-                        </a:spcAft>
-                      </a:pPr>
-                      <a:r>
-                        <a:rPr lang="nl-NL" sz="1400">
-                          <a:effectLst/>
-                        </a:rPr>
-                        <a:t>147</a:t>
-                      </a:r>
-                      <a:endParaRPr lang="nl-NL" sz="1200">
+                          <a:spcPct val="200000"/>
+                        </a:lnSpc>
+                        <a:spcAft>
+                          <a:spcPts val="0"/>
+                        </a:spcAft>
+                      </a:pPr>
+                      <a:r>
+                        <a:rPr lang="nl-NL" sz="1200">
+                          <a:effectLst/>
+                        </a:rPr>
+                        <a:t>182</a:t>
+                      </a:r>
+                      <a:endParaRPr lang="nl-NL" sz="1100">
                         <a:effectLst/>
                         <a:latin typeface="Calibri"/>
                         <a:ea typeface="Calibri"/>
@@ -3627,7 +3981,7 @@
                   <a:tcPr marL="68580" marR="68580" marT="0" marB="0"/>
                 </a:tc>
               </a:tr>
-              <a:tr h="333375">
+              <a:tr h="300881">
                 <a:tc>
                   <a:txBody>
                     <a:bodyPr/>
@@ -3635,361 +3989,7 @@
                     <a:p>
                       <a:pPr algn="l">
                         <a:lnSpc>
-                          <a:spcPct val="150000"/>
-                        </a:lnSpc>
-                        <a:spcAft>
-                          <a:spcPts val="0"/>
-                        </a:spcAft>
-                      </a:pPr>
-                      <a:r>
-                        <a:rPr lang="nl-NL" sz="1200">
-                          <a:effectLst/>
-                        </a:rPr>
-                        <a:t>Find&amp;SwapRev</a:t>
-                      </a:r>
-                      <a:endParaRPr lang="nl-NL" sz="1100">
-                        <a:effectLst/>
-                        <a:latin typeface="Calibri"/>
-                        <a:ea typeface="Calibri"/>
-                        <a:cs typeface="Times New Roman"/>
-                      </a:endParaRPr>
-                    </a:p>
-                  </a:txBody>
-                  <a:tcPr marL="68580" marR="68580" marT="0" marB="0"/>
-                </a:tc>
-                <a:tc>
-                  <a:txBody>
-                    <a:bodyPr/>
-                    <a:lstStyle/>
-                    <a:p>
-                      <a:pPr algn="l">
-                        <a:lnSpc>
-                          <a:spcPct val="150000"/>
-                        </a:lnSpc>
-                        <a:spcAft>
-                          <a:spcPts val="0"/>
-                        </a:spcAft>
-                      </a:pPr>
-                      <a:r>
-                        <a:rPr lang="nl-NL" sz="1400">
-                          <a:effectLst/>
-                        </a:rPr>
-                        <a:t>16</a:t>
-                      </a:r>
-                      <a:endParaRPr lang="nl-NL" sz="1200">
-                        <a:effectLst/>
-                        <a:latin typeface="Calibri"/>
-                        <a:ea typeface="Calibri"/>
-                        <a:cs typeface="Times New Roman"/>
-                      </a:endParaRPr>
-                    </a:p>
-                  </a:txBody>
-                  <a:tcPr marL="68580" marR="68580" marT="0" marB="0"/>
-                </a:tc>
-                <a:tc>
-                  <a:txBody>
-                    <a:bodyPr/>
-                    <a:lstStyle/>
-                    <a:p>
-                      <a:pPr algn="l">
-                        <a:lnSpc>
-                          <a:spcPct val="150000"/>
-                        </a:lnSpc>
-                        <a:spcAft>
-                          <a:spcPts val="0"/>
-                        </a:spcAft>
-                      </a:pPr>
-                      <a:r>
-                        <a:rPr lang="nl-NL" sz="1400">
-                          <a:effectLst/>
-                        </a:rPr>
-                        <a:t>10</a:t>
-                      </a:r>
-                      <a:endParaRPr lang="nl-NL" sz="1200">
-                        <a:effectLst/>
-                        <a:latin typeface="Calibri"/>
-                        <a:ea typeface="Calibri"/>
-                        <a:cs typeface="Times New Roman"/>
-                      </a:endParaRPr>
-                    </a:p>
-                  </a:txBody>
-                  <a:tcPr marL="68580" marR="68580" marT="0" marB="0"/>
-                </a:tc>
-                <a:tc>
-                  <a:txBody>
-                    <a:bodyPr/>
-                    <a:lstStyle/>
-                    <a:p>
-                      <a:pPr algn="l">
-                        <a:lnSpc>
-                          <a:spcPct val="150000"/>
-                        </a:lnSpc>
-                        <a:spcAft>
-                          <a:spcPts val="0"/>
-                        </a:spcAft>
-                      </a:pPr>
-                      <a:r>
-                        <a:rPr lang="nl-NL" sz="1400">
-                          <a:effectLst/>
-                        </a:rPr>
-                        <a:t>161</a:t>
-                      </a:r>
-                      <a:endParaRPr lang="nl-NL" sz="1200">
-                        <a:effectLst/>
-                        <a:latin typeface="Calibri"/>
-                        <a:ea typeface="Calibri"/>
-                        <a:cs typeface="Times New Roman"/>
-                      </a:endParaRPr>
-                    </a:p>
-                  </a:txBody>
-                  <a:tcPr marL="68580" marR="68580" marT="0" marB="0"/>
-                </a:tc>
-              </a:tr>
-              <a:tr h="333375">
-                <a:tc>
-                  <a:txBody>
-                    <a:bodyPr/>
-                    <a:lstStyle/>
-                    <a:p>
-                      <a:pPr algn="l">
-                        <a:lnSpc>
-                          <a:spcPct val="150000"/>
-                        </a:lnSpc>
-                        <a:spcAft>
-                          <a:spcPts val="0"/>
-                        </a:spcAft>
-                      </a:pPr>
-                      <a:r>
-                        <a:rPr lang="nl-NL" sz="1200" dirty="0">
-                          <a:effectLst/>
-                        </a:rPr>
-                        <a:t>Find&amp;SwapIteratief</a:t>
-                      </a:r>
-                      <a:endParaRPr lang="nl-NL" sz="1100" dirty="0">
-                        <a:effectLst/>
-                        <a:latin typeface="Calibri"/>
-                        <a:ea typeface="Calibri"/>
-                        <a:cs typeface="Times New Roman"/>
-                      </a:endParaRPr>
-                    </a:p>
-                  </a:txBody>
-                  <a:tcPr marL="68580" marR="68580" marT="0" marB="0"/>
-                </a:tc>
-                <a:tc>
-                  <a:txBody>
-                    <a:bodyPr/>
-                    <a:lstStyle/>
-                    <a:p>
-                      <a:pPr algn="l">
-                        <a:lnSpc>
-                          <a:spcPct val="150000"/>
-                        </a:lnSpc>
-                        <a:spcAft>
-                          <a:spcPts val="0"/>
-                        </a:spcAft>
-                      </a:pPr>
-                      <a:r>
-                        <a:rPr lang="nl-NL" sz="1400">
-                          <a:effectLst/>
-                        </a:rPr>
-                        <a:t>17</a:t>
-                      </a:r>
-                      <a:endParaRPr lang="nl-NL" sz="1200">
-                        <a:effectLst/>
-                        <a:latin typeface="Calibri"/>
-                        <a:ea typeface="Calibri"/>
-                        <a:cs typeface="Times New Roman"/>
-                      </a:endParaRPr>
-                    </a:p>
-                  </a:txBody>
-                  <a:tcPr marL="68580" marR="68580" marT="0" marB="0"/>
-                </a:tc>
-                <a:tc>
-                  <a:txBody>
-                    <a:bodyPr/>
-                    <a:lstStyle/>
-                    <a:p>
-                      <a:pPr algn="l">
-                        <a:lnSpc>
-                          <a:spcPct val="150000"/>
-                        </a:lnSpc>
-                        <a:spcAft>
-                          <a:spcPts val="0"/>
-                        </a:spcAft>
-                      </a:pPr>
-                      <a:r>
-                        <a:rPr lang="nl-NL" sz="1400">
-                          <a:effectLst/>
-                        </a:rPr>
-                        <a:t>11</a:t>
-                      </a:r>
-                      <a:endParaRPr lang="nl-NL" sz="1200">
-                        <a:effectLst/>
-                        <a:latin typeface="Calibri"/>
-                        <a:ea typeface="Calibri"/>
-                        <a:cs typeface="Times New Roman"/>
-                      </a:endParaRPr>
-                    </a:p>
-                  </a:txBody>
-                  <a:tcPr marL="68580" marR="68580" marT="0" marB="0"/>
-                </a:tc>
-                <a:tc>
-                  <a:txBody>
-                    <a:bodyPr/>
-                    <a:lstStyle/>
-                    <a:p>
-                      <a:pPr algn="l">
-                        <a:lnSpc>
-                          <a:spcPct val="150000"/>
-                        </a:lnSpc>
-                        <a:spcAft>
-                          <a:spcPts val="0"/>
-                        </a:spcAft>
-                      </a:pPr>
-                      <a:r>
-                        <a:rPr lang="nl-NL" sz="1400">
-                          <a:effectLst/>
-                        </a:rPr>
-                        <a:t>187</a:t>
-                      </a:r>
-                      <a:endParaRPr lang="nl-NL" sz="1200">
-                        <a:effectLst/>
-                        <a:latin typeface="Calibri"/>
-                        <a:ea typeface="Calibri"/>
-                        <a:cs typeface="Times New Roman"/>
-                      </a:endParaRPr>
-                    </a:p>
-                  </a:txBody>
-                  <a:tcPr marL="68580" marR="68580" marT="0" marB="0"/>
-                </a:tc>
-              </a:tr>
-              <a:tr h="333375">
-                <a:tc>
-                  <a:txBody>
-                    <a:bodyPr/>
-                    <a:lstStyle/>
-                    <a:p>
-                      <a:pPr algn="l">
-                        <a:lnSpc>
-                          <a:spcPct val="150000"/>
-                        </a:lnSpc>
-                        <a:spcAft>
-                          <a:spcPts val="0"/>
-                        </a:spcAft>
-                      </a:pPr>
-                      <a:r>
-                        <a:rPr lang="nl-NL" sz="1200">
-                          <a:effectLst/>
-                        </a:rPr>
-                        <a:t>Find&amp;SwapLoHi</a:t>
-                      </a:r>
-                      <a:endParaRPr lang="nl-NL" sz="1100">
-                        <a:effectLst/>
-                        <a:latin typeface="Calibri"/>
-                        <a:ea typeface="Calibri"/>
-                        <a:cs typeface="Times New Roman"/>
-                      </a:endParaRPr>
-                    </a:p>
-                  </a:txBody>
-                  <a:tcPr marL="68580" marR="68580" marT="0" marB="0"/>
-                </a:tc>
-                <a:tc>
-                  <a:txBody>
-                    <a:bodyPr/>
-                    <a:lstStyle/>
-                    <a:p>
-                      <a:pPr algn="l">
-                        <a:lnSpc>
-                          <a:spcPct val="150000"/>
-                        </a:lnSpc>
-                        <a:spcAft>
-                          <a:spcPts val="0"/>
-                        </a:spcAft>
-                      </a:pPr>
-                      <a:r>
-                        <a:rPr lang="nl-NL" sz="1400">
-                          <a:effectLst/>
-                        </a:rPr>
-                        <a:t>18</a:t>
-                      </a:r>
-                      <a:endParaRPr lang="nl-NL" sz="1200">
-                        <a:effectLst/>
-                        <a:latin typeface="Calibri"/>
-                        <a:ea typeface="Calibri"/>
-                        <a:cs typeface="Times New Roman"/>
-                      </a:endParaRPr>
-                    </a:p>
-                  </a:txBody>
-                  <a:tcPr marL="68580" marR="68580" marT="0" marB="0"/>
-                </a:tc>
-                <a:tc>
-                  <a:txBody>
-                    <a:bodyPr/>
-                    <a:lstStyle/>
-                    <a:p>
-                      <a:pPr algn="l">
-                        <a:lnSpc>
-                          <a:spcPct val="150000"/>
-                        </a:lnSpc>
-                        <a:spcAft>
-                          <a:spcPts val="0"/>
-                        </a:spcAft>
-                      </a:pPr>
-                      <a:r>
-                        <a:rPr lang="nl-NL" sz="1400">
-                          <a:effectLst/>
-                        </a:rPr>
-                        <a:t>10</a:t>
-                      </a:r>
-                      <a:endParaRPr lang="nl-NL" sz="1200">
-                        <a:effectLst/>
-                        <a:latin typeface="Calibri"/>
-                        <a:ea typeface="Calibri"/>
-                        <a:cs typeface="Times New Roman"/>
-                      </a:endParaRPr>
-                    </a:p>
-                  </a:txBody>
-                  <a:tcPr marL="68580" marR="68580" marT="0" marB="0"/>
-                </a:tc>
-                <a:tc>
-                  <a:txBody>
-                    <a:bodyPr/>
-                    <a:lstStyle/>
-                    <a:p>
-                      <a:pPr algn="l">
-                        <a:lnSpc>
-                          <a:spcPct val="150000"/>
-                        </a:lnSpc>
-                        <a:spcAft>
-                          <a:spcPts val="0"/>
-                        </a:spcAft>
-                      </a:pPr>
-                      <a:r>
-                        <a:rPr lang="nl-NL" sz="1400">
-                          <a:effectLst/>
-                        </a:rPr>
-                        <a:t>182</a:t>
-                      </a:r>
-                      <a:endParaRPr lang="nl-NL" sz="1200">
-                        <a:effectLst/>
-                        <a:latin typeface="Calibri"/>
-                        <a:ea typeface="Calibri"/>
-                        <a:cs typeface="Times New Roman"/>
-                      </a:endParaRPr>
-                    </a:p>
-                  </a:txBody>
-                  <a:tcPr marL="68580" marR="68580" marT="0" marB="0"/>
-                </a:tc>
-              </a:tr>
-              <a:tr h="333375">
-                <a:tc>
-                  <a:txBody>
-                    <a:bodyPr/>
-                    <a:lstStyle/>
-                    <a:p>
-                      <a:pPr algn="l">
-                        <a:lnSpc>
-                          <a:spcPct val="150000"/>
+                          <a:spcPct val="200000"/>
                         </a:lnSpc>
                         <a:spcAft>
                           <a:spcPts val="0"/>
@@ -4021,19 +4021,19 @@
                     <a:p>
                       <a:pPr algn="l">
                         <a:lnSpc>
-                          <a:spcPct val="150000"/>
-                        </a:lnSpc>
-                        <a:spcAft>
-                          <a:spcPts val="0"/>
-                        </a:spcAft>
-                      </a:pPr>
-                      <a:r>
-                        <a:rPr lang="nl-NL" sz="1400">
+                          <a:spcPct val="200000"/>
+                        </a:lnSpc>
+                        <a:spcAft>
+                          <a:spcPts val="0"/>
+                        </a:spcAft>
+                      </a:pPr>
+                      <a:r>
+                        <a:rPr lang="nl-NL" sz="1200">
                           <a:effectLst/>
                         </a:rPr>
                         <a:t>18</a:t>
                       </a:r>
-                      <a:endParaRPr lang="nl-NL" sz="1200">
+                      <a:endParaRPr lang="nl-NL" sz="1100">
                         <a:effectLst/>
                         <a:latin typeface="Calibri"/>
                         <a:ea typeface="Calibri"/>
@@ -4050,19 +4050,19 @@
                     <a:p>
                       <a:pPr algn="l">
                         <a:lnSpc>
-                          <a:spcPct val="150000"/>
-                        </a:lnSpc>
-                        <a:spcAft>
-                          <a:spcPts val="0"/>
-                        </a:spcAft>
-                      </a:pPr>
-                      <a:r>
-                        <a:rPr lang="nl-NL" sz="1400">
+                          <a:spcPct val="200000"/>
+                        </a:lnSpc>
+                        <a:spcAft>
+                          <a:spcPts val="0"/>
+                        </a:spcAft>
+                      </a:pPr>
+                      <a:r>
+                        <a:rPr lang="nl-NL" sz="1200">
                           <a:effectLst/>
                         </a:rPr>
                         <a:t>7</a:t>
                       </a:r>
-                      <a:endParaRPr lang="nl-NL" sz="1200">
+                      <a:endParaRPr lang="nl-NL" sz="1100">
                         <a:effectLst/>
                         <a:latin typeface="Calibri"/>
                         <a:ea typeface="Calibri"/>
@@ -4079,19 +4079,19 @@
                     <a:p>
                       <a:pPr algn="l">
                         <a:lnSpc>
-                          <a:spcPct val="150000"/>
-                        </a:lnSpc>
-                        <a:spcAft>
-                          <a:spcPts val="0"/>
-                        </a:spcAft>
-                      </a:pPr>
-                      <a:r>
-                        <a:rPr lang="nl-NL" sz="1400">
+                          <a:spcPct val="200000"/>
+                        </a:lnSpc>
+                        <a:spcAft>
+                          <a:spcPts val="0"/>
+                        </a:spcAft>
+                      </a:pPr>
+                      <a:r>
+                        <a:rPr lang="nl-NL" sz="1200">
                           <a:effectLst/>
                         </a:rPr>
                         <a:t>132</a:t>
                       </a:r>
-                      <a:endParaRPr lang="nl-NL" sz="1200">
+                      <a:endParaRPr lang="nl-NL" sz="1100">
                         <a:effectLst/>
                         <a:latin typeface="Calibri"/>
                         <a:ea typeface="Calibri"/>
@@ -4102,7 +4102,7 @@
                   <a:tcPr marL="68580" marR="68580" marT="0" marB="0"/>
                 </a:tc>
               </a:tr>
-              <a:tr h="333375">
+              <a:tr h="300881">
                 <a:tc>
                   <a:txBody>
                     <a:bodyPr/>
@@ -4110,7 +4110,7 @@
                     <a:p>
                       <a:pPr algn="l">
                         <a:lnSpc>
-                          <a:spcPct val="150000"/>
+                          <a:spcPct val="200000"/>
                         </a:lnSpc>
                         <a:spcAft>
                           <a:spcPts val="0"/>
@@ -4118,17 +4118,40 @@
                       </a:pPr>
                       <a:r>
                         <a:rPr lang="nl-NL" sz="1200">
-                          <a:solidFill>
-                            <a:schemeClr val="bg1"/>
-                          </a:solidFill>
                           <a:effectLst/>
                         </a:rPr>
                         <a:t>EditStar</a:t>
                       </a:r>
                       <a:endParaRPr lang="nl-NL" sz="1100">
-                        <a:solidFill>
-                          <a:schemeClr val="bg1"/>
-                        </a:solidFill>
+                        <a:effectLst/>
+                        <a:latin typeface="Calibri"/>
+                        <a:ea typeface="Calibri"/>
+                        <a:cs typeface="Times New Roman"/>
+                      </a:endParaRPr>
+                    </a:p>
+                  </a:txBody>
+                  <a:tcPr marL="68580" marR="68580" marT="0" marB="0"/>
+                </a:tc>
+                <a:tc>
+                  <a:txBody>
+                    <a:bodyPr/>
+                    <a:lstStyle/>
+                    <a:p>
+                      <a:pPr algn="l">
+                        <a:lnSpc>
+                          <a:spcPct val="200000"/>
+                        </a:lnSpc>
+                        <a:spcAft>
+                          <a:spcPts val="0"/>
+                        </a:spcAft>
+                      </a:pPr>
+                      <a:r>
+                        <a:rPr lang="nl-NL" sz="1200">
+                          <a:effectLst/>
+                        </a:rPr>
+                        <a:t>13</a:t>
+                      </a:r>
+                      <a:endParaRPr lang="nl-NL" sz="1100">
                         <a:effectLst/>
                         <a:latin typeface="Calibri"/>
                         <a:ea typeface="Calibri"/>
@@ -4138,7 +4161,10 @@
                   </a:txBody>
                   <a:tcPr marL="68580" marR="68580" marT="0" marB="0">
                     <a:solidFill>
-                      <a:srgbClr val="D52525"/>
+                      <a:schemeClr val="tx2">
+                        <a:lumMod val="40000"/>
+                        <a:lumOff val="60000"/>
+                      </a:schemeClr>
                     </a:solidFill>
                   </a:tcPr>
                 </a:tc>
@@ -4149,25 +4175,19 @@
                     <a:p>
                       <a:pPr algn="l">
                         <a:lnSpc>
-                          <a:spcPct val="150000"/>
-                        </a:lnSpc>
-                        <a:spcAft>
-                          <a:spcPts val="0"/>
-                        </a:spcAft>
-                      </a:pPr>
-                      <a:r>
-                        <a:rPr lang="nl-NL" sz="1400" dirty="0">
-                          <a:solidFill>
-                            <a:schemeClr val="bg1"/>
-                          </a:solidFill>
-                          <a:effectLst/>
-                        </a:rPr>
-                        <a:t>13</a:t>
-                      </a:r>
-                      <a:endParaRPr lang="nl-NL" sz="1200" dirty="0">
-                        <a:solidFill>
-                          <a:schemeClr val="bg1"/>
-                        </a:solidFill>
+                          <a:spcPct val="200000"/>
+                        </a:lnSpc>
+                        <a:spcAft>
+                          <a:spcPts val="0"/>
+                        </a:spcAft>
+                      </a:pPr>
+                      <a:r>
+                        <a:rPr lang="nl-NL" sz="1200">
+                          <a:effectLst/>
+                        </a:rPr>
+                        <a:t>9</a:t>
+                      </a:r>
+                      <a:endParaRPr lang="nl-NL" sz="1100">
                         <a:effectLst/>
                         <a:latin typeface="Calibri"/>
                         <a:ea typeface="Calibri"/>
@@ -4177,7 +4197,10 @@
                   </a:txBody>
                   <a:tcPr marL="68580" marR="68580" marT="0" marB="0">
                     <a:solidFill>
-                      <a:srgbClr val="D52525"/>
+                      <a:schemeClr val="tx2">
+                        <a:lumMod val="40000"/>
+                        <a:lumOff val="60000"/>
+                      </a:schemeClr>
                     </a:solidFill>
                   </a:tcPr>
                 </a:tc>
@@ -4188,25 +4211,19 @@
                     <a:p>
                       <a:pPr algn="l">
                         <a:lnSpc>
-                          <a:spcPct val="150000"/>
-                        </a:lnSpc>
-                        <a:spcAft>
-                          <a:spcPts val="0"/>
-                        </a:spcAft>
-                      </a:pPr>
-                      <a:r>
-                        <a:rPr lang="nl-NL" sz="1400">
-                          <a:solidFill>
-                            <a:schemeClr val="bg1"/>
-                          </a:solidFill>
-                          <a:effectLst/>
-                        </a:rPr>
-                        <a:t>9</a:t>
-                      </a:r>
-                      <a:endParaRPr lang="nl-NL" sz="1200">
-                        <a:solidFill>
-                          <a:schemeClr val="bg1"/>
-                        </a:solidFill>
+                          <a:spcPct val="200000"/>
+                        </a:lnSpc>
+                        <a:spcAft>
+                          <a:spcPts val="0"/>
+                        </a:spcAft>
+                      </a:pPr>
+                      <a:r>
+                        <a:rPr lang="nl-NL" sz="1200" dirty="0">
+                          <a:effectLst/>
+                        </a:rPr>
+                        <a:t>122</a:t>
+                      </a:r>
+                      <a:endParaRPr lang="nl-NL" sz="1100" dirty="0">
                         <a:effectLst/>
                         <a:latin typeface="Calibri"/>
                         <a:ea typeface="Calibri"/>
@@ -4216,10 +4233,15 @@
                   </a:txBody>
                   <a:tcPr marL="68580" marR="68580" marT="0" marB="0">
                     <a:solidFill>
-                      <a:srgbClr val="D52525"/>
+                      <a:schemeClr val="tx2">
+                        <a:lumMod val="40000"/>
+                        <a:lumOff val="60000"/>
+                      </a:schemeClr>
                     </a:solidFill>
                   </a:tcPr>
                 </a:tc>
+              </a:tr>
+              <a:tr h="300881">
                 <a:tc>
                   <a:txBody>
                     <a:bodyPr/>
@@ -4227,25 +4249,166 @@
                     <a:p>
                       <a:pPr algn="l">
                         <a:lnSpc>
-                          <a:spcPct val="150000"/>
-                        </a:lnSpc>
-                        <a:spcAft>
-                          <a:spcPts val="0"/>
-                        </a:spcAft>
-                      </a:pPr>
-                      <a:r>
-                        <a:rPr lang="nl-NL" sz="1400" dirty="0">
-                          <a:solidFill>
-                            <a:schemeClr val="bg1"/>
-                          </a:solidFill>
-                          <a:effectLst/>
-                        </a:rPr>
-                        <a:t>122</a:t>
-                      </a:r>
-                      <a:endParaRPr lang="nl-NL" sz="1200" dirty="0">
-                        <a:solidFill>
-                          <a:schemeClr val="bg1"/>
-                        </a:solidFill>
+                          <a:spcPct val="200000"/>
+                        </a:lnSpc>
+                        <a:spcAft>
+                          <a:spcPts val="0"/>
+                        </a:spcAft>
+                      </a:pPr>
+                      <a:r>
+                        <a:rPr lang="nl-NL" sz="1200">
+                          <a:effectLst/>
+                        </a:rPr>
+                        <a:t>EditStarTotalGenes</a:t>
+                      </a:r>
+                      <a:endParaRPr lang="nl-NL" sz="1100">
+                        <a:effectLst/>
+                        <a:latin typeface="Calibri"/>
+                        <a:ea typeface="Calibri"/>
+                        <a:cs typeface="Times New Roman"/>
+                      </a:endParaRPr>
+                    </a:p>
+                  </a:txBody>
+                  <a:tcPr marL="68580" marR="68580" marT="0" marB="0"/>
+                </a:tc>
+                <a:tc>
+                  <a:txBody>
+                    <a:bodyPr/>
+                    <a:lstStyle/>
+                    <a:p>
+                      <a:pPr algn="l">
+                        <a:lnSpc>
+                          <a:spcPct val="200000"/>
+                        </a:lnSpc>
+                        <a:spcAft>
+                          <a:spcPts val="0"/>
+                        </a:spcAft>
+                      </a:pPr>
+                      <a:r>
+                        <a:rPr lang="nl-NL" sz="1200">
+                          <a:effectLst/>
+                        </a:rPr>
+                        <a:t>15</a:t>
+                      </a:r>
+                      <a:endParaRPr lang="nl-NL" sz="1100">
+                        <a:effectLst/>
+                        <a:latin typeface="Calibri"/>
+                        <a:ea typeface="Calibri"/>
+                        <a:cs typeface="Times New Roman"/>
+                      </a:endParaRPr>
+                    </a:p>
+                  </a:txBody>
+                  <a:tcPr marL="68580" marR="68580" marT="0" marB="0"/>
+                </a:tc>
+                <a:tc>
+                  <a:txBody>
+                    <a:bodyPr/>
+                    <a:lstStyle/>
+                    <a:p>
+                      <a:pPr algn="l">
+                        <a:lnSpc>
+                          <a:spcPct val="200000"/>
+                        </a:lnSpc>
+                        <a:spcAft>
+                          <a:spcPts val="0"/>
+                        </a:spcAft>
+                      </a:pPr>
+                      <a:r>
+                        <a:rPr lang="nl-NL" sz="1200">
+                          <a:effectLst/>
+                        </a:rPr>
+                        <a:t>7</a:t>
+                      </a:r>
+                      <a:endParaRPr lang="nl-NL" sz="1100">
+                        <a:effectLst/>
+                        <a:latin typeface="Calibri"/>
+                        <a:ea typeface="Calibri"/>
+                        <a:cs typeface="Times New Roman"/>
+                      </a:endParaRPr>
+                    </a:p>
+                  </a:txBody>
+                  <a:tcPr marL="68580" marR="68580" marT="0" marB="0"/>
+                </a:tc>
+                <a:tc>
+                  <a:txBody>
+                    <a:bodyPr/>
+                    <a:lstStyle/>
+                    <a:p>
+                      <a:pPr algn="l">
+                        <a:lnSpc>
+                          <a:spcPct val="200000"/>
+                        </a:lnSpc>
+                        <a:spcAft>
+                          <a:spcPts val="0"/>
+                        </a:spcAft>
+                      </a:pPr>
+                      <a:r>
+                        <a:rPr lang="nl-NL" sz="1200">
+                          <a:effectLst/>
+                        </a:rPr>
+                        <a:t>111</a:t>
+                      </a:r>
+                      <a:endParaRPr lang="nl-NL" sz="1100">
+                        <a:effectLst/>
+                        <a:latin typeface="Calibri"/>
+                        <a:ea typeface="Calibri"/>
+                        <a:cs typeface="Times New Roman"/>
+                      </a:endParaRPr>
+                    </a:p>
+                  </a:txBody>
+                  <a:tcPr marL="68580" marR="68580" marT="0" marB="0"/>
+                </a:tc>
+              </a:tr>
+              <a:tr h="300881">
+                <a:tc>
+                  <a:txBody>
+                    <a:bodyPr/>
+                    <a:lstStyle/>
+                    <a:p>
+                      <a:pPr algn="l">
+                        <a:lnSpc>
+                          <a:spcPct val="200000"/>
+                        </a:lnSpc>
+                        <a:spcAft>
+                          <a:spcPts val="0"/>
+                        </a:spcAft>
+                      </a:pPr>
+                      <a:r>
+                        <a:rPr lang="nl-NL" sz="1200">
+                          <a:effectLst/>
+                        </a:rPr>
+                        <a:t>BeamSearch</a:t>
+                      </a:r>
+                      <a:endParaRPr lang="nl-NL" sz="1100">
+                        <a:effectLst/>
+                        <a:latin typeface="Calibri"/>
+                        <a:ea typeface="Calibri"/>
+                        <a:cs typeface="Times New Roman"/>
+                      </a:endParaRPr>
+                    </a:p>
+                  </a:txBody>
+                  <a:tcPr marL="68580" marR="68580" marT="0" marB="0"/>
+                </a:tc>
+                <a:tc>
+                  <a:txBody>
+                    <a:bodyPr/>
+                    <a:lstStyle/>
+                    <a:p>
+                      <a:pPr algn="l">
+                        <a:lnSpc>
+                          <a:spcPct val="200000"/>
+                        </a:lnSpc>
+                        <a:spcAft>
+                          <a:spcPts val="0"/>
+                        </a:spcAft>
+                      </a:pPr>
+                      <a:r>
+                        <a:rPr lang="nl-NL" sz="1200">
+                          <a:effectLst/>
+                        </a:rPr>
+                        <a:t>13</a:t>
+                      </a:r>
+                      <a:endParaRPr lang="nl-NL" sz="1100">
                         <a:effectLst/>
                         <a:latin typeface="Calibri"/>
                         <a:ea typeface="Calibri"/>
@@ -4255,12 +4418,13 @@
                   </a:txBody>
                   <a:tcPr marL="68580" marR="68580" marT="0" marB="0">
                     <a:solidFill>
-                      <a:srgbClr val="D52525"/>
+                      <a:schemeClr val="tx2">
+                        <a:lumMod val="40000"/>
+                        <a:lumOff val="60000"/>
+                      </a:schemeClr>
                     </a:solidFill>
                   </a:tcPr>
                 </a:tc>
-              </a:tr>
-              <a:tr h="333375">
                 <a:tc>
                   <a:txBody>
                     <a:bodyPr/>
@@ -4268,25 +4432,19 @@
                     <a:p>
                       <a:pPr algn="l">
                         <a:lnSpc>
-                          <a:spcPct val="150000"/>
-                        </a:lnSpc>
-                        <a:spcAft>
-                          <a:spcPts val="0"/>
-                        </a:spcAft>
-                      </a:pPr>
-                      <a:r>
-                        <a:rPr lang="nl-NL" sz="1200" dirty="0">
-                          <a:solidFill>
-                            <a:schemeClr val="bg1"/>
-                          </a:solidFill>
-                          <a:effectLst/>
-                        </a:rPr>
-                        <a:t>BeamSearch</a:t>
-                      </a:r>
-                      <a:endParaRPr lang="nl-NL" sz="1100" dirty="0">
-                        <a:solidFill>
-                          <a:schemeClr val="bg1"/>
-                        </a:solidFill>
+                          <a:spcPct val="200000"/>
+                        </a:lnSpc>
+                        <a:spcAft>
+                          <a:spcPts val="0"/>
+                        </a:spcAft>
+                      </a:pPr>
+                      <a:r>
+                        <a:rPr lang="nl-NL" sz="1200">
+                          <a:effectLst/>
+                        </a:rPr>
+                        <a:t>9</a:t>
+                      </a:r>
+                      <a:endParaRPr lang="nl-NL" sz="1100">
                         <a:effectLst/>
                         <a:latin typeface="Calibri"/>
                         <a:ea typeface="Calibri"/>
@@ -4296,7 +4454,10 @@
                   </a:txBody>
                   <a:tcPr marL="68580" marR="68580" marT="0" marB="0">
                     <a:solidFill>
-                      <a:srgbClr val="D52525"/>
+                      <a:schemeClr val="tx2">
+                        <a:lumMod val="40000"/>
+                        <a:lumOff val="60000"/>
+                      </a:schemeClr>
                     </a:solidFill>
                   </a:tcPr>
                 </a:tc>
@@ -4307,25 +4468,19 @@
                     <a:p>
                       <a:pPr algn="l">
                         <a:lnSpc>
-                          <a:spcPct val="150000"/>
-                        </a:lnSpc>
-                        <a:spcAft>
-                          <a:spcPts val="0"/>
-                        </a:spcAft>
-                      </a:pPr>
-                      <a:r>
-                        <a:rPr lang="nl-NL" sz="1400">
-                          <a:solidFill>
-                            <a:schemeClr val="bg1"/>
-                          </a:solidFill>
-                          <a:effectLst/>
-                        </a:rPr>
-                        <a:t>13</a:t>
-                      </a:r>
-                      <a:endParaRPr lang="nl-NL" sz="1200">
-                        <a:solidFill>
-                          <a:schemeClr val="bg1"/>
-                        </a:solidFill>
+                          <a:spcPct val="200000"/>
+                        </a:lnSpc>
+                        <a:spcAft>
+                          <a:spcPts val="0"/>
+                        </a:spcAft>
+                      </a:pPr>
+                      <a:r>
+                        <a:rPr lang="nl-NL" sz="1200">
+                          <a:effectLst/>
+                        </a:rPr>
+                        <a:t>116</a:t>
+                      </a:r>
+                      <a:endParaRPr lang="nl-NL" sz="1100">
                         <a:effectLst/>
                         <a:latin typeface="Calibri"/>
                         <a:ea typeface="Calibri"/>
@@ -4335,10 +4490,15 @@
                   </a:txBody>
                   <a:tcPr marL="68580" marR="68580" marT="0" marB="0">
                     <a:solidFill>
-                      <a:srgbClr val="D52525"/>
+                      <a:schemeClr val="tx2">
+                        <a:lumMod val="40000"/>
+                        <a:lumOff val="60000"/>
+                      </a:schemeClr>
                     </a:solidFill>
                   </a:tcPr>
                 </a:tc>
+              </a:tr>
+              <a:tr h="300881">
                 <a:tc>
                   <a:txBody>
                     <a:bodyPr/>
@@ -4346,25 +4506,48 @@
                     <a:p>
                       <a:pPr algn="l">
                         <a:lnSpc>
-                          <a:spcPct val="150000"/>
-                        </a:lnSpc>
-                        <a:spcAft>
-                          <a:spcPts val="0"/>
-                        </a:spcAft>
-                      </a:pPr>
-                      <a:r>
-                        <a:rPr lang="nl-NL" sz="1400">
-                          <a:solidFill>
-                            <a:schemeClr val="bg1"/>
-                          </a:solidFill>
-                          <a:effectLst/>
-                        </a:rPr>
-                        <a:t>9</a:t>
-                      </a:r>
-                      <a:endParaRPr lang="nl-NL" sz="1200">
-                        <a:solidFill>
-                          <a:schemeClr val="bg1"/>
-                        </a:solidFill>
+                          <a:spcPct val="200000"/>
+                        </a:lnSpc>
+                        <a:spcAft>
+                          <a:spcPts val="0"/>
+                        </a:spcAft>
+                      </a:pPr>
+                      <a:r>
+                        <a:rPr lang="nl-NL" sz="1200">
+                          <a:effectLst/>
+                        </a:rPr>
+                        <a:t>BeamSearchTotalGenes</a:t>
+                      </a:r>
+                      <a:endParaRPr lang="nl-NL" sz="1100">
+                        <a:effectLst/>
+                        <a:latin typeface="Calibri"/>
+                        <a:ea typeface="Calibri"/>
+                        <a:cs typeface="Times New Roman"/>
+                      </a:endParaRPr>
+                    </a:p>
+                  </a:txBody>
+                  <a:tcPr marL="68580" marR="68580" marT="0" marB="0"/>
+                </a:tc>
+                <a:tc>
+                  <a:txBody>
+                    <a:bodyPr/>
+                    <a:lstStyle/>
+                    <a:p>
+                      <a:pPr algn="l">
+                        <a:lnSpc>
+                          <a:spcPct val="200000"/>
+                        </a:lnSpc>
+                        <a:spcAft>
+                          <a:spcPts val="0"/>
+                        </a:spcAft>
+                      </a:pPr>
+                      <a:r>
+                        <a:rPr lang="nl-NL" sz="1200">
+                          <a:effectLst/>
+                        </a:rPr>
+                        <a:t>15</a:t>
+                      </a:r>
+                      <a:endParaRPr lang="nl-NL" sz="1100">
                         <a:effectLst/>
                         <a:latin typeface="Calibri"/>
                         <a:ea typeface="Calibri"/>
@@ -4374,7 +4557,10 @@
                   </a:txBody>
                   <a:tcPr marL="68580" marR="68580" marT="0" marB="0">
                     <a:solidFill>
-                      <a:srgbClr val="D52525"/>
+                      <a:schemeClr val="tx2">
+                        <a:lumMod val="40000"/>
+                        <a:lumOff val="60000"/>
+                      </a:schemeClr>
                     </a:solidFill>
                   </a:tcPr>
                 </a:tc>
@@ -4385,25 +4571,19 @@
                     <a:p>
                       <a:pPr algn="l">
                         <a:lnSpc>
-                          <a:spcPct val="150000"/>
-                        </a:lnSpc>
-                        <a:spcAft>
-                          <a:spcPts val="0"/>
-                        </a:spcAft>
-                      </a:pPr>
-                      <a:r>
-                        <a:rPr lang="nl-NL" sz="1400" dirty="0">
-                          <a:solidFill>
-                            <a:schemeClr val="bg1"/>
-                          </a:solidFill>
-                          <a:effectLst/>
-                        </a:rPr>
-                        <a:t>116</a:t>
-                      </a:r>
-                      <a:endParaRPr lang="nl-NL" sz="1200" dirty="0">
-                        <a:solidFill>
-                          <a:schemeClr val="bg1"/>
-                        </a:solidFill>
+                          <a:spcPct val="200000"/>
+                        </a:lnSpc>
+                        <a:spcAft>
+                          <a:spcPts val="0"/>
+                        </a:spcAft>
+                      </a:pPr>
+                      <a:r>
+                        <a:rPr lang="nl-NL" sz="1200">
+                          <a:effectLst/>
+                        </a:rPr>
+                        <a:t>7</a:t>
+                      </a:r>
+                      <a:endParaRPr lang="nl-NL" sz="1100">
                         <a:effectLst/>
                         <a:latin typeface="Calibri"/>
                         <a:ea typeface="Calibri"/>
@@ -4413,7 +4593,46 @@
                   </a:txBody>
                   <a:tcPr marL="68580" marR="68580" marT="0" marB="0">
                     <a:solidFill>
-                      <a:srgbClr val="D52525"/>
+                      <a:schemeClr val="tx2">
+                        <a:lumMod val="40000"/>
+                        <a:lumOff val="60000"/>
+                      </a:schemeClr>
+                    </a:solidFill>
+                  </a:tcPr>
+                </a:tc>
+                <a:tc>
+                  <a:txBody>
+                    <a:bodyPr/>
+                    <a:lstStyle/>
+                    <a:p>
+                      <a:pPr algn="l">
+                        <a:lnSpc>
+                          <a:spcPct val="200000"/>
+                        </a:lnSpc>
+                        <a:spcAft>
+                          <a:spcPts val="0"/>
+                        </a:spcAft>
+                      </a:pPr>
+                      <a:r>
+                        <a:rPr lang="nl-NL" sz="1200" dirty="0">
+                          <a:effectLst/>
+                        </a:rPr>
+                        <a:t>90</a:t>
+                      </a:r>
+                      <a:endParaRPr lang="nl-NL" sz="1100" dirty="0">
+                        <a:effectLst/>
+                        <a:latin typeface="Calibri"/>
+                        <a:ea typeface="Calibri"/>
+                        <a:cs typeface="Times New Roman"/>
+                      </a:endParaRPr>
+                    </a:p>
+                  </a:txBody>
+                  <a:tcPr marL="68580" marR="68580" marT="0" marB="0">
+                    <a:solidFill>
+                      <a:schemeClr val="tx2">
+                        <a:lumMod val="40000"/>
+                        <a:lumOff val="60000"/>
+                      </a:schemeClr>
                     </a:solidFill>
                   </a:tcPr>
                 </a:tc>
@@ -4700,8 +4919,13 @@
           <a:p>
             <a:r>
               <a:rPr lang="nl-NL" dirty="0" smtClean="0"/>
-              <a:t>EditStar beste performance</a:t>
-            </a:r>
+              <a:t>EditStar beste </a:t>
+            </a:r>
+            <a:r>
+              <a:rPr lang="nl-NL" dirty="0" smtClean="0"/>
+              <a:t>performance inversies</a:t>
+            </a:r>
+            <a:endParaRPr lang="nl-NL" dirty="0" smtClean="0"/>
           </a:p>
           <a:p>
             <a:endParaRPr lang="nl-NL" dirty="0"/>
@@ -4720,14 +4944,14 @@
           <p:nvPr>
             <p:extLst>
               <p:ext uri="{D42A27DB-BD31-4B8C-83A1-F6EECF244321}">
-                <p14:modId xmlns:p14="http://schemas.microsoft.com/office/powerpoint/2010/main" val="2031630157"/>
+                <p14:modId xmlns:p14="http://schemas.microsoft.com/office/powerpoint/2010/main" val="1534658450"/>
               </p:ext>
             </p:extLst>
           </p:nvPr>
         </p:nvGraphicFramePr>
         <p:xfrm>
-          <a:off x="380999" y="3200400"/>
-          <a:ext cx="7772401" cy="2560320"/>
+          <a:off x="152400" y="2819400"/>
+          <a:ext cx="8153400" cy="2560320"/>
         </p:xfrm>
         <a:graphic>
           <a:graphicData uri="http://schemas.openxmlformats.org/drawingml/2006/table">
@@ -4736,12 +4960,12 @@
                 <a:tableStyleId>{5C22544A-7EE6-4342-B048-85BDC9FD1C3A}</a:tableStyleId>
               </a:tblPr>
               <a:tblGrid>
-                <a:gridCol w="1414073"/>
-                <a:gridCol w="1443256"/>
-                <a:gridCol w="1364881"/>
-                <a:gridCol w="1198127"/>
-                <a:gridCol w="1251488"/>
-                <a:gridCol w="1100576"/>
+                <a:gridCol w="1483390"/>
+                <a:gridCol w="1514004"/>
+                <a:gridCol w="1431786"/>
+                <a:gridCol w="1256859"/>
+                <a:gridCol w="1312835"/>
+                <a:gridCol w="1154526"/>
               </a:tblGrid>
               <a:tr h="0">
                 <a:tc>
@@ -4790,7 +5014,13 @@
                         <a:rPr lang="nl-NL" sz="1400" dirty="0">
                           <a:effectLst/>
                         </a:rPr>
-                        <a:t>Gemiddelde aantal mutaties</a:t>
+                        <a:t>Gemiddelde aantal </a:t>
+                      </a:r>
+                      <a:r>
+                        <a:rPr lang="nl-NL" sz="1400" dirty="0" smtClean="0">
+                          <a:effectLst/>
+                        </a:rPr>
+                        <a:t>inversies</a:t>
                       </a:r>
                       <a:endParaRPr lang="nl-NL" sz="2400" dirty="0">
                         <a:effectLst/>
@@ -4819,7 +5049,13 @@
                         <a:rPr lang="nl-NL" sz="1400" dirty="0">
                           <a:effectLst/>
                         </a:rPr>
-                        <a:t>Minimum aantal mutaties</a:t>
+                        <a:t>Minimum aantal </a:t>
+                      </a:r>
+                      <a:r>
+                        <a:rPr lang="nl-NL" sz="1400" dirty="0" smtClean="0">
+                          <a:effectLst/>
+                        </a:rPr>
+                        <a:t>inversies</a:t>
                       </a:r>
                       <a:endParaRPr lang="nl-NL" sz="2400" dirty="0">
                         <a:effectLst/>
@@ -4848,7 +5084,13 @@
                         <a:rPr lang="nl-NL" sz="1400" dirty="0">
                           <a:effectLst/>
                         </a:rPr>
-                        <a:t>Maximum aantal mutaties</a:t>
+                        <a:t>Maximum aantal </a:t>
+                      </a:r>
+                      <a:r>
+                        <a:rPr lang="nl-NL" sz="1400" dirty="0" smtClean="0">
+                          <a:effectLst/>
+                        </a:rPr>
+                        <a:t>inversies</a:t>
                       </a:r>
                       <a:endParaRPr lang="nl-NL" sz="2400" dirty="0">
                         <a:effectLst/>
@@ -6222,14 +6464,14 @@
           <p:nvPr>
             <p:extLst>
               <p:ext uri="{D42A27DB-BD31-4B8C-83A1-F6EECF244321}">
-                <p14:modId xmlns:p14="http://schemas.microsoft.com/office/powerpoint/2010/main" val="192629263"/>
+                <p14:modId xmlns:p14="http://schemas.microsoft.com/office/powerpoint/2010/main" val="3609227651"/>
               </p:ext>
             </p:extLst>
           </p:nvPr>
         </p:nvGraphicFramePr>
         <p:xfrm>
           <a:off x="457200" y="1905000"/>
-          <a:ext cx="7086600" cy="3276597"/>
+          <a:ext cx="7391400" cy="2885358"/>
         </p:xfrm>
         <a:graphic>
           <a:graphicData uri="http://schemas.openxmlformats.org/drawingml/2006/table">
@@ -6238,15 +6480,15 @@
                 <a:tableStyleId>{5C22544A-7EE6-4342-B048-85BDC9FD1C3A}</a:tableStyleId>
               </a:tblPr>
               <a:tblGrid>
-                <a:gridCol w="1351687"/>
-                <a:gridCol w="767045"/>
-                <a:gridCol w="790143"/>
-                <a:gridCol w="677835"/>
-                <a:gridCol w="665887"/>
-                <a:gridCol w="700934"/>
-                <a:gridCol w="778196"/>
-                <a:gridCol w="677038"/>
-                <a:gridCol w="677835"/>
+                <a:gridCol w="1409824"/>
+                <a:gridCol w="800036"/>
+                <a:gridCol w="824128"/>
+                <a:gridCol w="706989"/>
+                <a:gridCol w="694527"/>
+                <a:gridCol w="731082"/>
+                <a:gridCol w="811667"/>
+                <a:gridCol w="706158"/>
+                <a:gridCol w="706989"/>
               </a:tblGrid>
               <a:tr h="537924">
                 <a:tc>
@@ -6263,12 +6505,12 @@
                         </a:spcAft>
                       </a:pPr>
                       <a:r>
-                        <a:rPr lang="nl-NL" sz="1200" baseline="-25000" dirty="0">
+                        <a:rPr lang="nl-NL" sz="1800" baseline="-25000" dirty="0">
                           <a:effectLst/>
                         </a:rPr>
                         <a:t> </a:t>
                       </a:r>
-                      <a:endParaRPr lang="nl-NL" sz="1100" dirty="0">
+                      <a:endParaRPr lang="nl-NL" sz="1600" dirty="0">
                         <a:effectLst/>
                         <a:latin typeface="Calibri"/>
                         <a:ea typeface="Calibri"/>
@@ -6292,12 +6534,12 @@
                         </a:spcAft>
                       </a:pPr>
                       <a:r>
-                        <a:rPr lang="nl-NL" sz="800" dirty="0">
+                        <a:rPr lang="nl-NL" sz="1050" dirty="0">
                           <a:effectLst/>
                         </a:rPr>
                         <a:t>Grootte</a:t>
                       </a:r>
-                      <a:endParaRPr lang="nl-NL" sz="1100" dirty="0">
+                      <a:endParaRPr lang="nl-NL" sz="1600" dirty="0">
                         <a:effectLst/>
                       </a:endParaRPr>
                     </a:p>
@@ -6311,12 +6553,12 @@
                         </a:spcAft>
                       </a:pPr>
                       <a:r>
-                        <a:rPr lang="nl-NL" sz="800" dirty="0">
+                        <a:rPr lang="nl-NL" sz="1050" dirty="0">
                           <a:effectLst/>
                         </a:rPr>
                         <a:t>inversies</a:t>
                       </a:r>
-                      <a:endParaRPr lang="nl-NL" sz="1100" dirty="0">
+                      <a:endParaRPr lang="nl-NL" sz="1600" dirty="0">
                         <a:effectLst/>
                         <a:latin typeface="Calibri"/>
                         <a:ea typeface="Calibri"/>
@@ -6340,12 +6582,12 @@
                         </a:spcAft>
                       </a:pPr>
                       <a:r>
-                        <a:rPr lang="nl-NL" sz="800">
+                        <a:rPr lang="nl-NL" sz="1050">
                           <a:effectLst/>
                         </a:rPr>
                         <a:t>Aantal genen </a:t>
                       </a:r>
-                      <a:endParaRPr lang="nl-NL" sz="1100">
+                      <a:endParaRPr lang="nl-NL" sz="1600">
                         <a:effectLst/>
                         <a:latin typeface="Calibri"/>
                         <a:ea typeface="Calibri"/>
@@ -6369,12 +6611,12 @@
                         </a:spcAft>
                       </a:pPr>
                       <a:r>
-                        <a:rPr lang="en-US" sz="800">
+                        <a:rPr lang="en-US" sz="1050">
                           <a:effectLst/>
                         </a:rPr>
                         <a:t>Min. genen</a:t>
                       </a:r>
-                      <a:endParaRPr lang="nl-NL" sz="1100">
+                      <a:endParaRPr lang="nl-NL" sz="1600">
                         <a:effectLst/>
                         <a:latin typeface="Calibri"/>
                         <a:ea typeface="Calibri"/>
@@ -6398,12 +6640,12 @@
                         </a:spcAft>
                       </a:pPr>
                       <a:r>
-                        <a:rPr lang="en-US" sz="800" dirty="0">
+                        <a:rPr lang="en-US" sz="1050" dirty="0">
                           <a:effectLst/>
                         </a:rPr>
                         <a:t>Max. genen</a:t>
                       </a:r>
-                      <a:endParaRPr lang="nl-NL" sz="1100" dirty="0">
+                      <a:endParaRPr lang="nl-NL" sz="1600" dirty="0">
                         <a:effectLst/>
                         <a:latin typeface="Calibri"/>
                         <a:ea typeface="Calibri"/>
@@ -6427,12 +6669,12 @@
                         </a:spcAft>
                       </a:pPr>
                       <a:r>
-                        <a:rPr lang="nl-NL" sz="800" dirty="0">
+                        <a:rPr lang="nl-NL" sz="1050" dirty="0">
                           <a:effectLst/>
                         </a:rPr>
                         <a:t>Grootte</a:t>
                       </a:r>
-                      <a:endParaRPr lang="nl-NL" sz="1100" dirty="0">
+                      <a:endParaRPr lang="nl-NL" sz="1600" dirty="0">
                         <a:effectLst/>
                       </a:endParaRPr>
                     </a:p>
@@ -6446,12 +6688,12 @@
                         </a:spcAft>
                       </a:pPr>
                       <a:r>
-                        <a:rPr lang="nl-NL" sz="800" dirty="0" smtClean="0">
+                        <a:rPr lang="nl-NL" sz="1050" dirty="0" smtClean="0">
                           <a:effectLst/>
                         </a:rPr>
                         <a:t>Inversies</a:t>
                       </a:r>
-                      <a:endParaRPr lang="nl-NL" sz="1100" dirty="0">
+                      <a:endParaRPr lang="nl-NL" sz="1600" dirty="0">
                         <a:effectLst/>
                         <a:latin typeface="Calibri"/>
                         <a:ea typeface="Calibri"/>
@@ -6481,12 +6723,12 @@
                         </a:spcAft>
                       </a:pPr>
                       <a:r>
-                        <a:rPr lang="nl-NL" sz="800" dirty="0">
+                        <a:rPr lang="nl-NL" sz="1050" dirty="0">
                           <a:effectLst/>
                         </a:rPr>
                         <a:t>Aantal genen</a:t>
                       </a:r>
-                      <a:endParaRPr lang="nl-NL" sz="1100" dirty="0">
+                      <a:endParaRPr lang="nl-NL" sz="1600" dirty="0">
                         <a:effectLst/>
                         <a:latin typeface="Calibri"/>
                         <a:ea typeface="Calibri"/>
@@ -6516,12 +6758,12 @@
                         </a:spcAft>
                       </a:pPr>
                       <a:r>
-                        <a:rPr lang="en-US" sz="800" dirty="0">
+                        <a:rPr lang="en-US" sz="1050" dirty="0">
                           <a:effectLst/>
                         </a:rPr>
                         <a:t>Min. genen</a:t>
                       </a:r>
-                      <a:endParaRPr lang="nl-NL" sz="1100" dirty="0">
+                      <a:endParaRPr lang="nl-NL" sz="1600" dirty="0">
                         <a:effectLst/>
                         <a:latin typeface="Calibri"/>
                         <a:ea typeface="Calibri"/>
@@ -6551,12 +6793,12 @@
                         </a:spcAft>
                       </a:pPr>
                       <a:r>
-                        <a:rPr lang="en-US" sz="800" dirty="0">
+                        <a:rPr lang="en-US" sz="1050" dirty="0">
                           <a:effectLst/>
                         </a:rPr>
                         <a:t>Max. genen</a:t>
                       </a:r>
-                      <a:endParaRPr lang="nl-NL" sz="1100" dirty="0">
+                      <a:endParaRPr lang="nl-NL" sz="1600" dirty="0">
                         <a:effectLst/>
                         <a:latin typeface="Calibri"/>
                         <a:ea typeface="Calibri"/>
@@ -6588,12 +6830,12 @@
                         </a:spcAft>
                       </a:pPr>
                       <a:r>
-                        <a:rPr lang="en-US" sz="1200" baseline="-25000" dirty="0">
+                        <a:rPr lang="en-US" sz="1800" baseline="-25000" dirty="0">
                           <a:effectLst/>
                         </a:rPr>
                         <a:t>Find&amp;Swap</a:t>
                       </a:r>
-                      <a:endParaRPr lang="nl-NL" sz="1100" dirty="0">
+                      <a:endParaRPr lang="nl-NL" sz="1600" dirty="0">
                         <a:effectLst/>
                         <a:latin typeface="Calibri"/>
                         <a:ea typeface="Calibri"/>
@@ -6621,12 +6863,12 @@
                         </a:spcAft>
                       </a:pPr>
                       <a:r>
-                        <a:rPr lang="en-US" sz="1200" baseline="-25000" dirty="0">
+                        <a:rPr lang="en-US" sz="1800" baseline="-25000" dirty="0">
                           <a:effectLst/>
                         </a:rPr>
                         <a:t>7,60</a:t>
                       </a:r>
-                      <a:endParaRPr lang="nl-NL" sz="1100" dirty="0">
+                      <a:endParaRPr lang="nl-NL" sz="1600" dirty="0">
                         <a:effectLst/>
                         <a:latin typeface="Calibri"/>
                         <a:ea typeface="Calibri"/>
@@ -6650,12 +6892,12 @@
                         </a:spcAft>
                       </a:pPr>
                       <a:r>
-                        <a:rPr lang="en-US" sz="1200" baseline="-25000">
+                        <a:rPr lang="en-US" sz="1800" baseline="-25000">
                           <a:effectLst/>
                         </a:rPr>
                         <a:t>170,59</a:t>
                       </a:r>
-                      <a:endParaRPr lang="nl-NL" sz="1100">
+                      <a:endParaRPr lang="nl-NL" sz="1600">
                         <a:effectLst/>
                         <a:latin typeface="Calibri"/>
                         <a:ea typeface="Calibri"/>
@@ -6679,12 +6921,12 @@
                         </a:spcAft>
                       </a:pPr>
                       <a:r>
-                        <a:rPr lang="en-US" sz="1200" baseline="-25000">
+                        <a:rPr lang="en-US" sz="1800" baseline="-25000">
                           <a:effectLst/>
                         </a:rPr>
                         <a:t>95</a:t>
                       </a:r>
-                      <a:endParaRPr lang="nl-NL" sz="1100">
+                      <a:endParaRPr lang="nl-NL" sz="1600">
                         <a:effectLst/>
                         <a:latin typeface="Calibri"/>
                         <a:ea typeface="Calibri"/>
@@ -6708,12 +6950,12 @@
                         </a:spcAft>
                       </a:pPr>
                       <a:r>
-                        <a:rPr lang="en-US" sz="1200" baseline="-25000">
+                        <a:rPr lang="en-US" sz="1800" baseline="-25000">
                           <a:effectLst/>
                         </a:rPr>
                         <a:t>250</a:t>
                       </a:r>
-                      <a:endParaRPr lang="nl-NL" sz="1100">
+                      <a:endParaRPr lang="nl-NL" sz="1600">
                         <a:effectLst/>
                         <a:latin typeface="Calibri"/>
                         <a:ea typeface="Calibri"/>
@@ -6737,12 +6979,12 @@
                         </a:spcAft>
                       </a:pPr>
                       <a:r>
-                        <a:rPr lang="en-US" sz="1200" baseline="-25000" dirty="0">
+                        <a:rPr lang="en-US" sz="1800" baseline="-25000" dirty="0">
                           <a:effectLst/>
                         </a:rPr>
                         <a:t>4,36</a:t>
                       </a:r>
-                      <a:endParaRPr lang="nl-NL" sz="1100" dirty="0">
+                      <a:endParaRPr lang="nl-NL" sz="1600" dirty="0">
                         <a:effectLst/>
                         <a:latin typeface="Calibri"/>
                         <a:ea typeface="Calibri"/>
@@ -6766,12 +7008,12 @@
                         </a:spcAft>
                       </a:pPr>
                       <a:r>
-                        <a:rPr lang="en-US" sz="1200" baseline="-25000" dirty="0">
+                        <a:rPr lang="en-US" sz="1800" baseline="-25000" dirty="0">
                           <a:effectLst/>
                         </a:rPr>
                         <a:t>90,50</a:t>
                       </a:r>
-                      <a:endParaRPr lang="nl-NL" sz="1100" dirty="0">
+                      <a:endParaRPr lang="nl-NL" sz="1600" dirty="0">
                         <a:effectLst/>
                         <a:latin typeface="Calibri"/>
                         <a:ea typeface="Calibri"/>
@@ -6795,12 +7037,12 @@
                         </a:spcAft>
                       </a:pPr>
                       <a:r>
-                        <a:rPr lang="en-US" sz="1200" baseline="-25000">
+                        <a:rPr lang="en-US" sz="1800" baseline="-25000">
                           <a:effectLst/>
                         </a:rPr>
                         <a:t>51</a:t>
                       </a:r>
-                      <a:endParaRPr lang="nl-NL" sz="1100">
+                      <a:endParaRPr lang="nl-NL" sz="1600">
                         <a:effectLst/>
                         <a:latin typeface="Calibri"/>
                         <a:ea typeface="Calibri"/>
@@ -6824,12 +7066,12 @@
                         </a:spcAft>
                       </a:pPr>
                       <a:r>
-                        <a:rPr lang="en-US" sz="1200" baseline="-25000">
+                        <a:rPr lang="en-US" sz="1800" baseline="-25000">
                           <a:effectLst/>
                         </a:rPr>
                         <a:t>127</a:t>
                       </a:r>
-                      <a:endParaRPr lang="nl-NL" sz="1100">
+                      <a:endParaRPr lang="nl-NL" sz="1600">
                         <a:effectLst/>
                         <a:latin typeface="Calibri"/>
                         <a:ea typeface="Calibri"/>
@@ -6855,12 +7097,12 @@
                         </a:spcAft>
                       </a:pPr>
                       <a:r>
-                        <a:rPr lang="en-US" sz="1200" baseline="-25000" dirty="0">
+                        <a:rPr lang="en-US" sz="1800" baseline="-25000" dirty="0">
                           <a:effectLst/>
                         </a:rPr>
                         <a:t>Find&amp;SwapRev</a:t>
                       </a:r>
-                      <a:endParaRPr lang="nl-NL" sz="1100" dirty="0">
+                      <a:endParaRPr lang="nl-NL" sz="1600" dirty="0">
                         <a:effectLst/>
                         <a:latin typeface="Calibri"/>
                         <a:ea typeface="Calibri"/>
@@ -6888,12 +7130,12 @@
                         </a:spcAft>
                       </a:pPr>
                       <a:r>
-                        <a:rPr lang="en-US" sz="1200" baseline="-25000">
+                        <a:rPr lang="en-US" sz="1800" baseline="-25000">
                           <a:effectLst/>
                         </a:rPr>
                         <a:t>7,63</a:t>
                       </a:r>
-                      <a:endParaRPr lang="nl-NL" sz="1100">
+                      <a:endParaRPr lang="nl-NL" sz="1600">
                         <a:effectLst/>
                         <a:latin typeface="Calibri"/>
                         <a:ea typeface="Calibri"/>
@@ -6917,12 +7159,12 @@
                         </a:spcAft>
                       </a:pPr>
                       <a:r>
-                        <a:rPr lang="en-US" sz="1200" baseline="-25000">
+                        <a:rPr lang="en-US" sz="1800" baseline="-25000">
                           <a:effectLst/>
                         </a:rPr>
                         <a:t>170,97</a:t>
                       </a:r>
-                      <a:endParaRPr lang="nl-NL" sz="1100">
+                      <a:endParaRPr lang="nl-NL" sz="1600">
                         <a:effectLst/>
                         <a:latin typeface="Calibri"/>
                         <a:ea typeface="Calibri"/>
@@ -6946,12 +7188,12 @@
                         </a:spcAft>
                       </a:pPr>
                       <a:r>
-                        <a:rPr lang="en-US" sz="1200" baseline="-25000">
+                        <a:rPr lang="en-US" sz="1800" baseline="-25000">
                           <a:effectLst/>
                         </a:rPr>
                         <a:t>86</a:t>
                       </a:r>
-                      <a:endParaRPr lang="nl-NL" sz="1100">
+                      <a:endParaRPr lang="nl-NL" sz="1600">
                         <a:effectLst/>
                         <a:latin typeface="Calibri"/>
                         <a:ea typeface="Calibri"/>
@@ -6975,12 +7217,12 @@
                         </a:spcAft>
                       </a:pPr>
                       <a:r>
-                        <a:rPr lang="en-US" sz="1200" baseline="-25000">
+                        <a:rPr lang="en-US" sz="1800" baseline="-25000">
                           <a:effectLst/>
                         </a:rPr>
                         <a:t>248</a:t>
                       </a:r>
-                      <a:endParaRPr lang="nl-NL" sz="1100">
+                      <a:endParaRPr lang="nl-NL" sz="1600">
                         <a:effectLst/>
                         <a:latin typeface="Calibri"/>
                         <a:ea typeface="Calibri"/>
@@ -7004,12 +7246,12 @@
                         </a:spcAft>
                       </a:pPr>
                       <a:r>
-                        <a:rPr lang="en-US" sz="1200" baseline="-25000" dirty="0">
+                        <a:rPr lang="en-US" sz="1800" baseline="-25000" dirty="0">
                           <a:effectLst/>
                         </a:rPr>
                         <a:t>4,37</a:t>
                       </a:r>
-                      <a:endParaRPr lang="nl-NL" sz="1100" dirty="0">
+                      <a:endParaRPr lang="nl-NL" sz="1600" dirty="0">
                         <a:effectLst/>
                         <a:latin typeface="Calibri"/>
                         <a:ea typeface="Calibri"/>
@@ -7033,12 +7275,12 @@
                         </a:spcAft>
                       </a:pPr>
                       <a:r>
-                        <a:rPr lang="en-US" sz="1200" baseline="-25000">
+                        <a:rPr lang="en-US" sz="1800" baseline="-25000">
                           <a:effectLst/>
                         </a:rPr>
                         <a:t>90,89</a:t>
                       </a:r>
-                      <a:endParaRPr lang="nl-NL" sz="1100">
+                      <a:endParaRPr lang="nl-NL" sz="1600">
                         <a:effectLst/>
                         <a:latin typeface="Calibri"/>
                         <a:ea typeface="Calibri"/>
@@ -7062,12 +7304,12 @@
                         </a:spcAft>
                       </a:pPr>
                       <a:r>
-                        <a:rPr lang="en-US" sz="1200" baseline="-25000">
+                        <a:rPr lang="en-US" sz="1800" baseline="-25000">
                           <a:effectLst/>
                         </a:rPr>
                         <a:t>50</a:t>
                       </a:r>
-                      <a:endParaRPr lang="nl-NL" sz="1100">
+                      <a:endParaRPr lang="nl-NL" sz="1600">
                         <a:effectLst/>
                         <a:latin typeface="Calibri"/>
                         <a:ea typeface="Calibri"/>
@@ -7091,12 +7333,12 @@
                         </a:spcAft>
                       </a:pPr>
                       <a:r>
-                        <a:rPr lang="en-US" sz="1200" baseline="-25000">
+                        <a:rPr lang="en-US" sz="1800" baseline="-25000">
                           <a:effectLst/>
                         </a:rPr>
                         <a:t>130</a:t>
                       </a:r>
-                      <a:endParaRPr lang="nl-NL" sz="1100">
+                      <a:endParaRPr lang="nl-NL" sz="1600">
                         <a:effectLst/>
                         <a:latin typeface="Calibri"/>
                         <a:ea typeface="Calibri"/>
@@ -7122,12 +7364,12 @@
                         </a:spcAft>
                       </a:pPr>
                       <a:r>
-                        <a:rPr lang="en-US" sz="1200" baseline="-25000" dirty="0">
+                        <a:rPr lang="en-US" sz="1800" baseline="-25000" dirty="0">
                           <a:effectLst/>
                         </a:rPr>
                         <a:t>Find&amp;SwapIteratief</a:t>
                       </a:r>
-                      <a:endParaRPr lang="nl-NL" sz="1100" dirty="0">
+                      <a:endParaRPr lang="nl-NL" sz="1600" dirty="0">
                         <a:effectLst/>
                         <a:latin typeface="Calibri"/>
                         <a:ea typeface="Calibri"/>
@@ -7155,12 +7397,12 @@
                         </a:spcAft>
                       </a:pPr>
                       <a:r>
-                        <a:rPr lang="en-US" sz="1200" baseline="-25000">
+                        <a:rPr lang="en-US" sz="1800" baseline="-25000">
                           <a:effectLst/>
                         </a:rPr>
                         <a:t>8,25</a:t>
                       </a:r>
-                      <a:endParaRPr lang="nl-NL" sz="1100">
+                      <a:endParaRPr lang="nl-NL" sz="1600">
                         <a:effectLst/>
                         <a:latin typeface="Calibri"/>
                         <a:ea typeface="Calibri"/>
@@ -7184,12 +7426,12 @@
                         </a:spcAft>
                       </a:pPr>
                       <a:r>
-                        <a:rPr lang="en-US" sz="1200" baseline="-25000">
+                        <a:rPr lang="en-US" sz="1800" baseline="-25000">
                           <a:effectLst/>
                         </a:rPr>
                         <a:t>183,47</a:t>
                       </a:r>
-                      <a:endParaRPr lang="nl-NL" sz="1100">
+                      <a:endParaRPr lang="nl-NL" sz="1600">
                         <a:effectLst/>
                         <a:latin typeface="Calibri"/>
                         <a:ea typeface="Calibri"/>
@@ -7213,12 +7455,12 @@
                         </a:spcAft>
                       </a:pPr>
                       <a:r>
-                        <a:rPr lang="en-US" sz="1200" baseline="-25000">
+                        <a:rPr lang="en-US" sz="1800" baseline="-25000">
                           <a:effectLst/>
                         </a:rPr>
                         <a:t>88</a:t>
                       </a:r>
-                      <a:endParaRPr lang="nl-NL" sz="1100">
+                      <a:endParaRPr lang="nl-NL" sz="1600">
                         <a:effectLst/>
                         <a:latin typeface="Calibri"/>
                         <a:ea typeface="Calibri"/>
@@ -7242,12 +7484,12 @@
                         </a:spcAft>
                       </a:pPr>
                       <a:r>
-                        <a:rPr lang="en-US" sz="1200" baseline="-25000">
+                        <a:rPr lang="en-US" sz="1800" baseline="-25000">
                           <a:effectLst/>
                         </a:rPr>
                         <a:t>242</a:t>
                       </a:r>
-                      <a:endParaRPr lang="nl-NL" sz="1100">
+                      <a:endParaRPr lang="nl-NL" sz="1600">
                         <a:effectLst/>
                         <a:latin typeface="Calibri"/>
                         <a:ea typeface="Calibri"/>
@@ -7271,12 +7513,12 @@
                         </a:spcAft>
                       </a:pPr>
                       <a:r>
-                        <a:rPr lang="en-US" sz="1200" baseline="-25000">
+                        <a:rPr lang="en-US" sz="1800" baseline="-25000">
                           <a:effectLst/>
                         </a:rPr>
                         <a:t>6,04</a:t>
                       </a:r>
-                      <a:endParaRPr lang="nl-NL" sz="1100">
+                      <a:endParaRPr lang="nl-NL" sz="1600">
                         <a:effectLst/>
                         <a:latin typeface="Calibri"/>
                         <a:ea typeface="Calibri"/>
@@ -7300,12 +7542,12 @@
                         </a:spcAft>
                       </a:pPr>
                       <a:r>
-                        <a:rPr lang="en-US" sz="1200" baseline="-25000">
+                        <a:rPr lang="en-US" sz="1800" baseline="-25000">
                           <a:effectLst/>
                         </a:rPr>
                         <a:t>122,29</a:t>
                       </a:r>
-                      <a:endParaRPr lang="nl-NL" sz="1100">
+                      <a:endParaRPr lang="nl-NL" sz="1600">
                         <a:effectLst/>
                         <a:latin typeface="Calibri"/>
                         <a:ea typeface="Calibri"/>
@@ -7329,12 +7571,12 @@
                         </a:spcAft>
                       </a:pPr>
                       <a:r>
-                        <a:rPr lang="en-US" sz="1200" baseline="-25000">
+                        <a:rPr lang="en-US" sz="1800" baseline="-25000">
                           <a:effectLst/>
                         </a:rPr>
                         <a:t>51</a:t>
                       </a:r>
-                      <a:endParaRPr lang="nl-NL" sz="1100">
+                      <a:endParaRPr lang="nl-NL" sz="1600">
                         <a:effectLst/>
                         <a:latin typeface="Calibri"/>
                         <a:ea typeface="Calibri"/>
@@ -7358,12 +7600,12 @@
                         </a:spcAft>
                       </a:pPr>
                       <a:r>
-                        <a:rPr lang="en-US" sz="1200" baseline="-25000">
+                        <a:rPr lang="en-US" sz="1800" baseline="-25000">
                           <a:effectLst/>
                         </a:rPr>
                         <a:t>214</a:t>
                       </a:r>
-                      <a:endParaRPr lang="nl-NL" sz="1100">
+                      <a:endParaRPr lang="nl-NL" sz="1600">
                         <a:effectLst/>
                         <a:latin typeface="Calibri"/>
                         <a:ea typeface="Calibri"/>
@@ -7389,18 +7631,18 @@
                         </a:spcAft>
                       </a:pPr>
                       <a:r>
-                        <a:rPr lang="en-US" sz="1200" baseline="-25000" dirty="0">
+                        <a:rPr lang="en-US" sz="1800" baseline="-25000" dirty="0">
                           <a:effectLst/>
                         </a:rPr>
                         <a:t>Fin</a:t>
                       </a:r>
                       <a:r>
-                        <a:rPr lang="nl-NL" sz="1200" baseline="-25000" dirty="0">
+                        <a:rPr lang="nl-NL" sz="1800" baseline="-25000" dirty="0">
                           <a:effectLst/>
                         </a:rPr>
                         <a:t>d&amp;SwapLoHi</a:t>
                       </a:r>
-                      <a:endParaRPr lang="nl-NL" sz="1100" dirty="0">
+                      <a:endParaRPr lang="nl-NL" sz="1600" dirty="0">
                         <a:effectLst/>
                         <a:latin typeface="Calibri"/>
                         <a:ea typeface="Calibri"/>
@@ -7428,12 +7670,12 @@
                         </a:spcAft>
                       </a:pPr>
                       <a:r>
-                        <a:rPr lang="nl-NL" sz="1200" baseline="-25000">
+                        <a:rPr lang="nl-NL" sz="1800" baseline="-25000">
                           <a:effectLst/>
                         </a:rPr>
                         <a:t>7,62</a:t>
                       </a:r>
-                      <a:endParaRPr lang="nl-NL" sz="1100">
+                      <a:endParaRPr lang="nl-NL" sz="1600">
                         <a:effectLst/>
                         <a:latin typeface="Calibri"/>
                         <a:ea typeface="Calibri"/>
@@ -7457,12 +7699,12 @@
                         </a:spcAft>
                       </a:pPr>
                       <a:r>
-                        <a:rPr lang="nl-NL" sz="1200" baseline="-25000">
+                        <a:rPr lang="nl-NL" sz="1800" baseline="-25000">
                           <a:effectLst/>
                         </a:rPr>
                         <a:t>170,84</a:t>
                       </a:r>
-                      <a:endParaRPr lang="nl-NL" sz="1100">
+                      <a:endParaRPr lang="nl-NL" sz="1600">
                         <a:effectLst/>
                         <a:latin typeface="Calibri"/>
                         <a:ea typeface="Calibri"/>
@@ -7486,12 +7728,12 @@
                         </a:spcAft>
                       </a:pPr>
                       <a:r>
-                        <a:rPr lang="nl-NL" sz="1200" baseline="-25000">
+                        <a:rPr lang="nl-NL" sz="1800" baseline="-25000">
                           <a:effectLst/>
                         </a:rPr>
                         <a:t>109</a:t>
                       </a:r>
-                      <a:endParaRPr lang="nl-NL" sz="1100">
+                      <a:endParaRPr lang="nl-NL" sz="1600">
                         <a:effectLst/>
                         <a:latin typeface="Calibri"/>
                         <a:ea typeface="Calibri"/>
@@ -7515,12 +7757,12 @@
                         </a:spcAft>
                       </a:pPr>
                       <a:r>
-                        <a:rPr lang="nl-NL" sz="1200" baseline="-25000">
+                        <a:rPr lang="nl-NL" sz="1800" baseline="-25000">
                           <a:effectLst/>
                         </a:rPr>
                         <a:t>252</a:t>
                       </a:r>
-                      <a:endParaRPr lang="nl-NL" sz="1100">
+                      <a:endParaRPr lang="nl-NL" sz="1600">
                         <a:effectLst/>
                         <a:latin typeface="Calibri"/>
                         <a:ea typeface="Calibri"/>
@@ -7544,12 +7786,12 @@
                         </a:spcAft>
                       </a:pPr>
                       <a:r>
-                        <a:rPr lang="en-US" sz="1200" baseline="-25000">
+                        <a:rPr lang="en-US" sz="1800" baseline="-25000">
                           <a:effectLst/>
                         </a:rPr>
                         <a:t>4,37</a:t>
                       </a:r>
-                      <a:endParaRPr lang="nl-NL" sz="1100">
+                      <a:endParaRPr lang="nl-NL" sz="1600">
                         <a:effectLst/>
                         <a:latin typeface="Calibri"/>
                         <a:ea typeface="Calibri"/>
@@ -7573,12 +7815,12 @@
                         </a:spcAft>
                       </a:pPr>
                       <a:r>
-                        <a:rPr lang="en-US" sz="1200" baseline="-25000">
+                        <a:rPr lang="en-US" sz="1800" baseline="-25000">
                           <a:effectLst/>
                         </a:rPr>
                         <a:t>90,77</a:t>
                       </a:r>
-                      <a:endParaRPr lang="nl-NL" sz="1100">
+                      <a:endParaRPr lang="nl-NL" sz="1600">
                         <a:effectLst/>
                         <a:latin typeface="Calibri"/>
                         <a:ea typeface="Calibri"/>
@@ -7602,12 +7844,12 @@
                         </a:spcAft>
                       </a:pPr>
                       <a:r>
-                        <a:rPr lang="en-US" sz="1200" baseline="-25000">
+                        <a:rPr lang="en-US" sz="1800" baseline="-25000">
                           <a:effectLst/>
                         </a:rPr>
                         <a:t>54</a:t>
                       </a:r>
-                      <a:endParaRPr lang="nl-NL" sz="1100">
+                      <a:endParaRPr lang="nl-NL" sz="1600">
                         <a:effectLst/>
                         <a:latin typeface="Calibri"/>
                         <a:ea typeface="Calibri"/>
@@ -7631,12 +7873,12 @@
                         </a:spcAft>
                       </a:pPr>
                       <a:r>
-                        <a:rPr lang="en-US" sz="1200" baseline="-25000">
+                        <a:rPr lang="en-US" sz="1800" baseline="-25000">
                           <a:effectLst/>
                         </a:rPr>
                         <a:t>127</a:t>
                       </a:r>
-                      <a:endParaRPr lang="nl-NL" sz="1100">
+                      <a:endParaRPr lang="nl-NL" sz="1600">
                         <a:effectLst/>
                         <a:latin typeface="Calibri"/>
                         <a:ea typeface="Calibri"/>
@@ -7662,12 +7904,12 @@
                         </a:spcAft>
                       </a:pPr>
                       <a:r>
-                        <a:rPr lang="nl-NL" sz="1200" baseline="-25000" dirty="0">
+                        <a:rPr lang="nl-NL" sz="1800" baseline="-25000" dirty="0">
                           <a:effectLst/>
                         </a:rPr>
                         <a:t>ChunkSwap</a:t>
                       </a:r>
-                      <a:endParaRPr lang="nl-NL" sz="1100" dirty="0">
+                      <a:endParaRPr lang="nl-NL" sz="1600" dirty="0">
                         <a:effectLst/>
                         <a:latin typeface="Calibri"/>
                         <a:ea typeface="Calibri"/>
@@ -7695,12 +7937,12 @@
                         </a:spcAft>
                       </a:pPr>
                       <a:r>
-                        <a:rPr lang="nl-NL" sz="1200" baseline="-25000">
+                        <a:rPr lang="nl-NL" sz="1800" baseline="-25000">
                           <a:effectLst/>
                         </a:rPr>
                         <a:t>7,45</a:t>
                       </a:r>
-                      <a:endParaRPr lang="nl-NL" sz="1100">
+                      <a:endParaRPr lang="nl-NL" sz="1600">
                         <a:effectLst/>
                         <a:latin typeface="Calibri"/>
                         <a:ea typeface="Calibri"/>
@@ -7724,12 +7966,12 @@
                         </a:spcAft>
                       </a:pPr>
                       <a:r>
-                        <a:rPr lang="nl-NL" sz="1200" baseline="-25000">
+                        <a:rPr lang="nl-NL" sz="1800" baseline="-25000">
                           <a:effectLst/>
                         </a:rPr>
                         <a:t>165,67</a:t>
                       </a:r>
-                      <a:endParaRPr lang="nl-NL" sz="1100">
+                      <a:endParaRPr lang="nl-NL" sz="1600">
                         <a:effectLst/>
                         <a:latin typeface="Calibri"/>
                         <a:ea typeface="Calibri"/>
@@ -7753,12 +7995,12 @@
                         </a:spcAft>
                       </a:pPr>
                       <a:r>
-                        <a:rPr lang="nl-NL" sz="1200" baseline="-25000">
+                        <a:rPr lang="nl-NL" sz="1800" baseline="-25000">
                           <a:effectLst/>
                         </a:rPr>
                         <a:t>93</a:t>
                       </a:r>
-                      <a:endParaRPr lang="nl-NL" sz="1100">
+                      <a:endParaRPr lang="nl-NL" sz="1600">
                         <a:effectLst/>
                         <a:latin typeface="Calibri"/>
                         <a:ea typeface="Calibri"/>
@@ -7782,12 +8024,12 @@
                         </a:spcAft>
                       </a:pPr>
                       <a:r>
-                        <a:rPr lang="nl-NL" sz="1200" baseline="-25000">
+                        <a:rPr lang="nl-NL" sz="1800" baseline="-25000">
                           <a:effectLst/>
                         </a:rPr>
                         <a:t>250</a:t>
                       </a:r>
-                      <a:endParaRPr lang="nl-NL" sz="1100">
+                      <a:endParaRPr lang="nl-NL" sz="1600">
                         <a:effectLst/>
                         <a:latin typeface="Calibri"/>
                         <a:ea typeface="Calibri"/>
@@ -7811,12 +8053,12 @@
                         </a:spcAft>
                       </a:pPr>
                       <a:r>
-                        <a:rPr lang="nl-NL" sz="1200" baseline="-25000">
+                        <a:rPr lang="nl-NL" sz="1800" baseline="-25000">
                           <a:effectLst/>
                         </a:rPr>
                         <a:t>4,33</a:t>
                       </a:r>
-                      <a:endParaRPr lang="nl-NL" sz="1100">
+                      <a:endParaRPr lang="nl-NL" sz="1600">
                         <a:effectLst/>
                         <a:latin typeface="Calibri"/>
                         <a:ea typeface="Calibri"/>
@@ -7840,12 +8082,12 @@
                         </a:spcAft>
                       </a:pPr>
                       <a:r>
-                        <a:rPr lang="nl-NL" sz="1200" baseline="-25000">
+                        <a:rPr lang="nl-NL" sz="1800" baseline="-25000">
                           <a:effectLst/>
                         </a:rPr>
                         <a:t>88,17</a:t>
                       </a:r>
-                      <a:endParaRPr lang="nl-NL" sz="1100">
+                      <a:endParaRPr lang="nl-NL" sz="1600">
                         <a:effectLst/>
                         <a:latin typeface="Calibri"/>
                         <a:ea typeface="Calibri"/>
@@ -7869,12 +8111,12 @@
                         </a:spcAft>
                       </a:pPr>
                       <a:r>
-                        <a:rPr lang="nl-NL" sz="1200" baseline="-25000">
+                        <a:rPr lang="nl-NL" sz="1800" baseline="-25000">
                           <a:effectLst/>
                         </a:rPr>
                         <a:t>51</a:t>
                       </a:r>
-                      <a:endParaRPr lang="nl-NL" sz="1100">
+                      <a:endParaRPr lang="nl-NL" sz="1600">
                         <a:effectLst/>
                         <a:latin typeface="Calibri"/>
                         <a:ea typeface="Calibri"/>
@@ -7898,12 +8140,12 @@
                         </a:spcAft>
                       </a:pPr>
                       <a:r>
-                        <a:rPr lang="nl-NL" sz="1200" baseline="-25000">
+                        <a:rPr lang="nl-NL" sz="1800" baseline="-25000">
                           <a:effectLst/>
                         </a:rPr>
                         <a:t>121</a:t>
                       </a:r>
-                      <a:endParaRPr lang="nl-NL" sz="1100">
+                      <a:endParaRPr lang="nl-NL" sz="1600">
                         <a:effectLst/>
                         <a:latin typeface="Calibri"/>
                         <a:ea typeface="Calibri"/>
@@ -7929,12 +8171,12 @@
                         </a:spcAft>
                       </a:pPr>
                       <a:r>
-                        <a:rPr lang="nl-NL" sz="1200" baseline="-25000" dirty="0">
+                        <a:rPr lang="nl-NL" sz="1800" baseline="-25000" dirty="0">
                           <a:effectLst/>
                         </a:rPr>
                         <a:t>EditStar</a:t>
                       </a:r>
-                      <a:endParaRPr lang="nl-NL" sz="1100" dirty="0">
+                      <a:endParaRPr lang="nl-NL" sz="1600" dirty="0">
                         <a:effectLst/>
                         <a:latin typeface="Calibri"/>
                         <a:ea typeface="Calibri"/>
@@ -7962,12 +8204,12 @@
                         </a:spcAft>
                       </a:pPr>
                       <a:r>
-                        <a:rPr lang="nl-NL" sz="1200" baseline="-25000">
+                        <a:rPr lang="nl-NL" sz="1800" baseline="-25000">
                           <a:effectLst/>
                         </a:rPr>
                         <a:t>9,16</a:t>
                       </a:r>
-                      <a:endParaRPr lang="nl-NL" sz="1100">
+                      <a:endParaRPr lang="nl-NL" sz="1600">
                         <a:effectLst/>
                         <a:latin typeface="Calibri"/>
                         <a:ea typeface="Calibri"/>
@@ -7991,12 +8233,12 @@
                         </a:spcAft>
                       </a:pPr>
                       <a:r>
-                        <a:rPr lang="nl-NL" sz="1200" baseline="-25000">
+                        <a:rPr lang="nl-NL" sz="1800" baseline="-25000">
                           <a:effectLst/>
                         </a:rPr>
                         <a:t>164,73</a:t>
                       </a:r>
-                      <a:endParaRPr lang="nl-NL" sz="1100">
+                      <a:endParaRPr lang="nl-NL" sz="1600">
                         <a:effectLst/>
                         <a:latin typeface="Calibri"/>
                         <a:ea typeface="Calibri"/>
@@ -8020,12 +8262,12 @@
                         </a:spcAft>
                       </a:pPr>
                       <a:r>
-                        <a:rPr lang="nl-NL" sz="1200" baseline="-25000" dirty="0">
+                        <a:rPr lang="nl-NL" sz="1800" baseline="-25000" dirty="0">
                           <a:effectLst/>
                         </a:rPr>
                         <a:t>118</a:t>
                       </a:r>
-                      <a:endParaRPr lang="nl-NL" sz="1100" dirty="0">
+                      <a:endParaRPr lang="nl-NL" sz="1600" dirty="0">
                         <a:effectLst/>
                         <a:latin typeface="Calibri"/>
                         <a:ea typeface="Calibri"/>
@@ -8049,12 +8291,12 @@
                         </a:spcAft>
                       </a:pPr>
                       <a:r>
-                        <a:rPr lang="nl-NL" sz="1200" baseline="-25000">
+                        <a:rPr lang="nl-NL" sz="1800" baseline="-25000">
                           <a:effectLst/>
                         </a:rPr>
                         <a:t>208</a:t>
                       </a:r>
-                      <a:endParaRPr lang="nl-NL" sz="1100">
+                      <a:endParaRPr lang="nl-NL" sz="1600">
                         <a:effectLst/>
                         <a:latin typeface="Calibri"/>
                         <a:ea typeface="Calibri"/>
@@ -8078,12 +8320,12 @@
                         </a:spcAft>
                       </a:pPr>
                       <a:r>
-                        <a:rPr lang="nl-NL" sz="1200" baseline="-25000">
+                        <a:rPr lang="nl-NL" sz="1800" baseline="-25000">
                           <a:effectLst/>
                         </a:rPr>
                         <a:t>6,22</a:t>
                       </a:r>
-                      <a:endParaRPr lang="nl-NL" sz="1100">
+                      <a:endParaRPr lang="nl-NL" sz="1600">
                         <a:effectLst/>
                         <a:latin typeface="Calibri"/>
                         <a:ea typeface="Calibri"/>
@@ -8107,12 +8349,12 @@
                         </a:spcAft>
                       </a:pPr>
                       <a:r>
-                        <a:rPr lang="nl-NL" sz="1200" baseline="-25000">
+                        <a:rPr lang="nl-NL" sz="1800" baseline="-25000">
                           <a:effectLst/>
                         </a:rPr>
                         <a:t>103,15</a:t>
                       </a:r>
-                      <a:endParaRPr lang="nl-NL" sz="1100">
+                      <a:endParaRPr lang="nl-NL" sz="1600">
                         <a:effectLst/>
                         <a:latin typeface="Calibri"/>
                         <a:ea typeface="Calibri"/>
@@ -8136,12 +8378,12 @@
                         </a:spcAft>
                       </a:pPr>
                       <a:r>
-                        <a:rPr lang="nl-NL" sz="1200" baseline="-25000">
+                        <a:rPr lang="nl-NL" sz="1800" baseline="-25000">
                           <a:effectLst/>
                         </a:rPr>
                         <a:t>47</a:t>
                       </a:r>
-                      <a:endParaRPr lang="nl-NL" sz="1100">
+                      <a:endParaRPr lang="nl-NL" sz="1600">
                         <a:effectLst/>
                         <a:latin typeface="Calibri"/>
                         <a:ea typeface="Calibri"/>
@@ -8165,279 +8407,12 @@
                         </a:spcAft>
                       </a:pPr>
                       <a:r>
-                        <a:rPr lang="nl-NL" sz="1200" baseline="-25000">
+                        <a:rPr lang="nl-NL" sz="1800" baseline="-25000" dirty="0">
                           <a:effectLst/>
                         </a:rPr>
                         <a:t>222</a:t>
                       </a:r>
-                      <a:endParaRPr lang="nl-NL" sz="1100">
-                        <a:effectLst/>
-                        <a:latin typeface="Calibri"/>
-                        <a:ea typeface="Calibri"/>
-                        <a:cs typeface="Times New Roman"/>
-                      </a:endParaRPr>
-                    </a:p>
-                  </a:txBody>
-                  <a:tcPr marL="68580" marR="68580" marT="0" marB="0"/>
-                </a:tc>
-              </a:tr>
-              <a:tr h="391239">
-                <a:tc>
-                  <a:txBody>
-                    <a:bodyPr/>
-                    <a:lstStyle/>
-                    <a:p>
-                      <a:pPr>
-                        <a:lnSpc>
-                          <a:spcPct val="115000"/>
-                        </a:lnSpc>
-                        <a:spcAft>
-                          <a:spcPts val="0"/>
-                        </a:spcAft>
-                      </a:pPr>
-                      <a:r>
-                        <a:rPr lang="nl-NL" sz="1200" baseline="-25000" dirty="0">
-                          <a:effectLst/>
-                        </a:rPr>
-                        <a:t>EditStarTotalGenes</a:t>
-                      </a:r>
-                      <a:endParaRPr lang="nl-NL" sz="1100" dirty="0">
-                        <a:effectLst/>
-                        <a:latin typeface="Calibri"/>
-                        <a:ea typeface="Calibri"/>
-                        <a:cs typeface="Times New Roman"/>
-                      </a:endParaRPr>
-                    </a:p>
-                  </a:txBody>
-                  <a:tcPr marL="68580" marR="68580" marT="0" marB="0">
-                    <a:solidFill>
-                      <a:srgbClr val="D52525"/>
-                    </a:solidFill>
-                  </a:tcPr>
-                </a:tc>
-                <a:tc>
-                  <a:txBody>
-                    <a:bodyPr/>
-                    <a:lstStyle/>
-                    <a:p>
-                      <a:pPr>
-                        <a:lnSpc>
-                          <a:spcPct val="115000"/>
-                        </a:lnSpc>
-                        <a:spcAft>
-                          <a:spcPts val="0"/>
-                        </a:spcAft>
-                      </a:pPr>
-                      <a:r>
-                        <a:rPr lang="nl-NL" sz="1200" baseline="-25000">
-                          <a:effectLst/>
-                        </a:rPr>
-                        <a:t> </a:t>
-                      </a:r>
-                      <a:endParaRPr lang="nl-NL" sz="1100">
-                        <a:effectLst/>
-                        <a:latin typeface="Calibri"/>
-                        <a:ea typeface="Calibri"/>
-                        <a:cs typeface="Times New Roman"/>
-                      </a:endParaRPr>
-                    </a:p>
-                  </a:txBody>
-                  <a:tcPr marL="68580" marR="68580" marT="0" marB="0"/>
-                </a:tc>
-                <a:tc>
-                  <a:txBody>
-                    <a:bodyPr/>
-                    <a:lstStyle/>
-                    <a:p>
-                      <a:pPr>
-                        <a:lnSpc>
-                          <a:spcPct val="115000"/>
-                        </a:lnSpc>
-                        <a:spcAft>
-                          <a:spcPts val="0"/>
-                        </a:spcAft>
-                      </a:pPr>
-                      <a:r>
-                        <a:rPr lang="nl-NL" sz="1200" baseline="-25000">
-                          <a:effectLst/>
-                        </a:rPr>
-                        <a:t> </a:t>
-                      </a:r>
-                      <a:endParaRPr lang="nl-NL" sz="1100">
-                        <a:effectLst/>
-                        <a:latin typeface="Calibri"/>
-                        <a:ea typeface="Calibri"/>
-                        <a:cs typeface="Times New Roman"/>
-                      </a:endParaRPr>
-                    </a:p>
-                  </a:txBody>
-                  <a:tcPr marL="68580" marR="68580" marT="0" marB="0"/>
-                </a:tc>
-                <a:tc>
-                  <a:txBody>
-                    <a:bodyPr/>
-                    <a:lstStyle/>
-                    <a:p>
-                      <a:pPr>
-                        <a:lnSpc>
-                          <a:spcPct val="115000"/>
-                        </a:lnSpc>
-                        <a:spcAft>
-                          <a:spcPts val="0"/>
-                        </a:spcAft>
-                      </a:pPr>
-                      <a:r>
-                        <a:rPr lang="nl-NL" sz="1200" baseline="-25000" dirty="0">
-                          <a:effectLst/>
-                        </a:rPr>
-                        <a:t> </a:t>
-                      </a:r>
-                      <a:endParaRPr lang="nl-NL" sz="1100" dirty="0">
-                        <a:effectLst/>
-                        <a:latin typeface="Calibri"/>
-                        <a:ea typeface="Calibri"/>
-                        <a:cs typeface="Times New Roman"/>
-                      </a:endParaRPr>
-                    </a:p>
-                  </a:txBody>
-                  <a:tcPr marL="68580" marR="68580" marT="0" marB="0"/>
-                </a:tc>
-                <a:tc>
-                  <a:txBody>
-                    <a:bodyPr/>
-                    <a:lstStyle/>
-                    <a:p>
-                      <a:pPr>
-                        <a:lnSpc>
-                          <a:spcPct val="115000"/>
-                        </a:lnSpc>
-                        <a:spcAft>
-                          <a:spcPts val="0"/>
-                        </a:spcAft>
-                      </a:pPr>
-                      <a:r>
-                        <a:rPr lang="nl-NL" sz="1200" baseline="-25000" dirty="0">
-                          <a:effectLst/>
-                        </a:rPr>
-                        <a:t> </a:t>
-                      </a:r>
-                      <a:endParaRPr lang="nl-NL" sz="1100" dirty="0">
-                        <a:effectLst/>
-                        <a:latin typeface="Calibri"/>
-                        <a:ea typeface="Calibri"/>
-                        <a:cs typeface="Times New Roman"/>
-                      </a:endParaRPr>
-                    </a:p>
-                  </a:txBody>
-                  <a:tcPr marL="68580" marR="68580" marT="0" marB="0"/>
-                </a:tc>
-                <a:tc>
-                  <a:txBody>
-                    <a:bodyPr/>
-                    <a:lstStyle/>
-                    <a:p>
-                      <a:pPr>
-                        <a:lnSpc>
-                          <a:spcPct val="115000"/>
-                        </a:lnSpc>
-                        <a:spcAft>
-                          <a:spcPts val="0"/>
-                        </a:spcAft>
-                      </a:pPr>
-                      <a:r>
-                        <a:rPr lang="nl-NL" sz="1200" baseline="-25000">
-                          <a:effectLst/>
-                        </a:rPr>
-                        <a:t> </a:t>
-                      </a:r>
-                      <a:endParaRPr lang="nl-NL" sz="1100">
-                        <a:effectLst/>
-                        <a:latin typeface="Calibri"/>
-                        <a:ea typeface="Calibri"/>
-                        <a:cs typeface="Times New Roman"/>
-                      </a:endParaRPr>
-                    </a:p>
-                  </a:txBody>
-                  <a:tcPr marL="68580" marR="68580" marT="0" marB="0"/>
-                </a:tc>
-                <a:tc>
-                  <a:txBody>
-                    <a:bodyPr/>
-                    <a:lstStyle/>
-                    <a:p>
-                      <a:pPr>
-                        <a:lnSpc>
-                          <a:spcPct val="115000"/>
-                        </a:lnSpc>
-                        <a:spcAft>
-                          <a:spcPts val="0"/>
-                        </a:spcAft>
-                      </a:pPr>
-                      <a:r>
-                        <a:rPr lang="nl-NL" sz="1200" baseline="-25000">
-                          <a:effectLst/>
-                        </a:rPr>
-                        <a:t> </a:t>
-                      </a:r>
-                      <a:endParaRPr lang="nl-NL" sz="1100">
-                        <a:effectLst/>
-                        <a:latin typeface="Calibri"/>
-                        <a:ea typeface="Calibri"/>
-                        <a:cs typeface="Times New Roman"/>
-                      </a:endParaRPr>
-                    </a:p>
-                  </a:txBody>
-                  <a:tcPr marL="68580" marR="68580" marT="0" marB="0"/>
-                </a:tc>
-                <a:tc>
-                  <a:txBody>
-                    <a:bodyPr/>
-                    <a:lstStyle/>
-                    <a:p>
-                      <a:pPr>
-                        <a:lnSpc>
-                          <a:spcPct val="115000"/>
-                        </a:lnSpc>
-                        <a:spcAft>
-                          <a:spcPts val="0"/>
-                        </a:spcAft>
-                      </a:pPr>
-                      <a:r>
-                        <a:rPr lang="nl-NL" sz="1200" baseline="-25000">
-                          <a:effectLst/>
-                        </a:rPr>
-                        <a:t> </a:t>
-                      </a:r>
-                      <a:endParaRPr lang="nl-NL" sz="1100">
-                        <a:effectLst/>
-                        <a:latin typeface="Calibri"/>
-                        <a:ea typeface="Calibri"/>
-                        <a:cs typeface="Times New Roman"/>
-                      </a:endParaRPr>
-                    </a:p>
-                  </a:txBody>
-                  <a:tcPr marL="68580" marR="68580" marT="0" marB="0"/>
-                </a:tc>
-                <a:tc>
-                  <a:txBody>
-                    <a:bodyPr/>
-                    <a:lstStyle/>
-                    <a:p>
-                      <a:pPr>
-                        <a:lnSpc>
-                          <a:spcPct val="115000"/>
-                        </a:lnSpc>
-                        <a:spcAft>
-                          <a:spcPts val="0"/>
-                        </a:spcAft>
-                      </a:pPr>
-                      <a:r>
-                        <a:rPr lang="nl-NL" sz="1200" baseline="-25000" dirty="0">
-                          <a:effectLst/>
-                        </a:rPr>
-                        <a:t> </a:t>
-                      </a:r>
-                      <a:endParaRPr lang="nl-NL" sz="1100" dirty="0">
+                      <a:endParaRPr lang="nl-NL" sz="1600" dirty="0">
                         <a:effectLst/>
                         <a:latin typeface="Calibri"/>
                         <a:ea typeface="Calibri"/>
@@ -8452,6 +8427,48 @@
           </a:graphicData>
         </a:graphic>
       </p:graphicFrame>
+      <p:sp>
+        <p:nvSpPr>
+          <p:cNvPr id="5" name="TextBox 4"/>
+          <p:cNvSpPr txBox="1"/>
+          <p:nvPr/>
+        </p:nvSpPr>
+        <p:spPr>
+          <a:xfrm>
+            <a:off x="1828800" y="1524000"/>
+            <a:ext cx="5086392" cy="338554"/>
+          </a:xfrm>
+          <a:prstGeom prst="rect">
+            <a:avLst/>
+          </a:prstGeom>
+          <a:noFill/>
+        </p:spPr>
+        <p:txBody>
+          <a:bodyPr wrap="none" rtlCol="0">
+            <a:spAutoFit/>
+          </a:bodyPr>
+          <a:lstStyle/>
+          <a:p>
+            <a:r>
+              <a:rPr lang="nl-NL" sz="1600" dirty="0" smtClean="0">
+                <a:solidFill>
+                  <a:schemeClr val="bg1">
+                    <a:lumMod val="50000"/>
+                  </a:schemeClr>
+                </a:solidFill>
+              </a:rPr>
+              <a:t>Pseudorandom		     Relatief goed geplaatst</a:t>
+            </a:r>
+            <a:endParaRPr lang="nl-NL" sz="1600" dirty="0">
+              <a:solidFill>
+                <a:schemeClr val="bg1">
+                  <a:lumMod val="50000"/>
+                </a:schemeClr>
+              </a:solidFill>
+            </a:endParaRPr>
+          </a:p>
+        </p:txBody>
+      </p:sp>
     </p:spTree>
     <p:extLst>
       <p:ext uri="{BB962C8B-B14F-4D97-AF65-F5344CB8AC3E}">

--- a/Fruitvliegen_Presentatie.pptx
+++ b/Fruitvliegen_Presentatie.pptx
@@ -119,6 +119,22 @@
       </a:defRPr>
     </a:lvl9pPr>
   </p:defaultTextStyle>
+  <p:extLst>
+    <p:ext uri="{EFAFB233-063F-42B5-8137-9DF3F51BA10A}">
+      <p15:sldGuideLst xmlns:p15="http://schemas.microsoft.com/office/powerpoint/2012/main">
+        <p15:guide id="1" orient="horz" pos="2160">
+          <p15:clr>
+            <a:srgbClr val="A4A3A4"/>
+          </p15:clr>
+        </p15:guide>
+        <p15:guide id="2" pos="2880">
+          <p15:clr>
+            <a:srgbClr val="A4A3A4"/>
+          </p15:clr>
+        </p15:guide>
+      </p15:sldGuideLst>
+    </p:ext>
+  </p:extLst>
 </p:presentation>
 </file>
 
@@ -317,7 +333,7 @@
             <a:fld id="{1D8BD707-D9CF-40AE-B4C6-C98DA3205C09}" type="datetimeFigureOut">
               <a:rPr lang="en-US" smtClean="0"/>
               <a:pPr/>
-              <a:t>12/16/2015</a:t>
+              <a:t>12/17/2015</a:t>
             </a:fld>
             <a:endParaRPr lang="en-US"/>
           </a:p>
@@ -484,7 +500,7 @@
             <a:fld id="{1D8BD707-D9CF-40AE-B4C6-C98DA3205C09}" type="datetimeFigureOut">
               <a:rPr lang="en-US" smtClean="0"/>
               <a:pPr/>
-              <a:t>12/16/2015</a:t>
+              <a:t>12/17/2015</a:t>
             </a:fld>
             <a:endParaRPr lang="en-US"/>
           </a:p>
@@ -661,7 +677,7 @@
             <a:fld id="{1D8BD707-D9CF-40AE-B4C6-C98DA3205C09}" type="datetimeFigureOut">
               <a:rPr lang="en-US" smtClean="0"/>
               <a:pPr/>
-              <a:t>12/16/2015</a:t>
+              <a:t>12/17/2015</a:t>
             </a:fld>
             <a:endParaRPr lang="en-US"/>
           </a:p>
@@ -828,7 +844,7 @@
             <a:fld id="{1D8BD707-D9CF-40AE-B4C6-C98DA3205C09}" type="datetimeFigureOut">
               <a:rPr lang="en-US" smtClean="0"/>
               <a:pPr/>
-              <a:t>12/16/2015</a:t>
+              <a:t>12/17/2015</a:t>
             </a:fld>
             <a:endParaRPr lang="en-US"/>
           </a:p>
@@ -1071,7 +1087,7 @@
             <a:fld id="{1D8BD707-D9CF-40AE-B4C6-C98DA3205C09}" type="datetimeFigureOut">
               <a:rPr lang="en-US" smtClean="0"/>
               <a:pPr/>
-              <a:t>12/16/2015</a:t>
+              <a:t>12/17/2015</a:t>
             </a:fld>
             <a:endParaRPr lang="en-US"/>
           </a:p>
@@ -1356,7 +1372,7 @@
             <a:fld id="{1D8BD707-D9CF-40AE-B4C6-C98DA3205C09}" type="datetimeFigureOut">
               <a:rPr lang="en-US" smtClean="0"/>
               <a:pPr/>
-              <a:t>12/16/2015</a:t>
+              <a:t>12/17/2015</a:t>
             </a:fld>
             <a:endParaRPr lang="en-US"/>
           </a:p>
@@ -1787,7 +1803,7 @@
             <a:fld id="{1D8BD707-D9CF-40AE-B4C6-C98DA3205C09}" type="datetimeFigureOut">
               <a:rPr lang="en-US" smtClean="0"/>
               <a:pPr/>
-              <a:t>12/16/2015</a:t>
+              <a:t>12/17/2015</a:t>
             </a:fld>
             <a:endParaRPr lang="en-US"/>
           </a:p>
@@ -1902,7 +1918,7 @@
             <a:fld id="{1D8BD707-D9CF-40AE-B4C6-C98DA3205C09}" type="datetimeFigureOut">
               <a:rPr lang="en-US" smtClean="0"/>
               <a:pPr/>
-              <a:t>12/16/2015</a:t>
+              <a:t>12/17/2015</a:t>
             </a:fld>
             <a:endParaRPr lang="en-US"/>
           </a:p>
@@ -1994,7 +2010,7 @@
             <a:fld id="{1D8BD707-D9CF-40AE-B4C6-C98DA3205C09}" type="datetimeFigureOut">
               <a:rPr lang="en-US" smtClean="0"/>
               <a:pPr/>
-              <a:t>12/16/2015</a:t>
+              <a:t>12/17/2015</a:t>
             </a:fld>
             <a:endParaRPr lang="en-US"/>
           </a:p>
@@ -2185,7 +2201,7 @@
             <a:fld id="{1D8BD707-D9CF-40AE-B4C6-C98DA3205C09}" type="datetimeFigureOut">
               <a:rPr lang="en-US" smtClean="0"/>
               <a:pPr/>
-              <a:t>12/16/2015</a:t>
+              <a:t>12/17/2015</a:t>
             </a:fld>
             <a:endParaRPr lang="en-US"/>
           </a:p>
@@ -2505,7 +2521,7 @@
             <a:fld id="{1D8BD707-D9CF-40AE-B4C6-C98DA3205C09}" type="datetimeFigureOut">
               <a:rPr lang="en-US" smtClean="0"/>
               <a:pPr/>
-              <a:t>12/16/2015</a:t>
+              <a:t>12/17/2015</a:t>
             </a:fld>
             <a:endParaRPr lang="en-US"/>
           </a:p>
@@ -2887,7 +2903,7 @@
             <a:fld id="{1D8BD707-D9CF-40AE-B4C6-C98DA3205C09}" type="datetimeFigureOut">
               <a:rPr lang="en-US" smtClean="0"/>
               <a:pPr/>
-              <a:t>12/16/2015</a:t>
+              <a:t>12/17/2015</a:t>
             </a:fld>
             <a:endParaRPr lang="en-US"/>
           </a:p>
@@ -4919,13 +4935,8 @@
           <a:p>
             <a:r>
               <a:rPr lang="nl-NL" dirty="0" smtClean="0"/>
-              <a:t>EditStar beste </a:t>
-            </a:r>
-            <a:r>
-              <a:rPr lang="nl-NL" dirty="0" smtClean="0"/>
-              <a:t>performance inversies</a:t>
-            </a:r>
-            <a:endParaRPr lang="nl-NL" dirty="0" smtClean="0"/>
+              <a:t>EditStar beste performance inversies</a:t>
+            </a:r>
           </a:p>
           <a:p>
             <a:endParaRPr lang="nl-NL" dirty="0"/>
@@ -6402,13 +6413,8 @@
           <a:p>
             <a:r>
               <a:rPr lang="nl-NL" dirty="0" smtClean="0"/>
-              <a:t>Weinig aaneengesloten getallen: dus meer </a:t>
-            </a:r>
-            <a:r>
-              <a:rPr lang="nl-NL" dirty="0" smtClean="0"/>
-              <a:t>elementen</a:t>
-            </a:r>
-            <a:endParaRPr lang="nl-NL" dirty="0" smtClean="0"/>
+              <a:t>Weinig aaneengesloten getallen: dus meer elementen</a:t>
+            </a:r>
           </a:p>
           <a:p>
             <a:endParaRPr lang="nl-NL" dirty="0"/>
@@ -8564,13 +8570,8 @@
           <a:p>
             <a:r>
               <a:rPr lang="nl-NL" dirty="0" smtClean="0"/>
-              <a:t>Geen absolute zekerheid dat 13 laagst mogelijk is, maar vrij aannemelijk dat het hier niet ver meer onder </a:t>
-            </a:r>
-            <a:r>
-              <a:rPr lang="nl-NL" dirty="0" smtClean="0"/>
-              <a:t>kan</a:t>
-            </a:r>
-            <a:endParaRPr lang="nl-NL" dirty="0" smtClean="0"/>
+              <a:t>Geen absolute zekerheid dat 13 laagst mogelijk is, maar vrij aannemelijk dat het hier niet ver meer onder kan</a:t>
+            </a:r>
           </a:p>
           <a:p>
             <a:endParaRPr lang="nl-NL" dirty="0"/>
@@ -9625,7 +9626,7 @@
       </p:sp>
       <p:sp>
         <p:nvSpPr>
-          <p:cNvPr id="3" name="Content Placeholder 2"/>
+          <p:cNvPr id="6" name="Content Placeholder 2"/>
           <p:cNvSpPr>
             <a:spLocks noGrp="1"/>
           </p:cNvSpPr>
@@ -9633,34 +9634,104 @@
             <p:ph idx="1"/>
           </p:nvPr>
         </p:nvSpPr>
-        <p:spPr/>
+        <p:spPr>
+          <a:xfrm>
+            <a:off x="457200" y="1524000"/>
+            <a:ext cx="4572000" cy="4351338"/>
+          </a:xfrm>
+        </p:spPr>
         <p:txBody>
-          <a:bodyPr/>
+          <a:bodyPr>
+            <a:normAutofit/>
+          </a:bodyPr>
           <a:lstStyle/>
           <a:p>
             <a:r>
-              <a:rPr lang="nl-NL" dirty="0" smtClean="0"/>
-              <a:t>3 lagen diep</a:t>
-            </a:r>
-          </a:p>
-          <a:p>
-            <a:endParaRPr lang="nl-NL" dirty="0"/>
-          </a:p>
-          <a:p>
-            <a:endParaRPr lang="nl-NL" dirty="0"/>
+              <a:rPr lang="nl-NL" sz="1800" dirty="0" smtClean="0"/>
+              <a:t>3 lagen diep kijken (27 miljoen inversies)</a:t>
+            </a:r>
+          </a:p>
+          <a:p>
+            <a:r>
+              <a:rPr lang="nl-NL" sz="1800" dirty="0" smtClean="0"/>
+              <a:t>Verder met genomen met beste score</a:t>
+            </a:r>
+          </a:p>
+          <a:p>
+            <a:r>
+              <a:rPr lang="nl-NL" sz="1800" dirty="0" smtClean="0"/>
+              <a:t>Hoe bepaal je de beste score?</a:t>
+            </a:r>
+          </a:p>
+          <a:p>
+            <a:endParaRPr lang="nl-NL" sz="1800" dirty="0"/>
+          </a:p>
+          <a:p>
+            <a:pPr marL="114300" indent="0">
+              <a:buNone/>
+            </a:pPr>
+            <a:r>
+              <a:rPr lang="nl-NL" sz="1800" dirty="0" smtClean="0"/>
+              <a:t>Beste resultaat met score systeem:</a:t>
+            </a:r>
+          </a:p>
+          <a:p>
+            <a:pPr marL="114300" indent="0">
+              <a:buNone/>
+            </a:pPr>
+            <a:r>
+              <a:rPr lang="nl-NL" sz="1800" dirty="0" smtClean="0"/>
+              <a:t>1 punt voor iedere stap die de genen van hun </a:t>
+            </a:r>
+          </a:p>
+          <a:p>
+            <a:pPr marL="114300" indent="0">
+              <a:buNone/>
+            </a:pPr>
+            <a:r>
+              <a:rPr lang="nl-NL" sz="1800" dirty="0"/>
+              <a:t>g</a:t>
+            </a:r>
+            <a:r>
+              <a:rPr lang="nl-NL" sz="1800" dirty="0" smtClean="0"/>
+              <a:t>estorteerde locatie af zitten. Laagste score is </a:t>
+            </a:r>
+          </a:p>
+          <a:p>
+            <a:pPr marL="114300" indent="0">
+              <a:buNone/>
+            </a:pPr>
+            <a:r>
+              <a:rPr lang="nl-NL" sz="1800" dirty="0"/>
+              <a:t>d</a:t>
+            </a:r>
+            <a:r>
+              <a:rPr lang="nl-NL" sz="1800" dirty="0" smtClean="0"/>
+              <a:t>e beste score.</a:t>
+            </a:r>
+          </a:p>
+          <a:p>
+            <a:pPr marL="114300" indent="0">
+              <a:buNone/>
+            </a:pPr>
+            <a:r>
+              <a:rPr lang="nl-NL" sz="1800" dirty="0" smtClean="0"/>
+              <a:t>Gesorteerde score is 0.</a:t>
+            </a:r>
+            <a:endParaRPr lang="nl-NL" sz="1800" dirty="0" smtClean="0"/>
           </a:p>
         </p:txBody>
       </p:sp>
       <p:sp>
         <p:nvSpPr>
-          <p:cNvPr id="4" name="TextBox 3"/>
+          <p:cNvPr id="7" name="TextBox 6"/>
           <p:cNvSpPr txBox="1"/>
           <p:nvPr/>
         </p:nvSpPr>
         <p:spPr>
           <a:xfrm>
-            <a:off x="5089585" y="1402514"/>
-            <a:ext cx="4054415" cy="4401205"/>
+            <a:off x="4876800" y="1524000"/>
+            <a:ext cx="4054415" cy="3970318"/>
           </a:xfrm>
           <a:prstGeom prst="rect">
             <a:avLst/>
@@ -9675,66 +9746,138 @@
           <a:p>
             <a:pPr algn="ctr"/>
             <a:r>
-              <a:rPr lang="nl-NL" sz="4000" dirty="0" smtClean="0"/>
+              <a:rPr lang="nl-NL" sz="3600" dirty="0" smtClean="0"/>
               <a:t>1</a:t>
             </a:r>
           </a:p>
           <a:p>
             <a:pPr algn="ctr"/>
             <a:r>
-              <a:rPr lang="nl-NL" sz="4000" dirty="0" smtClean="0">
+              <a:rPr lang="nl-NL" sz="3600" dirty="0" smtClean="0"/>
+              <a:t>V</a:t>
+            </a:r>
+          </a:p>
+          <a:p>
+            <a:pPr algn="ctr"/>
+            <a:r>
+              <a:rPr lang="nl-NL" sz="3600" dirty="0" smtClean="0"/>
+              <a:t>300</a:t>
+            </a:r>
+          </a:p>
+          <a:p>
+            <a:pPr algn="ctr"/>
+            <a:r>
+              <a:rPr lang="nl-NL" sz="3600" dirty="0" smtClean="0"/>
+              <a:t>V</a:t>
+            </a:r>
+          </a:p>
+          <a:p>
+            <a:pPr algn="ctr"/>
+            <a:r>
+              <a:rPr lang="nl-NL" sz="3600" dirty="0" smtClean="0"/>
+              <a:t>90.000</a:t>
+            </a:r>
+          </a:p>
+          <a:p>
+            <a:pPr algn="ctr"/>
+            <a:r>
+              <a:rPr lang="nl-NL" sz="3600" dirty="0" smtClean="0"/>
+              <a:t>V</a:t>
+            </a:r>
+          </a:p>
+          <a:p>
+            <a:pPr algn="ctr"/>
+            <a:r>
+              <a:rPr lang="nl-NL" sz="3600" dirty="0" smtClean="0"/>
+              <a:t>27.000.000</a:t>
+            </a:r>
+            <a:endParaRPr lang="nl-NL" sz="3600" dirty="0"/>
+          </a:p>
+        </p:txBody>
+      </p:sp>
+      <p:sp>
+        <p:nvSpPr>
+          <p:cNvPr id="8" name="Arc 7"/>
+          <p:cNvSpPr/>
+          <p:nvPr/>
+        </p:nvSpPr>
+        <p:spPr>
+          <a:xfrm flipH="1">
+            <a:off x="5181600" y="1855006"/>
+            <a:ext cx="3048000" cy="3639312"/>
+          </a:xfrm>
+          <a:prstGeom prst="arc">
+            <a:avLst>
+              <a:gd name="adj1" fmla="val 16678611"/>
+              <a:gd name="adj2" fmla="val 3491802"/>
+            </a:avLst>
+          </a:prstGeom>
+          <a:ln w="57150">
+            <a:solidFill>
+              <a:srgbClr val="C00000"/>
+            </a:solidFill>
+            <a:headEnd type="triangle" w="med" len="med"/>
+            <a:tailEnd type="none" w="med" len="med"/>
+          </a:ln>
+        </p:spPr>
+        <p:style>
+          <a:lnRef idx="1">
+            <a:schemeClr val="accent1"/>
+          </a:lnRef>
+          <a:fillRef idx="0">
+            <a:schemeClr val="accent1"/>
+          </a:fillRef>
+          <a:effectRef idx="0">
+            <a:schemeClr val="accent1"/>
+          </a:effectRef>
+          <a:fontRef idx="minor">
+            <a:schemeClr val="tx1"/>
+          </a:fontRef>
+        </p:style>
+        <p:txBody>
+          <a:bodyPr rtlCol="0" anchor="ctr"/>
+          <a:lstStyle/>
+          <a:p>
+            <a:pPr algn="ctr"/>
+            <a:endParaRPr lang="nl-NL"/>
+          </a:p>
+        </p:txBody>
+      </p:sp>
+      <p:sp>
+        <p:nvSpPr>
+          <p:cNvPr id="9" name="TextBox 8"/>
+          <p:cNvSpPr txBox="1"/>
+          <p:nvPr/>
+        </p:nvSpPr>
+        <p:spPr>
+          <a:xfrm>
+            <a:off x="5029200" y="4495800"/>
+            <a:ext cx="533400" cy="523220"/>
+          </a:xfrm>
+          <a:prstGeom prst="rect">
+            <a:avLst/>
+          </a:prstGeom>
+          <a:noFill/>
+        </p:spPr>
+        <p:txBody>
+          <a:bodyPr wrap="square" rtlCol="0">
+            <a:spAutoFit/>
+          </a:bodyPr>
+          <a:lstStyle/>
+          <a:p>
+            <a:r>
+              <a:rPr lang="nl-NL" sz="2800" dirty="0" smtClean="0">
                 <a:solidFill>
-                  <a:srgbClr val="FF0000"/>
+                  <a:srgbClr val="C00000"/>
                 </a:solidFill>
               </a:rPr>
-              <a:t>V</a:t>
-            </a:r>
-          </a:p>
-          <a:p>
-            <a:pPr algn="ctr"/>
-            <a:r>
-              <a:rPr lang="nl-NL" sz="4000" dirty="0" smtClean="0"/>
-              <a:t>300</a:t>
-            </a:r>
-            <a:endParaRPr lang="nl-NL" sz="4000" dirty="0" smtClean="0"/>
-          </a:p>
-          <a:p>
-            <a:pPr algn="ctr"/>
-            <a:r>
-              <a:rPr lang="nl-NL" sz="4000" dirty="0" smtClean="0">
-                <a:solidFill>
-                  <a:srgbClr val="FF0000"/>
-                </a:solidFill>
-              </a:rPr>
-              <a:t>V</a:t>
-            </a:r>
-            <a:endParaRPr lang="nl-NL" sz="4000" dirty="0" smtClean="0"/>
-          </a:p>
-          <a:p>
-            <a:pPr algn="ctr"/>
-            <a:r>
-              <a:rPr lang="nl-NL" sz="4000" dirty="0" smtClean="0"/>
-              <a:t>90.000</a:t>
-            </a:r>
-          </a:p>
-          <a:p>
-            <a:pPr algn="ctr"/>
-            <a:r>
-              <a:rPr lang="nl-NL" sz="4000" dirty="0" smtClean="0">
-                <a:solidFill>
-                  <a:srgbClr val="FF0000"/>
-                </a:solidFill>
-              </a:rPr>
-              <a:t>V</a:t>
-            </a:r>
-          </a:p>
-          <a:p>
-            <a:pPr algn="ctr"/>
-            <a:r>
-              <a:rPr lang="nl-NL" sz="4000" dirty="0" smtClean="0"/>
-              <a:t>27.000.000</a:t>
-            </a:r>
-            <a:endParaRPr lang="nl-NL" sz="4000" dirty="0"/>
+              <a:t>1</a:t>
+            </a:r>
+            <a:endParaRPr lang="nl-NL" sz="2800" dirty="0">
+              <a:solidFill>
+                <a:srgbClr val="C00000"/>
+              </a:solidFill>
+            </a:endParaRPr>
           </a:p>
         </p:txBody>
       </p:sp>

--- a/Fruitvliegen_Presentatie.pptx
+++ b/Fruitvliegen_Presentatie.pptx
@@ -4,6 +4,9 @@
   <p:sldMasterIdLst>
     <p:sldMasterId id="2147483720" r:id="rId1"/>
   </p:sldMasterIdLst>
+  <p:notesMasterIdLst>
+    <p:notesMasterId r:id="rId18"/>
+  </p:notesMasterIdLst>
   <p:sldIdLst>
     <p:sldId id="256" r:id="rId2"/>
     <p:sldId id="257" r:id="rId3"/>
@@ -11,8 +14,8 @@
     <p:sldId id="274" r:id="rId5"/>
     <p:sldId id="269" r:id="rId6"/>
     <p:sldId id="259" r:id="rId7"/>
-    <p:sldId id="273" r:id="rId8"/>
-    <p:sldId id="267" r:id="rId9"/>
+    <p:sldId id="276" r:id="rId8"/>
+    <p:sldId id="277" r:id="rId9"/>
     <p:sldId id="268" r:id="rId10"/>
     <p:sldId id="261" r:id="rId11"/>
     <p:sldId id="271" r:id="rId12"/>
@@ -121,7 +124,7 @@
   </p:defaultTextStyle>
   <p:extLst>
     <p:ext uri="{EFAFB233-063F-42B5-8137-9DF3F51BA10A}">
-      <p15:sldGuideLst xmlns:p15="http://schemas.microsoft.com/office/powerpoint/2012/main">
+      <p15:sldGuideLst xmlns:p15="http://schemas.microsoft.com/office/powerpoint/2012/main" xmlns="">
         <p15:guide id="1" orient="horz" pos="2160">
           <p15:clr>
             <a:srgbClr val="A4A3A4"/>
@@ -136,6 +139,1676 @@
     </p:ext>
   </p:extLst>
 </p:presentation>
+</file>
+
+<file path=ppt/notesMasters/notesMaster1.xml><?xml version="1.0" encoding="utf-8"?>
+<p:notesMaster xmlns:a="http://schemas.openxmlformats.org/drawingml/2006/main" xmlns:r="http://schemas.openxmlformats.org/officeDocument/2006/relationships" xmlns:p="http://schemas.openxmlformats.org/presentationml/2006/main">
+  <p:cSld>
+    <p:bg>
+      <p:bgRef idx="1001">
+        <a:schemeClr val="bg1"/>
+      </p:bgRef>
+    </p:bg>
+    <p:spTree>
+      <p:nvGrpSpPr>
+        <p:cNvPr id="1" name=""/>
+        <p:cNvGrpSpPr/>
+        <p:nvPr/>
+      </p:nvGrpSpPr>
+      <p:grpSpPr>
+        <a:xfrm>
+          <a:off x="0" y="0"/>
+          <a:ext cx="0" cy="0"/>
+          <a:chOff x="0" y="0"/>
+          <a:chExt cx="0" cy="0"/>
+        </a:xfrm>
+      </p:grpSpPr>
+      <p:sp>
+        <p:nvSpPr>
+          <p:cNvPr id="2" name="Header Placeholder 1"/>
+          <p:cNvSpPr>
+            <a:spLocks noGrp="1"/>
+          </p:cNvSpPr>
+          <p:nvPr>
+            <p:ph type="hdr" sz="quarter"/>
+          </p:nvPr>
+        </p:nvSpPr>
+        <p:spPr>
+          <a:xfrm>
+            <a:off x="0" y="0"/>
+            <a:ext cx="2971800" cy="457200"/>
+          </a:xfrm>
+          <a:prstGeom prst="rect">
+            <a:avLst/>
+          </a:prstGeom>
+        </p:spPr>
+        <p:txBody>
+          <a:bodyPr vert="horz" lIns="91440" tIns="45720" rIns="91440" bIns="45720" rtlCol="0"/>
+          <a:lstStyle>
+            <a:lvl1pPr algn="l">
+              <a:defRPr sz="1200"/>
+            </a:lvl1pPr>
+          </a:lstStyle>
+          <a:p>
+            <a:endParaRPr lang="nl-NL"/>
+          </a:p>
+        </p:txBody>
+      </p:sp>
+      <p:sp>
+        <p:nvSpPr>
+          <p:cNvPr id="3" name="Date Placeholder 2"/>
+          <p:cNvSpPr>
+            <a:spLocks noGrp="1"/>
+          </p:cNvSpPr>
+          <p:nvPr>
+            <p:ph type="dt" idx="1"/>
+          </p:nvPr>
+        </p:nvSpPr>
+        <p:spPr>
+          <a:xfrm>
+            <a:off x="3884613" y="0"/>
+            <a:ext cx="2971800" cy="457200"/>
+          </a:xfrm>
+          <a:prstGeom prst="rect">
+            <a:avLst/>
+          </a:prstGeom>
+        </p:spPr>
+        <p:txBody>
+          <a:bodyPr vert="horz" lIns="91440" tIns="45720" rIns="91440" bIns="45720" rtlCol="0"/>
+          <a:lstStyle>
+            <a:lvl1pPr algn="r">
+              <a:defRPr sz="1200"/>
+            </a:lvl1pPr>
+          </a:lstStyle>
+          <a:p>
+            <a:fld id="{EBE3FEFF-34A5-40EA-96F2-9B69AA1D5CDB}" type="datetimeFigureOut">
+              <a:rPr lang="nl-NL" smtClean="0"/>
+              <a:t>17-12-2015</a:t>
+            </a:fld>
+            <a:endParaRPr lang="nl-NL"/>
+          </a:p>
+        </p:txBody>
+      </p:sp>
+      <p:sp>
+        <p:nvSpPr>
+          <p:cNvPr id="4" name="Slide Image Placeholder 3"/>
+          <p:cNvSpPr>
+            <a:spLocks noGrp="1" noRot="1" noChangeAspect="1"/>
+          </p:cNvSpPr>
+          <p:nvPr>
+            <p:ph type="sldImg" idx="2"/>
+          </p:nvPr>
+        </p:nvSpPr>
+        <p:spPr>
+          <a:xfrm>
+            <a:off x="1143000" y="685800"/>
+            <a:ext cx="4572000" cy="3429000"/>
+          </a:xfrm>
+          <a:prstGeom prst="rect">
+            <a:avLst/>
+          </a:prstGeom>
+          <a:noFill/>
+          <a:ln w="12700">
+            <a:solidFill>
+              <a:prstClr val="black"/>
+            </a:solidFill>
+          </a:ln>
+        </p:spPr>
+        <p:txBody>
+          <a:bodyPr vert="horz" lIns="91440" tIns="45720" rIns="91440" bIns="45720" rtlCol="0" anchor="ctr"/>
+          <a:lstStyle/>
+          <a:p>
+            <a:endParaRPr lang="nl-NL"/>
+          </a:p>
+        </p:txBody>
+      </p:sp>
+      <p:sp>
+        <p:nvSpPr>
+          <p:cNvPr id="5" name="Notes Placeholder 4"/>
+          <p:cNvSpPr>
+            <a:spLocks noGrp="1"/>
+          </p:cNvSpPr>
+          <p:nvPr>
+            <p:ph type="body" sz="quarter" idx="3"/>
+          </p:nvPr>
+        </p:nvSpPr>
+        <p:spPr>
+          <a:xfrm>
+            <a:off x="685800" y="4343400"/>
+            <a:ext cx="5486400" cy="4114800"/>
+          </a:xfrm>
+          <a:prstGeom prst="rect">
+            <a:avLst/>
+          </a:prstGeom>
+        </p:spPr>
+        <p:txBody>
+          <a:bodyPr vert="horz" lIns="91440" tIns="45720" rIns="91440" bIns="45720" rtlCol="0"/>
+          <a:lstStyle/>
+          <a:p>
+            <a:pPr lvl="0"/>
+            <a:r>
+              <a:rPr lang="en-US" smtClean="0"/>
+              <a:t>Click to edit Master text styles</a:t>
+            </a:r>
+          </a:p>
+          <a:p>
+            <a:pPr lvl="1"/>
+            <a:r>
+              <a:rPr lang="en-US" smtClean="0"/>
+              <a:t>Second level</a:t>
+            </a:r>
+          </a:p>
+          <a:p>
+            <a:pPr lvl="2"/>
+            <a:r>
+              <a:rPr lang="en-US" smtClean="0"/>
+              <a:t>Third level</a:t>
+            </a:r>
+          </a:p>
+          <a:p>
+            <a:pPr lvl="3"/>
+            <a:r>
+              <a:rPr lang="en-US" smtClean="0"/>
+              <a:t>Fourth level</a:t>
+            </a:r>
+          </a:p>
+          <a:p>
+            <a:pPr lvl="4"/>
+            <a:r>
+              <a:rPr lang="en-US" smtClean="0"/>
+              <a:t>Fifth level</a:t>
+            </a:r>
+            <a:endParaRPr lang="nl-NL"/>
+          </a:p>
+        </p:txBody>
+      </p:sp>
+      <p:sp>
+        <p:nvSpPr>
+          <p:cNvPr id="6" name="Footer Placeholder 5"/>
+          <p:cNvSpPr>
+            <a:spLocks noGrp="1"/>
+          </p:cNvSpPr>
+          <p:nvPr>
+            <p:ph type="ftr" sz="quarter" idx="4"/>
+          </p:nvPr>
+        </p:nvSpPr>
+        <p:spPr>
+          <a:xfrm>
+            <a:off x="0" y="8685213"/>
+            <a:ext cx="2971800" cy="457200"/>
+          </a:xfrm>
+          <a:prstGeom prst="rect">
+            <a:avLst/>
+          </a:prstGeom>
+        </p:spPr>
+        <p:txBody>
+          <a:bodyPr vert="horz" lIns="91440" tIns="45720" rIns="91440" bIns="45720" rtlCol="0" anchor="b"/>
+          <a:lstStyle>
+            <a:lvl1pPr algn="l">
+              <a:defRPr sz="1200"/>
+            </a:lvl1pPr>
+          </a:lstStyle>
+          <a:p>
+            <a:endParaRPr lang="nl-NL"/>
+          </a:p>
+        </p:txBody>
+      </p:sp>
+      <p:sp>
+        <p:nvSpPr>
+          <p:cNvPr id="7" name="Slide Number Placeholder 6"/>
+          <p:cNvSpPr>
+            <a:spLocks noGrp="1"/>
+          </p:cNvSpPr>
+          <p:nvPr>
+            <p:ph type="sldNum" sz="quarter" idx="5"/>
+          </p:nvPr>
+        </p:nvSpPr>
+        <p:spPr>
+          <a:xfrm>
+            <a:off x="3884613" y="8685213"/>
+            <a:ext cx="2971800" cy="457200"/>
+          </a:xfrm>
+          <a:prstGeom prst="rect">
+            <a:avLst/>
+          </a:prstGeom>
+        </p:spPr>
+        <p:txBody>
+          <a:bodyPr vert="horz" lIns="91440" tIns="45720" rIns="91440" bIns="45720" rtlCol="0" anchor="b"/>
+          <a:lstStyle>
+            <a:lvl1pPr algn="r">
+              <a:defRPr sz="1200"/>
+            </a:lvl1pPr>
+          </a:lstStyle>
+          <a:p>
+            <a:fld id="{ED32C444-D6A4-4DE5-BBBA-C956344D6472}" type="slidenum">
+              <a:rPr lang="nl-NL" smtClean="0"/>
+              <a:t>‹#›</a:t>
+            </a:fld>
+            <a:endParaRPr lang="nl-NL"/>
+          </a:p>
+        </p:txBody>
+      </p:sp>
+    </p:spTree>
+    <p:extLst>
+      <p:ext uri="{BB962C8B-B14F-4D97-AF65-F5344CB8AC3E}">
+        <p14:creationId xmlns:p14="http://schemas.microsoft.com/office/powerpoint/2010/main" val="633916410"/>
+      </p:ext>
+    </p:extLst>
+  </p:cSld>
+  <p:clrMap bg1="lt1" tx1="dk1" bg2="lt2" tx2="dk2" accent1="accent1" accent2="accent2" accent3="accent3" accent4="accent4" accent5="accent5" accent6="accent6" hlink="hlink" folHlink="folHlink"/>
+  <p:notesStyle>
+    <a:lvl1pPr marL="0" algn="l" defTabSz="914400" rtl="0" eaLnBrk="1" latinLnBrk="0" hangingPunct="1">
+      <a:defRPr sz="1200" kern="1200">
+        <a:solidFill>
+          <a:schemeClr val="tx1"/>
+        </a:solidFill>
+        <a:latin typeface="+mn-lt"/>
+        <a:ea typeface="+mn-ea"/>
+        <a:cs typeface="+mn-cs"/>
+      </a:defRPr>
+    </a:lvl1pPr>
+    <a:lvl2pPr marL="457200" algn="l" defTabSz="914400" rtl="0" eaLnBrk="1" latinLnBrk="0" hangingPunct="1">
+      <a:defRPr sz="1200" kern="1200">
+        <a:solidFill>
+          <a:schemeClr val="tx1"/>
+        </a:solidFill>
+        <a:latin typeface="+mn-lt"/>
+        <a:ea typeface="+mn-ea"/>
+        <a:cs typeface="+mn-cs"/>
+      </a:defRPr>
+    </a:lvl2pPr>
+    <a:lvl3pPr marL="914400" algn="l" defTabSz="914400" rtl="0" eaLnBrk="1" latinLnBrk="0" hangingPunct="1">
+      <a:defRPr sz="1200" kern="1200">
+        <a:solidFill>
+          <a:schemeClr val="tx1"/>
+        </a:solidFill>
+        <a:latin typeface="+mn-lt"/>
+        <a:ea typeface="+mn-ea"/>
+        <a:cs typeface="+mn-cs"/>
+      </a:defRPr>
+    </a:lvl3pPr>
+    <a:lvl4pPr marL="1371600" algn="l" defTabSz="914400" rtl="0" eaLnBrk="1" latinLnBrk="0" hangingPunct="1">
+      <a:defRPr sz="1200" kern="1200">
+        <a:solidFill>
+          <a:schemeClr val="tx1"/>
+        </a:solidFill>
+        <a:latin typeface="+mn-lt"/>
+        <a:ea typeface="+mn-ea"/>
+        <a:cs typeface="+mn-cs"/>
+      </a:defRPr>
+    </a:lvl4pPr>
+    <a:lvl5pPr marL="1828800" algn="l" defTabSz="914400" rtl="0" eaLnBrk="1" latinLnBrk="0" hangingPunct="1">
+      <a:defRPr sz="1200" kern="1200">
+        <a:solidFill>
+          <a:schemeClr val="tx1"/>
+        </a:solidFill>
+        <a:latin typeface="+mn-lt"/>
+        <a:ea typeface="+mn-ea"/>
+        <a:cs typeface="+mn-cs"/>
+      </a:defRPr>
+    </a:lvl5pPr>
+    <a:lvl6pPr marL="2286000" algn="l" defTabSz="914400" rtl="0" eaLnBrk="1" latinLnBrk="0" hangingPunct="1">
+      <a:defRPr sz="1200" kern="1200">
+        <a:solidFill>
+          <a:schemeClr val="tx1"/>
+        </a:solidFill>
+        <a:latin typeface="+mn-lt"/>
+        <a:ea typeface="+mn-ea"/>
+        <a:cs typeface="+mn-cs"/>
+      </a:defRPr>
+    </a:lvl6pPr>
+    <a:lvl7pPr marL="2743200" algn="l" defTabSz="914400" rtl="0" eaLnBrk="1" latinLnBrk="0" hangingPunct="1">
+      <a:defRPr sz="1200" kern="1200">
+        <a:solidFill>
+          <a:schemeClr val="tx1"/>
+        </a:solidFill>
+        <a:latin typeface="+mn-lt"/>
+        <a:ea typeface="+mn-ea"/>
+        <a:cs typeface="+mn-cs"/>
+      </a:defRPr>
+    </a:lvl7pPr>
+    <a:lvl8pPr marL="3200400" algn="l" defTabSz="914400" rtl="0" eaLnBrk="1" latinLnBrk="0" hangingPunct="1">
+      <a:defRPr sz="1200" kern="1200">
+        <a:solidFill>
+          <a:schemeClr val="tx1"/>
+        </a:solidFill>
+        <a:latin typeface="+mn-lt"/>
+        <a:ea typeface="+mn-ea"/>
+        <a:cs typeface="+mn-cs"/>
+      </a:defRPr>
+    </a:lvl8pPr>
+    <a:lvl9pPr marL="3657600" algn="l" defTabSz="914400" rtl="0" eaLnBrk="1" latinLnBrk="0" hangingPunct="1">
+      <a:defRPr sz="1200" kern="1200">
+        <a:solidFill>
+          <a:schemeClr val="tx1"/>
+        </a:solidFill>
+        <a:latin typeface="+mn-lt"/>
+        <a:ea typeface="+mn-ea"/>
+        <a:cs typeface="+mn-cs"/>
+      </a:defRPr>
+    </a:lvl9pPr>
+  </p:notesStyle>
+</p:notesMaster>
+</file>
+
+<file path=ppt/notesSlides/notesSlide1.xml><?xml version="1.0" encoding="utf-8"?>
+<p:notes xmlns:a="http://schemas.openxmlformats.org/drawingml/2006/main" xmlns:r="http://schemas.openxmlformats.org/officeDocument/2006/relationships" xmlns:p="http://schemas.openxmlformats.org/presentationml/2006/main">
+  <p:cSld>
+    <p:spTree>
+      <p:nvGrpSpPr>
+        <p:cNvPr id="1" name=""/>
+        <p:cNvGrpSpPr/>
+        <p:nvPr/>
+      </p:nvGrpSpPr>
+      <p:grpSpPr>
+        <a:xfrm>
+          <a:off x="0" y="0"/>
+          <a:ext cx="0" cy="0"/>
+          <a:chOff x="0" y="0"/>
+          <a:chExt cx="0" cy="0"/>
+        </a:xfrm>
+      </p:grpSpPr>
+      <p:sp>
+        <p:nvSpPr>
+          <p:cNvPr id="2" name="Slide Image Placeholder 1"/>
+          <p:cNvSpPr>
+            <a:spLocks noGrp="1" noRot="1" noChangeAspect="1"/>
+          </p:cNvSpPr>
+          <p:nvPr>
+            <p:ph type="sldImg"/>
+          </p:nvPr>
+        </p:nvSpPr>
+        <p:spPr/>
+      </p:sp>
+      <p:sp>
+        <p:nvSpPr>
+          <p:cNvPr id="3" name="Notes Placeholder 2"/>
+          <p:cNvSpPr>
+            <a:spLocks noGrp="1"/>
+          </p:cNvSpPr>
+          <p:nvPr>
+            <p:ph type="body" idx="1"/>
+          </p:nvPr>
+        </p:nvSpPr>
+        <p:spPr/>
+        <p:txBody>
+          <a:bodyPr/>
+          <a:lstStyle/>
+          <a:p>
+            <a:r>
+              <a:rPr lang="nl-NL" dirty="0" smtClean="0"/>
+              <a:t>Renske</a:t>
+            </a:r>
+            <a:endParaRPr lang="nl-NL" dirty="0"/>
+          </a:p>
+        </p:txBody>
+      </p:sp>
+      <p:sp>
+        <p:nvSpPr>
+          <p:cNvPr id="4" name="Slide Number Placeholder 3"/>
+          <p:cNvSpPr>
+            <a:spLocks noGrp="1"/>
+          </p:cNvSpPr>
+          <p:nvPr>
+            <p:ph type="sldNum" sz="quarter" idx="10"/>
+          </p:nvPr>
+        </p:nvSpPr>
+        <p:spPr/>
+        <p:txBody>
+          <a:bodyPr/>
+          <a:lstStyle/>
+          <a:p>
+            <a:fld id="{ED32C444-D6A4-4DE5-BBBA-C956344D6472}" type="slidenum">
+              <a:rPr lang="nl-NL" smtClean="0"/>
+              <a:t>2</a:t>
+            </a:fld>
+            <a:endParaRPr lang="nl-NL"/>
+          </a:p>
+        </p:txBody>
+      </p:sp>
+    </p:spTree>
+    <p:extLst>
+      <p:ext uri="{BB962C8B-B14F-4D97-AF65-F5344CB8AC3E}">
+        <p14:creationId xmlns:p14="http://schemas.microsoft.com/office/powerpoint/2010/main" val="1914747879"/>
+      </p:ext>
+    </p:extLst>
+  </p:cSld>
+  <p:clrMapOvr>
+    <a:masterClrMapping/>
+  </p:clrMapOvr>
+</p:notes>
+</file>
+
+<file path=ppt/notesSlides/notesSlide10.xml><?xml version="1.0" encoding="utf-8"?>
+<p:notes xmlns:a="http://schemas.openxmlformats.org/drawingml/2006/main" xmlns:r="http://schemas.openxmlformats.org/officeDocument/2006/relationships" xmlns:p="http://schemas.openxmlformats.org/presentationml/2006/main">
+  <p:cSld>
+    <p:spTree>
+      <p:nvGrpSpPr>
+        <p:cNvPr id="1" name=""/>
+        <p:cNvGrpSpPr/>
+        <p:nvPr/>
+      </p:nvGrpSpPr>
+      <p:grpSpPr>
+        <a:xfrm>
+          <a:off x="0" y="0"/>
+          <a:ext cx="0" cy="0"/>
+          <a:chOff x="0" y="0"/>
+          <a:chExt cx="0" cy="0"/>
+        </a:xfrm>
+      </p:grpSpPr>
+      <p:sp>
+        <p:nvSpPr>
+          <p:cNvPr id="2" name="Slide Image Placeholder 1"/>
+          <p:cNvSpPr>
+            <a:spLocks noGrp="1" noRot="1" noChangeAspect="1"/>
+          </p:cNvSpPr>
+          <p:nvPr>
+            <p:ph type="sldImg"/>
+          </p:nvPr>
+        </p:nvSpPr>
+        <p:spPr/>
+      </p:sp>
+      <p:sp>
+        <p:nvSpPr>
+          <p:cNvPr id="3" name="Notes Placeholder 2"/>
+          <p:cNvSpPr>
+            <a:spLocks noGrp="1"/>
+          </p:cNvSpPr>
+          <p:nvPr>
+            <p:ph type="body" idx="1"/>
+          </p:nvPr>
+        </p:nvSpPr>
+        <p:spPr/>
+        <p:txBody>
+          <a:bodyPr/>
+          <a:lstStyle/>
+          <a:p>
+            <a:r>
+              <a:rPr lang="nl-NL" dirty="0" smtClean="0"/>
+              <a:t>Niels</a:t>
+            </a:r>
+            <a:endParaRPr lang="nl-NL" dirty="0"/>
+          </a:p>
+        </p:txBody>
+      </p:sp>
+      <p:sp>
+        <p:nvSpPr>
+          <p:cNvPr id="4" name="Slide Number Placeholder 3"/>
+          <p:cNvSpPr>
+            <a:spLocks noGrp="1"/>
+          </p:cNvSpPr>
+          <p:nvPr>
+            <p:ph type="sldNum" sz="quarter" idx="10"/>
+          </p:nvPr>
+        </p:nvSpPr>
+        <p:spPr/>
+        <p:txBody>
+          <a:bodyPr/>
+          <a:lstStyle/>
+          <a:p>
+            <a:fld id="{ED32C444-D6A4-4DE5-BBBA-C956344D6472}" type="slidenum">
+              <a:rPr lang="nl-NL" smtClean="0"/>
+              <a:t>11</a:t>
+            </a:fld>
+            <a:endParaRPr lang="nl-NL"/>
+          </a:p>
+        </p:txBody>
+      </p:sp>
+    </p:spTree>
+    <p:extLst>
+      <p:ext uri="{BB962C8B-B14F-4D97-AF65-F5344CB8AC3E}">
+        <p14:creationId xmlns:p14="http://schemas.microsoft.com/office/powerpoint/2010/main" val="2284288593"/>
+      </p:ext>
+    </p:extLst>
+  </p:cSld>
+  <p:clrMapOvr>
+    <a:masterClrMapping/>
+  </p:clrMapOvr>
+</p:notes>
+</file>
+
+<file path=ppt/notesSlides/notesSlide11.xml><?xml version="1.0" encoding="utf-8"?>
+<p:notes xmlns:a="http://schemas.openxmlformats.org/drawingml/2006/main" xmlns:r="http://schemas.openxmlformats.org/officeDocument/2006/relationships" xmlns:p="http://schemas.openxmlformats.org/presentationml/2006/main">
+  <p:cSld>
+    <p:spTree>
+      <p:nvGrpSpPr>
+        <p:cNvPr id="1" name=""/>
+        <p:cNvGrpSpPr/>
+        <p:nvPr/>
+      </p:nvGrpSpPr>
+      <p:grpSpPr>
+        <a:xfrm>
+          <a:off x="0" y="0"/>
+          <a:ext cx="0" cy="0"/>
+          <a:chOff x="0" y="0"/>
+          <a:chExt cx="0" cy="0"/>
+        </a:xfrm>
+      </p:grpSpPr>
+      <p:sp>
+        <p:nvSpPr>
+          <p:cNvPr id="2" name="Slide Image Placeholder 1"/>
+          <p:cNvSpPr>
+            <a:spLocks noGrp="1" noRot="1" noChangeAspect="1"/>
+          </p:cNvSpPr>
+          <p:nvPr>
+            <p:ph type="sldImg"/>
+          </p:nvPr>
+        </p:nvSpPr>
+        <p:spPr/>
+      </p:sp>
+      <p:sp>
+        <p:nvSpPr>
+          <p:cNvPr id="3" name="Notes Placeholder 2"/>
+          <p:cNvSpPr>
+            <a:spLocks noGrp="1"/>
+          </p:cNvSpPr>
+          <p:nvPr>
+            <p:ph type="body" idx="1"/>
+          </p:nvPr>
+        </p:nvSpPr>
+        <p:spPr/>
+        <p:txBody>
+          <a:bodyPr/>
+          <a:lstStyle/>
+          <a:p>
+            <a:r>
+              <a:rPr lang="nl-NL" dirty="0" smtClean="0"/>
+              <a:t>Niels</a:t>
+            </a:r>
+            <a:endParaRPr lang="nl-NL" dirty="0"/>
+          </a:p>
+        </p:txBody>
+      </p:sp>
+      <p:sp>
+        <p:nvSpPr>
+          <p:cNvPr id="4" name="Slide Number Placeholder 3"/>
+          <p:cNvSpPr>
+            <a:spLocks noGrp="1"/>
+          </p:cNvSpPr>
+          <p:nvPr>
+            <p:ph type="sldNum" sz="quarter" idx="10"/>
+          </p:nvPr>
+        </p:nvSpPr>
+        <p:spPr/>
+        <p:txBody>
+          <a:bodyPr/>
+          <a:lstStyle/>
+          <a:p>
+            <a:fld id="{ED32C444-D6A4-4DE5-BBBA-C956344D6472}" type="slidenum">
+              <a:rPr lang="nl-NL" smtClean="0"/>
+              <a:t>12</a:t>
+            </a:fld>
+            <a:endParaRPr lang="nl-NL"/>
+          </a:p>
+        </p:txBody>
+      </p:sp>
+    </p:spTree>
+    <p:extLst>
+      <p:ext uri="{BB962C8B-B14F-4D97-AF65-F5344CB8AC3E}">
+        <p14:creationId xmlns:p14="http://schemas.microsoft.com/office/powerpoint/2010/main" val="414559217"/>
+      </p:ext>
+    </p:extLst>
+  </p:cSld>
+  <p:clrMapOvr>
+    <a:masterClrMapping/>
+  </p:clrMapOvr>
+</p:notes>
+</file>
+
+<file path=ppt/notesSlides/notesSlide12.xml><?xml version="1.0" encoding="utf-8"?>
+<p:notes xmlns:a="http://schemas.openxmlformats.org/drawingml/2006/main" xmlns:r="http://schemas.openxmlformats.org/officeDocument/2006/relationships" xmlns:p="http://schemas.openxmlformats.org/presentationml/2006/main">
+  <p:cSld>
+    <p:spTree>
+      <p:nvGrpSpPr>
+        <p:cNvPr id="1" name=""/>
+        <p:cNvGrpSpPr/>
+        <p:nvPr/>
+      </p:nvGrpSpPr>
+      <p:grpSpPr>
+        <a:xfrm>
+          <a:off x="0" y="0"/>
+          <a:ext cx="0" cy="0"/>
+          <a:chOff x="0" y="0"/>
+          <a:chExt cx="0" cy="0"/>
+        </a:xfrm>
+      </p:grpSpPr>
+      <p:sp>
+        <p:nvSpPr>
+          <p:cNvPr id="2" name="Slide Image Placeholder 1"/>
+          <p:cNvSpPr>
+            <a:spLocks noGrp="1" noRot="1" noChangeAspect="1"/>
+          </p:cNvSpPr>
+          <p:nvPr>
+            <p:ph type="sldImg"/>
+          </p:nvPr>
+        </p:nvSpPr>
+        <p:spPr/>
+      </p:sp>
+      <p:sp>
+        <p:nvSpPr>
+          <p:cNvPr id="3" name="Notes Placeholder 2"/>
+          <p:cNvSpPr>
+            <a:spLocks noGrp="1"/>
+          </p:cNvSpPr>
+          <p:nvPr>
+            <p:ph type="body" idx="1"/>
+          </p:nvPr>
+        </p:nvSpPr>
+        <p:spPr/>
+        <p:txBody>
+          <a:bodyPr/>
+          <a:lstStyle/>
+          <a:p>
+            <a:r>
+              <a:rPr lang="nl-NL" dirty="0" smtClean="0"/>
+              <a:t>Renske</a:t>
+            </a:r>
+            <a:endParaRPr lang="nl-NL" dirty="0"/>
+          </a:p>
+        </p:txBody>
+      </p:sp>
+      <p:sp>
+        <p:nvSpPr>
+          <p:cNvPr id="4" name="Slide Number Placeholder 3"/>
+          <p:cNvSpPr>
+            <a:spLocks noGrp="1"/>
+          </p:cNvSpPr>
+          <p:nvPr>
+            <p:ph type="sldNum" sz="quarter" idx="10"/>
+          </p:nvPr>
+        </p:nvSpPr>
+        <p:spPr/>
+        <p:txBody>
+          <a:bodyPr/>
+          <a:lstStyle/>
+          <a:p>
+            <a:fld id="{ED32C444-D6A4-4DE5-BBBA-C956344D6472}" type="slidenum">
+              <a:rPr lang="nl-NL" smtClean="0"/>
+              <a:t>13</a:t>
+            </a:fld>
+            <a:endParaRPr lang="nl-NL"/>
+          </a:p>
+        </p:txBody>
+      </p:sp>
+    </p:spTree>
+    <p:extLst>
+      <p:ext uri="{BB962C8B-B14F-4D97-AF65-F5344CB8AC3E}">
+        <p14:creationId xmlns:p14="http://schemas.microsoft.com/office/powerpoint/2010/main" val="171005137"/>
+      </p:ext>
+    </p:extLst>
+  </p:cSld>
+  <p:clrMapOvr>
+    <a:masterClrMapping/>
+  </p:clrMapOvr>
+</p:notes>
+</file>
+
+<file path=ppt/notesSlides/notesSlide13.xml><?xml version="1.0" encoding="utf-8"?>
+<p:notes xmlns:a="http://schemas.openxmlformats.org/drawingml/2006/main" xmlns:r="http://schemas.openxmlformats.org/officeDocument/2006/relationships" xmlns:p="http://schemas.openxmlformats.org/presentationml/2006/main">
+  <p:cSld>
+    <p:spTree>
+      <p:nvGrpSpPr>
+        <p:cNvPr id="1" name=""/>
+        <p:cNvGrpSpPr/>
+        <p:nvPr/>
+      </p:nvGrpSpPr>
+      <p:grpSpPr>
+        <a:xfrm>
+          <a:off x="0" y="0"/>
+          <a:ext cx="0" cy="0"/>
+          <a:chOff x="0" y="0"/>
+          <a:chExt cx="0" cy="0"/>
+        </a:xfrm>
+      </p:grpSpPr>
+      <p:sp>
+        <p:nvSpPr>
+          <p:cNvPr id="2" name="Slide Image Placeholder 1"/>
+          <p:cNvSpPr>
+            <a:spLocks noGrp="1" noRot="1" noChangeAspect="1"/>
+          </p:cNvSpPr>
+          <p:nvPr>
+            <p:ph type="sldImg"/>
+          </p:nvPr>
+        </p:nvSpPr>
+        <p:spPr/>
+      </p:sp>
+      <p:sp>
+        <p:nvSpPr>
+          <p:cNvPr id="3" name="Notes Placeholder 2"/>
+          <p:cNvSpPr>
+            <a:spLocks noGrp="1"/>
+          </p:cNvSpPr>
+          <p:nvPr>
+            <p:ph type="body" idx="1"/>
+          </p:nvPr>
+        </p:nvSpPr>
+        <p:spPr/>
+        <p:txBody>
+          <a:bodyPr/>
+          <a:lstStyle/>
+          <a:p>
+            <a:r>
+              <a:rPr lang="nl-NL" dirty="0" smtClean="0"/>
+              <a:t>Renske</a:t>
+            </a:r>
+            <a:endParaRPr lang="nl-NL" dirty="0"/>
+          </a:p>
+        </p:txBody>
+      </p:sp>
+      <p:sp>
+        <p:nvSpPr>
+          <p:cNvPr id="4" name="Slide Number Placeholder 3"/>
+          <p:cNvSpPr>
+            <a:spLocks noGrp="1"/>
+          </p:cNvSpPr>
+          <p:nvPr>
+            <p:ph type="sldNum" sz="quarter" idx="10"/>
+          </p:nvPr>
+        </p:nvSpPr>
+        <p:spPr/>
+        <p:txBody>
+          <a:bodyPr/>
+          <a:lstStyle/>
+          <a:p>
+            <a:fld id="{ED32C444-D6A4-4DE5-BBBA-C956344D6472}" type="slidenum">
+              <a:rPr lang="nl-NL" smtClean="0"/>
+              <a:t>14</a:t>
+            </a:fld>
+            <a:endParaRPr lang="nl-NL"/>
+          </a:p>
+        </p:txBody>
+      </p:sp>
+    </p:spTree>
+    <p:extLst>
+      <p:ext uri="{BB962C8B-B14F-4D97-AF65-F5344CB8AC3E}">
+        <p14:creationId xmlns:p14="http://schemas.microsoft.com/office/powerpoint/2010/main" val="385826281"/>
+      </p:ext>
+    </p:extLst>
+  </p:cSld>
+  <p:clrMapOvr>
+    <a:masterClrMapping/>
+  </p:clrMapOvr>
+</p:notes>
+</file>
+
+<file path=ppt/notesSlides/notesSlide14.xml><?xml version="1.0" encoding="utf-8"?>
+<p:notes xmlns:a="http://schemas.openxmlformats.org/drawingml/2006/main" xmlns:r="http://schemas.openxmlformats.org/officeDocument/2006/relationships" xmlns:p="http://schemas.openxmlformats.org/presentationml/2006/main">
+  <p:cSld>
+    <p:spTree>
+      <p:nvGrpSpPr>
+        <p:cNvPr id="1" name=""/>
+        <p:cNvGrpSpPr/>
+        <p:nvPr/>
+      </p:nvGrpSpPr>
+      <p:grpSpPr>
+        <a:xfrm>
+          <a:off x="0" y="0"/>
+          <a:ext cx="0" cy="0"/>
+          <a:chOff x="0" y="0"/>
+          <a:chExt cx="0" cy="0"/>
+        </a:xfrm>
+      </p:grpSpPr>
+      <p:sp>
+        <p:nvSpPr>
+          <p:cNvPr id="2" name="Slide Image Placeholder 1"/>
+          <p:cNvSpPr>
+            <a:spLocks noGrp="1" noRot="1" noChangeAspect="1"/>
+          </p:cNvSpPr>
+          <p:nvPr>
+            <p:ph type="sldImg"/>
+          </p:nvPr>
+        </p:nvSpPr>
+        <p:spPr/>
+      </p:sp>
+      <p:sp>
+        <p:nvSpPr>
+          <p:cNvPr id="3" name="Notes Placeholder 2"/>
+          <p:cNvSpPr>
+            <a:spLocks noGrp="1"/>
+          </p:cNvSpPr>
+          <p:nvPr>
+            <p:ph type="body" idx="1"/>
+          </p:nvPr>
+        </p:nvSpPr>
+        <p:spPr/>
+        <p:txBody>
+          <a:bodyPr/>
+          <a:lstStyle/>
+          <a:p>
+            <a:r>
+              <a:rPr lang="nl-NL" dirty="0" smtClean="0"/>
+              <a:t>Renske</a:t>
+            </a:r>
+            <a:endParaRPr lang="nl-NL" dirty="0"/>
+          </a:p>
+        </p:txBody>
+      </p:sp>
+      <p:sp>
+        <p:nvSpPr>
+          <p:cNvPr id="4" name="Slide Number Placeholder 3"/>
+          <p:cNvSpPr>
+            <a:spLocks noGrp="1"/>
+          </p:cNvSpPr>
+          <p:nvPr>
+            <p:ph type="sldNum" sz="quarter" idx="10"/>
+          </p:nvPr>
+        </p:nvSpPr>
+        <p:spPr/>
+        <p:txBody>
+          <a:bodyPr/>
+          <a:lstStyle/>
+          <a:p>
+            <a:fld id="{ED32C444-D6A4-4DE5-BBBA-C956344D6472}" type="slidenum">
+              <a:rPr lang="nl-NL" smtClean="0"/>
+              <a:t>15</a:t>
+            </a:fld>
+            <a:endParaRPr lang="nl-NL"/>
+          </a:p>
+        </p:txBody>
+      </p:sp>
+    </p:spTree>
+    <p:extLst>
+      <p:ext uri="{BB962C8B-B14F-4D97-AF65-F5344CB8AC3E}">
+        <p14:creationId xmlns:p14="http://schemas.microsoft.com/office/powerpoint/2010/main" val="961406881"/>
+      </p:ext>
+    </p:extLst>
+  </p:cSld>
+  <p:clrMapOvr>
+    <a:masterClrMapping/>
+  </p:clrMapOvr>
+</p:notes>
+</file>
+
+<file path=ppt/notesSlides/notesSlide15.xml><?xml version="1.0" encoding="utf-8"?>
+<p:notes xmlns:a="http://schemas.openxmlformats.org/drawingml/2006/main" xmlns:r="http://schemas.openxmlformats.org/officeDocument/2006/relationships" xmlns:p="http://schemas.openxmlformats.org/presentationml/2006/main">
+  <p:cSld>
+    <p:spTree>
+      <p:nvGrpSpPr>
+        <p:cNvPr id="1" name=""/>
+        <p:cNvGrpSpPr/>
+        <p:nvPr/>
+      </p:nvGrpSpPr>
+      <p:grpSpPr>
+        <a:xfrm>
+          <a:off x="0" y="0"/>
+          <a:ext cx="0" cy="0"/>
+          <a:chOff x="0" y="0"/>
+          <a:chExt cx="0" cy="0"/>
+        </a:xfrm>
+      </p:grpSpPr>
+      <p:sp>
+        <p:nvSpPr>
+          <p:cNvPr id="2" name="Slide Image Placeholder 1"/>
+          <p:cNvSpPr>
+            <a:spLocks noGrp="1" noRot="1" noChangeAspect="1"/>
+          </p:cNvSpPr>
+          <p:nvPr>
+            <p:ph type="sldImg"/>
+          </p:nvPr>
+        </p:nvSpPr>
+        <p:spPr/>
+      </p:sp>
+      <p:sp>
+        <p:nvSpPr>
+          <p:cNvPr id="3" name="Notes Placeholder 2"/>
+          <p:cNvSpPr>
+            <a:spLocks noGrp="1"/>
+          </p:cNvSpPr>
+          <p:nvPr>
+            <p:ph type="body" idx="1"/>
+          </p:nvPr>
+        </p:nvSpPr>
+        <p:spPr/>
+        <p:txBody>
+          <a:bodyPr/>
+          <a:lstStyle/>
+          <a:p>
+            <a:r>
+              <a:rPr lang="nl-NL" dirty="0" smtClean="0"/>
+              <a:t>Renske</a:t>
+            </a:r>
+            <a:endParaRPr lang="nl-NL" dirty="0"/>
+          </a:p>
+        </p:txBody>
+      </p:sp>
+      <p:sp>
+        <p:nvSpPr>
+          <p:cNvPr id="4" name="Slide Number Placeholder 3"/>
+          <p:cNvSpPr>
+            <a:spLocks noGrp="1"/>
+          </p:cNvSpPr>
+          <p:nvPr>
+            <p:ph type="sldNum" sz="quarter" idx="10"/>
+          </p:nvPr>
+        </p:nvSpPr>
+        <p:spPr/>
+        <p:txBody>
+          <a:bodyPr/>
+          <a:lstStyle/>
+          <a:p>
+            <a:fld id="{ED32C444-D6A4-4DE5-BBBA-C956344D6472}" type="slidenum">
+              <a:rPr lang="nl-NL" smtClean="0"/>
+              <a:t>16</a:t>
+            </a:fld>
+            <a:endParaRPr lang="nl-NL"/>
+          </a:p>
+        </p:txBody>
+      </p:sp>
+    </p:spTree>
+    <p:extLst>
+      <p:ext uri="{BB962C8B-B14F-4D97-AF65-F5344CB8AC3E}">
+        <p14:creationId xmlns:p14="http://schemas.microsoft.com/office/powerpoint/2010/main" val="119959809"/>
+      </p:ext>
+    </p:extLst>
+  </p:cSld>
+  <p:clrMapOvr>
+    <a:masterClrMapping/>
+  </p:clrMapOvr>
+</p:notes>
+</file>
+
+<file path=ppt/notesSlides/notesSlide2.xml><?xml version="1.0" encoding="utf-8"?>
+<p:notes xmlns:a="http://schemas.openxmlformats.org/drawingml/2006/main" xmlns:r="http://schemas.openxmlformats.org/officeDocument/2006/relationships" xmlns:p="http://schemas.openxmlformats.org/presentationml/2006/main">
+  <p:cSld>
+    <p:spTree>
+      <p:nvGrpSpPr>
+        <p:cNvPr id="1" name=""/>
+        <p:cNvGrpSpPr/>
+        <p:nvPr/>
+      </p:nvGrpSpPr>
+      <p:grpSpPr>
+        <a:xfrm>
+          <a:off x="0" y="0"/>
+          <a:ext cx="0" cy="0"/>
+          <a:chOff x="0" y="0"/>
+          <a:chExt cx="0" cy="0"/>
+        </a:xfrm>
+      </p:grpSpPr>
+      <p:sp>
+        <p:nvSpPr>
+          <p:cNvPr id="2" name="Slide Image Placeholder 1"/>
+          <p:cNvSpPr>
+            <a:spLocks noGrp="1" noRot="1" noChangeAspect="1"/>
+          </p:cNvSpPr>
+          <p:nvPr>
+            <p:ph type="sldImg"/>
+          </p:nvPr>
+        </p:nvSpPr>
+        <p:spPr/>
+      </p:sp>
+      <p:sp>
+        <p:nvSpPr>
+          <p:cNvPr id="3" name="Notes Placeholder 2"/>
+          <p:cNvSpPr>
+            <a:spLocks noGrp="1"/>
+          </p:cNvSpPr>
+          <p:nvPr>
+            <p:ph type="body" idx="1"/>
+          </p:nvPr>
+        </p:nvSpPr>
+        <p:spPr/>
+        <p:txBody>
+          <a:bodyPr/>
+          <a:lstStyle/>
+          <a:p>
+            <a:r>
+              <a:rPr lang="nl-NL" dirty="0" smtClean="0"/>
+              <a:t>Renske</a:t>
+            </a:r>
+            <a:endParaRPr lang="nl-NL" dirty="0"/>
+          </a:p>
+        </p:txBody>
+      </p:sp>
+      <p:sp>
+        <p:nvSpPr>
+          <p:cNvPr id="4" name="Slide Number Placeholder 3"/>
+          <p:cNvSpPr>
+            <a:spLocks noGrp="1"/>
+          </p:cNvSpPr>
+          <p:nvPr>
+            <p:ph type="sldNum" sz="quarter" idx="10"/>
+          </p:nvPr>
+        </p:nvSpPr>
+        <p:spPr/>
+        <p:txBody>
+          <a:bodyPr/>
+          <a:lstStyle/>
+          <a:p>
+            <a:fld id="{ED32C444-D6A4-4DE5-BBBA-C956344D6472}" type="slidenum">
+              <a:rPr lang="nl-NL" smtClean="0"/>
+              <a:t>3</a:t>
+            </a:fld>
+            <a:endParaRPr lang="nl-NL"/>
+          </a:p>
+        </p:txBody>
+      </p:sp>
+    </p:spTree>
+    <p:extLst>
+      <p:ext uri="{BB962C8B-B14F-4D97-AF65-F5344CB8AC3E}">
+        <p14:creationId xmlns:p14="http://schemas.microsoft.com/office/powerpoint/2010/main" val="1503744088"/>
+      </p:ext>
+    </p:extLst>
+  </p:cSld>
+  <p:clrMapOvr>
+    <a:masterClrMapping/>
+  </p:clrMapOvr>
+</p:notes>
+</file>
+
+<file path=ppt/notesSlides/notesSlide3.xml><?xml version="1.0" encoding="utf-8"?>
+<p:notes xmlns:a="http://schemas.openxmlformats.org/drawingml/2006/main" xmlns:r="http://schemas.openxmlformats.org/officeDocument/2006/relationships" xmlns:p="http://schemas.openxmlformats.org/presentationml/2006/main">
+  <p:cSld>
+    <p:spTree>
+      <p:nvGrpSpPr>
+        <p:cNvPr id="1" name=""/>
+        <p:cNvGrpSpPr/>
+        <p:nvPr/>
+      </p:nvGrpSpPr>
+      <p:grpSpPr>
+        <a:xfrm>
+          <a:off x="0" y="0"/>
+          <a:ext cx="0" cy="0"/>
+          <a:chOff x="0" y="0"/>
+          <a:chExt cx="0" cy="0"/>
+        </a:xfrm>
+      </p:grpSpPr>
+      <p:sp>
+        <p:nvSpPr>
+          <p:cNvPr id="2" name="Slide Image Placeholder 1"/>
+          <p:cNvSpPr>
+            <a:spLocks noGrp="1" noRot="1" noChangeAspect="1"/>
+          </p:cNvSpPr>
+          <p:nvPr>
+            <p:ph type="sldImg"/>
+          </p:nvPr>
+        </p:nvSpPr>
+        <p:spPr/>
+      </p:sp>
+      <p:sp>
+        <p:nvSpPr>
+          <p:cNvPr id="3" name="Notes Placeholder 2"/>
+          <p:cNvSpPr>
+            <a:spLocks noGrp="1"/>
+          </p:cNvSpPr>
+          <p:nvPr>
+            <p:ph type="body" idx="1"/>
+          </p:nvPr>
+        </p:nvSpPr>
+        <p:spPr/>
+        <p:txBody>
+          <a:bodyPr/>
+          <a:lstStyle/>
+          <a:p>
+            <a:r>
+              <a:rPr lang="nl-NL" dirty="0" smtClean="0"/>
+              <a:t>Renske</a:t>
+            </a:r>
+            <a:endParaRPr lang="nl-NL" dirty="0"/>
+          </a:p>
+        </p:txBody>
+      </p:sp>
+      <p:sp>
+        <p:nvSpPr>
+          <p:cNvPr id="4" name="Slide Number Placeholder 3"/>
+          <p:cNvSpPr>
+            <a:spLocks noGrp="1"/>
+          </p:cNvSpPr>
+          <p:nvPr>
+            <p:ph type="sldNum" sz="quarter" idx="10"/>
+          </p:nvPr>
+        </p:nvSpPr>
+        <p:spPr/>
+        <p:txBody>
+          <a:bodyPr/>
+          <a:lstStyle/>
+          <a:p>
+            <a:fld id="{ED32C444-D6A4-4DE5-BBBA-C956344D6472}" type="slidenum">
+              <a:rPr lang="nl-NL" smtClean="0"/>
+              <a:t>4</a:t>
+            </a:fld>
+            <a:endParaRPr lang="nl-NL"/>
+          </a:p>
+        </p:txBody>
+      </p:sp>
+    </p:spTree>
+    <p:extLst>
+      <p:ext uri="{BB962C8B-B14F-4D97-AF65-F5344CB8AC3E}">
+        <p14:creationId xmlns:p14="http://schemas.microsoft.com/office/powerpoint/2010/main" val="1905692900"/>
+      </p:ext>
+    </p:extLst>
+  </p:cSld>
+  <p:clrMapOvr>
+    <a:masterClrMapping/>
+  </p:clrMapOvr>
+</p:notes>
+</file>
+
+<file path=ppt/notesSlides/notesSlide4.xml><?xml version="1.0" encoding="utf-8"?>
+<p:notes xmlns:a="http://schemas.openxmlformats.org/drawingml/2006/main" xmlns:r="http://schemas.openxmlformats.org/officeDocument/2006/relationships" xmlns:p="http://schemas.openxmlformats.org/presentationml/2006/main">
+  <p:cSld>
+    <p:spTree>
+      <p:nvGrpSpPr>
+        <p:cNvPr id="1" name=""/>
+        <p:cNvGrpSpPr/>
+        <p:nvPr/>
+      </p:nvGrpSpPr>
+      <p:grpSpPr>
+        <a:xfrm>
+          <a:off x="0" y="0"/>
+          <a:ext cx="0" cy="0"/>
+          <a:chOff x="0" y="0"/>
+          <a:chExt cx="0" cy="0"/>
+        </a:xfrm>
+      </p:grpSpPr>
+      <p:sp>
+        <p:nvSpPr>
+          <p:cNvPr id="2" name="Slide Image Placeholder 1"/>
+          <p:cNvSpPr>
+            <a:spLocks noGrp="1" noRot="1" noChangeAspect="1"/>
+          </p:cNvSpPr>
+          <p:nvPr>
+            <p:ph type="sldImg"/>
+          </p:nvPr>
+        </p:nvSpPr>
+        <p:spPr/>
+      </p:sp>
+      <p:sp>
+        <p:nvSpPr>
+          <p:cNvPr id="3" name="Notes Placeholder 2"/>
+          <p:cNvSpPr>
+            <a:spLocks noGrp="1"/>
+          </p:cNvSpPr>
+          <p:nvPr>
+            <p:ph type="body" idx="1"/>
+          </p:nvPr>
+        </p:nvSpPr>
+        <p:spPr/>
+        <p:txBody>
+          <a:bodyPr/>
+          <a:lstStyle/>
+          <a:p>
+            <a:r>
+              <a:rPr lang="nl-NL" dirty="0" smtClean="0"/>
+              <a:t>Remco</a:t>
+            </a:r>
+            <a:endParaRPr lang="nl-NL" dirty="0"/>
+          </a:p>
+        </p:txBody>
+      </p:sp>
+      <p:sp>
+        <p:nvSpPr>
+          <p:cNvPr id="4" name="Slide Number Placeholder 3"/>
+          <p:cNvSpPr>
+            <a:spLocks noGrp="1"/>
+          </p:cNvSpPr>
+          <p:nvPr>
+            <p:ph type="sldNum" sz="quarter" idx="10"/>
+          </p:nvPr>
+        </p:nvSpPr>
+        <p:spPr/>
+        <p:txBody>
+          <a:bodyPr/>
+          <a:lstStyle/>
+          <a:p>
+            <a:fld id="{ED32C444-D6A4-4DE5-BBBA-C956344D6472}" type="slidenum">
+              <a:rPr lang="nl-NL" smtClean="0"/>
+              <a:t>5</a:t>
+            </a:fld>
+            <a:endParaRPr lang="nl-NL"/>
+          </a:p>
+        </p:txBody>
+      </p:sp>
+    </p:spTree>
+    <p:extLst>
+      <p:ext uri="{BB962C8B-B14F-4D97-AF65-F5344CB8AC3E}">
+        <p14:creationId xmlns:p14="http://schemas.microsoft.com/office/powerpoint/2010/main" val="3764078628"/>
+      </p:ext>
+    </p:extLst>
+  </p:cSld>
+  <p:clrMapOvr>
+    <a:masterClrMapping/>
+  </p:clrMapOvr>
+</p:notes>
+</file>
+
+<file path=ppt/notesSlides/notesSlide5.xml><?xml version="1.0" encoding="utf-8"?>
+<p:notes xmlns:a="http://schemas.openxmlformats.org/drawingml/2006/main" xmlns:r="http://schemas.openxmlformats.org/officeDocument/2006/relationships" xmlns:p="http://schemas.openxmlformats.org/presentationml/2006/main">
+  <p:cSld>
+    <p:spTree>
+      <p:nvGrpSpPr>
+        <p:cNvPr id="1" name=""/>
+        <p:cNvGrpSpPr/>
+        <p:nvPr/>
+      </p:nvGrpSpPr>
+      <p:grpSpPr>
+        <a:xfrm>
+          <a:off x="0" y="0"/>
+          <a:ext cx="0" cy="0"/>
+          <a:chOff x="0" y="0"/>
+          <a:chExt cx="0" cy="0"/>
+        </a:xfrm>
+      </p:grpSpPr>
+      <p:sp>
+        <p:nvSpPr>
+          <p:cNvPr id="2" name="Slide Image Placeholder 1"/>
+          <p:cNvSpPr>
+            <a:spLocks noGrp="1" noRot="1" noChangeAspect="1"/>
+          </p:cNvSpPr>
+          <p:nvPr>
+            <p:ph type="sldImg"/>
+          </p:nvPr>
+        </p:nvSpPr>
+        <p:spPr/>
+      </p:sp>
+      <p:sp>
+        <p:nvSpPr>
+          <p:cNvPr id="3" name="Notes Placeholder 2"/>
+          <p:cNvSpPr>
+            <a:spLocks noGrp="1"/>
+          </p:cNvSpPr>
+          <p:nvPr>
+            <p:ph type="body" idx="1"/>
+          </p:nvPr>
+        </p:nvSpPr>
+        <p:spPr/>
+        <p:txBody>
+          <a:bodyPr/>
+          <a:lstStyle/>
+          <a:p>
+            <a:r>
+              <a:rPr lang="nl-NL" dirty="0" smtClean="0"/>
+              <a:t>Remco</a:t>
+            </a:r>
+            <a:endParaRPr lang="nl-NL" dirty="0"/>
+          </a:p>
+        </p:txBody>
+      </p:sp>
+      <p:sp>
+        <p:nvSpPr>
+          <p:cNvPr id="4" name="Slide Number Placeholder 3"/>
+          <p:cNvSpPr>
+            <a:spLocks noGrp="1"/>
+          </p:cNvSpPr>
+          <p:nvPr>
+            <p:ph type="sldNum" sz="quarter" idx="10"/>
+          </p:nvPr>
+        </p:nvSpPr>
+        <p:spPr/>
+        <p:txBody>
+          <a:bodyPr/>
+          <a:lstStyle/>
+          <a:p>
+            <a:fld id="{ED32C444-D6A4-4DE5-BBBA-C956344D6472}" type="slidenum">
+              <a:rPr lang="nl-NL" smtClean="0"/>
+              <a:t>6</a:t>
+            </a:fld>
+            <a:endParaRPr lang="nl-NL"/>
+          </a:p>
+        </p:txBody>
+      </p:sp>
+    </p:spTree>
+    <p:extLst>
+      <p:ext uri="{BB962C8B-B14F-4D97-AF65-F5344CB8AC3E}">
+        <p14:creationId xmlns:p14="http://schemas.microsoft.com/office/powerpoint/2010/main" val="2904280177"/>
+      </p:ext>
+    </p:extLst>
+  </p:cSld>
+  <p:clrMapOvr>
+    <a:masterClrMapping/>
+  </p:clrMapOvr>
+</p:notes>
+</file>
+
+<file path=ppt/notesSlides/notesSlide6.xml><?xml version="1.0" encoding="utf-8"?>
+<p:notes xmlns:a="http://schemas.openxmlformats.org/drawingml/2006/main" xmlns:r="http://schemas.openxmlformats.org/officeDocument/2006/relationships" xmlns:p="http://schemas.openxmlformats.org/presentationml/2006/main">
+  <p:cSld>
+    <p:spTree>
+      <p:nvGrpSpPr>
+        <p:cNvPr id="1" name=""/>
+        <p:cNvGrpSpPr/>
+        <p:nvPr/>
+      </p:nvGrpSpPr>
+      <p:grpSpPr>
+        <a:xfrm>
+          <a:off x="0" y="0"/>
+          <a:ext cx="0" cy="0"/>
+          <a:chOff x="0" y="0"/>
+          <a:chExt cx="0" cy="0"/>
+        </a:xfrm>
+      </p:grpSpPr>
+      <p:sp>
+        <p:nvSpPr>
+          <p:cNvPr id="2" name="Slide Image Placeholder 1"/>
+          <p:cNvSpPr>
+            <a:spLocks noGrp="1" noRot="1" noChangeAspect="1"/>
+          </p:cNvSpPr>
+          <p:nvPr>
+            <p:ph type="sldImg"/>
+          </p:nvPr>
+        </p:nvSpPr>
+        <p:spPr/>
+      </p:sp>
+      <p:sp>
+        <p:nvSpPr>
+          <p:cNvPr id="3" name="Notes Placeholder 2"/>
+          <p:cNvSpPr>
+            <a:spLocks noGrp="1"/>
+          </p:cNvSpPr>
+          <p:nvPr>
+            <p:ph type="body" idx="1"/>
+          </p:nvPr>
+        </p:nvSpPr>
+        <p:spPr/>
+        <p:txBody>
+          <a:bodyPr/>
+          <a:lstStyle/>
+          <a:p>
+            <a:r>
+              <a:rPr lang="nl-NL" dirty="0" smtClean="0"/>
+              <a:t>Remco</a:t>
+            </a:r>
+            <a:endParaRPr lang="nl-NL" dirty="0"/>
+          </a:p>
+        </p:txBody>
+      </p:sp>
+      <p:sp>
+        <p:nvSpPr>
+          <p:cNvPr id="4" name="Slide Number Placeholder 3"/>
+          <p:cNvSpPr>
+            <a:spLocks noGrp="1"/>
+          </p:cNvSpPr>
+          <p:nvPr>
+            <p:ph type="sldNum" sz="quarter" idx="10"/>
+          </p:nvPr>
+        </p:nvSpPr>
+        <p:spPr/>
+        <p:txBody>
+          <a:bodyPr/>
+          <a:lstStyle/>
+          <a:p>
+            <a:fld id="{ED32C444-D6A4-4DE5-BBBA-C956344D6472}" type="slidenum">
+              <a:rPr lang="nl-NL" smtClean="0"/>
+              <a:t>7</a:t>
+            </a:fld>
+            <a:endParaRPr lang="nl-NL"/>
+          </a:p>
+        </p:txBody>
+      </p:sp>
+    </p:spTree>
+    <p:extLst>
+      <p:ext uri="{BB962C8B-B14F-4D97-AF65-F5344CB8AC3E}">
+        <p14:creationId xmlns:p14="http://schemas.microsoft.com/office/powerpoint/2010/main" val="3311877746"/>
+      </p:ext>
+    </p:extLst>
+  </p:cSld>
+  <p:clrMapOvr>
+    <a:masterClrMapping/>
+  </p:clrMapOvr>
+</p:notes>
+</file>
+
+<file path=ppt/notesSlides/notesSlide7.xml><?xml version="1.0" encoding="utf-8"?>
+<p:notes xmlns:a="http://schemas.openxmlformats.org/drawingml/2006/main" xmlns:r="http://schemas.openxmlformats.org/officeDocument/2006/relationships" xmlns:p="http://schemas.openxmlformats.org/presentationml/2006/main">
+  <p:cSld>
+    <p:spTree>
+      <p:nvGrpSpPr>
+        <p:cNvPr id="1" name=""/>
+        <p:cNvGrpSpPr/>
+        <p:nvPr/>
+      </p:nvGrpSpPr>
+      <p:grpSpPr>
+        <a:xfrm>
+          <a:off x="0" y="0"/>
+          <a:ext cx="0" cy="0"/>
+          <a:chOff x="0" y="0"/>
+          <a:chExt cx="0" cy="0"/>
+        </a:xfrm>
+      </p:grpSpPr>
+      <p:sp>
+        <p:nvSpPr>
+          <p:cNvPr id="2" name="Slide Image Placeholder 1"/>
+          <p:cNvSpPr>
+            <a:spLocks noGrp="1" noRot="1" noChangeAspect="1"/>
+          </p:cNvSpPr>
+          <p:nvPr>
+            <p:ph type="sldImg"/>
+          </p:nvPr>
+        </p:nvSpPr>
+        <p:spPr/>
+      </p:sp>
+      <p:sp>
+        <p:nvSpPr>
+          <p:cNvPr id="3" name="Notes Placeholder 2"/>
+          <p:cNvSpPr>
+            <a:spLocks noGrp="1"/>
+          </p:cNvSpPr>
+          <p:nvPr>
+            <p:ph type="body" idx="1"/>
+          </p:nvPr>
+        </p:nvSpPr>
+        <p:spPr/>
+        <p:txBody>
+          <a:bodyPr/>
+          <a:lstStyle/>
+          <a:p>
+            <a:r>
+              <a:rPr lang="nl-NL" dirty="0" smtClean="0"/>
+              <a:t>Remco</a:t>
+            </a:r>
+            <a:endParaRPr lang="nl-NL" dirty="0"/>
+          </a:p>
+        </p:txBody>
+      </p:sp>
+      <p:sp>
+        <p:nvSpPr>
+          <p:cNvPr id="4" name="Slide Number Placeholder 3"/>
+          <p:cNvSpPr>
+            <a:spLocks noGrp="1"/>
+          </p:cNvSpPr>
+          <p:nvPr>
+            <p:ph type="sldNum" sz="quarter" idx="10"/>
+          </p:nvPr>
+        </p:nvSpPr>
+        <p:spPr/>
+        <p:txBody>
+          <a:bodyPr/>
+          <a:lstStyle/>
+          <a:p>
+            <a:fld id="{ED32C444-D6A4-4DE5-BBBA-C956344D6472}" type="slidenum">
+              <a:rPr lang="nl-NL" smtClean="0"/>
+              <a:t>8</a:t>
+            </a:fld>
+            <a:endParaRPr lang="nl-NL"/>
+          </a:p>
+        </p:txBody>
+      </p:sp>
+    </p:spTree>
+    <p:extLst>
+      <p:ext uri="{BB962C8B-B14F-4D97-AF65-F5344CB8AC3E}">
+        <p14:creationId xmlns:p14="http://schemas.microsoft.com/office/powerpoint/2010/main" val="3942039316"/>
+      </p:ext>
+    </p:extLst>
+  </p:cSld>
+  <p:clrMapOvr>
+    <a:masterClrMapping/>
+  </p:clrMapOvr>
+</p:notes>
+</file>
+
+<file path=ppt/notesSlides/notesSlide8.xml><?xml version="1.0" encoding="utf-8"?>
+<p:notes xmlns:a="http://schemas.openxmlformats.org/drawingml/2006/main" xmlns:r="http://schemas.openxmlformats.org/officeDocument/2006/relationships" xmlns:p="http://schemas.openxmlformats.org/presentationml/2006/main">
+  <p:cSld>
+    <p:spTree>
+      <p:nvGrpSpPr>
+        <p:cNvPr id="1" name=""/>
+        <p:cNvGrpSpPr/>
+        <p:nvPr/>
+      </p:nvGrpSpPr>
+      <p:grpSpPr>
+        <a:xfrm>
+          <a:off x="0" y="0"/>
+          <a:ext cx="0" cy="0"/>
+          <a:chOff x="0" y="0"/>
+          <a:chExt cx="0" cy="0"/>
+        </a:xfrm>
+      </p:grpSpPr>
+      <p:sp>
+        <p:nvSpPr>
+          <p:cNvPr id="2" name="Slide Image Placeholder 1"/>
+          <p:cNvSpPr>
+            <a:spLocks noGrp="1" noRot="1" noChangeAspect="1"/>
+          </p:cNvSpPr>
+          <p:nvPr>
+            <p:ph type="sldImg"/>
+          </p:nvPr>
+        </p:nvSpPr>
+        <p:spPr/>
+      </p:sp>
+      <p:sp>
+        <p:nvSpPr>
+          <p:cNvPr id="3" name="Notes Placeholder 2"/>
+          <p:cNvSpPr>
+            <a:spLocks noGrp="1"/>
+          </p:cNvSpPr>
+          <p:nvPr>
+            <p:ph type="body" idx="1"/>
+          </p:nvPr>
+        </p:nvSpPr>
+        <p:spPr/>
+        <p:txBody>
+          <a:bodyPr/>
+          <a:lstStyle/>
+          <a:p>
+            <a:r>
+              <a:rPr lang="nl-NL" dirty="0" smtClean="0"/>
+              <a:t>Niels</a:t>
+            </a:r>
+            <a:endParaRPr lang="nl-NL" dirty="0"/>
+          </a:p>
+        </p:txBody>
+      </p:sp>
+      <p:sp>
+        <p:nvSpPr>
+          <p:cNvPr id="4" name="Slide Number Placeholder 3"/>
+          <p:cNvSpPr>
+            <a:spLocks noGrp="1"/>
+          </p:cNvSpPr>
+          <p:nvPr>
+            <p:ph type="sldNum" sz="quarter" idx="10"/>
+          </p:nvPr>
+        </p:nvSpPr>
+        <p:spPr/>
+        <p:txBody>
+          <a:bodyPr/>
+          <a:lstStyle/>
+          <a:p>
+            <a:fld id="{ED32C444-D6A4-4DE5-BBBA-C956344D6472}" type="slidenum">
+              <a:rPr lang="nl-NL" smtClean="0"/>
+              <a:t>9</a:t>
+            </a:fld>
+            <a:endParaRPr lang="nl-NL"/>
+          </a:p>
+        </p:txBody>
+      </p:sp>
+    </p:spTree>
+    <p:extLst>
+      <p:ext uri="{BB962C8B-B14F-4D97-AF65-F5344CB8AC3E}">
+        <p14:creationId xmlns:p14="http://schemas.microsoft.com/office/powerpoint/2010/main" val="1771831231"/>
+      </p:ext>
+    </p:extLst>
+  </p:cSld>
+  <p:clrMapOvr>
+    <a:masterClrMapping/>
+  </p:clrMapOvr>
+</p:notes>
+</file>
+
+<file path=ppt/notesSlides/notesSlide9.xml><?xml version="1.0" encoding="utf-8"?>
+<p:notes xmlns:a="http://schemas.openxmlformats.org/drawingml/2006/main" xmlns:r="http://schemas.openxmlformats.org/officeDocument/2006/relationships" xmlns:p="http://schemas.openxmlformats.org/presentationml/2006/main">
+  <p:cSld>
+    <p:spTree>
+      <p:nvGrpSpPr>
+        <p:cNvPr id="1" name=""/>
+        <p:cNvGrpSpPr/>
+        <p:nvPr/>
+      </p:nvGrpSpPr>
+      <p:grpSpPr>
+        <a:xfrm>
+          <a:off x="0" y="0"/>
+          <a:ext cx="0" cy="0"/>
+          <a:chOff x="0" y="0"/>
+          <a:chExt cx="0" cy="0"/>
+        </a:xfrm>
+      </p:grpSpPr>
+      <p:sp>
+        <p:nvSpPr>
+          <p:cNvPr id="2" name="Slide Image Placeholder 1"/>
+          <p:cNvSpPr>
+            <a:spLocks noGrp="1" noRot="1" noChangeAspect="1"/>
+          </p:cNvSpPr>
+          <p:nvPr>
+            <p:ph type="sldImg"/>
+          </p:nvPr>
+        </p:nvSpPr>
+        <p:spPr/>
+      </p:sp>
+      <p:sp>
+        <p:nvSpPr>
+          <p:cNvPr id="3" name="Notes Placeholder 2"/>
+          <p:cNvSpPr>
+            <a:spLocks noGrp="1"/>
+          </p:cNvSpPr>
+          <p:nvPr>
+            <p:ph type="body" idx="1"/>
+          </p:nvPr>
+        </p:nvSpPr>
+        <p:spPr/>
+        <p:txBody>
+          <a:bodyPr/>
+          <a:lstStyle/>
+          <a:p>
+            <a:r>
+              <a:rPr lang="nl-NL" dirty="0" smtClean="0"/>
+              <a:t>Niels</a:t>
+            </a:r>
+            <a:endParaRPr lang="nl-NL" dirty="0"/>
+          </a:p>
+        </p:txBody>
+      </p:sp>
+      <p:sp>
+        <p:nvSpPr>
+          <p:cNvPr id="4" name="Slide Number Placeholder 3"/>
+          <p:cNvSpPr>
+            <a:spLocks noGrp="1"/>
+          </p:cNvSpPr>
+          <p:nvPr>
+            <p:ph type="sldNum" sz="quarter" idx="10"/>
+          </p:nvPr>
+        </p:nvSpPr>
+        <p:spPr/>
+        <p:txBody>
+          <a:bodyPr/>
+          <a:lstStyle/>
+          <a:p>
+            <a:fld id="{ED32C444-D6A4-4DE5-BBBA-C956344D6472}" type="slidenum">
+              <a:rPr lang="nl-NL" smtClean="0"/>
+              <a:t>10</a:t>
+            </a:fld>
+            <a:endParaRPr lang="nl-NL"/>
+          </a:p>
+        </p:txBody>
+      </p:sp>
+    </p:spTree>
+    <p:extLst>
+      <p:ext uri="{BB962C8B-B14F-4D97-AF65-F5344CB8AC3E}">
+        <p14:creationId xmlns:p14="http://schemas.microsoft.com/office/powerpoint/2010/main" val="687620705"/>
+      </p:ext>
+    </p:extLst>
+  </p:cSld>
+  <p:clrMapOvr>
+    <a:masterClrMapping/>
+  </p:clrMapOvr>
+</p:notes>
 </file>
 
 <file path=ppt/slideLayouts/slideLayout1.xml><?xml version="1.0" encoding="utf-8"?>
@@ -3347,7 +5020,12 @@
             <p:ph idx="1"/>
           </p:nvPr>
         </p:nvSpPr>
-        <p:spPr/>
+        <p:spPr>
+          <a:xfrm>
+            <a:off x="457200" y="1295400"/>
+            <a:ext cx="7620000" cy="4800600"/>
+          </a:xfrm>
+        </p:spPr>
         <p:txBody>
           <a:bodyPr/>
           <a:lstStyle/>
@@ -3366,7 +5044,23 @@
           <a:p>
             <a:r>
               <a:rPr lang="nl-NL" dirty="0" smtClean="0"/>
-              <a:t>EditStar wel veel sneller:  1 sec vs. 1.5 uur</a:t>
+              <a:t>EditStar wel veel sneller:  1 sec vs. </a:t>
+            </a:r>
+            <a:r>
+              <a:rPr lang="nl-NL" dirty="0" smtClean="0"/>
+              <a:t> </a:t>
+            </a:r>
+            <a:r>
+              <a:rPr lang="nl-NL" dirty="0" smtClean="0"/>
+              <a:t>1-</a:t>
+            </a:r>
+            <a:r>
+              <a:rPr lang="nl-NL" dirty="0" smtClean="0"/>
+              <a:t>1.5 </a:t>
+            </a:r>
+            <a:r>
+              <a:rPr lang="nl-NL" dirty="0" smtClean="0"/>
+              <a:t>uur</a:t>
             </a:r>
           </a:p>
           <a:p>
@@ -3386,14 +5080,14 @@
           <p:nvPr>
             <p:extLst>
               <p:ext uri="{D42A27DB-BD31-4B8C-83A1-F6EECF244321}">
-                <p14:modId xmlns:p14="http://schemas.microsoft.com/office/powerpoint/2010/main" val="2232500880"/>
+                <p14:modId xmlns:p14="http://schemas.microsoft.com/office/powerpoint/2010/main" val="1809663961"/>
               </p:ext>
             </p:extLst>
           </p:nvPr>
         </p:nvGraphicFramePr>
         <p:xfrm>
-          <a:off x="685800" y="3048000"/>
-          <a:ext cx="6769735" cy="3451694"/>
+          <a:off x="685800" y="2640877"/>
+          <a:ext cx="6769735" cy="3912323"/>
         </p:xfrm>
         <a:graphic>
           <a:graphicData uri="http://schemas.openxmlformats.org/drawingml/2006/table">
@@ -3415,7 +5109,36 @@
                     <a:p>
                       <a:pPr algn="l">
                         <a:lnSpc>
-                          <a:spcPct val="200000"/>
+                          <a:spcPct val="100000"/>
+                        </a:lnSpc>
+                        <a:spcAft>
+                          <a:spcPts val="0"/>
+                        </a:spcAft>
+                      </a:pPr>
+                      <a:r>
+                        <a:rPr lang="nl-NL" sz="1200" dirty="0">
+                          <a:effectLst/>
+                        </a:rPr>
+                        <a:t> </a:t>
+                      </a:r>
+                      <a:endParaRPr lang="nl-NL" sz="1100" dirty="0">
+                        <a:effectLst/>
+                        <a:latin typeface="Calibri"/>
+                        <a:ea typeface="Calibri"/>
+                        <a:cs typeface="Times New Roman"/>
+                      </a:endParaRPr>
+                    </a:p>
+                  </a:txBody>
+                  <a:tcPr marL="68580" marR="68580" marT="0" marB="0"/>
+                </a:tc>
+                <a:tc>
+                  <a:txBody>
+                    <a:bodyPr/>
+                    <a:lstStyle/>
+                    <a:p>
+                      <a:pPr algn="l">
+                        <a:lnSpc>
+                          <a:spcPct val="100000"/>
                         </a:lnSpc>
                         <a:spcAft>
                           <a:spcPts val="0"/>
@@ -3425,7 +5148,7 @@
                         <a:rPr lang="nl-NL" sz="1200">
                           <a:effectLst/>
                         </a:rPr>
-                        <a:t> </a:t>
+                        <a:t>Aantal inversies</a:t>
                       </a:r>
                       <a:endParaRPr lang="nl-NL" sz="1100">
                         <a:effectLst/>
@@ -3444,19 +5167,19 @@
                     <a:p>
                       <a:pPr algn="l">
                         <a:lnSpc>
-                          <a:spcPct val="200000"/>
-                        </a:lnSpc>
-                        <a:spcAft>
-                          <a:spcPts val="0"/>
-                        </a:spcAft>
-                      </a:pPr>
-                      <a:r>
-                        <a:rPr lang="nl-NL" sz="1200">
-                          <a:effectLst/>
-                        </a:rPr>
-                        <a:t>Aantal inversies</a:t>
-                      </a:r>
-                      <a:endParaRPr lang="nl-NL" sz="1100">
+                          <a:spcPct val="100000"/>
+                        </a:lnSpc>
+                        <a:spcAft>
+                          <a:spcPts val="0"/>
+                        </a:spcAft>
+                      </a:pPr>
+                      <a:r>
+                        <a:rPr lang="nl-NL" sz="1200" dirty="0">
+                          <a:effectLst/>
+                        </a:rPr>
+                        <a:t>Gem. grootte inversies</a:t>
+                      </a:r>
+                      <a:endParaRPr lang="nl-NL" sz="1100" dirty="0">
                         <a:effectLst/>
                         <a:latin typeface="Calibri"/>
                         <a:ea typeface="Calibri"/>
@@ -3473,48 +5196,19 @@
                     <a:p>
                       <a:pPr algn="l">
                         <a:lnSpc>
-                          <a:spcPct val="200000"/>
-                        </a:lnSpc>
-                        <a:spcAft>
-                          <a:spcPts val="0"/>
-                        </a:spcAft>
-                      </a:pPr>
-                      <a:r>
-                        <a:rPr lang="nl-NL" sz="1200">
-                          <a:effectLst/>
-                        </a:rPr>
-                        <a:t>Gem. grootte inversies</a:t>
-                      </a:r>
-                      <a:endParaRPr lang="nl-NL" sz="1100">
-                        <a:effectLst/>
-                        <a:latin typeface="Calibri"/>
-                        <a:ea typeface="Calibri"/>
-                        <a:cs typeface="Times New Roman"/>
-                      </a:endParaRPr>
-                    </a:p>
-                  </a:txBody>
-                  <a:tcPr marL="68580" marR="68580" marT="0" marB="0"/>
-                </a:tc>
-                <a:tc>
-                  <a:txBody>
-                    <a:bodyPr/>
-                    <a:lstStyle/>
-                    <a:p>
-                      <a:pPr algn="l">
-                        <a:lnSpc>
-                          <a:spcPct val="200000"/>
-                        </a:lnSpc>
-                        <a:spcAft>
-                          <a:spcPts val="0"/>
-                        </a:spcAft>
-                      </a:pPr>
-                      <a:r>
-                        <a:rPr lang="nl-NL" sz="1200">
+                          <a:spcPct val="100000"/>
+                        </a:lnSpc>
+                        <a:spcAft>
+                          <a:spcPts val="0"/>
+                        </a:spcAft>
+                      </a:pPr>
+                      <a:r>
+                        <a:rPr lang="nl-NL" sz="1200" dirty="0">
                           <a:effectLst/>
                         </a:rPr>
                         <a:t>Genen verplaatst</a:t>
                       </a:r>
-                      <a:endParaRPr lang="nl-NL" sz="1100">
+                      <a:endParaRPr lang="nl-NL" sz="1100" dirty="0">
                         <a:effectLst/>
                         <a:latin typeface="Calibri"/>
                         <a:ea typeface="Calibri"/>
@@ -3540,12 +5234,12 @@
                         </a:spcAft>
                       </a:pPr>
                       <a:r>
-                        <a:rPr lang="nl-NL" sz="1200">
+                        <a:rPr lang="nl-NL" sz="1200" dirty="0">
                           <a:effectLst/>
                         </a:rPr>
                         <a:t>Find&amp;Swap</a:t>
                       </a:r>
-                      <a:endParaRPr lang="nl-NL" sz="1100">
+                      <a:endParaRPr lang="nl-NL" sz="1100" dirty="0">
                         <a:effectLst/>
                         <a:latin typeface="Calibri"/>
                         <a:ea typeface="Calibri"/>
@@ -3569,12 +5263,12 @@
                         </a:spcAft>
                       </a:pPr>
                       <a:r>
-                        <a:rPr lang="nl-NL" sz="1200">
+                        <a:rPr lang="nl-NL" sz="1200" dirty="0">
                           <a:effectLst/>
                         </a:rPr>
                         <a:t>18</a:t>
                       </a:r>
-                      <a:endParaRPr lang="nl-NL" sz="1100">
+                      <a:endParaRPr lang="nl-NL" sz="1100" dirty="0">
                         <a:effectLst/>
                         <a:latin typeface="Calibri"/>
                         <a:ea typeface="Calibri"/>
@@ -3598,12 +5292,12 @@
                         </a:spcAft>
                       </a:pPr>
                       <a:r>
-                        <a:rPr lang="nl-NL" sz="1200">
+                        <a:rPr lang="nl-NL" sz="1200" dirty="0">
                           <a:effectLst/>
                         </a:rPr>
                         <a:t>8</a:t>
                       </a:r>
-                      <a:endParaRPr lang="nl-NL" sz="1100">
+                      <a:endParaRPr lang="nl-NL" sz="1100" dirty="0">
                         <a:effectLst/>
                         <a:latin typeface="Calibri"/>
                         <a:ea typeface="Calibri"/>
@@ -3658,12 +5352,12 @@
                         </a:spcAft>
                       </a:pPr>
                       <a:r>
-                        <a:rPr lang="nl-NL" sz="1200">
+                        <a:rPr lang="nl-NL" sz="1200" dirty="0">
                           <a:effectLst/>
                         </a:rPr>
                         <a:t>Find&amp;SwapRev</a:t>
                       </a:r>
-                      <a:endParaRPr lang="nl-NL" sz="1100">
+                      <a:endParaRPr lang="nl-NL" sz="1100" dirty="0">
                         <a:effectLst/>
                         <a:latin typeface="Calibri"/>
                         <a:ea typeface="Calibri"/>
@@ -4703,7 +6397,7 @@
           <p:nvPr/>
         </p:nvPicPr>
         <p:blipFill>
-          <a:blip r:embed="rId2">
+          <a:blip r:embed="rId3">
             <a:extLst>
               <a:ext uri="{28A0092B-C50C-407E-A947-70E740481C1C}">
                 <a14:useLocalDpi xmlns:a14="http://schemas.microsoft.com/office/drawing/2010/main" val="0"/>
@@ -4827,7 +6521,7 @@
           <p:nvPr/>
         </p:nvPicPr>
         <p:blipFill>
-          <a:blip r:embed="rId2" cstate="print">
+          <a:blip r:embed="rId3" cstate="print">
             <a:extLst>
               <a:ext uri="{28A0092B-C50C-407E-A947-70E740481C1C}">
                 <a14:useLocalDpi xmlns:a14="http://schemas.microsoft.com/office/drawing/2010/main" val="0"/>
@@ -4869,6 +6563,13 @@
   <p:clrMapOvr>
     <a:masterClrMapping/>
   </p:clrMapOvr>
+  <p:timing>
+    <p:tnLst>
+      <p:par>
+        <p:cTn id="1" dur="indefinite" restart="never" nodeType="tmRoot"/>
+      </p:par>
+    </p:tnLst>
+  </p:timing>
 </p:sld>
 </file>
 
@@ -6441,6 +8142,13 @@
   <p:clrMapOvr>
     <a:masterClrMapping/>
   </p:clrMapOvr>
+  <p:timing>
+    <p:tnLst>
+      <p:par>
+        <p:cTn id="1" dur="indefinite" restart="never" nodeType="tmRoot"/>
+      </p:par>
+    </p:tnLst>
+  </p:timing>
 </p:sld>
 </file>
 
@@ -8475,6 +10183,47 @@
           </a:p>
         </p:txBody>
       </p:sp>
+      <p:sp>
+        <p:nvSpPr>
+          <p:cNvPr id="2" name="TextBox 1"/>
+          <p:cNvSpPr txBox="1"/>
+          <p:nvPr/>
+        </p:nvSpPr>
+        <p:spPr>
+          <a:xfrm>
+            <a:off x="381000" y="5867400"/>
+            <a:ext cx="7090403" cy="646331"/>
+          </a:xfrm>
+          <a:prstGeom prst="rect">
+            <a:avLst/>
+          </a:prstGeom>
+          <a:noFill/>
+        </p:spPr>
+        <p:txBody>
+          <a:bodyPr wrap="none" rtlCol="0">
+            <a:spAutoFit/>
+          </a:bodyPr>
+          <a:lstStyle/>
+          <a:p>
+            <a:r>
+              <a:rPr lang="nl-NL" b="1" dirty="0" smtClean="0"/>
+              <a:t>Relatief goed:</a:t>
+            </a:r>
+            <a:r>
+              <a:rPr lang="nl-NL" dirty="0"/>
+              <a:t> </a:t>
+            </a:r>
+            <a:endParaRPr lang="nl-NL" dirty="0" smtClean="0"/>
+          </a:p>
+          <a:p>
+            <a:r>
+              <a:rPr lang="nl-NL" dirty="0" smtClean="0"/>
+              <a:t>5 1 4 3 9 6 10 2 8 7 12 11      20 24 18 13 17 21 22 19 16 25 15 17 14 21 23</a:t>
+            </a:r>
+            <a:endParaRPr lang="nl-NL" dirty="0"/>
+          </a:p>
+        </p:txBody>
+      </p:sp>
     </p:spTree>
     <p:extLst>
       <p:ext uri="{BB962C8B-B14F-4D97-AF65-F5344CB8AC3E}">
@@ -8485,6 +10234,13 @@
   <p:clrMapOvr>
     <a:masterClrMapping/>
   </p:clrMapOvr>
+  <p:timing>
+    <p:tnLst>
+      <p:par>
+        <p:cTn id="1" dur="indefinite" restart="never" nodeType="tmRoot"/>
+      </p:par>
+    </p:tnLst>
+  </p:timing>
 </p:sld>
 </file>
 
@@ -8600,6 +10356,13 @@
   <p:clrMapOvr>
     <a:masterClrMapping/>
   </p:clrMapOvr>
+  <p:timing>
+    <p:tnLst>
+      <p:par>
+        <p:cTn id="1" dur="indefinite" restart="never" nodeType="tmRoot"/>
+      </p:par>
+    </p:tnLst>
+  </p:timing>
 </p:sld>
 </file>
 
@@ -8669,8 +10432,13 @@
           <a:p>
             <a:r>
               <a:rPr lang="nl-NL" dirty="0" smtClean="0"/>
-              <a:t>Twee soorten fruitvliegen</a:t>
-            </a:r>
+              <a:t>Twee soorten </a:t>
+            </a:r>
+            <a:r>
+              <a:rPr lang="nl-NL" dirty="0" smtClean="0"/>
+              <a:t>fruitvliegen D. Melanogaster &amp; D. Miranda</a:t>
+            </a:r>
+            <a:endParaRPr lang="nl-NL" dirty="0" smtClean="0"/>
           </a:p>
           <a:p>
             <a:r>
@@ -8778,7 +10546,7 @@
           <p:nvPr/>
         </p:nvPicPr>
         <p:blipFill>
-          <a:blip r:embed="rId2">
+          <a:blip r:embed="rId3">
             <a:extLst>
               <a:ext uri="{28A0092B-C50C-407E-A947-70E740481C1C}">
                 <a14:useLocalDpi xmlns:a14="http://schemas.microsoft.com/office/drawing/2010/main" val="0"/>
@@ -8856,7 +10624,7 @@
           <p:nvPr/>
         </p:nvPicPr>
         <p:blipFill rotWithShape="1">
-          <a:blip r:embed="rId2" cstate="print">
+          <a:blip r:embed="rId3" cstate="print">
             <a:extLst>
               <a:ext uri="{28A0092B-C50C-407E-A947-70E740481C1C}">
                 <a14:useLocalDpi xmlns:a14="http://schemas.microsoft.com/office/drawing/2010/main" val="0"/>
@@ -8885,7 +10653,7 @@
           <p:nvPr/>
         </p:nvPicPr>
         <p:blipFill rotWithShape="1">
-          <a:blip r:embed="rId2" cstate="print">
+          <a:blip r:embed="rId3" cstate="print">
             <a:extLst>
               <a:ext uri="{28A0092B-C50C-407E-A947-70E740481C1C}">
                 <a14:useLocalDpi xmlns:a14="http://schemas.microsoft.com/office/drawing/2010/main" val="0"/>
@@ -8914,7 +10682,7 @@
           <p:nvPr/>
         </p:nvPicPr>
         <p:blipFill rotWithShape="1">
-          <a:blip r:embed="rId2" cstate="print">
+          <a:blip r:embed="rId3" cstate="print">
             <a:extLst>
               <a:ext uri="{28A0092B-C50C-407E-A947-70E740481C1C}">
                 <a14:useLocalDpi xmlns:a14="http://schemas.microsoft.com/office/drawing/2010/main" val="0"/>
@@ -8943,7 +10711,7 @@
           <p:nvPr/>
         </p:nvPicPr>
         <p:blipFill rotWithShape="1">
-          <a:blip r:embed="rId2" cstate="print">
+          <a:blip r:embed="rId3" cstate="print">
             <a:extLst>
               <a:ext uri="{28A0092B-C50C-407E-A947-70E740481C1C}">
                 <a14:useLocalDpi xmlns:a14="http://schemas.microsoft.com/office/drawing/2010/main" val="0"/>
@@ -9466,29 +11234,236 @@
           </a:p>
         </p:txBody>
       </p:sp>
-      <p:sp>
-        <p:nvSpPr>
-          <p:cNvPr id="3" name="Content Placeholder 2"/>
-          <p:cNvSpPr>
-            <a:spLocks noGrp="1"/>
-          </p:cNvSpPr>
+      <p:pic>
+        <p:nvPicPr>
+          <p:cNvPr id="4" name="Content Placeholder 3"/>
+          <p:cNvPicPr>
+            <a:picLocks noGrp="1" noChangeAspect="1"/>
+          </p:cNvPicPr>
           <p:nvPr>
             <p:ph idx="1"/>
           </p:nvPr>
-        </p:nvSpPr>
-        <p:spPr/>
-        <p:txBody>
-          <a:bodyPr/>
-          <a:lstStyle/>
-          <a:p>
-            <a:endParaRPr lang="nl-NL"/>
+        </p:nvPicPr>
+        <p:blipFill>
+          <a:blip r:embed="rId3">
+            <a:extLst>
+              <a:ext uri="{28A0092B-C50C-407E-A947-70E740481C1C}">
+                <a14:useLocalDpi xmlns:a14="http://schemas.microsoft.com/office/drawing/2010/main" val="0"/>
+              </a:ext>
+            </a:extLst>
+          </a:blip>
+          <a:stretch>
+            <a:fillRect/>
+          </a:stretch>
+        </p:blipFill>
+        <p:spPr>
+          <a:xfrm>
+            <a:off x="76200" y="3392594"/>
+            <a:ext cx="8305800" cy="646006"/>
+          </a:xfrm>
+        </p:spPr>
+      </p:pic>
+      <p:sp>
+        <p:nvSpPr>
+          <p:cNvPr id="5" name="Content Placeholder 2"/>
+          <p:cNvSpPr txBox="1">
+            <a:spLocks/>
+          </p:cNvSpPr>
+          <p:nvPr/>
+        </p:nvSpPr>
+        <p:spPr>
+          <a:xfrm>
+            <a:off x="457200" y="1600200"/>
+            <a:ext cx="7620000" cy="4800600"/>
+          </a:xfrm>
+          <a:prstGeom prst="rect">
+            <a:avLst/>
+          </a:prstGeom>
+        </p:spPr>
+        <p:txBody>
+          <a:bodyPr vert="horz" lIns="91440" tIns="45720" rIns="91440" bIns="45720" rtlCol="0">
+            <a:normAutofit/>
+          </a:bodyPr>
+          <a:lstStyle>
+            <a:lvl1pPr marL="342900" indent="-228600" algn="l" defTabSz="914400" rtl="0" eaLnBrk="1" latinLnBrk="0" hangingPunct="1">
+              <a:spcBef>
+                <a:spcPct val="20000"/>
+              </a:spcBef>
+              <a:buClr>
+                <a:schemeClr val="accent1"/>
+              </a:buClr>
+              <a:buFont typeface="Arial" pitchFamily="34" charset="0"/>
+              <a:buChar char="•"/>
+              <a:defRPr sz="2200" kern="1200">
+                <a:solidFill>
+                  <a:schemeClr val="tx1"/>
+                </a:solidFill>
+                <a:latin typeface="+mn-lt"/>
+                <a:ea typeface="+mn-ea"/>
+                <a:cs typeface="+mn-cs"/>
+              </a:defRPr>
+            </a:lvl1pPr>
+            <a:lvl2pPr marL="640080" indent="-228600" algn="l" defTabSz="914400" rtl="0" eaLnBrk="1" latinLnBrk="0" hangingPunct="1">
+              <a:spcBef>
+                <a:spcPct val="20000"/>
+              </a:spcBef>
+              <a:buClr>
+                <a:schemeClr val="accent2"/>
+              </a:buClr>
+              <a:buFont typeface="Arial" pitchFamily="34" charset="0"/>
+              <a:buChar char="•"/>
+              <a:defRPr sz="2000" kern="1200">
+                <a:solidFill>
+                  <a:schemeClr val="tx1"/>
+                </a:solidFill>
+                <a:latin typeface="+mn-lt"/>
+                <a:ea typeface="+mn-ea"/>
+                <a:cs typeface="+mn-cs"/>
+              </a:defRPr>
+            </a:lvl2pPr>
+            <a:lvl3pPr marL="1005840" indent="-228600" algn="l" defTabSz="914400" rtl="0" eaLnBrk="1" latinLnBrk="0" hangingPunct="1">
+              <a:spcBef>
+                <a:spcPct val="20000"/>
+              </a:spcBef>
+              <a:buClr>
+                <a:schemeClr val="accent3"/>
+              </a:buClr>
+              <a:buFont typeface="Arial" pitchFamily="34" charset="0"/>
+              <a:buChar char="•"/>
+              <a:defRPr sz="1800" kern="1200">
+                <a:solidFill>
+                  <a:schemeClr val="tx1"/>
+                </a:solidFill>
+                <a:latin typeface="+mn-lt"/>
+                <a:ea typeface="+mn-ea"/>
+                <a:cs typeface="+mn-cs"/>
+              </a:defRPr>
+            </a:lvl3pPr>
+            <a:lvl4pPr marL="1280160" indent="-228600" algn="l" defTabSz="914400" rtl="0" eaLnBrk="1" latinLnBrk="0" hangingPunct="1">
+              <a:spcBef>
+                <a:spcPct val="20000"/>
+              </a:spcBef>
+              <a:buClr>
+                <a:schemeClr val="accent4"/>
+              </a:buClr>
+              <a:buFont typeface="Arial" pitchFamily="34" charset="0"/>
+              <a:buChar char="•"/>
+              <a:defRPr sz="1600" kern="1200">
+                <a:solidFill>
+                  <a:schemeClr val="tx1"/>
+                </a:solidFill>
+                <a:latin typeface="+mn-lt"/>
+                <a:ea typeface="+mn-ea"/>
+                <a:cs typeface="+mn-cs"/>
+              </a:defRPr>
+            </a:lvl4pPr>
+            <a:lvl5pPr marL="1554480" indent="-228600" algn="l" defTabSz="914400" rtl="0" eaLnBrk="1" latinLnBrk="0" hangingPunct="1">
+              <a:spcBef>
+                <a:spcPct val="20000"/>
+              </a:spcBef>
+              <a:buClr>
+                <a:schemeClr val="accent5"/>
+              </a:buClr>
+              <a:buFont typeface="Arial" pitchFamily="34" charset="0"/>
+              <a:buChar char="•"/>
+              <a:defRPr sz="1400" kern="1200" baseline="0">
+                <a:solidFill>
+                  <a:schemeClr val="tx1"/>
+                </a:solidFill>
+                <a:latin typeface="+mn-lt"/>
+                <a:ea typeface="+mn-ea"/>
+                <a:cs typeface="+mn-cs"/>
+              </a:defRPr>
+            </a:lvl5pPr>
+            <a:lvl6pPr marL="1737360" indent="-182880" algn="l" defTabSz="914400" rtl="0" eaLnBrk="1" latinLnBrk="0" hangingPunct="1">
+              <a:spcBef>
+                <a:spcPct val="20000"/>
+              </a:spcBef>
+              <a:buClr>
+                <a:schemeClr val="accent1"/>
+              </a:buClr>
+              <a:buFont typeface="Arial" pitchFamily="34" charset="0"/>
+              <a:buChar char="•"/>
+              <a:defRPr sz="1400" kern="1200" baseline="0">
+                <a:solidFill>
+                  <a:schemeClr val="tx1"/>
+                </a:solidFill>
+                <a:latin typeface="+mn-lt"/>
+                <a:ea typeface="+mn-ea"/>
+                <a:cs typeface="+mn-cs"/>
+              </a:defRPr>
+            </a:lvl6pPr>
+            <a:lvl7pPr marL="1920240" indent="-182880" algn="l" defTabSz="914400" rtl="0" eaLnBrk="1" latinLnBrk="0" hangingPunct="1">
+              <a:spcBef>
+                <a:spcPct val="20000"/>
+              </a:spcBef>
+              <a:buClr>
+                <a:schemeClr val="accent2"/>
+              </a:buClr>
+              <a:buFont typeface="Arial" pitchFamily="34" charset="0"/>
+              <a:buChar char="•"/>
+              <a:defRPr sz="1400" kern="1200">
+                <a:solidFill>
+                  <a:schemeClr val="tx1"/>
+                </a:solidFill>
+                <a:latin typeface="+mn-lt"/>
+                <a:ea typeface="+mn-ea"/>
+                <a:cs typeface="+mn-cs"/>
+              </a:defRPr>
+            </a:lvl7pPr>
+            <a:lvl8pPr marL="2103120" indent="-182880" algn="l" defTabSz="914400" rtl="0" eaLnBrk="1" latinLnBrk="0" hangingPunct="1">
+              <a:spcBef>
+                <a:spcPct val="20000"/>
+              </a:spcBef>
+              <a:buClr>
+                <a:schemeClr val="accent3"/>
+              </a:buClr>
+              <a:buFont typeface="Arial" pitchFamily="34" charset="0"/>
+              <a:buChar char="•"/>
+              <a:defRPr sz="1400" kern="1200">
+                <a:solidFill>
+                  <a:schemeClr val="tx1"/>
+                </a:solidFill>
+                <a:latin typeface="+mn-lt"/>
+                <a:ea typeface="+mn-ea"/>
+                <a:cs typeface="+mn-cs"/>
+              </a:defRPr>
+            </a:lvl8pPr>
+            <a:lvl9pPr marL="2286000" indent="-182880" algn="l" defTabSz="914400" rtl="0" eaLnBrk="1" latinLnBrk="0" hangingPunct="1">
+              <a:spcBef>
+                <a:spcPct val="20000"/>
+              </a:spcBef>
+              <a:buClr>
+                <a:schemeClr val="accent4"/>
+              </a:buClr>
+              <a:buFont typeface="Arial" pitchFamily="34" charset="0"/>
+              <a:buChar char="•"/>
+              <a:defRPr sz="1400" kern="1200">
+                <a:solidFill>
+                  <a:schemeClr val="tx1"/>
+                </a:solidFill>
+                <a:latin typeface="+mn-lt"/>
+                <a:ea typeface="+mn-ea"/>
+                <a:cs typeface="+mn-cs"/>
+              </a:defRPr>
+            </a:lvl9pPr>
+          </a:lstStyle>
+          <a:p>
+            <a:pPr marL="114300" indent="0">
+              <a:buNone/>
+            </a:pPr>
+            <a:r>
+              <a:rPr lang="nl-NL" dirty="0" smtClean="0"/>
+              <a:t>Aantal losse getallen + aantal getallenchunks</a:t>
+            </a:r>
+            <a:endParaRPr lang="nl-NL" dirty="0"/>
           </a:p>
         </p:txBody>
       </p:sp>
     </p:spTree>
     <p:extLst>
       <p:ext uri="{BB962C8B-B14F-4D97-AF65-F5344CB8AC3E}">
-        <p14:creationId xmlns:p14="http://schemas.microsoft.com/office/powerpoint/2010/main" val="3221633631"/>
+        <p14:creationId xmlns:p14="http://schemas.microsoft.com/office/powerpoint/2010/main" val="681484055"/>
       </p:ext>
     </p:extLst>
   </p:cSld>
@@ -9560,14 +11535,113 @@
           <a:bodyPr/>
           <a:lstStyle/>
           <a:p>
+            <a:r>
+              <a:rPr lang="nl-NL" dirty="0" smtClean="0"/>
+              <a:t>Geïnspireerd </a:t>
+            </a:r>
+            <a:r>
+              <a:rPr lang="nl-NL" dirty="0" smtClean="0"/>
+              <a:t>door</a:t>
+            </a:r>
+            <a:r>
+              <a:rPr lang="nl-NL" dirty="0" smtClean="0"/>
+              <a:t> </a:t>
+            </a:r>
+            <a:r>
+              <a:rPr lang="nl-NL" dirty="0" smtClean="0"/>
+              <a:t>A*</a:t>
+            </a:r>
+          </a:p>
+          <a:p>
+            <a:endParaRPr lang="nl-NL" dirty="0" smtClean="0"/>
+          </a:p>
+          <a:p>
+            <a:r>
+              <a:rPr lang="nl-NL" dirty="0" smtClean="0"/>
+              <a:t>Score = inversies + elementen</a:t>
+            </a:r>
+          </a:p>
+          <a:p>
+            <a:r>
+              <a:rPr lang="nl-NL" dirty="0" smtClean="0"/>
+              <a:t>Hoe lager de score, hoe eerder in de priority queue</a:t>
+            </a:r>
+          </a:p>
+          <a:p>
+            <a:endParaRPr lang="nl-NL" dirty="0" smtClean="0"/>
+          </a:p>
+          <a:p>
+            <a:r>
+              <a:rPr lang="nl-NL" dirty="0" smtClean="0"/>
+              <a:t>Score daalt bij inversie met -2 elementen</a:t>
+            </a:r>
+          </a:p>
+          <a:p>
+            <a:r>
+              <a:rPr lang="nl-NL" dirty="0" smtClean="0"/>
+              <a:t>Hierdoor </a:t>
+            </a:r>
+            <a:r>
+              <a:rPr lang="nl-NL" dirty="0" smtClean="0"/>
+              <a:t>genieten</a:t>
+            </a:r>
+            <a:r>
+              <a:rPr lang="nl-NL" dirty="0" smtClean="0"/>
+              <a:t> </a:t>
+            </a:r>
+            <a:r>
+              <a:rPr lang="nl-NL" dirty="0" smtClean="0"/>
+              <a:t>betere inversies </a:t>
+            </a:r>
+            <a:r>
+              <a:rPr lang="nl-NL" dirty="0" smtClean="0"/>
+              <a:t>de</a:t>
+            </a:r>
+            <a:r>
+              <a:rPr lang="nl-NL" dirty="0" smtClean="0"/>
+              <a:t> </a:t>
+            </a:r>
+            <a:r>
+              <a:rPr lang="nl-NL" dirty="0" smtClean="0"/>
+              <a:t>voorkeur</a:t>
+            </a:r>
             <a:endParaRPr lang="nl-NL" dirty="0"/>
           </a:p>
         </p:txBody>
       </p:sp>
+      <p:pic>
+        <p:nvPicPr>
+          <p:cNvPr id="4" name="Picture 3"/>
+          <p:cNvPicPr>
+            <a:picLocks noChangeAspect="1"/>
+          </p:cNvPicPr>
+          <p:nvPr/>
+        </p:nvPicPr>
+        <p:blipFill rotWithShape="1">
+          <a:blip r:embed="rId3">
+            <a:extLst>
+              <a:ext uri="{28A0092B-C50C-407E-A947-70E740481C1C}">
+                <a14:useLocalDpi xmlns:a14="http://schemas.microsoft.com/office/drawing/2010/main" val="0"/>
+              </a:ext>
+            </a:extLst>
+          </a:blip>
+          <a:srcRect l="7500" t="35416" r="8333" b="14583"/>
+          <a:stretch/>
+        </p:blipFill>
+        <p:spPr>
+          <a:xfrm>
+            <a:off x="838200" y="4648200"/>
+            <a:ext cx="6172200" cy="1466662"/>
+          </a:xfrm>
+          <a:prstGeom prst="rect">
+            <a:avLst/>
+          </a:prstGeom>
+        </p:spPr>
+      </p:pic>
     </p:spTree>
     <p:extLst>
       <p:ext uri="{BB962C8B-B14F-4D97-AF65-F5344CB8AC3E}">
-        <p14:creationId xmlns:p14="http://schemas.microsoft.com/office/powerpoint/2010/main" val="3584508718"/>
+        <p14:creationId xmlns:p14="http://schemas.microsoft.com/office/powerpoint/2010/main" val="885966787"/>
       </p:ext>
     </p:extLst>
   </p:cSld>
@@ -9672,7 +11746,15 @@
             </a:pPr>
             <a:r>
               <a:rPr lang="nl-NL" sz="1800" dirty="0" smtClean="0"/>
-              <a:t>Beste resultaat met score systeem:</a:t>
+              <a:t>Beste resultaat met </a:t>
+            </a:r>
+            <a:r>
+              <a:rPr lang="nl-NL" sz="1800" dirty="0" smtClean="0"/>
+              <a:t>scoresysteem</a:t>
+            </a:r>
+            <a:r>
+              <a:rPr lang="nl-NL" sz="1800" dirty="0" smtClean="0"/>
+              <a:t>:</a:t>
             </a:r>
           </a:p>
           <a:p>
@@ -9694,21 +11776,15 @@
             </a:r>
             <a:r>
               <a:rPr lang="nl-NL" sz="1800" dirty="0" smtClean="0"/>
-              <a:t>estorteerde locatie af zitten. Laagste score is </a:t>
-            </a:r>
+              <a:t>estorteerde locatie af zitten. </a:t>
+            </a:r>
+            <a:endParaRPr lang="nl-NL" sz="1800" dirty="0" smtClean="0"/>
           </a:p>
           <a:p>
             <a:pPr marL="114300" indent="0">
               <a:buNone/>
             </a:pPr>
-            <a:r>
-              <a:rPr lang="nl-NL" sz="1800" dirty="0"/>
-              <a:t>d</a:t>
-            </a:r>
-            <a:r>
-              <a:rPr lang="nl-NL" sz="1800" dirty="0" smtClean="0"/>
-              <a:t>e beste score.</a:t>
-            </a:r>
+            <a:endParaRPr lang="nl-NL" sz="1800" dirty="0"/>
           </a:p>
           <a:p>
             <a:pPr marL="114300" indent="0">
@@ -9716,9 +11792,29 @@
             </a:pPr>
             <a:r>
               <a:rPr lang="nl-NL" sz="1800" dirty="0" smtClean="0"/>
+              <a:t>Laagste </a:t>
+            </a:r>
+            <a:r>
+              <a:rPr lang="nl-NL" sz="1800" dirty="0" smtClean="0"/>
+              <a:t>score is </a:t>
+            </a:r>
+            <a:r>
+              <a:rPr lang="nl-NL" sz="1800" dirty="0" smtClean="0"/>
+              <a:t>de </a:t>
+            </a:r>
+            <a:r>
+              <a:rPr lang="nl-NL" sz="1800" dirty="0" smtClean="0"/>
+              <a:t>beste score.</a:t>
+            </a:r>
+          </a:p>
+          <a:p>
+            <a:pPr marL="114300" indent="0">
+              <a:buNone/>
+            </a:pPr>
+            <a:r>
+              <a:rPr lang="nl-NL" sz="1800" dirty="0" smtClean="0"/>
               <a:t>Gesorteerde score is 0.</a:t>
             </a:r>
-            <a:endParaRPr lang="nl-NL" sz="1800" dirty="0" smtClean="0"/>
           </a:p>
         </p:txBody>
       </p:sp>
@@ -9891,6 +11987,13 @@
   <p:clrMapOvr>
     <a:masterClrMapping/>
   </p:clrMapOvr>
+  <p:timing>
+    <p:tnLst>
+      <p:par>
+        <p:cTn id="1" dur="indefinite" restart="never" nodeType="tmRoot"/>
+      </p:par>
+    </p:tnLst>
+  </p:timing>
 </p:sld>
 </file>
 
@@ -10125,4 +12228,289 @@
   <a:objectDefaults/>
   <a:extraClrSchemeLst/>
 </a:theme>
+</file>
+
+<file path=ppt/theme/theme2.xml><?xml version="1.0" encoding="utf-8"?>
+<a:theme xmlns:a="http://schemas.openxmlformats.org/drawingml/2006/main" name="Office Theme">
+  <a:themeElements>
+    <a:clrScheme name="Office">
+      <a:dk1>
+        <a:sysClr val="windowText" lastClr="000000"/>
+      </a:dk1>
+      <a:lt1>
+        <a:sysClr val="window" lastClr="FFFFFF"/>
+      </a:lt1>
+      <a:dk2>
+        <a:srgbClr val="1F497D"/>
+      </a:dk2>
+      <a:lt2>
+        <a:srgbClr val="EEECE1"/>
+      </a:lt2>
+      <a:accent1>
+        <a:srgbClr val="4F81BD"/>
+      </a:accent1>
+      <a:accent2>
+        <a:srgbClr val="C0504D"/>
+      </a:accent2>
+      <a:accent3>
+        <a:srgbClr val="9BBB59"/>
+      </a:accent3>
+      <a:accent4>
+        <a:srgbClr val="8064A2"/>
+      </a:accent4>
+      <a:accent5>
+        <a:srgbClr val="4BACC6"/>
+      </a:accent5>
+      <a:accent6>
+        <a:srgbClr val="F79646"/>
+      </a:accent6>
+      <a:hlink>
+        <a:srgbClr val="0000FF"/>
+      </a:hlink>
+      <a:folHlink>
+        <a:srgbClr val="800080"/>
+      </a:folHlink>
+    </a:clrScheme>
+    <a:fontScheme name="Office">
+      <a:majorFont>
+        <a:latin typeface="Calibri"/>
+        <a:ea typeface=""/>
+        <a:cs typeface=""/>
+        <a:font script="Jpan" typeface="ＭＳ Ｐゴシック"/>
+        <a:font script="Hang" typeface="맑은 고딕"/>
+        <a:font script="Hans" typeface="宋体"/>
+        <a:font script="Hant" typeface="新細明體"/>
+        <a:font script="Arab" typeface="Times New Roman"/>
+        <a:font script="Hebr" typeface="Times New Roman"/>
+        <a:font script="Thai" typeface="Angsana New"/>
+        <a:font script="Ethi" typeface="Nyala"/>
+        <a:font script="Beng" typeface="Vrinda"/>
+        <a:font script="Gujr" typeface="Shruti"/>
+        <a:font script="Khmr" typeface="MoolBoran"/>
+        <a:font script="Knda" typeface="Tunga"/>
+        <a:font script="Guru" typeface="Raavi"/>
+        <a:font script="Cans" typeface="Euphemia"/>
+        <a:font script="Cher" typeface="Plantagenet Cherokee"/>
+        <a:font script="Yiii" typeface="Microsoft Yi Baiti"/>
+        <a:font script="Tibt" typeface="Microsoft Himalaya"/>
+        <a:font script="Thaa" typeface="MV Boli"/>
+        <a:font script="Deva" typeface="Mangal"/>
+        <a:font script="Telu" typeface="Gautami"/>
+        <a:font script="Taml" typeface="Latha"/>
+        <a:font script="Syrc" typeface="Estrangelo Edessa"/>
+        <a:font script="Orya" typeface="Kalinga"/>
+        <a:font script="Mlym" typeface="Kartika"/>
+        <a:font script="Laoo" typeface="DokChampa"/>
+        <a:font script="Sinh" typeface="Iskoola Pota"/>
+        <a:font script="Mong" typeface="Mongolian Baiti"/>
+        <a:font script="Viet" typeface="Times New Roman"/>
+        <a:font script="Uigh" typeface="Microsoft Uighur"/>
+        <a:font script="Geor" typeface="Sylfaen"/>
+      </a:majorFont>
+      <a:minorFont>
+        <a:latin typeface="Calibri"/>
+        <a:ea typeface=""/>
+        <a:cs typeface=""/>
+        <a:font script="Jpan" typeface="ＭＳ Ｐゴシック"/>
+        <a:font script="Hang" typeface="맑은 고딕"/>
+        <a:font script="Hans" typeface="宋体"/>
+        <a:font script="Hant" typeface="新細明體"/>
+        <a:font script="Arab" typeface="Arial"/>
+        <a:font script="Hebr" typeface="Arial"/>
+        <a:font script="Thai" typeface="Cordia New"/>
+        <a:font script="Ethi" typeface="Nyala"/>
+        <a:font script="Beng" typeface="Vrinda"/>
+        <a:font script="Gujr" typeface="Shruti"/>
+        <a:font script="Khmr" typeface="DaunPenh"/>
+        <a:font script="Knda" typeface="Tunga"/>
+        <a:font script="Guru" typeface="Raavi"/>
+        <a:font script="Cans" typeface="Euphemia"/>
+        <a:font script="Cher" typeface="Plantagenet Cherokee"/>
+        <a:font script="Yiii" typeface="Microsoft Yi Baiti"/>
+        <a:font script="Tibt" typeface="Microsoft Himalaya"/>
+        <a:font script="Thaa" typeface="MV Boli"/>
+        <a:font script="Deva" typeface="Mangal"/>
+        <a:font script="Telu" typeface="Gautami"/>
+        <a:font script="Taml" typeface="Latha"/>
+        <a:font script="Syrc" typeface="Estrangelo Edessa"/>
+        <a:font script="Orya" typeface="Kalinga"/>
+        <a:font script="Mlym" typeface="Kartika"/>
+        <a:font script="Laoo" typeface="DokChampa"/>
+        <a:font script="Sinh" typeface="Iskoola Pota"/>
+        <a:font script="Mong" typeface="Mongolian Baiti"/>
+        <a:font script="Viet" typeface="Arial"/>
+        <a:font script="Uigh" typeface="Microsoft Uighur"/>
+        <a:font script="Geor" typeface="Sylfaen"/>
+      </a:minorFont>
+    </a:fontScheme>
+    <a:fmtScheme name="Office">
+      <a:fillStyleLst>
+        <a:solidFill>
+          <a:schemeClr val="phClr"/>
+        </a:solidFill>
+        <a:gradFill rotWithShape="1">
+          <a:gsLst>
+            <a:gs pos="0">
+              <a:schemeClr val="phClr">
+                <a:tint val="50000"/>
+                <a:satMod val="300000"/>
+              </a:schemeClr>
+            </a:gs>
+            <a:gs pos="35000">
+              <a:schemeClr val="phClr">
+                <a:tint val="37000"/>
+                <a:satMod val="300000"/>
+              </a:schemeClr>
+            </a:gs>
+            <a:gs pos="100000">
+              <a:schemeClr val="phClr">
+                <a:tint val="15000"/>
+                <a:satMod val="350000"/>
+              </a:schemeClr>
+            </a:gs>
+          </a:gsLst>
+          <a:lin ang="16200000" scaled="1"/>
+        </a:gradFill>
+        <a:gradFill rotWithShape="1">
+          <a:gsLst>
+            <a:gs pos="0">
+              <a:schemeClr val="phClr">
+                <a:shade val="51000"/>
+                <a:satMod val="130000"/>
+              </a:schemeClr>
+            </a:gs>
+            <a:gs pos="80000">
+              <a:schemeClr val="phClr">
+                <a:shade val="93000"/>
+                <a:satMod val="130000"/>
+              </a:schemeClr>
+            </a:gs>
+            <a:gs pos="100000">
+              <a:schemeClr val="phClr">
+                <a:shade val="94000"/>
+                <a:satMod val="135000"/>
+              </a:schemeClr>
+            </a:gs>
+          </a:gsLst>
+          <a:lin ang="16200000" scaled="0"/>
+        </a:gradFill>
+      </a:fillStyleLst>
+      <a:lnStyleLst>
+        <a:ln w="9525" cap="flat" cmpd="sng" algn="ctr">
+          <a:solidFill>
+            <a:schemeClr val="phClr">
+              <a:shade val="95000"/>
+              <a:satMod val="105000"/>
+            </a:schemeClr>
+          </a:solidFill>
+          <a:prstDash val="solid"/>
+        </a:ln>
+        <a:ln w="25400" cap="flat" cmpd="sng" algn="ctr">
+          <a:solidFill>
+            <a:schemeClr val="phClr"/>
+          </a:solidFill>
+          <a:prstDash val="solid"/>
+        </a:ln>
+        <a:ln w="38100" cap="flat" cmpd="sng" algn="ctr">
+          <a:solidFill>
+            <a:schemeClr val="phClr"/>
+          </a:solidFill>
+          <a:prstDash val="solid"/>
+        </a:ln>
+      </a:lnStyleLst>
+      <a:effectStyleLst>
+        <a:effectStyle>
+          <a:effectLst>
+            <a:outerShdw blurRad="40000" dist="20000" dir="5400000" rotWithShape="0">
+              <a:srgbClr val="000000">
+                <a:alpha val="38000"/>
+              </a:srgbClr>
+            </a:outerShdw>
+          </a:effectLst>
+        </a:effectStyle>
+        <a:effectStyle>
+          <a:effectLst>
+            <a:outerShdw blurRad="40000" dist="23000" dir="5400000" rotWithShape="0">
+              <a:srgbClr val="000000">
+                <a:alpha val="35000"/>
+              </a:srgbClr>
+            </a:outerShdw>
+          </a:effectLst>
+        </a:effectStyle>
+        <a:effectStyle>
+          <a:effectLst>
+            <a:outerShdw blurRad="40000" dist="23000" dir="5400000" rotWithShape="0">
+              <a:srgbClr val="000000">
+                <a:alpha val="35000"/>
+              </a:srgbClr>
+            </a:outerShdw>
+          </a:effectLst>
+          <a:scene3d>
+            <a:camera prst="orthographicFront">
+              <a:rot lat="0" lon="0" rev="0"/>
+            </a:camera>
+            <a:lightRig rig="threePt" dir="t">
+              <a:rot lat="0" lon="0" rev="1200000"/>
+            </a:lightRig>
+          </a:scene3d>
+          <a:sp3d>
+            <a:bevelT w="63500" h="25400"/>
+          </a:sp3d>
+        </a:effectStyle>
+      </a:effectStyleLst>
+      <a:bgFillStyleLst>
+        <a:solidFill>
+          <a:schemeClr val="phClr"/>
+        </a:solidFill>
+        <a:gradFill rotWithShape="1">
+          <a:gsLst>
+            <a:gs pos="0">
+              <a:schemeClr val="phClr">
+                <a:tint val="40000"/>
+                <a:satMod val="350000"/>
+              </a:schemeClr>
+            </a:gs>
+            <a:gs pos="40000">
+              <a:schemeClr val="phClr">
+                <a:tint val="45000"/>
+                <a:shade val="99000"/>
+                <a:satMod val="350000"/>
+              </a:schemeClr>
+            </a:gs>
+            <a:gs pos="100000">
+              <a:schemeClr val="phClr">
+                <a:shade val="20000"/>
+                <a:satMod val="255000"/>
+              </a:schemeClr>
+            </a:gs>
+          </a:gsLst>
+          <a:path path="circle">
+            <a:fillToRect l="50000" t="-80000" r="50000" b="180000"/>
+          </a:path>
+        </a:gradFill>
+        <a:gradFill rotWithShape="1">
+          <a:gsLst>
+            <a:gs pos="0">
+              <a:schemeClr val="phClr">
+                <a:tint val="80000"/>
+                <a:satMod val="300000"/>
+              </a:schemeClr>
+            </a:gs>
+            <a:gs pos="100000">
+              <a:schemeClr val="phClr">
+                <a:shade val="30000"/>
+                <a:satMod val="200000"/>
+              </a:schemeClr>
+            </a:gs>
+          </a:gsLst>
+          <a:path path="circle">
+            <a:fillToRect l="50000" t="50000" r="50000" b="50000"/>
+          </a:path>
+        </a:gradFill>
+      </a:bgFillStyleLst>
+    </a:fmtScheme>
+  </a:themeElements>
+  <a:objectDefaults/>
+  <a:extraClrSchemeLst/>
+</a:theme>
 </file>